--- a/lectures/ll3.pptx
+++ b/lectures/ll3.pptx
@@ -6,26 +6,28 @@
     <p:sldMasterId id="2147483684" r:id="rId2"/>
   </p:sldMasterIdLst>
   <p:notesMasterIdLst>
-    <p:notesMasterId r:id="rId20"/>
+    <p:notesMasterId r:id="rId22"/>
   </p:notesMasterIdLst>
   <p:sldIdLst>
     <p:sldId id="297" r:id="rId3"/>
     <p:sldId id="846" r:id="rId4"/>
-    <p:sldId id="847" r:id="rId5"/>
-    <p:sldId id="848" r:id="rId6"/>
-    <p:sldId id="845" r:id="rId7"/>
-    <p:sldId id="849" r:id="rId8"/>
-    <p:sldId id="850" r:id="rId9"/>
-    <p:sldId id="852" r:id="rId10"/>
-    <p:sldId id="851" r:id="rId11"/>
-    <p:sldId id="853" r:id="rId12"/>
-    <p:sldId id="854" r:id="rId13"/>
-    <p:sldId id="855" r:id="rId14"/>
-    <p:sldId id="856" r:id="rId15"/>
-    <p:sldId id="857" r:id="rId16"/>
-    <p:sldId id="858" r:id="rId17"/>
-    <p:sldId id="859" r:id="rId18"/>
-    <p:sldId id="861" r:id="rId19"/>
+    <p:sldId id="862" r:id="rId5"/>
+    <p:sldId id="847" r:id="rId6"/>
+    <p:sldId id="848" r:id="rId7"/>
+    <p:sldId id="845" r:id="rId8"/>
+    <p:sldId id="849" r:id="rId9"/>
+    <p:sldId id="850" r:id="rId10"/>
+    <p:sldId id="852" r:id="rId11"/>
+    <p:sldId id="851" r:id="rId12"/>
+    <p:sldId id="853" r:id="rId13"/>
+    <p:sldId id="854" r:id="rId14"/>
+    <p:sldId id="855" r:id="rId15"/>
+    <p:sldId id="856" r:id="rId16"/>
+    <p:sldId id="864" r:id="rId17"/>
+    <p:sldId id="857" r:id="rId18"/>
+    <p:sldId id="858" r:id="rId19"/>
+    <p:sldId id="859" r:id="rId20"/>
+    <p:sldId id="861" r:id="rId21"/>
   </p:sldIdLst>
   <p:sldSz cx="12192000" cy="6858000"/>
   <p:notesSz cx="6858000" cy="9144000"/>
@@ -214,7 +216,7 @@
           <a:p>
             <a:fld id="{07C78A03-F245-1B43-8CDE-3B0275888050}" type="datetimeFigureOut">
               <a:rPr lang="en-US" smtClean="0"/>
-              <a:t>5/20/21</a:t>
+              <a:t>5/6/22</a:t>
             </a:fld>
             <a:endParaRPr lang="en-US"/>
           </a:p>
@@ -756,7 +758,7 @@
           <a:p>
             <a:fld id="{4DCBF740-D535-F744-89A8-4E42B3D6BD32}" type="slidenum">
               <a:rPr lang="en-US" smtClean="0"/>
-              <a:t>3</a:t>
+              <a:t>4</a:t>
             </a:fld>
             <a:endParaRPr lang="en-US"/>
           </a:p>
@@ -962,7 +964,7 @@
           <a:p>
             <a:fld id="{4DCBF740-D535-F744-89A8-4E42B3D6BD32}" type="slidenum">
               <a:rPr lang="en-US" smtClean="0"/>
-              <a:t>4</a:t>
+              <a:t>5</a:t>
             </a:fld>
             <a:endParaRPr lang="en-US"/>
           </a:p>
@@ -1168,7 +1170,7 @@
           <a:p>
             <a:fld id="{4DCBF740-D535-F744-89A8-4E42B3D6BD32}" type="slidenum">
               <a:rPr lang="en-US" smtClean="0"/>
-              <a:t>5</a:t>
+              <a:t>6</a:t>
             </a:fld>
             <a:endParaRPr lang="en-US"/>
           </a:p>
@@ -1332,7 +1334,7 @@
           <a:p>
             <a:fld id="{4DCBF740-D535-F744-89A8-4E42B3D6BD32}" type="slidenum">
               <a:rPr lang="en-US" smtClean="0"/>
-              <a:t>6</a:t>
+              <a:t>7</a:t>
             </a:fld>
             <a:endParaRPr lang="en-US"/>
           </a:p>
@@ -1903,7 +1905,7 @@
           <a:p>
             <a:fld id="{43173F10-24B0-F241-BAFD-0430E6089C92}" type="datetimeFigureOut">
               <a:rPr lang="en-US" smtClean="0"/>
-              <a:t>5/20/21</a:t>
+              <a:t>5/6/22</a:t>
             </a:fld>
             <a:endParaRPr lang="en-US"/>
           </a:p>
@@ -2101,7 +2103,7 @@
           <a:p>
             <a:fld id="{43173F10-24B0-F241-BAFD-0430E6089C92}" type="datetimeFigureOut">
               <a:rPr lang="en-US" smtClean="0"/>
-              <a:t>5/20/21</a:t>
+              <a:t>5/6/22</a:t>
             </a:fld>
             <a:endParaRPr lang="en-US"/>
           </a:p>
@@ -2376,7 +2378,7 @@
           <a:p>
             <a:fld id="{43173F10-24B0-F241-BAFD-0430E6089C92}" type="datetimeFigureOut">
               <a:rPr lang="en-US" smtClean="0"/>
-              <a:t>5/20/21</a:t>
+              <a:t>5/6/22</a:t>
             </a:fld>
             <a:endParaRPr lang="en-US"/>
           </a:p>
@@ -2641,7 +2643,7 @@
           <a:p>
             <a:fld id="{43173F10-24B0-F241-BAFD-0430E6089C92}" type="datetimeFigureOut">
               <a:rPr lang="en-US" smtClean="0"/>
-              <a:t>5/20/21</a:t>
+              <a:t>5/6/22</a:t>
             </a:fld>
             <a:endParaRPr lang="en-US"/>
           </a:p>
@@ -3053,7 +3055,7 @@
           <a:p>
             <a:fld id="{43173F10-24B0-F241-BAFD-0430E6089C92}" type="datetimeFigureOut">
               <a:rPr lang="en-US" smtClean="0"/>
-              <a:t>5/20/21</a:t>
+              <a:t>5/6/22</a:t>
             </a:fld>
             <a:endParaRPr lang="en-US"/>
           </a:p>
@@ -3194,7 +3196,7 @@
           <a:p>
             <a:fld id="{43173F10-24B0-F241-BAFD-0430E6089C92}" type="datetimeFigureOut">
               <a:rPr lang="en-US" smtClean="0"/>
-              <a:t>5/20/21</a:t>
+              <a:t>5/6/22</a:t>
             </a:fld>
             <a:endParaRPr lang="en-US"/>
           </a:p>
@@ -3307,7 +3309,7 @@
           <a:p>
             <a:fld id="{43173F10-24B0-F241-BAFD-0430E6089C92}" type="datetimeFigureOut">
               <a:rPr lang="en-US" smtClean="0"/>
-              <a:t>5/20/21</a:t>
+              <a:t>5/6/22</a:t>
             </a:fld>
             <a:endParaRPr lang="en-US"/>
           </a:p>
@@ -3618,7 +3620,7 @@
           <a:p>
             <a:fld id="{43173F10-24B0-F241-BAFD-0430E6089C92}" type="datetimeFigureOut">
               <a:rPr lang="en-US" smtClean="0"/>
-              <a:t>5/20/21</a:t>
+              <a:t>5/6/22</a:t>
             </a:fld>
             <a:endParaRPr lang="en-US"/>
           </a:p>
@@ -4037,7 +4039,7 @@
           <a:p>
             <a:fld id="{43173F10-24B0-F241-BAFD-0430E6089C92}" type="datetimeFigureOut">
               <a:rPr lang="en-US" smtClean="0"/>
-              <a:t>5/20/21</a:t>
+              <a:t>5/6/22</a:t>
             </a:fld>
             <a:endParaRPr lang="en-US"/>
           </a:p>
@@ -4235,7 +4237,7 @@
           <a:p>
             <a:fld id="{43173F10-24B0-F241-BAFD-0430E6089C92}" type="datetimeFigureOut">
               <a:rPr lang="en-US" smtClean="0"/>
-              <a:t>5/20/21</a:t>
+              <a:t>5/6/22</a:t>
             </a:fld>
             <a:endParaRPr lang="en-US"/>
           </a:p>
@@ -4443,7 +4445,7 @@
           <a:p>
             <a:fld id="{43173F10-24B0-F241-BAFD-0430E6089C92}" type="datetimeFigureOut">
               <a:rPr lang="en-US" smtClean="0"/>
-              <a:t>5/20/21</a:t>
+              <a:t>5/6/22</a:t>
             </a:fld>
             <a:endParaRPr lang="en-US"/>
           </a:p>
@@ -6295,7 +6297,7 @@
           <a:p>
             <a:fld id="{43173F10-24B0-F241-BAFD-0430E6089C92}" type="datetimeFigureOut">
               <a:rPr lang="en-US" smtClean="0"/>
-              <a:t>5/20/21</a:t>
+              <a:t>5/6/22</a:t>
             </a:fld>
             <a:endParaRPr lang="en-US"/>
           </a:p>
@@ -6776,16 +6778,6 @@
           </a:p>
           <a:p>
             <a:r>
-              <a:rPr lang="en-US" sz="2400" dirty="0" err="1"/>
-              <a:t>MMCi</a:t>
-            </a:r>
-            <a:r>
-              <a:rPr lang="en-US" sz="2400" dirty="0"/>
-              <a:t> Block 2</a:t>
-            </a:r>
-          </a:p>
-          <a:p>
-            <a:r>
               <a:rPr lang="en-US" sz="2400" dirty="0"/>
               <a:t>Matthew Engelhard</a:t>
             </a:r>
@@ -6822,12 +6814,72 @@
           <a:chExt cx="0" cy="0"/>
         </a:xfrm>
       </p:grpSpPr>
-      <p:sp>
-        <p:nvSpPr>
-          <p:cNvPr id="2" name="Title 1">
-            <a:extLst>
-              <a:ext uri="{FF2B5EF4-FFF2-40B4-BE49-F238E27FC236}">
-                <a16:creationId xmlns:a16="http://schemas.microsoft.com/office/drawing/2014/main" id="{95DA13A3-7A9E-0C45-9780-C41A9E763217}"/>
+      <p:pic>
+        <p:nvPicPr>
+          <p:cNvPr id="4" name="Picture 3">
+            <a:extLst>
+              <a:ext uri="{FF2B5EF4-FFF2-40B4-BE49-F238E27FC236}">
+                <a16:creationId xmlns:a16="http://schemas.microsoft.com/office/drawing/2014/main" id="{7ADB5A59-BB16-1843-985C-20C7DF2E47CB}"/>
+              </a:ext>
+            </a:extLst>
+          </p:cNvPr>
+          <p:cNvPicPr>
+            <a:picLocks noChangeAspect="1"/>
+          </p:cNvPicPr>
+          <p:nvPr/>
+        </p:nvPicPr>
+        <p:blipFill>
+          <a:blip r:embed="rId2"/>
+          <a:stretch>
+            <a:fillRect/>
+          </a:stretch>
+        </p:blipFill>
+        <p:spPr>
+          <a:xfrm>
+            <a:off x="5619235" y="243523"/>
+            <a:ext cx="4663440" cy="2331720"/>
+          </a:xfrm>
+          <a:prstGeom prst="rect">
+            <a:avLst/>
+          </a:prstGeom>
+        </p:spPr>
+      </p:pic>
+      <p:pic>
+        <p:nvPicPr>
+          <p:cNvPr id="7" name="Picture 6">
+            <a:extLst>
+              <a:ext uri="{FF2B5EF4-FFF2-40B4-BE49-F238E27FC236}">
+                <a16:creationId xmlns:a16="http://schemas.microsoft.com/office/drawing/2014/main" id="{A6B8B223-676B-534D-AF6E-6CD2B74871C5}"/>
+              </a:ext>
+            </a:extLst>
+          </p:cNvPr>
+          <p:cNvPicPr>
+            <a:picLocks noChangeAspect="1"/>
+          </p:cNvPicPr>
+          <p:nvPr/>
+        </p:nvPicPr>
+        <p:blipFill>
+          <a:blip r:embed="rId3"/>
+          <a:stretch>
+            <a:fillRect/>
+          </a:stretch>
+        </p:blipFill>
+        <p:spPr>
+          <a:xfrm>
+            <a:off x="3894267" y="2666577"/>
+            <a:ext cx="8113377" cy="4056689"/>
+          </a:xfrm>
+          <a:prstGeom prst="rect">
+            <a:avLst/>
+          </a:prstGeom>
+        </p:spPr>
+      </p:pic>
+      <p:sp>
+        <p:nvSpPr>
+          <p:cNvPr id="8" name="Title 1">
+            <a:extLst>
+              <a:ext uri="{FF2B5EF4-FFF2-40B4-BE49-F238E27FC236}">
+                <a16:creationId xmlns:a16="http://schemas.microsoft.com/office/drawing/2014/main" id="{4A84A116-85E5-FE46-8077-FE63250F7AFB}"/>
               </a:ext>
             </a:extLst>
           </p:cNvPr>
@@ -6838,58 +6890,185 @@
             <p:ph type="title"/>
           </p:nvPr>
         </p:nvSpPr>
-        <p:spPr/>
+        <p:spPr>
+          <a:xfrm>
+            <a:off x="461682" y="354367"/>
+            <a:ext cx="10515600" cy="1325563"/>
+          </a:xfrm>
+        </p:spPr>
         <p:txBody>
           <a:bodyPr/>
           <a:lstStyle/>
           <a:p>
             <a:r>
               <a:rPr lang="en-US" dirty="0"/>
-              <a:t>Healthcare Scenarios</a:t>
-            </a:r>
-          </a:p>
-        </p:txBody>
-      </p:sp>
-      <p:sp>
-        <p:nvSpPr>
-          <p:cNvPr id="3" name="Content Placeholder 2">
-            <a:extLst>
-              <a:ext uri="{FF2B5EF4-FFF2-40B4-BE49-F238E27FC236}">
-                <a16:creationId xmlns:a16="http://schemas.microsoft.com/office/drawing/2014/main" id="{1A5973A7-560F-214F-84CC-6DA04B1FB907}"/>
-              </a:ext>
-            </a:extLst>
-          </p:cNvPr>
-          <p:cNvSpPr>
-            <a:spLocks noGrp="1"/>
-          </p:cNvSpPr>
-          <p:nvPr>
-            <p:ph idx="1"/>
-          </p:nvPr>
-        </p:nvSpPr>
-        <p:spPr/>
-        <p:txBody>
-          <a:bodyPr/>
+              <a:t>Operating Point:</a:t>
+            </a:r>
+            <a:br>
+              <a:rPr lang="en-US" dirty="0"/>
+            </a:br>
+            <a:br>
+              <a:rPr lang="en-US" dirty="0"/>
+            </a:br>
+            <a:r>
+              <a:rPr lang="en-US" i="1" dirty="0"/>
+              <a:t>high specificity</a:t>
+            </a:r>
+          </a:p>
+        </p:txBody>
+      </p:sp>
+      <p:cxnSp>
+        <p:nvCxnSpPr>
+          <p:cNvPr id="9" name="Straight Connector 8">
+            <a:extLst>
+              <a:ext uri="{FF2B5EF4-FFF2-40B4-BE49-F238E27FC236}">
+                <a16:creationId xmlns:a16="http://schemas.microsoft.com/office/drawing/2014/main" id="{E84BCA38-7221-DD4E-8DBD-BDBD7BD3E988}"/>
+              </a:ext>
+            </a:extLst>
+          </p:cNvPr>
+          <p:cNvCxnSpPr>
+            <a:cxnSpLocks/>
+          </p:cNvCxnSpPr>
+          <p:nvPr/>
+        </p:nvCxnSpPr>
+        <p:spPr>
+          <a:xfrm>
+            <a:off x="9954007" y="157459"/>
+            <a:ext cx="0" cy="2312210"/>
+          </a:xfrm>
+          <a:prstGeom prst="line">
+            <a:avLst/>
+          </a:prstGeom>
+          <a:ln w="57150">
+            <a:solidFill>
+              <a:srgbClr val="BE0060"/>
+            </a:solidFill>
+            <a:prstDash val="lgDash"/>
+          </a:ln>
+        </p:spPr>
+        <p:style>
+          <a:lnRef idx="1">
+            <a:schemeClr val="accent1"/>
+          </a:lnRef>
+          <a:fillRef idx="0">
+            <a:schemeClr val="accent1"/>
+          </a:fillRef>
+          <a:effectRef idx="0">
+            <a:schemeClr val="accent1"/>
+          </a:effectRef>
+          <a:fontRef idx="minor">
+            <a:schemeClr val="tx1"/>
+          </a:fontRef>
+        </p:style>
+      </p:cxnSp>
+      <p:sp>
+        <p:nvSpPr>
+          <p:cNvPr id="12" name="Oval 11">
+            <a:extLst>
+              <a:ext uri="{FF2B5EF4-FFF2-40B4-BE49-F238E27FC236}">
+                <a16:creationId xmlns:a16="http://schemas.microsoft.com/office/drawing/2014/main" id="{7AC8512F-01D0-2A46-A9EF-F69CB284452C}"/>
+              </a:ext>
+            </a:extLst>
+          </p:cNvPr>
+          <p:cNvSpPr/>
+          <p:nvPr/>
+        </p:nvSpPr>
+        <p:spPr>
+          <a:xfrm>
+            <a:off x="4570292" y="3880694"/>
+            <a:ext cx="182880" cy="182880"/>
+          </a:xfrm>
+          <a:prstGeom prst="ellipse">
+            <a:avLst/>
+          </a:prstGeom>
+          <a:noFill/>
+          <a:ln w="38100">
+            <a:solidFill>
+              <a:srgbClr val="BE0060"/>
+            </a:solidFill>
+          </a:ln>
+        </p:spPr>
+        <p:style>
+          <a:lnRef idx="2">
+            <a:schemeClr val="accent1">
+              <a:shade val="50000"/>
+            </a:schemeClr>
+          </a:lnRef>
+          <a:fillRef idx="1">
+            <a:schemeClr val="accent1"/>
+          </a:fillRef>
+          <a:effectRef idx="0">
+            <a:schemeClr val="accent1"/>
+          </a:effectRef>
+          <a:fontRef idx="minor">
+            <a:schemeClr val="lt1"/>
+          </a:fontRef>
+        </p:style>
+        <p:txBody>
+          <a:bodyPr rtlCol="0" anchor="ctr"/>
           <a:lstStyle/>
           <a:p>
-            <a:pPr marL="514350" indent="-514350">
-              <a:buFont typeface="+mj-lt"/>
-              <a:buAutoNum type="arabicPeriod"/>
-            </a:pPr>
-            <a:r>
-              <a:rPr lang="en-US" dirty="0">
-                <a:solidFill>
-                  <a:schemeClr val="accent2"/>
-                </a:solidFill>
-              </a:rPr>
-              <a:t>A computer vision model that detects carcinoma</a:t>
-            </a:r>
+            <a:pPr algn="ctr"/>
+            <a:endParaRPr lang="en-US"/>
+          </a:p>
+        </p:txBody>
+      </p:sp>
+      <p:sp>
+        <p:nvSpPr>
+          <p:cNvPr id="13" name="Oval 12">
+            <a:extLst>
+              <a:ext uri="{FF2B5EF4-FFF2-40B4-BE49-F238E27FC236}">
+                <a16:creationId xmlns:a16="http://schemas.microsoft.com/office/drawing/2014/main" id="{1D00B6C1-790E-214F-B195-1B9CEE53D153}"/>
+              </a:ext>
+            </a:extLst>
+          </p:cNvPr>
+          <p:cNvSpPr/>
+          <p:nvPr/>
+        </p:nvSpPr>
+        <p:spPr>
+          <a:xfrm>
+            <a:off x="10598056" y="2988067"/>
+            <a:ext cx="182880" cy="182880"/>
+          </a:xfrm>
+          <a:prstGeom prst="ellipse">
+            <a:avLst/>
+          </a:prstGeom>
+          <a:noFill/>
+          <a:ln w="38100">
+            <a:solidFill>
+              <a:srgbClr val="BE0060"/>
+            </a:solidFill>
+          </a:ln>
+        </p:spPr>
+        <p:style>
+          <a:lnRef idx="2">
+            <a:schemeClr val="accent1">
+              <a:shade val="50000"/>
+            </a:schemeClr>
+          </a:lnRef>
+          <a:fillRef idx="1">
+            <a:schemeClr val="accent1"/>
+          </a:fillRef>
+          <a:effectRef idx="0">
+            <a:schemeClr val="accent1"/>
+          </a:effectRef>
+          <a:fontRef idx="minor">
+            <a:schemeClr val="lt1"/>
+          </a:fontRef>
+        </p:style>
+        <p:txBody>
+          <a:bodyPr rtlCol="0" anchor="ctr"/>
+          <a:lstStyle/>
+          <a:p>
+            <a:pPr algn="ctr"/>
+            <a:endParaRPr lang="en-US"/>
           </a:p>
         </p:txBody>
       </p:sp>
     </p:spTree>
     <p:extLst>
       <p:ext uri="{BB962C8B-B14F-4D97-AF65-F5344CB8AC3E}">
-        <p14:creationId xmlns:p14="http://schemas.microsoft.com/office/powerpoint/2010/main" val="4093246464"/>
+        <p14:creationId xmlns:p14="http://schemas.microsoft.com/office/powerpoint/2010/main" val="437556483"/>
       </p:ext>
     </p:extLst>
   </p:cSld>
@@ -6970,29 +7149,12 @@
               <a:buAutoNum type="arabicPeriod"/>
             </a:pPr>
             <a:r>
-              <a:rPr lang="en-US" dirty="0"/>
-              <a:t>A computer vision model that detects carcinoma</a:t>
-            </a:r>
-          </a:p>
-          <a:p>
-            <a:pPr marL="514350" indent="-514350">
-              <a:buFont typeface="+mj-lt"/>
-              <a:buAutoNum type="arabicPeriod"/>
-            </a:pPr>
-            <a:endParaRPr lang="en-US" dirty="0"/>
-          </a:p>
-          <a:p>
-            <a:pPr marL="514350" indent="-514350">
-              <a:buFont typeface="+mj-lt"/>
-              <a:buAutoNum type="arabicPeriod"/>
-            </a:pPr>
-            <a:r>
               <a:rPr lang="en-US" dirty="0">
                 <a:solidFill>
                   <a:schemeClr val="accent2"/>
                 </a:solidFill>
               </a:rPr>
-              <a:t>An EHR-based model that surveils autism risk</a:t>
+              <a:t>A computer vision model that detects carcinoma</a:t>
             </a:r>
           </a:p>
         </p:txBody>
@@ -7000,7 +7162,7 @@
     </p:spTree>
     <p:extLst>
       <p:ext uri="{BB962C8B-B14F-4D97-AF65-F5344CB8AC3E}">
-        <p14:creationId xmlns:p14="http://schemas.microsoft.com/office/powerpoint/2010/main" val="34421020"/>
+        <p14:creationId xmlns:p14="http://schemas.microsoft.com/office/powerpoint/2010/main" val="4093246464"/>
       </p:ext>
     </p:extLst>
   </p:cSld>
@@ -7098,29 +7260,12 @@
               <a:buAutoNum type="arabicPeriod"/>
             </a:pPr>
             <a:r>
-              <a:rPr lang="en-US" dirty="0"/>
-              <a:t>An EHR-based model that surveils autism risk</a:t>
-            </a:r>
-          </a:p>
-          <a:p>
-            <a:pPr marL="514350" indent="-514350">
-              <a:buFont typeface="+mj-lt"/>
-              <a:buAutoNum type="arabicPeriod"/>
-            </a:pPr>
-            <a:endParaRPr lang="en-US" dirty="0"/>
-          </a:p>
-          <a:p>
-            <a:pPr marL="514350" indent="-514350">
-              <a:buFont typeface="+mj-lt"/>
-              <a:buAutoNum type="arabicPeriod"/>
-            </a:pPr>
-            <a:r>
               <a:rPr lang="en-US" dirty="0">
                 <a:solidFill>
                   <a:schemeClr val="accent2"/>
                 </a:solidFill>
               </a:rPr>
-              <a:t>An algorithm that detects COVID in Apple watch users</a:t>
+              <a:t>An EHR-based model that surveils autism risk</a:t>
             </a:r>
           </a:p>
         </p:txBody>
@@ -7128,7 +7273,7 @@
     </p:spTree>
     <p:extLst>
       <p:ext uri="{BB962C8B-B14F-4D97-AF65-F5344CB8AC3E}">
-        <p14:creationId xmlns:p14="http://schemas.microsoft.com/office/powerpoint/2010/main" val="1358883087"/>
+        <p14:creationId xmlns:p14="http://schemas.microsoft.com/office/powerpoint/2010/main" val="34421020"/>
       </p:ext>
     </p:extLst>
   </p:cSld>
@@ -7243,6 +7388,134 @@
               <a:buAutoNum type="arabicPeriod"/>
             </a:pPr>
             <a:r>
+              <a:rPr lang="en-US" dirty="0">
+                <a:solidFill>
+                  <a:schemeClr val="accent2"/>
+                </a:solidFill>
+              </a:rPr>
+              <a:t>An algorithm that detects COVID in Apple watch users</a:t>
+            </a:r>
+          </a:p>
+        </p:txBody>
+      </p:sp>
+    </p:spTree>
+    <p:extLst>
+      <p:ext uri="{BB962C8B-B14F-4D97-AF65-F5344CB8AC3E}">
+        <p14:creationId xmlns:p14="http://schemas.microsoft.com/office/powerpoint/2010/main" val="1358883087"/>
+      </p:ext>
+    </p:extLst>
+  </p:cSld>
+  <p:clrMapOvr>
+    <a:masterClrMapping/>
+  </p:clrMapOvr>
+</p:sld>
+</file>
+
+<file path=ppt/slides/slide14.xml><?xml version="1.0" encoding="utf-8"?>
+<p:sld xmlns:a="http://schemas.openxmlformats.org/drawingml/2006/main" xmlns:r="http://schemas.openxmlformats.org/officeDocument/2006/relationships" xmlns:p="http://schemas.openxmlformats.org/presentationml/2006/main">
+  <p:cSld>
+    <p:spTree>
+      <p:nvGrpSpPr>
+        <p:cNvPr id="1" name=""/>
+        <p:cNvGrpSpPr/>
+        <p:nvPr/>
+      </p:nvGrpSpPr>
+      <p:grpSpPr>
+        <a:xfrm>
+          <a:off x="0" y="0"/>
+          <a:ext cx="0" cy="0"/>
+          <a:chOff x="0" y="0"/>
+          <a:chExt cx="0" cy="0"/>
+        </a:xfrm>
+      </p:grpSpPr>
+      <p:sp>
+        <p:nvSpPr>
+          <p:cNvPr id="2" name="Title 1">
+            <a:extLst>
+              <a:ext uri="{FF2B5EF4-FFF2-40B4-BE49-F238E27FC236}">
+                <a16:creationId xmlns:a16="http://schemas.microsoft.com/office/drawing/2014/main" id="{95DA13A3-7A9E-0C45-9780-C41A9E763217}"/>
+              </a:ext>
+            </a:extLst>
+          </p:cNvPr>
+          <p:cNvSpPr>
+            <a:spLocks noGrp="1"/>
+          </p:cNvSpPr>
+          <p:nvPr>
+            <p:ph type="title"/>
+          </p:nvPr>
+        </p:nvSpPr>
+        <p:spPr/>
+        <p:txBody>
+          <a:bodyPr/>
+          <a:lstStyle/>
+          <a:p>
+            <a:r>
+              <a:rPr lang="en-US" dirty="0"/>
+              <a:t>Healthcare Scenarios</a:t>
+            </a:r>
+          </a:p>
+        </p:txBody>
+      </p:sp>
+      <p:sp>
+        <p:nvSpPr>
+          <p:cNvPr id="3" name="Content Placeholder 2">
+            <a:extLst>
+              <a:ext uri="{FF2B5EF4-FFF2-40B4-BE49-F238E27FC236}">
+                <a16:creationId xmlns:a16="http://schemas.microsoft.com/office/drawing/2014/main" id="{1A5973A7-560F-214F-84CC-6DA04B1FB907}"/>
+              </a:ext>
+            </a:extLst>
+          </p:cNvPr>
+          <p:cNvSpPr>
+            <a:spLocks noGrp="1"/>
+          </p:cNvSpPr>
+          <p:nvPr>
+            <p:ph idx="1"/>
+          </p:nvPr>
+        </p:nvSpPr>
+        <p:spPr/>
+        <p:txBody>
+          <a:bodyPr/>
+          <a:lstStyle/>
+          <a:p>
+            <a:pPr marL="514350" indent="-514350">
+              <a:buFont typeface="+mj-lt"/>
+              <a:buAutoNum type="arabicPeriod"/>
+            </a:pPr>
+            <a:r>
+              <a:rPr lang="en-US" dirty="0"/>
+              <a:t>A computer vision model that detects carcinoma</a:t>
+            </a:r>
+          </a:p>
+          <a:p>
+            <a:pPr marL="514350" indent="-514350">
+              <a:buFont typeface="+mj-lt"/>
+              <a:buAutoNum type="arabicPeriod"/>
+            </a:pPr>
+            <a:endParaRPr lang="en-US" dirty="0"/>
+          </a:p>
+          <a:p>
+            <a:pPr marL="514350" indent="-514350">
+              <a:buFont typeface="+mj-lt"/>
+              <a:buAutoNum type="arabicPeriod"/>
+            </a:pPr>
+            <a:r>
+              <a:rPr lang="en-US" dirty="0"/>
+              <a:t>An EHR-based model that surveils autism risk</a:t>
+            </a:r>
+          </a:p>
+          <a:p>
+            <a:pPr marL="514350" indent="-514350">
+              <a:buFont typeface="+mj-lt"/>
+              <a:buAutoNum type="arabicPeriod"/>
+            </a:pPr>
+            <a:endParaRPr lang="en-US" dirty="0"/>
+          </a:p>
+          <a:p>
+            <a:pPr marL="514350" indent="-514350">
+              <a:buFont typeface="+mj-lt"/>
+              <a:buAutoNum type="arabicPeriod"/>
+            </a:pPr>
+            <a:r>
               <a:rPr lang="en-US" dirty="0"/>
               <a:t>An algorithm that detects COVID in Apple watch users</a:t>
             </a:r>
@@ -7283,7 +7556,90 @@
 </p:sld>
 </file>
 
-<file path=ppt/slides/slide14.xml><?xml version="1.0" encoding="utf-8"?>
+<file path=ppt/slides/slide15.xml><?xml version="1.0" encoding="utf-8"?>
+<p:sld xmlns:a="http://schemas.openxmlformats.org/drawingml/2006/main" xmlns:r="http://schemas.openxmlformats.org/officeDocument/2006/relationships" xmlns:p="http://schemas.openxmlformats.org/presentationml/2006/main">
+  <p:cSld>
+    <p:spTree>
+      <p:nvGrpSpPr>
+        <p:cNvPr id="1" name=""/>
+        <p:cNvGrpSpPr/>
+        <p:nvPr/>
+      </p:nvGrpSpPr>
+      <p:grpSpPr>
+        <a:xfrm>
+          <a:off x="0" y="0"/>
+          <a:ext cx="0" cy="0"/>
+          <a:chOff x="0" y="0"/>
+          <a:chExt cx="0" cy="0"/>
+        </a:xfrm>
+      </p:grpSpPr>
+      <p:sp>
+        <p:nvSpPr>
+          <p:cNvPr id="2" name="Title 1">
+            <a:extLst>
+              <a:ext uri="{FF2B5EF4-FFF2-40B4-BE49-F238E27FC236}">
+                <a16:creationId xmlns:a16="http://schemas.microsoft.com/office/drawing/2014/main" id="{7BF1D052-40A6-0077-B306-7AD68C4DA81F}"/>
+              </a:ext>
+            </a:extLst>
+          </p:cNvPr>
+          <p:cNvSpPr>
+            <a:spLocks noGrp="1"/>
+          </p:cNvSpPr>
+          <p:nvPr>
+            <p:ph type="title"/>
+          </p:nvPr>
+        </p:nvSpPr>
+        <p:spPr/>
+        <p:txBody>
+          <a:bodyPr/>
+          <a:lstStyle/>
+          <a:p>
+            <a:r>
+              <a:rPr lang="en-US" dirty="0"/>
+              <a:t>Backup Slides</a:t>
+            </a:r>
+          </a:p>
+        </p:txBody>
+      </p:sp>
+      <p:sp>
+        <p:nvSpPr>
+          <p:cNvPr id="3" name="Text Placeholder 2">
+            <a:extLst>
+              <a:ext uri="{FF2B5EF4-FFF2-40B4-BE49-F238E27FC236}">
+                <a16:creationId xmlns:a16="http://schemas.microsoft.com/office/drawing/2014/main" id="{107F7BE0-F2D9-1D55-FC8E-D29AEB508653}"/>
+              </a:ext>
+            </a:extLst>
+          </p:cNvPr>
+          <p:cNvSpPr>
+            <a:spLocks noGrp="1"/>
+          </p:cNvSpPr>
+          <p:nvPr>
+            <p:ph type="body" idx="1"/>
+          </p:nvPr>
+        </p:nvSpPr>
+        <p:spPr/>
+        <p:txBody>
+          <a:bodyPr/>
+          <a:lstStyle/>
+          <a:p>
+            <a:endParaRPr lang="en-US"/>
+          </a:p>
+        </p:txBody>
+      </p:sp>
+    </p:spTree>
+    <p:extLst>
+      <p:ext uri="{BB962C8B-B14F-4D97-AF65-F5344CB8AC3E}">
+        <p14:creationId xmlns:p14="http://schemas.microsoft.com/office/powerpoint/2010/main" val="1150910213"/>
+      </p:ext>
+    </p:extLst>
+  </p:cSld>
+  <p:clrMapOvr>
+    <a:masterClrMapping/>
+  </p:clrMapOvr>
+</p:sld>
+</file>
+
+<file path=ppt/slides/slide16.xml><?xml version="1.0" encoding="utf-8"?>
 <p:sld xmlns:a="http://schemas.openxmlformats.org/drawingml/2006/main" xmlns:r="http://schemas.openxmlformats.org/officeDocument/2006/relationships" xmlns:p="http://schemas.openxmlformats.org/presentationml/2006/main">
   <p:cSld>
     <p:spTree>
@@ -8850,7 +9206,7 @@
 </p:sld>
 </file>
 
-<file path=ppt/slides/slide15.xml><?xml version="1.0" encoding="utf-8"?>
+<file path=ppt/slides/slide17.xml><?xml version="1.0" encoding="utf-8"?>
 <p:sld xmlns:a="http://schemas.openxmlformats.org/drawingml/2006/main" xmlns:r="http://schemas.openxmlformats.org/officeDocument/2006/relationships" xmlns:p="http://schemas.openxmlformats.org/presentationml/2006/main">
   <p:cSld>
     <p:spTree>
@@ -10422,7 +10778,7 @@
 </p:sld>
 </file>
 
-<file path=ppt/slides/slide16.xml><?xml version="1.0" encoding="utf-8"?>
+<file path=ppt/slides/slide18.xml><?xml version="1.0" encoding="utf-8"?>
 <p:sld xmlns:a="http://schemas.openxmlformats.org/drawingml/2006/main" xmlns:r="http://schemas.openxmlformats.org/officeDocument/2006/relationships" xmlns:p="http://schemas.openxmlformats.org/presentationml/2006/main">
   <p:cSld>
     <p:spTree>
@@ -11989,7 +12345,7 @@
 </p:sld>
 </file>
 
-<file path=ppt/slides/slide17.xml><?xml version="1.0" encoding="utf-8"?>
+<file path=ppt/slides/slide19.xml><?xml version="1.0" encoding="utf-8"?>
 <p:sld xmlns:a="http://schemas.openxmlformats.org/drawingml/2006/main" xmlns:r="http://schemas.openxmlformats.org/officeDocument/2006/relationships" xmlns:p="http://schemas.openxmlformats.org/presentationml/2006/main">
   <p:cSld>
     <p:spTree>
@@ -12287,6 +12643,145 @@
           <a:chExt cx="0" cy="0"/>
         </a:xfrm>
       </p:grpSpPr>
+      <p:sp>
+        <p:nvSpPr>
+          <p:cNvPr id="2" name="Title 1">
+            <a:extLst>
+              <a:ext uri="{FF2B5EF4-FFF2-40B4-BE49-F238E27FC236}">
+                <a16:creationId xmlns:a16="http://schemas.microsoft.com/office/drawing/2014/main" id="{04CB8260-0268-5F16-A508-CACA4BA4BEB7}"/>
+              </a:ext>
+            </a:extLst>
+          </p:cNvPr>
+          <p:cNvSpPr>
+            <a:spLocks noGrp="1"/>
+          </p:cNvSpPr>
+          <p:nvPr>
+            <p:ph type="title"/>
+          </p:nvPr>
+        </p:nvSpPr>
+        <p:spPr/>
+        <p:txBody>
+          <a:bodyPr/>
+          <a:lstStyle/>
+          <a:p>
+            <a:r>
+              <a:rPr lang="en-US" dirty="0"/>
+              <a:t>Things to add</a:t>
+            </a:r>
+          </a:p>
+        </p:txBody>
+      </p:sp>
+      <p:sp>
+        <p:nvSpPr>
+          <p:cNvPr id="3" name="Content Placeholder 2">
+            <a:extLst>
+              <a:ext uri="{FF2B5EF4-FFF2-40B4-BE49-F238E27FC236}">
+                <a16:creationId xmlns:a16="http://schemas.microsoft.com/office/drawing/2014/main" id="{4CE704AB-26A3-9407-848C-D8EF1BEFFF3B}"/>
+              </a:ext>
+            </a:extLst>
+          </p:cNvPr>
+          <p:cNvSpPr>
+            <a:spLocks noGrp="1"/>
+          </p:cNvSpPr>
+          <p:nvPr>
+            <p:ph idx="1"/>
+          </p:nvPr>
+        </p:nvSpPr>
+        <p:spPr>
+          <a:xfrm>
+            <a:off x="838200" y="1384950"/>
+            <a:ext cx="10515600" cy="4351338"/>
+          </a:xfrm>
+        </p:spPr>
+        <p:txBody>
+          <a:bodyPr/>
+          <a:lstStyle/>
+          <a:p>
+            <a:r>
+              <a:rPr lang="en-US" dirty="0"/>
+              <a:t>Think about a classifier making predictions.</a:t>
+            </a:r>
+          </a:p>
+          <a:p>
+            <a:r>
+              <a:rPr lang="en-US" dirty="0"/>
+              <a:t>What is it trying to do? Individuals without cancer – low prob, with cancer, high prob</a:t>
+            </a:r>
+          </a:p>
+          <a:p>
+            <a:r>
+              <a:rPr lang="en-US" dirty="0"/>
+              <a:t>Go through this – look at ROC and AUC. OK, but what value is good?</a:t>
+            </a:r>
+          </a:p>
+          <a:p>
+            <a:r>
+              <a:rPr lang="en-US" dirty="0"/>
+              <a:t>Well, let’s think about a shit classifier. </a:t>
+            </a:r>
+          </a:p>
+          <a:p>
+            <a:r>
+              <a:rPr lang="en-US" dirty="0"/>
+              <a:t>What about a model that’s shit at doing this – just places them at random points</a:t>
+            </a:r>
+          </a:p>
+          <a:p>
+            <a:r>
+              <a:rPr lang="en-US" dirty="0"/>
+              <a:t>“no info idea”</a:t>
+            </a:r>
+          </a:p>
+          <a:p>
+            <a:r>
+              <a:rPr lang="en-US" dirty="0"/>
+              <a:t>More on AUC – what’s a “good” value? It depends!</a:t>
+            </a:r>
+          </a:p>
+          <a:p>
+            <a:r>
+              <a:rPr lang="en-US" dirty="0"/>
+              <a:t>We can say whether it’s better than random. We can say whether it’s better than another classifier – or whether it’s better than experts.</a:t>
+            </a:r>
+          </a:p>
+          <a:p>
+            <a:r>
+              <a:rPr lang="en-US" dirty="0"/>
+              <a:t>Then, go through some scenarios. What matters – sometimes it’s PPV! We have a curve for that.</a:t>
+            </a:r>
+          </a:p>
+        </p:txBody>
+      </p:sp>
+    </p:spTree>
+    <p:extLst>
+      <p:ext uri="{BB962C8B-B14F-4D97-AF65-F5344CB8AC3E}">
+        <p14:creationId xmlns:p14="http://schemas.microsoft.com/office/powerpoint/2010/main" val="813484687"/>
+      </p:ext>
+    </p:extLst>
+  </p:cSld>
+  <p:clrMapOvr>
+    <a:masterClrMapping/>
+  </p:clrMapOvr>
+</p:sld>
+</file>
+
+<file path=ppt/slides/slide4.xml><?xml version="1.0" encoding="utf-8"?>
+<p:sld xmlns:a="http://schemas.openxmlformats.org/drawingml/2006/main" xmlns:r="http://schemas.openxmlformats.org/officeDocument/2006/relationships" xmlns:p="http://schemas.openxmlformats.org/presentationml/2006/main">
+  <p:cSld>
+    <p:spTree>
+      <p:nvGrpSpPr>
+        <p:cNvPr id="1" name=""/>
+        <p:cNvGrpSpPr/>
+        <p:nvPr/>
+      </p:nvGrpSpPr>
+      <p:grpSpPr>
+        <a:xfrm>
+          <a:off x="0" y="0"/>
+          <a:ext cx="0" cy="0"/>
+          <a:chOff x="0" y="0"/>
+          <a:chExt cx="0" cy="0"/>
+        </a:xfrm>
+      </p:grpSpPr>
       <p:pic>
         <p:nvPicPr>
           <p:cNvPr id="4" name="Picture 3">
@@ -12416,7 +12911,7 @@
             <a:pPr algn="ctr"/>
             <a:r>
               <a:rPr lang="en-US" dirty="0"/>
-              <a:t>Let’s go back to cancer prediction</a:t>
+              <a:t>Back to cancer prediction. Suppose we have a model that predicts the probability of malignancy.</a:t>
             </a:r>
           </a:p>
         </p:txBody>
@@ -12434,7 +12929,7 @@
 </p:sld>
 </file>
 
-<file path=ppt/slides/slide4.xml><?xml version="1.0" encoding="utf-8"?>
+<file path=ppt/slides/slide5.xml><?xml version="1.0" encoding="utf-8"?>
 <p:sld xmlns:a="http://schemas.openxmlformats.org/drawingml/2006/main" xmlns:r="http://schemas.openxmlformats.org/officeDocument/2006/relationships" xmlns:p="http://schemas.openxmlformats.org/presentationml/2006/main">
   <p:cSld>
     <p:spTree>
@@ -12684,7 +13179,7 @@
 </p:sld>
 </file>
 
-<file path=ppt/slides/slide5.xml><?xml version="1.0" encoding="utf-8"?>
+<file path=ppt/slides/slide6.xml><?xml version="1.0" encoding="utf-8"?>
 <p:sld xmlns:a="http://schemas.openxmlformats.org/drawingml/2006/main" xmlns:r="http://schemas.openxmlformats.org/officeDocument/2006/relationships" xmlns:p="http://schemas.openxmlformats.org/presentationml/2006/main">
   <p:cSld>
     <p:spTree>
@@ -13358,7 +13853,7 @@
 </p:sld>
 </file>
 
-<file path=ppt/slides/slide6.xml><?xml version="1.0" encoding="utf-8"?>
+<file path=ppt/slides/slide7.xml><?xml version="1.0" encoding="utf-8"?>
 <p:sld xmlns:a="http://schemas.openxmlformats.org/drawingml/2006/main" xmlns:r="http://schemas.openxmlformats.org/officeDocument/2006/relationships" xmlns:p="http://schemas.openxmlformats.org/presentationml/2006/main">
   <p:cSld>
     <p:spTree>
@@ -13447,7 +13942,7 @@
 </p:sld>
 </file>
 
-<file path=ppt/slides/slide7.xml><?xml version="1.0" encoding="utf-8"?>
+<file path=ppt/slides/slide8.xml><?xml version="1.0" encoding="utf-8"?>
 <p:sld xmlns:a="http://schemas.openxmlformats.org/drawingml/2006/main" xmlns:r="http://schemas.openxmlformats.org/officeDocument/2006/relationships" xmlns:p="http://schemas.openxmlformats.org/presentationml/2006/main">
   <p:cSld>
     <p:spTree>
@@ -13728,7 +14223,7 @@
 </p:sld>
 </file>
 
-<file path=ppt/slides/slide8.xml><?xml version="1.0" encoding="utf-8"?>
+<file path=ppt/slides/slide9.xml><?xml version="1.0" encoding="utf-8"?>
 <p:sld xmlns:a="http://schemas.openxmlformats.org/drawingml/2006/main" xmlns:r="http://schemas.openxmlformats.org/officeDocument/2006/relationships" xmlns:p="http://schemas.openxmlformats.org/presentationml/2006/main">
   <p:cSld>
     <p:spTree>
@@ -14000,287 +14495,6 @@
     <p:extLst>
       <p:ext uri="{BB962C8B-B14F-4D97-AF65-F5344CB8AC3E}">
         <p14:creationId xmlns:p14="http://schemas.microsoft.com/office/powerpoint/2010/main" val="1022324333"/>
-      </p:ext>
-    </p:extLst>
-  </p:cSld>
-  <p:clrMapOvr>
-    <a:masterClrMapping/>
-  </p:clrMapOvr>
-</p:sld>
-</file>
-
-<file path=ppt/slides/slide9.xml><?xml version="1.0" encoding="utf-8"?>
-<p:sld xmlns:a="http://schemas.openxmlformats.org/drawingml/2006/main" xmlns:r="http://schemas.openxmlformats.org/officeDocument/2006/relationships" xmlns:p="http://schemas.openxmlformats.org/presentationml/2006/main">
-  <p:cSld>
-    <p:spTree>
-      <p:nvGrpSpPr>
-        <p:cNvPr id="1" name=""/>
-        <p:cNvGrpSpPr/>
-        <p:nvPr/>
-      </p:nvGrpSpPr>
-      <p:grpSpPr>
-        <a:xfrm>
-          <a:off x="0" y="0"/>
-          <a:ext cx="0" cy="0"/>
-          <a:chOff x="0" y="0"/>
-          <a:chExt cx="0" cy="0"/>
-        </a:xfrm>
-      </p:grpSpPr>
-      <p:pic>
-        <p:nvPicPr>
-          <p:cNvPr id="4" name="Picture 3">
-            <a:extLst>
-              <a:ext uri="{FF2B5EF4-FFF2-40B4-BE49-F238E27FC236}">
-                <a16:creationId xmlns:a16="http://schemas.microsoft.com/office/drawing/2014/main" id="{7ADB5A59-BB16-1843-985C-20C7DF2E47CB}"/>
-              </a:ext>
-            </a:extLst>
-          </p:cNvPr>
-          <p:cNvPicPr>
-            <a:picLocks noChangeAspect="1"/>
-          </p:cNvPicPr>
-          <p:nvPr/>
-        </p:nvPicPr>
-        <p:blipFill>
-          <a:blip r:embed="rId2"/>
-          <a:stretch>
-            <a:fillRect/>
-          </a:stretch>
-        </p:blipFill>
-        <p:spPr>
-          <a:xfrm>
-            <a:off x="5619235" y="243523"/>
-            <a:ext cx="4663440" cy="2331720"/>
-          </a:xfrm>
-          <a:prstGeom prst="rect">
-            <a:avLst/>
-          </a:prstGeom>
-        </p:spPr>
-      </p:pic>
-      <p:pic>
-        <p:nvPicPr>
-          <p:cNvPr id="7" name="Picture 6">
-            <a:extLst>
-              <a:ext uri="{FF2B5EF4-FFF2-40B4-BE49-F238E27FC236}">
-                <a16:creationId xmlns:a16="http://schemas.microsoft.com/office/drawing/2014/main" id="{A6B8B223-676B-534D-AF6E-6CD2B74871C5}"/>
-              </a:ext>
-            </a:extLst>
-          </p:cNvPr>
-          <p:cNvPicPr>
-            <a:picLocks noChangeAspect="1"/>
-          </p:cNvPicPr>
-          <p:nvPr/>
-        </p:nvPicPr>
-        <p:blipFill>
-          <a:blip r:embed="rId3"/>
-          <a:stretch>
-            <a:fillRect/>
-          </a:stretch>
-        </p:blipFill>
-        <p:spPr>
-          <a:xfrm>
-            <a:off x="3894267" y="2666577"/>
-            <a:ext cx="8113377" cy="4056689"/>
-          </a:xfrm>
-          <a:prstGeom prst="rect">
-            <a:avLst/>
-          </a:prstGeom>
-        </p:spPr>
-      </p:pic>
-      <p:sp>
-        <p:nvSpPr>
-          <p:cNvPr id="8" name="Title 1">
-            <a:extLst>
-              <a:ext uri="{FF2B5EF4-FFF2-40B4-BE49-F238E27FC236}">
-                <a16:creationId xmlns:a16="http://schemas.microsoft.com/office/drawing/2014/main" id="{4A84A116-85E5-FE46-8077-FE63250F7AFB}"/>
-              </a:ext>
-            </a:extLst>
-          </p:cNvPr>
-          <p:cNvSpPr>
-            <a:spLocks noGrp="1"/>
-          </p:cNvSpPr>
-          <p:nvPr>
-            <p:ph type="title"/>
-          </p:nvPr>
-        </p:nvSpPr>
-        <p:spPr>
-          <a:xfrm>
-            <a:off x="461682" y="354367"/>
-            <a:ext cx="10515600" cy="1325563"/>
-          </a:xfrm>
-        </p:spPr>
-        <p:txBody>
-          <a:bodyPr/>
-          <a:lstStyle/>
-          <a:p>
-            <a:r>
-              <a:rPr lang="en-US" dirty="0"/>
-              <a:t>Operating Point:</a:t>
-            </a:r>
-            <a:br>
-              <a:rPr lang="en-US" dirty="0"/>
-            </a:br>
-            <a:br>
-              <a:rPr lang="en-US" dirty="0"/>
-            </a:br>
-            <a:r>
-              <a:rPr lang="en-US" i="1" dirty="0"/>
-              <a:t>high specificity</a:t>
-            </a:r>
-          </a:p>
-        </p:txBody>
-      </p:sp>
-      <p:cxnSp>
-        <p:nvCxnSpPr>
-          <p:cNvPr id="9" name="Straight Connector 8">
-            <a:extLst>
-              <a:ext uri="{FF2B5EF4-FFF2-40B4-BE49-F238E27FC236}">
-                <a16:creationId xmlns:a16="http://schemas.microsoft.com/office/drawing/2014/main" id="{E84BCA38-7221-DD4E-8DBD-BDBD7BD3E988}"/>
-              </a:ext>
-            </a:extLst>
-          </p:cNvPr>
-          <p:cNvCxnSpPr>
-            <a:cxnSpLocks/>
-          </p:cNvCxnSpPr>
-          <p:nvPr/>
-        </p:nvCxnSpPr>
-        <p:spPr>
-          <a:xfrm>
-            <a:off x="9954007" y="157459"/>
-            <a:ext cx="0" cy="2312210"/>
-          </a:xfrm>
-          <a:prstGeom prst="line">
-            <a:avLst/>
-          </a:prstGeom>
-          <a:ln w="57150">
-            <a:solidFill>
-              <a:srgbClr val="BE0060"/>
-            </a:solidFill>
-            <a:prstDash val="lgDash"/>
-          </a:ln>
-        </p:spPr>
-        <p:style>
-          <a:lnRef idx="1">
-            <a:schemeClr val="accent1"/>
-          </a:lnRef>
-          <a:fillRef idx="0">
-            <a:schemeClr val="accent1"/>
-          </a:fillRef>
-          <a:effectRef idx="0">
-            <a:schemeClr val="accent1"/>
-          </a:effectRef>
-          <a:fontRef idx="minor">
-            <a:schemeClr val="tx1"/>
-          </a:fontRef>
-        </p:style>
-      </p:cxnSp>
-      <p:sp>
-        <p:nvSpPr>
-          <p:cNvPr id="12" name="Oval 11">
-            <a:extLst>
-              <a:ext uri="{FF2B5EF4-FFF2-40B4-BE49-F238E27FC236}">
-                <a16:creationId xmlns:a16="http://schemas.microsoft.com/office/drawing/2014/main" id="{7AC8512F-01D0-2A46-A9EF-F69CB284452C}"/>
-              </a:ext>
-            </a:extLst>
-          </p:cNvPr>
-          <p:cNvSpPr/>
-          <p:nvPr/>
-        </p:nvSpPr>
-        <p:spPr>
-          <a:xfrm>
-            <a:off x="4570292" y="3880694"/>
-            <a:ext cx="182880" cy="182880"/>
-          </a:xfrm>
-          <a:prstGeom prst="ellipse">
-            <a:avLst/>
-          </a:prstGeom>
-          <a:noFill/>
-          <a:ln w="38100">
-            <a:solidFill>
-              <a:srgbClr val="BE0060"/>
-            </a:solidFill>
-          </a:ln>
-        </p:spPr>
-        <p:style>
-          <a:lnRef idx="2">
-            <a:schemeClr val="accent1">
-              <a:shade val="50000"/>
-            </a:schemeClr>
-          </a:lnRef>
-          <a:fillRef idx="1">
-            <a:schemeClr val="accent1"/>
-          </a:fillRef>
-          <a:effectRef idx="0">
-            <a:schemeClr val="accent1"/>
-          </a:effectRef>
-          <a:fontRef idx="minor">
-            <a:schemeClr val="lt1"/>
-          </a:fontRef>
-        </p:style>
-        <p:txBody>
-          <a:bodyPr rtlCol="0" anchor="ctr"/>
-          <a:lstStyle/>
-          <a:p>
-            <a:pPr algn="ctr"/>
-            <a:endParaRPr lang="en-US"/>
-          </a:p>
-        </p:txBody>
-      </p:sp>
-      <p:sp>
-        <p:nvSpPr>
-          <p:cNvPr id="13" name="Oval 12">
-            <a:extLst>
-              <a:ext uri="{FF2B5EF4-FFF2-40B4-BE49-F238E27FC236}">
-                <a16:creationId xmlns:a16="http://schemas.microsoft.com/office/drawing/2014/main" id="{1D00B6C1-790E-214F-B195-1B9CEE53D153}"/>
-              </a:ext>
-            </a:extLst>
-          </p:cNvPr>
-          <p:cNvSpPr/>
-          <p:nvPr/>
-        </p:nvSpPr>
-        <p:spPr>
-          <a:xfrm>
-            <a:off x="10598056" y="2988067"/>
-            <a:ext cx="182880" cy="182880"/>
-          </a:xfrm>
-          <a:prstGeom prst="ellipse">
-            <a:avLst/>
-          </a:prstGeom>
-          <a:noFill/>
-          <a:ln w="38100">
-            <a:solidFill>
-              <a:srgbClr val="BE0060"/>
-            </a:solidFill>
-          </a:ln>
-        </p:spPr>
-        <p:style>
-          <a:lnRef idx="2">
-            <a:schemeClr val="accent1">
-              <a:shade val="50000"/>
-            </a:schemeClr>
-          </a:lnRef>
-          <a:fillRef idx="1">
-            <a:schemeClr val="accent1"/>
-          </a:fillRef>
-          <a:effectRef idx="0">
-            <a:schemeClr val="accent1"/>
-          </a:effectRef>
-          <a:fontRef idx="minor">
-            <a:schemeClr val="lt1"/>
-          </a:fontRef>
-        </p:style>
-        <p:txBody>
-          <a:bodyPr rtlCol="0" anchor="ctr"/>
-          <a:lstStyle/>
-          <a:p>
-            <a:pPr algn="ctr"/>
-            <a:endParaRPr lang="en-US"/>
-          </a:p>
-        </p:txBody>
-      </p:sp>
-    </p:spTree>
-    <p:extLst>
-      <p:ext uri="{BB962C8B-B14F-4D97-AF65-F5344CB8AC3E}">
-        <p14:creationId xmlns:p14="http://schemas.microsoft.com/office/powerpoint/2010/main" val="437556483"/>
       </p:ext>
     </p:extLst>
   </p:cSld>

--- a/lectures/ll3.pptx
+++ b/lectures/ll3.pptx
@@ -6,28 +6,47 @@
     <p:sldMasterId id="2147483684" r:id="rId2"/>
   </p:sldMasterIdLst>
   <p:notesMasterIdLst>
-    <p:notesMasterId r:id="rId22"/>
+    <p:notesMasterId r:id="rId41"/>
   </p:notesMasterIdLst>
   <p:sldIdLst>
     <p:sldId id="297" r:id="rId3"/>
     <p:sldId id="846" r:id="rId4"/>
-    <p:sldId id="862" r:id="rId5"/>
-    <p:sldId id="847" r:id="rId6"/>
-    <p:sldId id="848" r:id="rId7"/>
-    <p:sldId id="845" r:id="rId8"/>
-    <p:sldId id="849" r:id="rId9"/>
-    <p:sldId id="850" r:id="rId10"/>
-    <p:sldId id="852" r:id="rId11"/>
-    <p:sldId id="851" r:id="rId12"/>
-    <p:sldId id="853" r:id="rId13"/>
-    <p:sldId id="854" r:id="rId14"/>
-    <p:sldId id="855" r:id="rId15"/>
-    <p:sldId id="856" r:id="rId16"/>
-    <p:sldId id="864" r:id="rId17"/>
-    <p:sldId id="857" r:id="rId18"/>
-    <p:sldId id="858" r:id="rId19"/>
-    <p:sldId id="859" r:id="rId20"/>
-    <p:sldId id="861" r:id="rId21"/>
+    <p:sldId id="881" r:id="rId5"/>
+    <p:sldId id="882" r:id="rId6"/>
+    <p:sldId id="883" r:id="rId7"/>
+    <p:sldId id="848" r:id="rId8"/>
+    <p:sldId id="845" r:id="rId9"/>
+    <p:sldId id="849" r:id="rId10"/>
+    <p:sldId id="880" r:id="rId11"/>
+    <p:sldId id="871" r:id="rId12"/>
+    <p:sldId id="870" r:id="rId13"/>
+    <p:sldId id="865" r:id="rId14"/>
+    <p:sldId id="869" r:id="rId15"/>
+    <p:sldId id="873" r:id="rId16"/>
+    <p:sldId id="884" r:id="rId17"/>
+    <p:sldId id="886" r:id="rId18"/>
+    <p:sldId id="885" r:id="rId19"/>
+    <p:sldId id="874" r:id="rId20"/>
+    <p:sldId id="875" r:id="rId21"/>
+    <p:sldId id="877" r:id="rId22"/>
+    <p:sldId id="887" r:id="rId23"/>
+    <p:sldId id="853" r:id="rId24"/>
+    <p:sldId id="850" r:id="rId25"/>
+    <p:sldId id="854" r:id="rId26"/>
+    <p:sldId id="851" r:id="rId27"/>
+    <p:sldId id="855" r:id="rId28"/>
+    <p:sldId id="852" r:id="rId29"/>
+    <p:sldId id="888" r:id="rId30"/>
+    <p:sldId id="892" r:id="rId31"/>
+    <p:sldId id="889" r:id="rId32"/>
+    <p:sldId id="890" r:id="rId33"/>
+    <p:sldId id="891" r:id="rId34"/>
+    <p:sldId id="879" r:id="rId35"/>
+    <p:sldId id="864" r:id="rId36"/>
+    <p:sldId id="857" r:id="rId37"/>
+    <p:sldId id="858" r:id="rId38"/>
+    <p:sldId id="859" r:id="rId39"/>
+    <p:sldId id="861" r:id="rId40"/>
   </p:sldIdLst>
   <p:sldSz cx="12192000" cy="6858000"/>
   <p:notesSz cx="6858000" cy="9144000"/>
@@ -571,6 +590,344 @@
 </p:notes>
 </file>
 
+<file path=ppt/notesSlides/notesSlide10.xml><?xml version="1.0" encoding="utf-8"?>
+<p:notes xmlns:a="http://schemas.openxmlformats.org/drawingml/2006/main" xmlns:r="http://schemas.openxmlformats.org/officeDocument/2006/relationships" xmlns:p="http://schemas.openxmlformats.org/presentationml/2006/main">
+  <p:cSld>
+    <p:spTree>
+      <p:nvGrpSpPr>
+        <p:cNvPr id="1" name=""/>
+        <p:cNvGrpSpPr/>
+        <p:nvPr/>
+      </p:nvGrpSpPr>
+      <p:grpSpPr>
+        <a:xfrm>
+          <a:off x="0" y="0"/>
+          <a:ext cx="0" cy="0"/>
+          <a:chOff x="0" y="0"/>
+          <a:chExt cx="0" cy="0"/>
+        </a:xfrm>
+      </p:grpSpPr>
+      <p:sp>
+        <p:nvSpPr>
+          <p:cNvPr id="2" name="Slide Image Placeholder 1"/>
+          <p:cNvSpPr>
+            <a:spLocks noGrp="1" noRot="1" noChangeAspect="1"/>
+          </p:cNvSpPr>
+          <p:nvPr>
+            <p:ph type="sldImg"/>
+          </p:nvPr>
+        </p:nvSpPr>
+        <p:spPr/>
+      </p:sp>
+      <p:sp>
+        <p:nvSpPr>
+          <p:cNvPr id="3" name="Notes Placeholder 2"/>
+          <p:cNvSpPr>
+            <a:spLocks noGrp="1"/>
+          </p:cNvSpPr>
+          <p:nvPr>
+            <p:ph type="body" idx="1"/>
+          </p:nvPr>
+        </p:nvSpPr>
+        <p:spPr/>
+        <p:txBody>
+          <a:bodyPr/>
+          <a:lstStyle/>
+          <a:p>
+            <a:r>
+              <a:rPr lang="en-US" dirty="0"/>
+              <a:t>Again, we have a raincloud plot as before</a:t>
+            </a:r>
+          </a:p>
+          <a:p>
+            <a:r>
+              <a:rPr lang="en-US" dirty="0"/>
+              <a:t>The smoothed histogram would be a flat line in this case, so I’ve omitted it.</a:t>
+            </a:r>
+          </a:p>
+        </p:txBody>
+      </p:sp>
+      <p:sp>
+        <p:nvSpPr>
+          <p:cNvPr id="4" name="Slide Number Placeholder 3"/>
+          <p:cNvSpPr>
+            <a:spLocks noGrp="1"/>
+          </p:cNvSpPr>
+          <p:nvPr>
+            <p:ph type="sldNum" sz="quarter" idx="5"/>
+          </p:nvPr>
+        </p:nvSpPr>
+        <p:spPr/>
+        <p:txBody>
+          <a:bodyPr/>
+          <a:lstStyle/>
+          <a:p>
+            <a:fld id="{4DCBF740-D535-F744-89A8-4E42B3D6BD32}" type="slidenum">
+              <a:rPr lang="en-US" smtClean="0"/>
+              <a:t>11</a:t>
+            </a:fld>
+            <a:endParaRPr lang="en-US"/>
+          </a:p>
+        </p:txBody>
+      </p:sp>
+    </p:spTree>
+    <p:extLst>
+      <p:ext uri="{BB962C8B-B14F-4D97-AF65-F5344CB8AC3E}">
+        <p14:creationId xmlns:p14="http://schemas.microsoft.com/office/powerpoint/2010/main" val="3899668898"/>
+      </p:ext>
+    </p:extLst>
+  </p:cSld>
+  <p:clrMapOvr>
+    <a:masterClrMapping/>
+  </p:clrMapOvr>
+</p:notes>
+</file>
+
+<file path=ppt/notesSlides/notesSlide11.xml><?xml version="1.0" encoding="utf-8"?>
+<p:notes xmlns:a="http://schemas.openxmlformats.org/drawingml/2006/main" xmlns:r="http://schemas.openxmlformats.org/officeDocument/2006/relationships" xmlns:p="http://schemas.openxmlformats.org/presentationml/2006/main">
+  <p:cSld>
+    <p:spTree>
+      <p:nvGrpSpPr>
+        <p:cNvPr id="1" name=""/>
+        <p:cNvGrpSpPr/>
+        <p:nvPr/>
+      </p:nvGrpSpPr>
+      <p:grpSpPr>
+        <a:xfrm>
+          <a:off x="0" y="0"/>
+          <a:ext cx="0" cy="0"/>
+          <a:chOff x="0" y="0"/>
+          <a:chExt cx="0" cy="0"/>
+        </a:xfrm>
+      </p:grpSpPr>
+      <p:sp>
+        <p:nvSpPr>
+          <p:cNvPr id="2" name="Slide Image Placeholder 1"/>
+          <p:cNvSpPr>
+            <a:spLocks noGrp="1" noRot="1" noChangeAspect="1"/>
+          </p:cNvSpPr>
+          <p:nvPr>
+            <p:ph type="sldImg"/>
+          </p:nvPr>
+        </p:nvSpPr>
+        <p:spPr/>
+      </p:sp>
+      <p:sp>
+        <p:nvSpPr>
+          <p:cNvPr id="3" name="Notes Placeholder 2"/>
+          <p:cNvSpPr>
+            <a:spLocks noGrp="1"/>
+          </p:cNvSpPr>
+          <p:nvPr>
+            <p:ph type="body" idx="1"/>
+          </p:nvPr>
+        </p:nvSpPr>
+        <p:spPr/>
+        <p:txBody>
+          <a:bodyPr/>
+          <a:lstStyle/>
+          <a:p>
+            <a:r>
+              <a:rPr lang="en-US" dirty="0"/>
+              <a:t>They’ll give you a rule of thumb. AUC=.7 – something like that.</a:t>
+            </a:r>
+          </a:p>
+          <a:p>
+            <a:endParaRPr lang="en-US" dirty="0"/>
+          </a:p>
+          <a:p>
+            <a:r>
+              <a:rPr lang="en-US" dirty="0"/>
+              <a:t>EXAMPLES for each of these</a:t>
+            </a:r>
+          </a:p>
+          <a:p>
+            <a:endParaRPr lang="en-US" dirty="0"/>
+          </a:p>
+          <a:p>
+            <a:r>
+              <a:rPr lang="en-US" dirty="0"/>
+              <a:t>TESTS for each of these.</a:t>
+            </a:r>
+          </a:p>
+          <a:p>
+            <a:r>
+              <a:rPr lang="en-US" dirty="0"/>
+              <a:t>Delong</a:t>
+            </a:r>
+          </a:p>
+          <a:p>
+            <a:r>
+              <a:rPr lang="en-US" dirty="0"/>
+              <a:t>Two-sample proportion test.</a:t>
+            </a:r>
+          </a:p>
+        </p:txBody>
+      </p:sp>
+      <p:sp>
+        <p:nvSpPr>
+          <p:cNvPr id="4" name="Slide Number Placeholder 3"/>
+          <p:cNvSpPr>
+            <a:spLocks noGrp="1"/>
+          </p:cNvSpPr>
+          <p:nvPr>
+            <p:ph type="sldNum" sz="quarter" idx="5"/>
+          </p:nvPr>
+        </p:nvSpPr>
+        <p:spPr/>
+        <p:txBody>
+          <a:bodyPr/>
+          <a:lstStyle/>
+          <a:p>
+            <a:fld id="{4DCBF740-D535-F744-89A8-4E42B3D6BD32}" type="slidenum">
+              <a:rPr lang="en-US" smtClean="0"/>
+              <a:t>20</a:t>
+            </a:fld>
+            <a:endParaRPr lang="en-US"/>
+          </a:p>
+        </p:txBody>
+      </p:sp>
+    </p:spTree>
+    <p:extLst>
+      <p:ext uri="{BB962C8B-B14F-4D97-AF65-F5344CB8AC3E}">
+        <p14:creationId xmlns:p14="http://schemas.microsoft.com/office/powerpoint/2010/main" val="3156815246"/>
+      </p:ext>
+    </p:extLst>
+  </p:cSld>
+  <p:clrMapOvr>
+    <a:masterClrMapping/>
+  </p:clrMapOvr>
+</p:notes>
+</file>
+
+<file path=ppt/notesSlides/notesSlide12.xml><?xml version="1.0" encoding="utf-8"?>
+<p:notes xmlns:a="http://schemas.openxmlformats.org/drawingml/2006/main" xmlns:r="http://schemas.openxmlformats.org/officeDocument/2006/relationships" xmlns:p="http://schemas.openxmlformats.org/presentationml/2006/main">
+  <p:cSld>
+    <p:spTree>
+      <p:nvGrpSpPr>
+        <p:cNvPr id="1" name=""/>
+        <p:cNvGrpSpPr/>
+        <p:nvPr/>
+      </p:nvGrpSpPr>
+      <p:grpSpPr>
+        <a:xfrm>
+          <a:off x="0" y="0"/>
+          <a:ext cx="0" cy="0"/>
+          <a:chOff x="0" y="0"/>
+          <a:chExt cx="0" cy="0"/>
+        </a:xfrm>
+      </p:grpSpPr>
+      <p:sp>
+        <p:nvSpPr>
+          <p:cNvPr id="2" name="Slide Image Placeholder 1"/>
+          <p:cNvSpPr>
+            <a:spLocks noGrp="1" noRot="1" noChangeAspect="1"/>
+          </p:cNvSpPr>
+          <p:nvPr>
+            <p:ph type="sldImg"/>
+          </p:nvPr>
+        </p:nvSpPr>
+        <p:spPr/>
+      </p:sp>
+      <p:sp>
+        <p:nvSpPr>
+          <p:cNvPr id="3" name="Notes Placeholder 2"/>
+          <p:cNvSpPr>
+            <a:spLocks noGrp="1"/>
+          </p:cNvSpPr>
+          <p:nvPr>
+            <p:ph type="body" idx="1"/>
+          </p:nvPr>
+        </p:nvSpPr>
+        <p:spPr/>
+        <p:txBody>
+          <a:bodyPr/>
+          <a:lstStyle/>
+          <a:p>
+            <a:r>
+              <a:rPr lang="en-US" dirty="0"/>
+              <a:t>Describe all elements of the curve.</a:t>
+            </a:r>
+          </a:p>
+          <a:p>
+            <a:r>
+              <a:rPr lang="en-US" dirty="0"/>
+              <a:t>Start at a threshold of zero (top right)</a:t>
+            </a:r>
+          </a:p>
+          <a:p>
+            <a:r>
+              <a:rPr lang="en-US" dirty="0"/>
+              <a:t>Move to a threshold of one (bottom left)</a:t>
+            </a:r>
+          </a:p>
+          <a:p>
+            <a:endParaRPr lang="en-US" dirty="0"/>
+          </a:p>
+          <a:p>
+            <a:r>
+              <a:rPr lang="en-US" dirty="0"/>
+              <a:t>What is the range of the AUC?</a:t>
+            </a:r>
+          </a:p>
+          <a:p>
+            <a:pPr marL="171450" indent="-171450">
+              <a:buFontTx/>
+              <a:buChar char="-"/>
+            </a:pPr>
+            <a:r>
+              <a:rPr lang="en-US" dirty="0"/>
+              <a:t>Max = 1</a:t>
+            </a:r>
+          </a:p>
+          <a:p>
+            <a:pPr marL="171450" indent="-171450">
+              <a:buFontTx/>
+              <a:buChar char="-"/>
+            </a:pPr>
+            <a:r>
+              <a:rPr lang="en-US" dirty="0"/>
+              <a:t>Min = we’ll come back to that.</a:t>
+            </a:r>
+          </a:p>
+        </p:txBody>
+      </p:sp>
+      <p:sp>
+        <p:nvSpPr>
+          <p:cNvPr id="4" name="Slide Number Placeholder 3"/>
+          <p:cNvSpPr>
+            <a:spLocks noGrp="1"/>
+          </p:cNvSpPr>
+          <p:nvPr>
+            <p:ph type="sldNum" sz="quarter" idx="5"/>
+          </p:nvPr>
+        </p:nvSpPr>
+        <p:spPr/>
+        <p:txBody>
+          <a:bodyPr/>
+          <a:lstStyle/>
+          <a:p>
+            <a:fld id="{4DCBF740-D535-F744-89A8-4E42B3D6BD32}" type="slidenum">
+              <a:rPr lang="en-US" smtClean="0"/>
+              <a:t>21</a:t>
+            </a:fld>
+            <a:endParaRPr lang="en-US"/>
+          </a:p>
+        </p:txBody>
+      </p:sp>
+    </p:spTree>
+    <p:extLst>
+      <p:ext uri="{BB962C8B-B14F-4D97-AF65-F5344CB8AC3E}">
+        <p14:creationId xmlns:p14="http://schemas.microsoft.com/office/powerpoint/2010/main" val="2730178428"/>
+      </p:ext>
+    </p:extLst>
+  </p:cSld>
+  <p:clrMapOvr>
+    <a:masterClrMapping/>
+  </p:clrMapOvr>
+</p:notes>
+</file>
+
 <file path=ppt/notesSlides/notesSlide2.xml><?xml version="1.0" encoding="utf-8"?>
 <p:notes xmlns:a="http://schemas.openxmlformats.org/drawingml/2006/main" xmlns:r="http://schemas.openxmlformats.org/officeDocument/2006/relationships" xmlns:p="http://schemas.openxmlformats.org/presentationml/2006/main">
   <p:cSld>
@@ -617,127 +974,14 @@
           <a:p>
             <a:r>
               <a:rPr lang="en-US" dirty="0"/>
-              <a:t>Metrics:</a:t>
-            </a:r>
-          </a:p>
-          <a:p>
-            <a:pPr marL="171450" indent="-171450">
-              <a:buFontTx/>
-              <a:buChar char="-"/>
-            </a:pPr>
+              <a:t>What would we hope for so that the model would be useful?</a:t>
+            </a:r>
+          </a:p>
+          <a:p>
             <a:r>
               <a:rPr lang="en-US" dirty="0"/>
-              <a:t>Sensitivity (recall, </a:t>
-            </a:r>
-            <a:r>
-              <a:rPr lang="en-US" dirty="0" err="1"/>
-              <a:t>tpr</a:t>
-            </a:r>
-            <a:r>
-              <a:rPr lang="en-US" dirty="0"/>
-              <a:t>)</a:t>
-            </a:r>
-          </a:p>
-          <a:p>
-            <a:pPr marL="171450" indent="-171450">
-              <a:buFontTx/>
-              <a:buChar char="-"/>
-            </a:pPr>
-            <a:r>
-              <a:rPr lang="en-US" dirty="0"/>
-              <a:t>Specificity (1-fpr)</a:t>
-            </a:r>
-          </a:p>
-          <a:p>
-            <a:pPr marL="171450" indent="-171450">
-              <a:buFontTx/>
-              <a:buChar char="-"/>
-            </a:pPr>
-            <a:r>
-              <a:rPr lang="en-US" dirty="0"/>
-              <a:t>Positive predictive value (precision)</a:t>
-            </a:r>
-          </a:p>
-          <a:p>
-            <a:pPr marL="171450" indent="-171450">
-              <a:buFontTx/>
-              <a:buChar char="-"/>
-            </a:pPr>
-            <a:r>
-              <a:rPr lang="en-US" dirty="0"/>
-              <a:t>Negative predictive value</a:t>
-            </a:r>
-          </a:p>
-          <a:p>
-            <a:pPr marL="171450" indent="-171450">
-              <a:buFontTx/>
-              <a:buChar char="-"/>
-            </a:pPr>
-            <a:endParaRPr lang="en-US" dirty="0"/>
-          </a:p>
-          <a:p>
-            <a:pPr marL="0" indent="0">
-              <a:buFontTx/>
-              <a:buNone/>
-            </a:pPr>
-            <a:r>
-              <a:rPr lang="en-US" dirty="0"/>
-              <a:t>Dependence on prevalence</a:t>
-            </a:r>
-          </a:p>
-          <a:p>
-            <a:pPr marL="171450" indent="-171450">
-              <a:buFontTx/>
-              <a:buChar char="-"/>
-            </a:pPr>
-            <a:r>
-              <a:rPr lang="en-US" dirty="0"/>
-              <a:t>Sensitivity: no (we draw more samples, but the TP/P ratio remains the same)</a:t>
-            </a:r>
-          </a:p>
-          <a:p>
-            <a:pPr marL="171450" indent="-171450">
-              <a:buFontTx/>
-              <a:buChar char="-"/>
-            </a:pPr>
-            <a:r>
-              <a:rPr lang="en-US" dirty="0"/>
-              <a:t>Specificity: no (we draw more samples, but the TN/N ratio remains the same)</a:t>
-            </a:r>
-          </a:p>
-          <a:p>
-            <a:pPr marL="171450" indent="-171450">
-              <a:buFontTx/>
-              <a:buChar char="-"/>
-            </a:pPr>
-            <a:r>
-              <a:rPr lang="en-US" dirty="0"/>
-              <a:t>PPV: yes (we draw more positive samples, and the TP/(TP+FP) ratio increases)</a:t>
-            </a:r>
-          </a:p>
-          <a:p>
-            <a:pPr marL="171450" indent="-171450">
-              <a:buFontTx/>
-              <a:buChar char="-"/>
-            </a:pPr>
-            <a:r>
-              <a:rPr lang="en-US" dirty="0"/>
-              <a:t>NPV: yes (we draw more positive samples, and the TN/(TN+FN) ratio decreases)</a:t>
-            </a:r>
-          </a:p>
-          <a:p>
-            <a:pPr marL="171450" indent="-171450">
-              <a:buFontTx/>
-              <a:buChar char="-"/>
-            </a:pPr>
-            <a:endParaRPr lang="en-US" dirty="0"/>
-          </a:p>
-          <a:p>
-            <a:pPr marL="171450" indent="-171450">
-              <a:buFontTx/>
-              <a:buChar char="-"/>
-            </a:pPr>
-            <a:endParaRPr lang="en-US" dirty="0"/>
+              <a:t>Start with the benign cases. Would we hope that the predicted probabilities would be high, low, or somewhere in between?</a:t>
+            </a:r>
           </a:p>
         </p:txBody>
       </p:sp>
@@ -758,7 +1002,7 @@
           <a:p>
             <a:fld id="{4DCBF740-D535-F744-89A8-4E42B3D6BD32}" type="slidenum">
               <a:rPr lang="en-US" smtClean="0"/>
-              <a:t>4</a:t>
+              <a:t>3</a:t>
             </a:fld>
             <a:endParaRPr lang="en-US"/>
           </a:p>
@@ -767,7 +1011,7 @@
     </p:spTree>
     <p:extLst>
       <p:ext uri="{BB962C8B-B14F-4D97-AF65-F5344CB8AC3E}">
-        <p14:creationId xmlns:p14="http://schemas.microsoft.com/office/powerpoint/2010/main" val="665186267"/>
+        <p14:creationId xmlns:p14="http://schemas.microsoft.com/office/powerpoint/2010/main" val="658568218"/>
       </p:ext>
     </p:extLst>
   </p:cSld>
@@ -823,127 +1067,14 @@
           <a:p>
             <a:r>
               <a:rPr lang="en-US" dirty="0"/>
-              <a:t>Metrics:</a:t>
-            </a:r>
-          </a:p>
-          <a:p>
-            <a:pPr marL="171450" indent="-171450">
-              <a:buFontTx/>
-              <a:buChar char="-"/>
-            </a:pPr>
+              <a:t>Now, what about the malignant cases.</a:t>
+            </a:r>
+          </a:p>
+          <a:p>
             <a:r>
               <a:rPr lang="en-US" dirty="0"/>
-              <a:t>Sensitivity (recall, </a:t>
-            </a:r>
-            <a:r>
-              <a:rPr lang="en-US" dirty="0" err="1"/>
-              <a:t>tpr</a:t>
-            </a:r>
-            <a:r>
-              <a:rPr lang="en-US" dirty="0"/>
-              <a:t>)</a:t>
-            </a:r>
-          </a:p>
-          <a:p>
-            <a:pPr marL="171450" indent="-171450">
-              <a:buFontTx/>
-              <a:buChar char="-"/>
-            </a:pPr>
-            <a:r>
-              <a:rPr lang="en-US" dirty="0"/>
-              <a:t>Specificity (1-fpr)</a:t>
-            </a:r>
-          </a:p>
-          <a:p>
-            <a:pPr marL="171450" indent="-171450">
-              <a:buFontTx/>
-              <a:buChar char="-"/>
-            </a:pPr>
-            <a:r>
-              <a:rPr lang="en-US" dirty="0"/>
-              <a:t>Positive predictive value (precision)</a:t>
-            </a:r>
-          </a:p>
-          <a:p>
-            <a:pPr marL="171450" indent="-171450">
-              <a:buFontTx/>
-              <a:buChar char="-"/>
-            </a:pPr>
-            <a:r>
-              <a:rPr lang="en-US" dirty="0"/>
-              <a:t>Negative predictive value</a:t>
-            </a:r>
-          </a:p>
-          <a:p>
-            <a:pPr marL="171450" indent="-171450">
-              <a:buFontTx/>
-              <a:buChar char="-"/>
-            </a:pPr>
-            <a:endParaRPr lang="en-US" dirty="0"/>
-          </a:p>
-          <a:p>
-            <a:pPr marL="0" indent="0">
-              <a:buFontTx/>
-              <a:buNone/>
-            </a:pPr>
-            <a:r>
-              <a:rPr lang="en-US" dirty="0"/>
-              <a:t>Dependence on prevalence</a:t>
-            </a:r>
-          </a:p>
-          <a:p>
-            <a:pPr marL="171450" indent="-171450">
-              <a:buFontTx/>
-              <a:buChar char="-"/>
-            </a:pPr>
-            <a:r>
-              <a:rPr lang="en-US" dirty="0"/>
-              <a:t>Sensitivity: no (we draw more samples, but the TP/P ratio remains the same)</a:t>
-            </a:r>
-          </a:p>
-          <a:p>
-            <a:pPr marL="171450" indent="-171450">
-              <a:buFontTx/>
-              <a:buChar char="-"/>
-            </a:pPr>
-            <a:r>
-              <a:rPr lang="en-US" dirty="0"/>
-              <a:t>Specificity: no (we draw more samples, but the TN/N ratio remains the same)</a:t>
-            </a:r>
-          </a:p>
-          <a:p>
-            <a:pPr marL="171450" indent="-171450">
-              <a:buFontTx/>
-              <a:buChar char="-"/>
-            </a:pPr>
-            <a:r>
-              <a:rPr lang="en-US" dirty="0"/>
-              <a:t>PPV: yes (we draw more positive samples, and the TP/(TP+FP) ratio increases)</a:t>
-            </a:r>
-          </a:p>
-          <a:p>
-            <a:pPr marL="171450" indent="-171450">
-              <a:buFontTx/>
-              <a:buChar char="-"/>
-            </a:pPr>
-            <a:r>
-              <a:rPr lang="en-US" dirty="0"/>
-              <a:t>NPV: yes (we draw more positive samples, and the TN/(TN+FN) ratio decreases)</a:t>
-            </a:r>
-          </a:p>
-          <a:p>
-            <a:pPr marL="171450" indent="-171450">
-              <a:buFontTx/>
-              <a:buChar char="-"/>
-            </a:pPr>
-            <a:endParaRPr lang="en-US" dirty="0"/>
-          </a:p>
-          <a:p>
-            <a:pPr marL="171450" indent="-171450">
-              <a:buFontTx/>
-              <a:buChar char="-"/>
-            </a:pPr>
-            <a:endParaRPr lang="en-US" dirty="0"/>
+              <a:t>Would we hope that the predicted probabilities would be high, low, or somewhere in between?</a:t>
+            </a:r>
           </a:p>
         </p:txBody>
       </p:sp>
@@ -964,7 +1095,7 @@
           <a:p>
             <a:fld id="{4DCBF740-D535-F744-89A8-4E42B3D6BD32}" type="slidenum">
               <a:rPr lang="en-US" smtClean="0"/>
-              <a:t>5</a:t>
+              <a:t>4</a:t>
             </a:fld>
             <a:endParaRPr lang="en-US"/>
           </a:p>
@@ -973,7 +1104,7 @@
     </p:spTree>
     <p:extLst>
       <p:ext uri="{BB962C8B-B14F-4D97-AF65-F5344CB8AC3E}">
-        <p14:creationId xmlns:p14="http://schemas.microsoft.com/office/powerpoint/2010/main" val="677978193"/>
+        <p14:creationId xmlns:p14="http://schemas.microsoft.com/office/powerpoint/2010/main" val="4151702544"/>
       </p:ext>
     </p:extLst>
   </p:cSld>
@@ -1029,127 +1160,14 @@
           <a:p>
             <a:r>
               <a:rPr lang="en-US" dirty="0"/>
-              <a:t>Metrics:</a:t>
-            </a:r>
-          </a:p>
-          <a:p>
-            <a:pPr marL="171450" indent="-171450">
-              <a:buFontTx/>
-              <a:buChar char="-"/>
-            </a:pPr>
+              <a:t>Now, what about the malignant cases.</a:t>
+            </a:r>
+          </a:p>
+          <a:p>
             <a:r>
               <a:rPr lang="en-US" dirty="0"/>
-              <a:t>Sensitivity (recall, </a:t>
-            </a:r>
-            <a:r>
-              <a:rPr lang="en-US" dirty="0" err="1"/>
-              <a:t>tpr</a:t>
-            </a:r>
-            <a:r>
-              <a:rPr lang="en-US" dirty="0"/>
-              <a:t>)</a:t>
-            </a:r>
-          </a:p>
-          <a:p>
-            <a:pPr marL="171450" indent="-171450">
-              <a:buFontTx/>
-              <a:buChar char="-"/>
-            </a:pPr>
-            <a:r>
-              <a:rPr lang="en-US" dirty="0"/>
-              <a:t>Specificity (1-fpr)</a:t>
-            </a:r>
-          </a:p>
-          <a:p>
-            <a:pPr marL="171450" indent="-171450">
-              <a:buFontTx/>
-              <a:buChar char="-"/>
-            </a:pPr>
-            <a:r>
-              <a:rPr lang="en-US" dirty="0"/>
-              <a:t>Positive predictive value (precision)</a:t>
-            </a:r>
-          </a:p>
-          <a:p>
-            <a:pPr marL="171450" indent="-171450">
-              <a:buFontTx/>
-              <a:buChar char="-"/>
-            </a:pPr>
-            <a:r>
-              <a:rPr lang="en-US" dirty="0"/>
-              <a:t>Negative predictive value</a:t>
-            </a:r>
-          </a:p>
-          <a:p>
-            <a:pPr marL="171450" indent="-171450">
-              <a:buFontTx/>
-              <a:buChar char="-"/>
-            </a:pPr>
-            <a:endParaRPr lang="en-US" dirty="0"/>
-          </a:p>
-          <a:p>
-            <a:pPr marL="0" indent="0">
-              <a:buFontTx/>
-              <a:buNone/>
-            </a:pPr>
-            <a:r>
-              <a:rPr lang="en-US" dirty="0"/>
-              <a:t>Dependence on prevalence</a:t>
-            </a:r>
-          </a:p>
-          <a:p>
-            <a:pPr marL="171450" indent="-171450">
-              <a:buFontTx/>
-              <a:buChar char="-"/>
-            </a:pPr>
-            <a:r>
-              <a:rPr lang="en-US" dirty="0"/>
-              <a:t>Sensitivity: no (we draw more samples, but the TP/P ratio remains the same)</a:t>
-            </a:r>
-          </a:p>
-          <a:p>
-            <a:pPr marL="171450" indent="-171450">
-              <a:buFontTx/>
-              <a:buChar char="-"/>
-            </a:pPr>
-            <a:r>
-              <a:rPr lang="en-US" dirty="0"/>
-              <a:t>Specificity: no (we draw more samples, but the TN/N ratio remains the same)</a:t>
-            </a:r>
-          </a:p>
-          <a:p>
-            <a:pPr marL="171450" indent="-171450">
-              <a:buFontTx/>
-              <a:buChar char="-"/>
-            </a:pPr>
-            <a:r>
-              <a:rPr lang="en-US" dirty="0"/>
-              <a:t>PPV: yes (we draw more positive samples, and the TP/(TP+FP) ratio increases)</a:t>
-            </a:r>
-          </a:p>
-          <a:p>
-            <a:pPr marL="171450" indent="-171450">
-              <a:buFontTx/>
-              <a:buChar char="-"/>
-            </a:pPr>
-            <a:r>
-              <a:rPr lang="en-US" dirty="0"/>
-              <a:t>NPV: yes (we draw more positive samples, and the TN/(TN+FN) ratio decreases)</a:t>
-            </a:r>
-          </a:p>
-          <a:p>
-            <a:pPr marL="171450" indent="-171450">
-              <a:buFontTx/>
-              <a:buChar char="-"/>
-            </a:pPr>
-            <a:endParaRPr lang="en-US" dirty="0"/>
-          </a:p>
-          <a:p>
-            <a:pPr marL="171450" indent="-171450">
-              <a:buFontTx/>
-              <a:buChar char="-"/>
-            </a:pPr>
-            <a:endParaRPr lang="en-US" dirty="0"/>
+              <a:t>Would we hope that the predicted probabilities would be high, low, or somewhere in between?</a:t>
+            </a:r>
           </a:p>
         </p:txBody>
       </p:sp>
@@ -1170,7 +1188,7 @@
           <a:p>
             <a:fld id="{4DCBF740-D535-F744-89A8-4E42B3D6BD32}" type="slidenum">
               <a:rPr lang="en-US" smtClean="0"/>
-              <a:t>6</a:t>
+              <a:t>5</a:t>
             </a:fld>
             <a:endParaRPr lang="en-US"/>
           </a:p>
@@ -1179,7 +1197,7 @@
     </p:spTree>
     <p:extLst>
       <p:ext uri="{BB962C8B-B14F-4D97-AF65-F5344CB8AC3E}">
-        <p14:creationId xmlns:p14="http://schemas.microsoft.com/office/powerpoint/2010/main" val="2162791285"/>
+        <p14:creationId xmlns:p14="http://schemas.microsoft.com/office/powerpoint/2010/main" val="816604683"/>
       </p:ext>
     </p:extLst>
   </p:cSld>
@@ -1235,7 +1253,7 @@
           <a:p>
             <a:r>
               <a:rPr lang="en-US" dirty="0"/>
-              <a:t>ROC Curve</a:t>
+              <a:t>Metrics:</a:t>
             </a:r>
           </a:p>
           <a:p>
@@ -1245,7 +1263,15 @@
             </a:pPr>
             <a:r>
               <a:rPr lang="en-US" dirty="0"/>
-              <a:t>Sensitivity</a:t>
+              <a:t>Sensitivity (recall, </a:t>
+            </a:r>
+            <a:r>
+              <a:rPr lang="en-US" dirty="0" err="1"/>
+              <a:t>tpr</a:t>
+            </a:r>
+            <a:r>
+              <a:rPr lang="en-US" dirty="0"/>
+              <a:t>)</a:t>
             </a:r>
           </a:p>
           <a:p>
@@ -1255,7 +1281,7 @@
             </a:pPr>
             <a:r>
               <a:rPr lang="en-US" dirty="0"/>
-              <a:t>Specificity</a:t>
+              <a:t>Specificity (1-fpr)</a:t>
             </a:r>
           </a:p>
           <a:p>
@@ -1265,7 +1291,17 @@
             </a:pPr>
             <a:r>
               <a:rPr lang="en-US" dirty="0"/>
-              <a:t>AUC</a:t>
+              <a:t>Positive predictive value (precision)</a:t>
+            </a:r>
+          </a:p>
+          <a:p>
+            <a:pPr marL="171450" indent="-171450">
+              <a:buFontTx/>
+              <a:buChar char="-"/>
+            </a:pPr>
+            <a:r>
+              <a:rPr lang="en-US" dirty="0"/>
+              <a:t>Negative predictive value</a:t>
             </a:r>
           </a:p>
           <a:p>
@@ -1282,7 +1318,7 @@
             </a:pPr>
             <a:r>
               <a:rPr lang="en-US" dirty="0"/>
-              <a:t>PR Curve</a:t>
+              <a:t>Dependence on prevalence</a:t>
             </a:r>
           </a:p>
           <a:p>
@@ -1292,7 +1328,7 @@
             </a:pPr>
             <a:r>
               <a:rPr lang="en-US" dirty="0"/>
-              <a:t>Sensitivity</a:t>
+              <a:t>Sensitivity: no (we draw more samples, but the TP/P ratio remains the same)</a:t>
             </a:r>
           </a:p>
           <a:p>
@@ -1302,7 +1338,7 @@
             </a:pPr>
             <a:r>
               <a:rPr lang="en-US" dirty="0"/>
-              <a:t>PPV</a:t>
+              <a:t>Specificity: no (we draw more samples, but the TN/N ratio remains the same)</a:t>
             </a:r>
           </a:p>
           <a:p>
@@ -1312,8 +1348,32 @@
             </a:pPr>
             <a:r>
               <a:rPr lang="en-US" dirty="0"/>
-              <a:t>Avg Precision / AUPR</a:t>
-            </a:r>
+              <a:t>PPV: yes (we draw more positive samples, and the TP/(TP+FP) ratio increases)</a:t>
+            </a:r>
+          </a:p>
+          <a:p>
+            <a:pPr marL="171450" indent="-171450">
+              <a:buFontTx/>
+              <a:buChar char="-"/>
+            </a:pPr>
+            <a:r>
+              <a:rPr lang="en-US" dirty="0"/>
+              <a:t>NPV: yes (we draw more positive samples, and the TN/(TN+FN) ratio decreases)</a:t>
+            </a:r>
+          </a:p>
+          <a:p>
+            <a:pPr marL="171450" indent="-171450">
+              <a:buFontTx/>
+              <a:buChar char="-"/>
+            </a:pPr>
+            <a:endParaRPr lang="en-US" dirty="0"/>
+          </a:p>
+          <a:p>
+            <a:pPr marL="171450" indent="-171450">
+              <a:buFontTx/>
+              <a:buChar char="-"/>
+            </a:pPr>
+            <a:endParaRPr lang="en-US" dirty="0"/>
           </a:p>
         </p:txBody>
       </p:sp>
@@ -1334,7 +1394,341 @@
           <a:p>
             <a:fld id="{4DCBF740-D535-F744-89A8-4E42B3D6BD32}" type="slidenum">
               <a:rPr lang="en-US" smtClean="0"/>
+              <a:t>6</a:t>
+            </a:fld>
+            <a:endParaRPr lang="en-US"/>
+          </a:p>
+        </p:txBody>
+      </p:sp>
+    </p:spTree>
+    <p:extLst>
+      <p:ext uri="{BB962C8B-B14F-4D97-AF65-F5344CB8AC3E}">
+        <p14:creationId xmlns:p14="http://schemas.microsoft.com/office/powerpoint/2010/main" val="677978193"/>
+      </p:ext>
+    </p:extLst>
+  </p:cSld>
+  <p:clrMapOvr>
+    <a:masterClrMapping/>
+  </p:clrMapOvr>
+</p:notes>
+</file>
+
+<file path=ppt/notesSlides/notesSlide6.xml><?xml version="1.0" encoding="utf-8"?>
+<p:notes xmlns:a="http://schemas.openxmlformats.org/drawingml/2006/main" xmlns:r="http://schemas.openxmlformats.org/officeDocument/2006/relationships" xmlns:p="http://schemas.openxmlformats.org/presentationml/2006/main">
+  <p:cSld>
+    <p:spTree>
+      <p:nvGrpSpPr>
+        <p:cNvPr id="1" name=""/>
+        <p:cNvGrpSpPr/>
+        <p:nvPr/>
+      </p:nvGrpSpPr>
+      <p:grpSpPr>
+        <a:xfrm>
+          <a:off x="0" y="0"/>
+          <a:ext cx="0" cy="0"/>
+          <a:chOff x="0" y="0"/>
+          <a:chExt cx="0" cy="0"/>
+        </a:xfrm>
+      </p:grpSpPr>
+      <p:sp>
+        <p:nvSpPr>
+          <p:cNvPr id="2" name="Slide Image Placeholder 1"/>
+          <p:cNvSpPr>
+            <a:spLocks noGrp="1" noRot="1" noChangeAspect="1"/>
+          </p:cNvSpPr>
+          <p:nvPr>
+            <p:ph type="sldImg"/>
+          </p:nvPr>
+        </p:nvSpPr>
+        <p:spPr/>
+      </p:sp>
+      <p:sp>
+        <p:nvSpPr>
+          <p:cNvPr id="3" name="Notes Placeholder 2"/>
+          <p:cNvSpPr>
+            <a:spLocks noGrp="1"/>
+          </p:cNvSpPr>
+          <p:nvPr>
+            <p:ph type="body" idx="1"/>
+          </p:nvPr>
+        </p:nvSpPr>
+        <p:spPr/>
+        <p:txBody>
+          <a:bodyPr/>
+          <a:lstStyle/>
+          <a:p>
+            <a:r>
+              <a:rPr lang="en-US" dirty="0"/>
+              <a:t>Metrics:</a:t>
+            </a:r>
+          </a:p>
+          <a:p>
+            <a:pPr marL="171450" indent="-171450">
+              <a:buFontTx/>
+              <a:buChar char="-"/>
+            </a:pPr>
+            <a:r>
+              <a:rPr lang="en-US" dirty="0"/>
+              <a:t>Sensitivity (recall, </a:t>
+            </a:r>
+            <a:r>
+              <a:rPr lang="en-US" dirty="0" err="1"/>
+              <a:t>tpr</a:t>
+            </a:r>
+            <a:r>
+              <a:rPr lang="en-US" dirty="0"/>
+              <a:t>)</a:t>
+            </a:r>
+          </a:p>
+          <a:p>
+            <a:pPr marL="171450" indent="-171450">
+              <a:buFontTx/>
+              <a:buChar char="-"/>
+            </a:pPr>
+            <a:r>
+              <a:rPr lang="en-US" dirty="0"/>
+              <a:t>Specificity (1-fpr)</a:t>
+            </a:r>
+          </a:p>
+          <a:p>
+            <a:pPr marL="171450" indent="-171450">
+              <a:buFontTx/>
+              <a:buChar char="-"/>
+            </a:pPr>
+            <a:r>
+              <a:rPr lang="en-US" dirty="0"/>
+              <a:t>Positive predictive value (precision)</a:t>
+            </a:r>
+          </a:p>
+          <a:p>
+            <a:pPr marL="171450" indent="-171450">
+              <a:buFontTx/>
+              <a:buChar char="-"/>
+            </a:pPr>
+            <a:r>
+              <a:rPr lang="en-US" dirty="0"/>
+              <a:t>Negative predictive value</a:t>
+            </a:r>
+          </a:p>
+          <a:p>
+            <a:pPr marL="171450" indent="-171450">
+              <a:buFontTx/>
+              <a:buChar char="-"/>
+            </a:pPr>
+            <a:endParaRPr lang="en-US" dirty="0"/>
+          </a:p>
+          <a:p>
+            <a:pPr marL="0" indent="0">
+              <a:buFontTx/>
+              <a:buNone/>
+            </a:pPr>
+            <a:r>
+              <a:rPr lang="en-US" dirty="0"/>
+              <a:t>Dependence on prevalence</a:t>
+            </a:r>
+          </a:p>
+          <a:p>
+            <a:pPr marL="171450" indent="-171450">
+              <a:buFontTx/>
+              <a:buChar char="-"/>
+            </a:pPr>
+            <a:r>
+              <a:rPr lang="en-US" dirty="0"/>
+              <a:t>Sensitivity: no (we draw more samples, but the TP/P ratio remains the same)</a:t>
+            </a:r>
+          </a:p>
+          <a:p>
+            <a:pPr marL="171450" indent="-171450">
+              <a:buFontTx/>
+              <a:buChar char="-"/>
+            </a:pPr>
+            <a:r>
+              <a:rPr lang="en-US" dirty="0"/>
+              <a:t>Specificity: no (we draw more samples, but the TN/N ratio remains the same)</a:t>
+            </a:r>
+          </a:p>
+          <a:p>
+            <a:pPr marL="171450" indent="-171450">
+              <a:buFontTx/>
+              <a:buChar char="-"/>
+            </a:pPr>
+            <a:r>
+              <a:rPr lang="en-US" dirty="0"/>
+              <a:t>PPV: yes (we draw more positive samples, and the TP/(TP+FP) ratio increases)</a:t>
+            </a:r>
+          </a:p>
+          <a:p>
+            <a:pPr marL="171450" indent="-171450">
+              <a:buFontTx/>
+              <a:buChar char="-"/>
+            </a:pPr>
+            <a:r>
+              <a:rPr lang="en-US" dirty="0"/>
+              <a:t>NPV: yes (we draw more positive samples, and the TN/(TN+FN) ratio decreases)</a:t>
+            </a:r>
+          </a:p>
+          <a:p>
+            <a:pPr marL="171450" indent="-171450">
+              <a:buFontTx/>
+              <a:buChar char="-"/>
+            </a:pPr>
+            <a:endParaRPr lang="en-US" dirty="0"/>
+          </a:p>
+          <a:p>
+            <a:pPr marL="171450" indent="-171450">
+              <a:buFontTx/>
+              <a:buChar char="-"/>
+            </a:pPr>
+            <a:endParaRPr lang="en-US" dirty="0"/>
+          </a:p>
+        </p:txBody>
+      </p:sp>
+      <p:sp>
+        <p:nvSpPr>
+          <p:cNvPr id="4" name="Slide Number Placeholder 3"/>
+          <p:cNvSpPr>
+            <a:spLocks noGrp="1"/>
+          </p:cNvSpPr>
+          <p:nvPr>
+            <p:ph type="sldNum" sz="quarter" idx="5"/>
+          </p:nvPr>
+        </p:nvSpPr>
+        <p:spPr/>
+        <p:txBody>
+          <a:bodyPr/>
+          <a:lstStyle/>
+          <a:p>
+            <a:fld id="{4DCBF740-D535-F744-89A8-4E42B3D6BD32}" type="slidenum">
+              <a:rPr lang="en-US" smtClean="0"/>
               <a:t>7</a:t>
+            </a:fld>
+            <a:endParaRPr lang="en-US"/>
+          </a:p>
+        </p:txBody>
+      </p:sp>
+    </p:spTree>
+    <p:extLst>
+      <p:ext uri="{BB962C8B-B14F-4D97-AF65-F5344CB8AC3E}">
+        <p14:creationId xmlns:p14="http://schemas.microsoft.com/office/powerpoint/2010/main" val="2162791285"/>
+      </p:ext>
+    </p:extLst>
+  </p:cSld>
+  <p:clrMapOvr>
+    <a:masterClrMapping/>
+  </p:clrMapOvr>
+</p:notes>
+</file>
+
+<file path=ppt/notesSlides/notesSlide7.xml><?xml version="1.0" encoding="utf-8"?>
+<p:notes xmlns:a="http://schemas.openxmlformats.org/drawingml/2006/main" xmlns:r="http://schemas.openxmlformats.org/officeDocument/2006/relationships" xmlns:p="http://schemas.openxmlformats.org/presentationml/2006/main">
+  <p:cSld>
+    <p:spTree>
+      <p:nvGrpSpPr>
+        <p:cNvPr id="1" name=""/>
+        <p:cNvGrpSpPr/>
+        <p:nvPr/>
+      </p:nvGrpSpPr>
+      <p:grpSpPr>
+        <a:xfrm>
+          <a:off x="0" y="0"/>
+          <a:ext cx="0" cy="0"/>
+          <a:chOff x="0" y="0"/>
+          <a:chExt cx="0" cy="0"/>
+        </a:xfrm>
+      </p:grpSpPr>
+      <p:sp>
+        <p:nvSpPr>
+          <p:cNvPr id="2" name="Slide Image Placeholder 1"/>
+          <p:cNvSpPr>
+            <a:spLocks noGrp="1" noRot="1" noChangeAspect="1"/>
+          </p:cNvSpPr>
+          <p:nvPr>
+            <p:ph type="sldImg"/>
+          </p:nvPr>
+        </p:nvSpPr>
+        <p:spPr/>
+      </p:sp>
+      <p:sp>
+        <p:nvSpPr>
+          <p:cNvPr id="3" name="Notes Placeholder 2"/>
+          <p:cNvSpPr>
+            <a:spLocks noGrp="1"/>
+          </p:cNvSpPr>
+          <p:nvPr>
+            <p:ph type="body" idx="1"/>
+          </p:nvPr>
+        </p:nvSpPr>
+        <p:spPr/>
+        <p:txBody>
+          <a:bodyPr/>
+          <a:lstStyle/>
+          <a:p>
+            <a:r>
+              <a:rPr lang="en-US" dirty="0"/>
+              <a:t>Describe all elements of the curve.</a:t>
+            </a:r>
+          </a:p>
+          <a:p>
+            <a:r>
+              <a:rPr lang="en-US" dirty="0"/>
+              <a:t>Start at a threshold of zero (top right)</a:t>
+            </a:r>
+          </a:p>
+          <a:p>
+            <a:r>
+              <a:rPr lang="en-US" dirty="0"/>
+              <a:t>Move to a threshold of one (bottom left)</a:t>
+            </a:r>
+          </a:p>
+          <a:p>
+            <a:endParaRPr lang="en-US" dirty="0"/>
+          </a:p>
+          <a:p>
+            <a:r>
+              <a:rPr lang="en-US" dirty="0"/>
+              <a:t>What is the range of the AUC?</a:t>
+            </a:r>
+          </a:p>
+          <a:p>
+            <a:pPr marL="171450" indent="-171450">
+              <a:buFontTx/>
+              <a:buChar char="-"/>
+            </a:pPr>
+            <a:r>
+              <a:rPr lang="en-US" dirty="0"/>
+              <a:t>Max = 1</a:t>
+            </a:r>
+          </a:p>
+          <a:p>
+            <a:pPr marL="171450" indent="-171450">
+              <a:buFontTx/>
+              <a:buChar char="-"/>
+            </a:pPr>
+            <a:r>
+              <a:rPr lang="en-US" dirty="0"/>
+              <a:t>Min = we’ll come back to that.</a:t>
+            </a:r>
+          </a:p>
+        </p:txBody>
+      </p:sp>
+      <p:sp>
+        <p:nvSpPr>
+          <p:cNvPr id="4" name="Slide Number Placeholder 3"/>
+          <p:cNvSpPr>
+            <a:spLocks noGrp="1"/>
+          </p:cNvSpPr>
+          <p:nvPr>
+            <p:ph type="sldNum" sz="quarter" idx="5"/>
+          </p:nvPr>
+        </p:nvSpPr>
+        <p:spPr/>
+        <p:txBody>
+          <a:bodyPr/>
+          <a:lstStyle/>
+          <a:p>
+            <a:fld id="{4DCBF740-D535-F744-89A8-4E42B3D6BD32}" type="slidenum">
+              <a:rPr lang="en-US" smtClean="0"/>
+              <a:t>8</a:t>
             </a:fld>
             <a:endParaRPr lang="en-US"/>
           </a:p>
@@ -1344,6 +1738,201 @@
     <p:extLst>
       <p:ext uri="{BB962C8B-B14F-4D97-AF65-F5344CB8AC3E}">
         <p14:creationId xmlns:p14="http://schemas.microsoft.com/office/powerpoint/2010/main" val="986340679"/>
+      </p:ext>
+    </p:extLst>
+  </p:cSld>
+  <p:clrMapOvr>
+    <a:masterClrMapping/>
+  </p:clrMapOvr>
+</p:notes>
+</file>
+
+<file path=ppt/notesSlides/notesSlide8.xml><?xml version="1.0" encoding="utf-8"?>
+<p:notes xmlns:a="http://schemas.openxmlformats.org/drawingml/2006/main" xmlns:r="http://schemas.openxmlformats.org/officeDocument/2006/relationships" xmlns:p="http://schemas.openxmlformats.org/presentationml/2006/main">
+  <p:cSld>
+    <p:spTree>
+      <p:nvGrpSpPr>
+        <p:cNvPr id="1" name=""/>
+        <p:cNvGrpSpPr/>
+        <p:nvPr/>
+      </p:nvGrpSpPr>
+      <p:grpSpPr>
+        <a:xfrm>
+          <a:off x="0" y="0"/>
+          <a:ext cx="0" cy="0"/>
+          <a:chOff x="0" y="0"/>
+          <a:chExt cx="0" cy="0"/>
+        </a:xfrm>
+      </p:grpSpPr>
+      <p:sp>
+        <p:nvSpPr>
+          <p:cNvPr id="2" name="Slide Image Placeholder 1"/>
+          <p:cNvSpPr>
+            <a:spLocks noGrp="1" noRot="1" noChangeAspect="1"/>
+          </p:cNvSpPr>
+          <p:nvPr>
+            <p:ph type="sldImg"/>
+          </p:nvPr>
+        </p:nvSpPr>
+        <p:spPr/>
+      </p:sp>
+      <p:sp>
+        <p:nvSpPr>
+          <p:cNvPr id="3" name="Notes Placeholder 2"/>
+          <p:cNvSpPr>
+            <a:spLocks noGrp="1"/>
+          </p:cNvSpPr>
+          <p:nvPr>
+            <p:ph type="body" idx="1"/>
+          </p:nvPr>
+        </p:nvSpPr>
+        <p:spPr/>
+        <p:txBody>
+          <a:bodyPr/>
+          <a:lstStyle/>
+          <a:p>
+            <a:r>
+              <a:rPr lang="en-US" dirty="0"/>
+              <a:t>They’ll give you a rule of thumb. AUC=.7 – something like that.</a:t>
+            </a:r>
+          </a:p>
+          <a:p>
+            <a:endParaRPr lang="en-US" dirty="0"/>
+          </a:p>
+          <a:p>
+            <a:r>
+              <a:rPr lang="en-US" dirty="0"/>
+              <a:t>TESTS for each of these.</a:t>
+            </a:r>
+          </a:p>
+          <a:p>
+            <a:r>
+              <a:rPr lang="en-US" dirty="0"/>
+              <a:t>Delong</a:t>
+            </a:r>
+          </a:p>
+          <a:p>
+            <a:r>
+              <a:rPr lang="en-US" dirty="0"/>
+              <a:t>Two-sample proportion test.</a:t>
+            </a:r>
+          </a:p>
+        </p:txBody>
+      </p:sp>
+      <p:sp>
+        <p:nvSpPr>
+          <p:cNvPr id="4" name="Slide Number Placeholder 3"/>
+          <p:cNvSpPr>
+            <a:spLocks noGrp="1"/>
+          </p:cNvSpPr>
+          <p:nvPr>
+            <p:ph type="sldNum" sz="quarter" idx="5"/>
+          </p:nvPr>
+        </p:nvSpPr>
+        <p:spPr/>
+        <p:txBody>
+          <a:bodyPr/>
+          <a:lstStyle/>
+          <a:p>
+            <a:fld id="{4DCBF740-D535-F744-89A8-4E42B3D6BD32}" type="slidenum">
+              <a:rPr lang="en-US" smtClean="0"/>
+              <a:t>9</a:t>
+            </a:fld>
+            <a:endParaRPr lang="en-US"/>
+          </a:p>
+        </p:txBody>
+      </p:sp>
+    </p:spTree>
+    <p:extLst>
+      <p:ext uri="{BB962C8B-B14F-4D97-AF65-F5344CB8AC3E}">
+        <p14:creationId xmlns:p14="http://schemas.microsoft.com/office/powerpoint/2010/main" val="3374458234"/>
+      </p:ext>
+    </p:extLst>
+  </p:cSld>
+  <p:clrMapOvr>
+    <a:masterClrMapping/>
+  </p:clrMapOvr>
+</p:notes>
+</file>
+
+<file path=ppt/notesSlides/notesSlide9.xml><?xml version="1.0" encoding="utf-8"?>
+<p:notes xmlns:a="http://schemas.openxmlformats.org/drawingml/2006/main" xmlns:r="http://schemas.openxmlformats.org/officeDocument/2006/relationships" xmlns:p="http://schemas.openxmlformats.org/presentationml/2006/main">
+  <p:cSld>
+    <p:spTree>
+      <p:nvGrpSpPr>
+        <p:cNvPr id="1" name=""/>
+        <p:cNvGrpSpPr/>
+        <p:nvPr/>
+      </p:nvGrpSpPr>
+      <p:grpSpPr>
+        <a:xfrm>
+          <a:off x="0" y="0"/>
+          <a:ext cx="0" cy="0"/>
+          <a:chOff x="0" y="0"/>
+          <a:chExt cx="0" cy="0"/>
+        </a:xfrm>
+      </p:grpSpPr>
+      <p:sp>
+        <p:nvSpPr>
+          <p:cNvPr id="2" name="Slide Image Placeholder 1"/>
+          <p:cNvSpPr>
+            <a:spLocks noGrp="1" noRot="1" noChangeAspect="1"/>
+          </p:cNvSpPr>
+          <p:nvPr>
+            <p:ph type="sldImg"/>
+          </p:nvPr>
+        </p:nvSpPr>
+        <p:spPr/>
+      </p:sp>
+      <p:sp>
+        <p:nvSpPr>
+          <p:cNvPr id="3" name="Notes Placeholder 2"/>
+          <p:cNvSpPr>
+            <a:spLocks noGrp="1"/>
+          </p:cNvSpPr>
+          <p:nvPr>
+            <p:ph type="body" idx="1"/>
+          </p:nvPr>
+        </p:nvSpPr>
+        <p:spPr/>
+        <p:txBody>
+          <a:bodyPr/>
+          <a:lstStyle/>
+          <a:p>
+            <a:r>
+              <a:rPr lang="en-US" dirty="0"/>
+              <a:t>In other words, they’re all uncorrelated with the label.</a:t>
+            </a:r>
+          </a:p>
+        </p:txBody>
+      </p:sp>
+      <p:sp>
+        <p:nvSpPr>
+          <p:cNvPr id="4" name="Slide Number Placeholder 3"/>
+          <p:cNvSpPr>
+            <a:spLocks noGrp="1"/>
+          </p:cNvSpPr>
+          <p:nvPr>
+            <p:ph type="sldNum" sz="quarter" idx="5"/>
+          </p:nvPr>
+        </p:nvSpPr>
+        <p:spPr/>
+        <p:txBody>
+          <a:bodyPr/>
+          <a:lstStyle/>
+          <a:p>
+            <a:fld id="{4DCBF740-D535-F744-89A8-4E42B3D6BD32}" type="slidenum">
+              <a:rPr lang="en-US" smtClean="0"/>
+              <a:t>10</a:t>
+            </a:fld>
+            <a:endParaRPr lang="en-US"/>
+          </a:p>
+        </p:txBody>
+      </p:sp>
+    </p:spTree>
+    <p:extLst>
+      <p:ext uri="{BB962C8B-B14F-4D97-AF65-F5344CB8AC3E}">
+        <p14:creationId xmlns:p14="http://schemas.microsoft.com/office/powerpoint/2010/main" val="2982356392"/>
       </p:ext>
     </p:extLst>
   </p:cSld>
@@ -6814,6 +7403,3790 @@
           <a:chExt cx="0" cy="0"/>
         </a:xfrm>
       </p:grpSpPr>
+      <p:sp>
+        <p:nvSpPr>
+          <p:cNvPr id="2" name="Title 1">
+            <a:extLst>
+              <a:ext uri="{FF2B5EF4-FFF2-40B4-BE49-F238E27FC236}">
+                <a16:creationId xmlns:a16="http://schemas.microsoft.com/office/drawing/2014/main" id="{47403CEA-C913-1D48-BDC5-FE38B2536DC8}"/>
+              </a:ext>
+            </a:extLst>
+          </p:cNvPr>
+          <p:cNvSpPr>
+            <a:spLocks noGrp="1"/>
+          </p:cNvSpPr>
+          <p:nvPr>
+            <p:ph type="title"/>
+          </p:nvPr>
+        </p:nvSpPr>
+        <p:spPr>
+          <a:xfrm>
+            <a:off x="0" y="34982"/>
+            <a:ext cx="12192000" cy="1325563"/>
+          </a:xfrm>
+        </p:spPr>
+        <p:txBody>
+          <a:bodyPr/>
+          <a:lstStyle/>
+          <a:p>
+            <a:pPr algn="ctr"/>
+            <a:r>
+              <a:rPr lang="en-US" sz="3600" dirty="0"/>
+              <a:t>Suppose our features contain </a:t>
+            </a:r>
+            <a:r>
+              <a:rPr lang="en-US" sz="3600" i="1" dirty="0"/>
+              <a:t>no information </a:t>
+            </a:r>
+            <a:r>
+              <a:rPr lang="en-US" sz="3600" dirty="0"/>
+              <a:t>about the label. What might our model’s predictions look like?</a:t>
+            </a:r>
+          </a:p>
+        </p:txBody>
+      </p:sp>
+      <p:pic>
+        <p:nvPicPr>
+          <p:cNvPr id="7" name="Picture 6" descr="A picture containing scatter chart&#10;&#10;Description automatically generated">
+            <a:extLst>
+              <a:ext uri="{FF2B5EF4-FFF2-40B4-BE49-F238E27FC236}">
+                <a16:creationId xmlns:a16="http://schemas.microsoft.com/office/drawing/2014/main" id="{DD91A6B7-E6E9-4A82-D616-36E01F411DB1}"/>
+              </a:ext>
+            </a:extLst>
+          </p:cNvPr>
+          <p:cNvPicPr>
+            <a:picLocks noChangeAspect="1"/>
+          </p:cNvPicPr>
+          <p:nvPr/>
+        </p:nvPicPr>
+        <p:blipFill>
+          <a:blip r:embed="rId3"/>
+          <a:stretch>
+            <a:fillRect/>
+          </a:stretch>
+        </p:blipFill>
+        <p:spPr>
+          <a:xfrm>
+            <a:off x="1613535" y="1244055"/>
+            <a:ext cx="11237867" cy="4989155"/>
+          </a:xfrm>
+          <a:prstGeom prst="rect">
+            <a:avLst/>
+          </a:prstGeom>
+        </p:spPr>
+      </p:pic>
+      <p:sp>
+        <p:nvSpPr>
+          <p:cNvPr id="4" name="Rectangle 3">
+            <a:extLst>
+              <a:ext uri="{FF2B5EF4-FFF2-40B4-BE49-F238E27FC236}">
+                <a16:creationId xmlns:a16="http://schemas.microsoft.com/office/drawing/2014/main" id="{7FB2713E-5C50-1193-E353-074DBB585B35}"/>
+              </a:ext>
+            </a:extLst>
+          </p:cNvPr>
+          <p:cNvSpPr/>
+          <p:nvPr/>
+        </p:nvSpPr>
+        <p:spPr>
+          <a:xfrm>
+            <a:off x="3108959" y="1877968"/>
+            <a:ext cx="8543109" cy="3735977"/>
+          </a:xfrm>
+          <a:prstGeom prst="rect">
+            <a:avLst/>
+          </a:prstGeom>
+          <a:ln>
+            <a:noFill/>
+          </a:ln>
+        </p:spPr>
+        <p:style>
+          <a:lnRef idx="2">
+            <a:schemeClr val="dk1"/>
+          </a:lnRef>
+          <a:fillRef idx="1">
+            <a:schemeClr val="lt1"/>
+          </a:fillRef>
+          <a:effectRef idx="0">
+            <a:schemeClr val="dk1"/>
+          </a:effectRef>
+          <a:fontRef idx="minor">
+            <a:schemeClr val="dk1"/>
+          </a:fontRef>
+        </p:style>
+        <p:txBody>
+          <a:bodyPr rtlCol="0" anchor="ctr"/>
+          <a:lstStyle/>
+          <a:p>
+            <a:pPr algn="ctr"/>
+            <a:r>
+              <a:rPr lang="en-US" sz="8000" dirty="0"/>
+              <a:t>?</a:t>
+            </a:r>
+          </a:p>
+        </p:txBody>
+      </p:sp>
+    </p:spTree>
+    <p:extLst>
+      <p:ext uri="{BB962C8B-B14F-4D97-AF65-F5344CB8AC3E}">
+        <p14:creationId xmlns:p14="http://schemas.microsoft.com/office/powerpoint/2010/main" val="2129770828"/>
+      </p:ext>
+    </p:extLst>
+  </p:cSld>
+  <p:clrMapOvr>
+    <a:masterClrMapping/>
+  </p:clrMapOvr>
+</p:sld>
+</file>
+
+<file path=ppt/slides/slide11.xml><?xml version="1.0" encoding="utf-8"?>
+<p:sld xmlns:a="http://schemas.openxmlformats.org/drawingml/2006/main" xmlns:r="http://schemas.openxmlformats.org/officeDocument/2006/relationships" xmlns:p="http://schemas.openxmlformats.org/presentationml/2006/main">
+  <p:cSld>
+    <p:spTree>
+      <p:nvGrpSpPr>
+        <p:cNvPr id="1" name=""/>
+        <p:cNvGrpSpPr/>
+        <p:nvPr/>
+      </p:nvGrpSpPr>
+      <p:grpSpPr>
+        <a:xfrm>
+          <a:off x="0" y="0"/>
+          <a:ext cx="0" cy="0"/>
+          <a:chOff x="0" y="0"/>
+          <a:chExt cx="0" cy="0"/>
+        </a:xfrm>
+      </p:grpSpPr>
+      <p:sp>
+        <p:nvSpPr>
+          <p:cNvPr id="2" name="Title 1">
+            <a:extLst>
+              <a:ext uri="{FF2B5EF4-FFF2-40B4-BE49-F238E27FC236}">
+                <a16:creationId xmlns:a16="http://schemas.microsoft.com/office/drawing/2014/main" id="{47403CEA-C913-1D48-BDC5-FE38B2536DC8}"/>
+              </a:ext>
+            </a:extLst>
+          </p:cNvPr>
+          <p:cNvSpPr>
+            <a:spLocks noGrp="1"/>
+          </p:cNvSpPr>
+          <p:nvPr>
+            <p:ph type="title"/>
+          </p:nvPr>
+        </p:nvSpPr>
+        <p:spPr>
+          <a:xfrm>
+            <a:off x="0" y="34982"/>
+            <a:ext cx="12192000" cy="1325563"/>
+          </a:xfrm>
+        </p:spPr>
+        <p:txBody>
+          <a:bodyPr/>
+          <a:lstStyle/>
+          <a:p>
+            <a:pPr algn="ctr"/>
+            <a:r>
+              <a:rPr lang="en-US" sz="3600" dirty="0"/>
+              <a:t>Suppose our features contain no information about the label. What might our model’s predictions look like?</a:t>
+            </a:r>
+          </a:p>
+        </p:txBody>
+      </p:sp>
+      <p:pic>
+        <p:nvPicPr>
+          <p:cNvPr id="7" name="Picture 6" descr="A picture containing scatter chart&#10;&#10;Description automatically generated">
+            <a:extLst>
+              <a:ext uri="{FF2B5EF4-FFF2-40B4-BE49-F238E27FC236}">
+                <a16:creationId xmlns:a16="http://schemas.microsoft.com/office/drawing/2014/main" id="{DD91A6B7-E6E9-4A82-D616-36E01F411DB1}"/>
+              </a:ext>
+            </a:extLst>
+          </p:cNvPr>
+          <p:cNvPicPr>
+            <a:picLocks noChangeAspect="1"/>
+          </p:cNvPicPr>
+          <p:nvPr/>
+        </p:nvPicPr>
+        <p:blipFill>
+          <a:blip r:embed="rId3"/>
+          <a:stretch>
+            <a:fillRect/>
+          </a:stretch>
+        </p:blipFill>
+        <p:spPr>
+          <a:xfrm>
+            <a:off x="1613535" y="1244055"/>
+            <a:ext cx="11237867" cy="4989155"/>
+          </a:xfrm>
+          <a:prstGeom prst="rect">
+            <a:avLst/>
+          </a:prstGeom>
+        </p:spPr>
+      </p:pic>
+      <p:sp>
+        <p:nvSpPr>
+          <p:cNvPr id="4" name="TextBox 3">
+            <a:extLst>
+              <a:ext uri="{FF2B5EF4-FFF2-40B4-BE49-F238E27FC236}">
+                <a16:creationId xmlns:a16="http://schemas.microsoft.com/office/drawing/2014/main" id="{A6FB108C-9819-F691-FEE5-C6C3797A8CBD}"/>
+              </a:ext>
+            </a:extLst>
+          </p:cNvPr>
+          <p:cNvSpPr txBox="1"/>
+          <p:nvPr/>
+        </p:nvSpPr>
+        <p:spPr>
+          <a:xfrm>
+            <a:off x="130630" y="3268798"/>
+            <a:ext cx="2103120" cy="3416320"/>
+          </a:xfrm>
+          <a:prstGeom prst="rect">
+            <a:avLst/>
+          </a:prstGeom>
+          <a:noFill/>
+        </p:spPr>
+        <p:txBody>
+          <a:bodyPr wrap="square" rtlCol="0">
+            <a:spAutoFit/>
+          </a:bodyPr>
+          <a:lstStyle/>
+          <a:p>
+            <a:pPr marL="285750" indent="-285750">
+              <a:buFont typeface="Arial" panose="020B0604020202020204" pitchFamily="34" charset="0"/>
+              <a:buChar char="•"/>
+            </a:pPr>
+            <a:r>
+              <a:rPr lang="en-US" dirty="0"/>
+              <a:t>Similar distributions between positive and negative cases.</a:t>
+            </a:r>
+          </a:p>
+          <a:p>
+            <a:pPr marL="285750" indent="-285750">
+              <a:buFont typeface="Arial" panose="020B0604020202020204" pitchFamily="34" charset="0"/>
+              <a:buChar char="•"/>
+            </a:pPr>
+            <a:endParaRPr lang="en-US" dirty="0"/>
+          </a:p>
+          <a:p>
+            <a:pPr marL="285750" indent="-285750">
+              <a:buFont typeface="Arial" panose="020B0604020202020204" pitchFamily="34" charset="0"/>
+              <a:buChar char="•"/>
+            </a:pPr>
+            <a:endParaRPr lang="en-US" dirty="0"/>
+          </a:p>
+          <a:p>
+            <a:pPr marL="285750" indent="-285750">
+              <a:buFont typeface="Arial" panose="020B0604020202020204" pitchFamily="34" charset="0"/>
+              <a:buChar char="•"/>
+            </a:pPr>
+            <a:r>
+              <a:rPr lang="en-US" dirty="0"/>
+              <a:t>The predicted value tells you nothing about which one it’s more likely to be.</a:t>
+            </a:r>
+          </a:p>
+        </p:txBody>
+      </p:sp>
+    </p:spTree>
+    <p:extLst>
+      <p:ext uri="{BB962C8B-B14F-4D97-AF65-F5344CB8AC3E}">
+        <p14:creationId xmlns:p14="http://schemas.microsoft.com/office/powerpoint/2010/main" val="538143199"/>
+      </p:ext>
+    </p:extLst>
+  </p:cSld>
+  <p:clrMapOvr>
+    <a:masterClrMapping/>
+  </p:clrMapOvr>
+</p:sld>
+</file>
+
+<file path=ppt/slides/slide12.xml><?xml version="1.0" encoding="utf-8"?>
+<p:sld xmlns:a="http://schemas.openxmlformats.org/drawingml/2006/main" xmlns:r="http://schemas.openxmlformats.org/officeDocument/2006/relationships" xmlns:p="http://schemas.openxmlformats.org/presentationml/2006/main">
+  <p:cSld>
+    <p:spTree>
+      <p:nvGrpSpPr>
+        <p:cNvPr id="1" name=""/>
+        <p:cNvGrpSpPr/>
+        <p:nvPr/>
+      </p:nvGrpSpPr>
+      <p:grpSpPr>
+        <a:xfrm>
+          <a:off x="0" y="0"/>
+          <a:ext cx="0" cy="0"/>
+          <a:chOff x="0" y="0"/>
+          <a:chExt cx="0" cy="0"/>
+        </a:xfrm>
+      </p:grpSpPr>
+      <p:sp>
+        <p:nvSpPr>
+          <p:cNvPr id="2" name="Title 1">
+            <a:extLst>
+              <a:ext uri="{FF2B5EF4-FFF2-40B4-BE49-F238E27FC236}">
+                <a16:creationId xmlns:a16="http://schemas.microsoft.com/office/drawing/2014/main" id="{47403CEA-C913-1D48-BDC5-FE38B2536DC8}"/>
+              </a:ext>
+            </a:extLst>
+          </p:cNvPr>
+          <p:cNvSpPr>
+            <a:spLocks noGrp="1"/>
+          </p:cNvSpPr>
+          <p:nvPr>
+            <p:ph type="title"/>
+          </p:nvPr>
+        </p:nvSpPr>
+        <p:spPr>
+          <a:xfrm>
+            <a:off x="838199" y="404314"/>
+            <a:ext cx="10515600" cy="1325563"/>
+          </a:xfrm>
+        </p:spPr>
+        <p:txBody>
+          <a:bodyPr/>
+          <a:lstStyle/>
+          <a:p>
+            <a:pPr algn="ctr"/>
+            <a:r>
+              <a:rPr lang="en-US" dirty="0"/>
+              <a:t>We’ll try placing a threshold just like before</a:t>
+            </a:r>
+          </a:p>
+        </p:txBody>
+      </p:sp>
+      <p:pic>
+        <p:nvPicPr>
+          <p:cNvPr id="7" name="Picture 6" descr="A picture containing scatter chart&#10;&#10;Description automatically generated">
+            <a:extLst>
+              <a:ext uri="{FF2B5EF4-FFF2-40B4-BE49-F238E27FC236}">
+                <a16:creationId xmlns:a16="http://schemas.microsoft.com/office/drawing/2014/main" id="{DD91A6B7-E6E9-4A82-D616-36E01F411DB1}"/>
+              </a:ext>
+            </a:extLst>
+          </p:cNvPr>
+          <p:cNvPicPr>
+            <a:picLocks noChangeAspect="1"/>
+          </p:cNvPicPr>
+          <p:nvPr/>
+        </p:nvPicPr>
+        <p:blipFill>
+          <a:blip r:embed="rId2"/>
+          <a:stretch>
+            <a:fillRect/>
+          </a:stretch>
+        </p:blipFill>
+        <p:spPr>
+          <a:xfrm>
+            <a:off x="1613535" y="1244055"/>
+            <a:ext cx="11237867" cy="4989155"/>
+          </a:xfrm>
+          <a:prstGeom prst="rect">
+            <a:avLst/>
+          </a:prstGeom>
+        </p:spPr>
+      </p:pic>
+      <p:cxnSp>
+        <p:nvCxnSpPr>
+          <p:cNvPr id="8" name="Straight Connector 7">
+            <a:extLst>
+              <a:ext uri="{FF2B5EF4-FFF2-40B4-BE49-F238E27FC236}">
+                <a16:creationId xmlns:a16="http://schemas.microsoft.com/office/drawing/2014/main" id="{1C53139D-7B53-3193-1B2E-84C712EC14FA}"/>
+              </a:ext>
+            </a:extLst>
+          </p:cNvPr>
+          <p:cNvCxnSpPr/>
+          <p:nvPr/>
+        </p:nvCxnSpPr>
+        <p:spPr>
+          <a:xfrm>
+            <a:off x="5855346" y="1266738"/>
+            <a:ext cx="0" cy="5527964"/>
+          </a:xfrm>
+          <a:prstGeom prst="line">
+            <a:avLst/>
+          </a:prstGeom>
+          <a:ln w="57150">
+            <a:solidFill>
+              <a:srgbClr val="BE0060"/>
+            </a:solidFill>
+            <a:prstDash val="lgDash"/>
+          </a:ln>
+        </p:spPr>
+        <p:style>
+          <a:lnRef idx="1">
+            <a:schemeClr val="accent1"/>
+          </a:lnRef>
+          <a:fillRef idx="0">
+            <a:schemeClr val="accent1"/>
+          </a:fillRef>
+          <a:effectRef idx="0">
+            <a:schemeClr val="accent1"/>
+          </a:effectRef>
+          <a:fontRef idx="minor">
+            <a:schemeClr val="tx1"/>
+          </a:fontRef>
+        </p:style>
+      </p:cxnSp>
+      <p:sp>
+        <p:nvSpPr>
+          <p:cNvPr id="9" name="TextBox 8">
+            <a:extLst>
+              <a:ext uri="{FF2B5EF4-FFF2-40B4-BE49-F238E27FC236}">
+                <a16:creationId xmlns:a16="http://schemas.microsoft.com/office/drawing/2014/main" id="{7B7DB007-921B-A090-7DE3-B9EFB47D0435}"/>
+              </a:ext>
+            </a:extLst>
+          </p:cNvPr>
+          <p:cNvSpPr txBox="1"/>
+          <p:nvPr/>
+        </p:nvSpPr>
+        <p:spPr>
+          <a:xfrm>
+            <a:off x="2512313" y="1360545"/>
+            <a:ext cx="3343031" cy="369332"/>
+          </a:xfrm>
+          <a:prstGeom prst="rect">
+            <a:avLst/>
+          </a:prstGeom>
+          <a:noFill/>
+        </p:spPr>
+        <p:txBody>
+          <a:bodyPr wrap="none" rtlCol="0">
+            <a:spAutoFit/>
+          </a:bodyPr>
+          <a:lstStyle/>
+          <a:p>
+            <a:r>
+              <a:rPr lang="en-US" dirty="0">
+                <a:solidFill>
+                  <a:srgbClr val="BE0060"/>
+                </a:solidFill>
+              </a:rPr>
+              <a:t>below threshold: predict negative</a:t>
+            </a:r>
+          </a:p>
+        </p:txBody>
+      </p:sp>
+      <p:sp>
+        <p:nvSpPr>
+          <p:cNvPr id="10" name="TextBox 9">
+            <a:extLst>
+              <a:ext uri="{FF2B5EF4-FFF2-40B4-BE49-F238E27FC236}">
+                <a16:creationId xmlns:a16="http://schemas.microsoft.com/office/drawing/2014/main" id="{3EBE4078-F382-6337-8DF9-876B6822D642}"/>
+              </a:ext>
+            </a:extLst>
+          </p:cNvPr>
+          <p:cNvSpPr txBox="1"/>
+          <p:nvPr/>
+        </p:nvSpPr>
+        <p:spPr>
+          <a:xfrm>
+            <a:off x="5855343" y="1360545"/>
+            <a:ext cx="3947876" cy="369332"/>
+          </a:xfrm>
+          <a:prstGeom prst="rect">
+            <a:avLst/>
+          </a:prstGeom>
+          <a:noFill/>
+        </p:spPr>
+        <p:txBody>
+          <a:bodyPr wrap="none" rtlCol="0">
+            <a:spAutoFit/>
+          </a:bodyPr>
+          <a:lstStyle/>
+          <a:p>
+            <a:r>
+              <a:rPr lang="en-US" dirty="0">
+                <a:solidFill>
+                  <a:srgbClr val="BE0060"/>
+                </a:solidFill>
+              </a:rPr>
+              <a:t>above threshold: predict cancer positive</a:t>
+            </a:r>
+          </a:p>
+        </p:txBody>
+      </p:sp>
+      <p:sp>
+        <p:nvSpPr>
+          <p:cNvPr id="11" name="TextBox 10">
+            <a:extLst>
+              <a:ext uri="{FF2B5EF4-FFF2-40B4-BE49-F238E27FC236}">
+                <a16:creationId xmlns:a16="http://schemas.microsoft.com/office/drawing/2014/main" id="{23047416-6505-31DD-A486-66B6A6D7A353}"/>
+              </a:ext>
+            </a:extLst>
+          </p:cNvPr>
+          <p:cNvSpPr txBox="1"/>
+          <p:nvPr/>
+        </p:nvSpPr>
+        <p:spPr>
+          <a:xfrm>
+            <a:off x="511627" y="2861469"/>
+            <a:ext cx="1674114" cy="1754326"/>
+          </a:xfrm>
+          <a:prstGeom prst="rect">
+            <a:avLst/>
+          </a:prstGeom>
+          <a:noFill/>
+        </p:spPr>
+        <p:txBody>
+          <a:bodyPr wrap="square" rtlCol="0">
+            <a:spAutoFit/>
+          </a:bodyPr>
+          <a:lstStyle/>
+          <a:p>
+            <a:r>
+              <a:rPr lang="en-US" dirty="0"/>
+              <a:t>What is the:</a:t>
+            </a:r>
+          </a:p>
+          <a:p>
+            <a:pPr marL="342900" indent="-342900">
+              <a:buAutoNum type="alphaLcParenBoth"/>
+            </a:pPr>
+            <a:r>
+              <a:rPr lang="en-US" dirty="0"/>
+              <a:t>Sensitivity?</a:t>
+            </a:r>
+          </a:p>
+          <a:p>
+            <a:pPr marL="342900" indent="-342900">
+              <a:buAutoNum type="alphaLcParenBoth"/>
+            </a:pPr>
+            <a:r>
+              <a:rPr lang="en-US" dirty="0"/>
+              <a:t>Specificity?</a:t>
+            </a:r>
+          </a:p>
+          <a:p>
+            <a:pPr marL="342900" indent="-342900">
+              <a:buAutoNum type="alphaLcParenBoth"/>
+            </a:pPr>
+            <a:r>
+              <a:rPr lang="en-US" dirty="0"/>
+              <a:t>Positive predictive value?</a:t>
+            </a:r>
+          </a:p>
+        </p:txBody>
+      </p:sp>
+    </p:spTree>
+    <p:extLst>
+      <p:ext uri="{BB962C8B-B14F-4D97-AF65-F5344CB8AC3E}">
+        <p14:creationId xmlns:p14="http://schemas.microsoft.com/office/powerpoint/2010/main" val="2077042604"/>
+      </p:ext>
+    </p:extLst>
+  </p:cSld>
+  <p:clrMapOvr>
+    <a:masterClrMapping/>
+  </p:clrMapOvr>
+</p:sld>
+</file>
+
+<file path=ppt/slides/slide13.xml><?xml version="1.0" encoding="utf-8"?>
+<p:sld xmlns:a="http://schemas.openxmlformats.org/drawingml/2006/main" xmlns:r="http://schemas.openxmlformats.org/officeDocument/2006/relationships" xmlns:p="http://schemas.openxmlformats.org/presentationml/2006/main">
+  <p:cSld>
+    <p:spTree>
+      <p:nvGrpSpPr>
+        <p:cNvPr id="1" name=""/>
+        <p:cNvGrpSpPr/>
+        <p:nvPr/>
+      </p:nvGrpSpPr>
+      <p:grpSpPr>
+        <a:xfrm>
+          <a:off x="0" y="0"/>
+          <a:ext cx="0" cy="0"/>
+          <a:chOff x="0" y="0"/>
+          <a:chExt cx="0" cy="0"/>
+        </a:xfrm>
+      </p:grpSpPr>
+      <p:sp>
+        <p:nvSpPr>
+          <p:cNvPr id="2" name="Title 1">
+            <a:extLst>
+              <a:ext uri="{FF2B5EF4-FFF2-40B4-BE49-F238E27FC236}">
+                <a16:creationId xmlns:a16="http://schemas.microsoft.com/office/drawing/2014/main" id="{47403CEA-C913-1D48-BDC5-FE38B2536DC8}"/>
+              </a:ext>
+            </a:extLst>
+          </p:cNvPr>
+          <p:cNvSpPr>
+            <a:spLocks noGrp="1"/>
+          </p:cNvSpPr>
+          <p:nvPr>
+            <p:ph type="title"/>
+          </p:nvPr>
+        </p:nvSpPr>
+        <p:spPr>
+          <a:xfrm>
+            <a:off x="838199" y="404314"/>
+            <a:ext cx="10515600" cy="1325563"/>
+          </a:xfrm>
+        </p:spPr>
+        <p:txBody>
+          <a:bodyPr/>
+          <a:lstStyle/>
+          <a:p>
+            <a:pPr algn="ctr"/>
+            <a:r>
+              <a:rPr lang="en-US" dirty="0"/>
+              <a:t>We’ll try placing a threshold just like before</a:t>
+            </a:r>
+          </a:p>
+        </p:txBody>
+      </p:sp>
+      <p:pic>
+        <p:nvPicPr>
+          <p:cNvPr id="7" name="Picture 6" descr="A picture containing scatter chart&#10;&#10;Description automatically generated">
+            <a:extLst>
+              <a:ext uri="{FF2B5EF4-FFF2-40B4-BE49-F238E27FC236}">
+                <a16:creationId xmlns:a16="http://schemas.microsoft.com/office/drawing/2014/main" id="{DD91A6B7-E6E9-4A82-D616-36E01F411DB1}"/>
+              </a:ext>
+            </a:extLst>
+          </p:cNvPr>
+          <p:cNvPicPr>
+            <a:picLocks noChangeAspect="1"/>
+          </p:cNvPicPr>
+          <p:nvPr/>
+        </p:nvPicPr>
+        <p:blipFill>
+          <a:blip r:embed="rId2"/>
+          <a:stretch>
+            <a:fillRect/>
+          </a:stretch>
+        </p:blipFill>
+        <p:spPr>
+          <a:xfrm>
+            <a:off x="1613535" y="1244055"/>
+            <a:ext cx="11237867" cy="4989155"/>
+          </a:xfrm>
+          <a:prstGeom prst="rect">
+            <a:avLst/>
+          </a:prstGeom>
+        </p:spPr>
+      </p:pic>
+      <p:cxnSp>
+        <p:nvCxnSpPr>
+          <p:cNvPr id="8" name="Straight Connector 7">
+            <a:extLst>
+              <a:ext uri="{FF2B5EF4-FFF2-40B4-BE49-F238E27FC236}">
+                <a16:creationId xmlns:a16="http://schemas.microsoft.com/office/drawing/2014/main" id="{1C53139D-7B53-3193-1B2E-84C712EC14FA}"/>
+              </a:ext>
+            </a:extLst>
+          </p:cNvPr>
+          <p:cNvCxnSpPr/>
+          <p:nvPr/>
+        </p:nvCxnSpPr>
+        <p:spPr>
+          <a:xfrm>
+            <a:off x="8154410" y="1266738"/>
+            <a:ext cx="0" cy="5527964"/>
+          </a:xfrm>
+          <a:prstGeom prst="line">
+            <a:avLst/>
+          </a:prstGeom>
+          <a:ln w="57150">
+            <a:solidFill>
+              <a:srgbClr val="BE0060"/>
+            </a:solidFill>
+            <a:prstDash val="lgDash"/>
+          </a:ln>
+        </p:spPr>
+        <p:style>
+          <a:lnRef idx="1">
+            <a:schemeClr val="accent1"/>
+          </a:lnRef>
+          <a:fillRef idx="0">
+            <a:schemeClr val="accent1"/>
+          </a:fillRef>
+          <a:effectRef idx="0">
+            <a:schemeClr val="accent1"/>
+          </a:effectRef>
+          <a:fontRef idx="minor">
+            <a:schemeClr val="tx1"/>
+          </a:fontRef>
+        </p:style>
+      </p:cxnSp>
+      <p:sp>
+        <p:nvSpPr>
+          <p:cNvPr id="9" name="TextBox 8">
+            <a:extLst>
+              <a:ext uri="{FF2B5EF4-FFF2-40B4-BE49-F238E27FC236}">
+                <a16:creationId xmlns:a16="http://schemas.microsoft.com/office/drawing/2014/main" id="{7B7DB007-921B-A090-7DE3-B9EFB47D0435}"/>
+              </a:ext>
+            </a:extLst>
+          </p:cNvPr>
+          <p:cNvSpPr txBox="1"/>
+          <p:nvPr/>
+        </p:nvSpPr>
+        <p:spPr>
+          <a:xfrm>
+            <a:off x="4811377" y="1360545"/>
+            <a:ext cx="3343031" cy="369332"/>
+          </a:xfrm>
+          <a:prstGeom prst="rect">
+            <a:avLst/>
+          </a:prstGeom>
+          <a:noFill/>
+        </p:spPr>
+        <p:txBody>
+          <a:bodyPr wrap="none" rtlCol="0">
+            <a:spAutoFit/>
+          </a:bodyPr>
+          <a:lstStyle/>
+          <a:p>
+            <a:r>
+              <a:rPr lang="en-US" dirty="0">
+                <a:solidFill>
+                  <a:srgbClr val="BE0060"/>
+                </a:solidFill>
+              </a:rPr>
+              <a:t>below threshold: predict negative</a:t>
+            </a:r>
+          </a:p>
+        </p:txBody>
+      </p:sp>
+      <p:sp>
+        <p:nvSpPr>
+          <p:cNvPr id="10" name="TextBox 9">
+            <a:extLst>
+              <a:ext uri="{FF2B5EF4-FFF2-40B4-BE49-F238E27FC236}">
+                <a16:creationId xmlns:a16="http://schemas.microsoft.com/office/drawing/2014/main" id="{3EBE4078-F382-6337-8DF9-876B6822D642}"/>
+              </a:ext>
+            </a:extLst>
+          </p:cNvPr>
+          <p:cNvSpPr txBox="1"/>
+          <p:nvPr/>
+        </p:nvSpPr>
+        <p:spPr>
+          <a:xfrm>
+            <a:off x="8154407" y="1360545"/>
+            <a:ext cx="3947876" cy="369332"/>
+          </a:xfrm>
+          <a:prstGeom prst="rect">
+            <a:avLst/>
+          </a:prstGeom>
+          <a:noFill/>
+        </p:spPr>
+        <p:txBody>
+          <a:bodyPr wrap="none" rtlCol="0">
+            <a:spAutoFit/>
+          </a:bodyPr>
+          <a:lstStyle/>
+          <a:p>
+            <a:r>
+              <a:rPr lang="en-US" dirty="0">
+                <a:solidFill>
+                  <a:srgbClr val="BE0060"/>
+                </a:solidFill>
+              </a:rPr>
+              <a:t>above threshold: predict cancer positive</a:t>
+            </a:r>
+          </a:p>
+        </p:txBody>
+      </p:sp>
+      <p:sp>
+        <p:nvSpPr>
+          <p:cNvPr id="11" name="TextBox 10">
+            <a:extLst>
+              <a:ext uri="{FF2B5EF4-FFF2-40B4-BE49-F238E27FC236}">
+                <a16:creationId xmlns:a16="http://schemas.microsoft.com/office/drawing/2014/main" id="{E249B9FD-3375-33B2-0575-2C7834DE164C}"/>
+              </a:ext>
+            </a:extLst>
+          </p:cNvPr>
+          <p:cNvSpPr txBox="1"/>
+          <p:nvPr/>
+        </p:nvSpPr>
+        <p:spPr>
+          <a:xfrm>
+            <a:off x="511627" y="2861469"/>
+            <a:ext cx="1674114" cy="1754326"/>
+          </a:xfrm>
+          <a:prstGeom prst="rect">
+            <a:avLst/>
+          </a:prstGeom>
+          <a:noFill/>
+        </p:spPr>
+        <p:txBody>
+          <a:bodyPr wrap="square" rtlCol="0">
+            <a:spAutoFit/>
+          </a:bodyPr>
+          <a:lstStyle/>
+          <a:p>
+            <a:r>
+              <a:rPr lang="en-US" dirty="0"/>
+              <a:t>What is the:</a:t>
+            </a:r>
+          </a:p>
+          <a:p>
+            <a:pPr marL="342900" indent="-342900">
+              <a:buAutoNum type="alphaLcParenBoth"/>
+            </a:pPr>
+            <a:r>
+              <a:rPr lang="en-US" dirty="0"/>
+              <a:t>Sensitivity?</a:t>
+            </a:r>
+          </a:p>
+          <a:p>
+            <a:pPr marL="342900" indent="-342900">
+              <a:buAutoNum type="alphaLcParenBoth"/>
+            </a:pPr>
+            <a:r>
+              <a:rPr lang="en-US" dirty="0"/>
+              <a:t>Specificity?</a:t>
+            </a:r>
+          </a:p>
+          <a:p>
+            <a:pPr marL="342900" indent="-342900">
+              <a:buAutoNum type="alphaLcParenBoth"/>
+            </a:pPr>
+            <a:r>
+              <a:rPr lang="en-US" dirty="0"/>
+              <a:t>Positive predictive value?</a:t>
+            </a:r>
+          </a:p>
+        </p:txBody>
+      </p:sp>
+    </p:spTree>
+    <p:extLst>
+      <p:ext uri="{BB962C8B-B14F-4D97-AF65-F5344CB8AC3E}">
+        <p14:creationId xmlns:p14="http://schemas.microsoft.com/office/powerpoint/2010/main" val="3736167302"/>
+      </p:ext>
+    </p:extLst>
+  </p:cSld>
+  <p:clrMapOvr>
+    <a:masterClrMapping/>
+  </p:clrMapOvr>
+</p:sld>
+</file>
+
+<file path=ppt/slides/slide14.xml><?xml version="1.0" encoding="utf-8"?>
+<p:sld xmlns:a="http://schemas.openxmlformats.org/drawingml/2006/main" xmlns:r="http://schemas.openxmlformats.org/officeDocument/2006/relationships" xmlns:p="http://schemas.openxmlformats.org/presentationml/2006/main">
+  <p:cSld>
+    <p:spTree>
+      <p:nvGrpSpPr>
+        <p:cNvPr id="1" name=""/>
+        <p:cNvGrpSpPr/>
+        <p:nvPr/>
+      </p:nvGrpSpPr>
+      <p:grpSpPr>
+        <a:xfrm>
+          <a:off x="0" y="0"/>
+          <a:ext cx="0" cy="0"/>
+          <a:chOff x="0" y="0"/>
+          <a:chExt cx="0" cy="0"/>
+        </a:xfrm>
+      </p:grpSpPr>
+      <p:sp>
+        <p:nvSpPr>
+          <p:cNvPr id="2" name="Title 1">
+            <a:extLst>
+              <a:ext uri="{FF2B5EF4-FFF2-40B4-BE49-F238E27FC236}">
+                <a16:creationId xmlns:a16="http://schemas.microsoft.com/office/drawing/2014/main" id="{149E40B5-4A65-E95A-089B-060816A7298A}"/>
+              </a:ext>
+            </a:extLst>
+          </p:cNvPr>
+          <p:cNvSpPr>
+            <a:spLocks noGrp="1"/>
+          </p:cNvSpPr>
+          <p:nvPr>
+            <p:ph type="title"/>
+          </p:nvPr>
+        </p:nvSpPr>
+        <p:spPr/>
+        <p:txBody>
+          <a:bodyPr/>
+          <a:lstStyle/>
+          <a:p>
+            <a:r>
+              <a:rPr lang="en-US" dirty="0"/>
+              <a:t>Our </a:t>
+            </a:r>
+            <a:r>
+              <a:rPr lang="en-US" i="1" dirty="0"/>
+              <a:t>no information </a:t>
+            </a:r>
+            <a:r>
+              <a:rPr lang="en-US" dirty="0"/>
+              <a:t>predictive model:</a:t>
+            </a:r>
+          </a:p>
+        </p:txBody>
+      </p:sp>
+      <p:sp>
+        <p:nvSpPr>
+          <p:cNvPr id="3" name="Content Placeholder 2">
+            <a:extLst>
+              <a:ext uri="{FF2B5EF4-FFF2-40B4-BE49-F238E27FC236}">
+                <a16:creationId xmlns:a16="http://schemas.microsoft.com/office/drawing/2014/main" id="{FFD9183F-3DF8-76AD-8725-282881EFBB6B}"/>
+              </a:ext>
+            </a:extLst>
+          </p:cNvPr>
+          <p:cNvSpPr>
+            <a:spLocks noGrp="1"/>
+          </p:cNvSpPr>
+          <p:nvPr>
+            <p:ph idx="1"/>
+          </p:nvPr>
+        </p:nvSpPr>
+        <p:spPr/>
+        <p:txBody>
+          <a:bodyPr/>
+          <a:lstStyle/>
+          <a:p>
+            <a:r>
+              <a:rPr lang="en-US" dirty="0"/>
+              <a:t>Place threshold at .3</a:t>
+            </a:r>
+          </a:p>
+          <a:p>
+            <a:pPr lvl="1"/>
+            <a:r>
+              <a:rPr lang="en-US" dirty="0"/>
+              <a:t>Sensitivity = .3</a:t>
+            </a:r>
+          </a:p>
+          <a:p>
+            <a:pPr lvl="1"/>
+            <a:r>
+              <a:rPr lang="en-US" dirty="0"/>
+              <a:t>False positive rate = .3</a:t>
+            </a:r>
+          </a:p>
+          <a:p>
+            <a:pPr lvl="1"/>
+            <a:r>
+              <a:rPr lang="en-US" dirty="0"/>
+              <a:t>Specificity = 1-.3</a:t>
+            </a:r>
+          </a:p>
+          <a:p>
+            <a:endParaRPr lang="en-US" dirty="0"/>
+          </a:p>
+          <a:p>
+            <a:r>
+              <a:rPr lang="en-US" dirty="0"/>
+              <a:t>Place threshold at </a:t>
+            </a:r>
+            <a:r>
+              <a:rPr lang="en-US" i="1" dirty="0"/>
+              <a:t>p</a:t>
+            </a:r>
+          </a:p>
+          <a:p>
+            <a:pPr lvl="1"/>
+            <a:r>
+              <a:rPr lang="en-US" dirty="0"/>
+              <a:t>Sensitivity =</a:t>
+            </a:r>
+            <a:r>
+              <a:rPr lang="en-US" i="1" dirty="0"/>
+              <a:t> p</a:t>
+            </a:r>
+          </a:p>
+          <a:p>
+            <a:pPr lvl="1"/>
+            <a:r>
+              <a:rPr lang="en-US" dirty="0"/>
+              <a:t>False positive rate = </a:t>
+            </a:r>
+            <a:r>
+              <a:rPr lang="en-US" i="1" dirty="0"/>
+              <a:t>p</a:t>
+            </a:r>
+          </a:p>
+          <a:p>
+            <a:pPr lvl="1"/>
+            <a:r>
+              <a:rPr lang="en-US" dirty="0"/>
+              <a:t>Specificity =</a:t>
+            </a:r>
+            <a:r>
+              <a:rPr lang="en-US" i="1" dirty="0"/>
+              <a:t> 1-p</a:t>
+            </a:r>
+          </a:p>
+        </p:txBody>
+      </p:sp>
+      <p:pic>
+        <p:nvPicPr>
+          <p:cNvPr id="5" name="Picture 4" descr="Chart, line chart, scatter chart&#10;&#10;Description automatically generated">
+            <a:extLst>
+              <a:ext uri="{FF2B5EF4-FFF2-40B4-BE49-F238E27FC236}">
+                <a16:creationId xmlns:a16="http://schemas.microsoft.com/office/drawing/2014/main" id="{0F8E8EBF-BD1A-81F5-122C-235682E5D46F}"/>
+              </a:ext>
+            </a:extLst>
+          </p:cNvPr>
+          <p:cNvPicPr>
+            <a:picLocks noChangeAspect="1"/>
+          </p:cNvPicPr>
+          <p:nvPr/>
+        </p:nvPicPr>
+        <p:blipFill>
+          <a:blip r:embed="rId2"/>
+          <a:stretch>
+            <a:fillRect/>
+          </a:stretch>
+        </p:blipFill>
+        <p:spPr>
+          <a:xfrm>
+            <a:off x="5808618" y="1533934"/>
+            <a:ext cx="5307874" cy="5065310"/>
+          </a:xfrm>
+          <a:prstGeom prst="rect">
+            <a:avLst/>
+          </a:prstGeom>
+        </p:spPr>
+      </p:pic>
+    </p:spTree>
+    <p:extLst>
+      <p:ext uri="{BB962C8B-B14F-4D97-AF65-F5344CB8AC3E}">
+        <p14:creationId xmlns:p14="http://schemas.microsoft.com/office/powerpoint/2010/main" val="3931280215"/>
+      </p:ext>
+    </p:extLst>
+  </p:cSld>
+  <p:clrMapOvr>
+    <a:masterClrMapping/>
+  </p:clrMapOvr>
+</p:sld>
+</file>
+
+<file path=ppt/slides/slide15.xml><?xml version="1.0" encoding="utf-8"?>
+<p:sld xmlns:a="http://schemas.openxmlformats.org/drawingml/2006/main" xmlns:r="http://schemas.openxmlformats.org/officeDocument/2006/relationships" xmlns:p="http://schemas.openxmlformats.org/presentationml/2006/main">
+  <p:cSld>
+    <p:spTree>
+      <p:nvGrpSpPr>
+        <p:cNvPr id="1" name=""/>
+        <p:cNvGrpSpPr/>
+        <p:nvPr/>
+      </p:nvGrpSpPr>
+      <p:grpSpPr>
+        <a:xfrm>
+          <a:off x="0" y="0"/>
+          <a:ext cx="0" cy="0"/>
+          <a:chOff x="0" y="0"/>
+          <a:chExt cx="0" cy="0"/>
+        </a:xfrm>
+      </p:grpSpPr>
+      <p:sp>
+        <p:nvSpPr>
+          <p:cNvPr id="2" name="Title 1">
+            <a:extLst>
+              <a:ext uri="{FF2B5EF4-FFF2-40B4-BE49-F238E27FC236}">
+                <a16:creationId xmlns:a16="http://schemas.microsoft.com/office/drawing/2014/main" id="{90F833F2-3373-3314-6328-E89764C469DA}"/>
+              </a:ext>
+            </a:extLst>
+          </p:cNvPr>
+          <p:cNvSpPr>
+            <a:spLocks noGrp="1"/>
+          </p:cNvSpPr>
+          <p:nvPr>
+            <p:ph type="title"/>
+          </p:nvPr>
+        </p:nvSpPr>
+        <p:spPr/>
+        <p:txBody>
+          <a:bodyPr/>
+          <a:lstStyle/>
+          <a:p>
+            <a:r>
+              <a:rPr lang="en-US" dirty="0"/>
+              <a:t>Let’s think about it a different way.</a:t>
+            </a:r>
+          </a:p>
+        </p:txBody>
+      </p:sp>
+      <p:sp>
+        <p:nvSpPr>
+          <p:cNvPr id="3" name="Content Placeholder 2">
+            <a:extLst>
+              <a:ext uri="{FF2B5EF4-FFF2-40B4-BE49-F238E27FC236}">
+                <a16:creationId xmlns:a16="http://schemas.microsoft.com/office/drawing/2014/main" id="{C404056D-D37E-64A6-D4F7-822790525A82}"/>
+              </a:ext>
+            </a:extLst>
+          </p:cNvPr>
+          <p:cNvSpPr>
+            <a:spLocks noGrp="1"/>
+          </p:cNvSpPr>
+          <p:nvPr>
+            <p:ph idx="1"/>
+          </p:nvPr>
+        </p:nvSpPr>
+        <p:spPr>
+          <a:xfrm>
+            <a:off x="838200" y="1472927"/>
+            <a:ext cx="10515600" cy="4351338"/>
+          </a:xfrm>
+        </p:spPr>
+        <p:txBody>
+          <a:bodyPr/>
+          <a:lstStyle/>
+          <a:p>
+            <a:r>
+              <a:rPr lang="en-US" dirty="0"/>
+              <a:t>Suppose we have no predictors – again, no information – so we decide we’ll just flip a coin instead of building a model. </a:t>
+            </a:r>
+          </a:p>
+          <a:p>
+            <a:pPr lvl="1"/>
+            <a:r>
+              <a:rPr lang="en-US" dirty="0"/>
+              <a:t>If the coin comes up </a:t>
+            </a:r>
+            <a:r>
+              <a:rPr lang="en-US" i="1" dirty="0"/>
+              <a:t>heads</a:t>
+            </a:r>
+            <a:r>
+              <a:rPr lang="en-US" dirty="0"/>
+              <a:t>, we’ll predict </a:t>
+            </a:r>
+            <a:r>
+              <a:rPr lang="en-US" i="1" dirty="0"/>
+              <a:t>positive</a:t>
+            </a:r>
+            <a:r>
+              <a:rPr lang="en-US" dirty="0"/>
+              <a:t>.</a:t>
+            </a:r>
+          </a:p>
+          <a:p>
+            <a:pPr lvl="1"/>
+            <a:r>
+              <a:rPr lang="en-US" dirty="0"/>
+              <a:t>If the coin comes up </a:t>
+            </a:r>
+            <a:r>
+              <a:rPr lang="en-US" i="1" dirty="0"/>
+              <a:t>tails</a:t>
+            </a:r>
+            <a:r>
+              <a:rPr lang="en-US" dirty="0"/>
+              <a:t>, we’ll predict </a:t>
+            </a:r>
+            <a:r>
+              <a:rPr lang="en-US" i="1" dirty="0"/>
+              <a:t>negative</a:t>
+            </a:r>
+            <a:r>
+              <a:rPr lang="en-US" dirty="0"/>
+              <a:t>.</a:t>
+            </a:r>
+          </a:p>
+        </p:txBody>
+      </p:sp>
+      <p:pic>
+        <p:nvPicPr>
+          <p:cNvPr id="1026" name="Picture 2" descr="Quarter (United States coin) - Wikipedia">
+            <a:extLst>
+              <a:ext uri="{FF2B5EF4-FFF2-40B4-BE49-F238E27FC236}">
+                <a16:creationId xmlns:a16="http://schemas.microsoft.com/office/drawing/2014/main" id="{226A0C1D-450D-FCB6-068E-89E9EEEDF1BF}"/>
+              </a:ext>
+            </a:extLst>
+          </p:cNvPr>
+          <p:cNvPicPr>
+            <a:picLocks noChangeAspect="1" noChangeArrowheads="1"/>
+          </p:cNvPicPr>
+          <p:nvPr/>
+        </p:nvPicPr>
+        <p:blipFill>
+          <a:blip r:embed="rId2">
+            <a:extLst>
+              <a:ext uri="{28A0092B-C50C-407E-A947-70E740481C1C}">
+                <a14:useLocalDpi xmlns:a14="http://schemas.microsoft.com/office/drawing/2010/main" val="0"/>
+              </a:ext>
+            </a:extLst>
+          </a:blip>
+          <a:srcRect/>
+          <a:stretch>
+            <a:fillRect/>
+          </a:stretch>
+        </p:blipFill>
+        <p:spPr bwMode="auto">
+          <a:xfrm>
+            <a:off x="446314" y="3866605"/>
+            <a:ext cx="2325189" cy="2325189"/>
+          </a:xfrm>
+          <a:prstGeom prst="rect">
+            <a:avLst/>
+          </a:prstGeom>
+          <a:noFill/>
+          <a:extLst>
+            <a:ext uri="{909E8E84-426E-40DD-AFC4-6F175D3DCCD1}">
+              <a14:hiddenFill xmlns:a14="http://schemas.microsoft.com/office/drawing/2010/main">
+                <a:solidFill>
+                  <a:srgbClr val="FFFFFF"/>
+                </a:solidFill>
+              </a14:hiddenFill>
+            </a:ext>
+          </a:extLst>
+        </p:spPr>
+      </p:pic>
+      <mc:AlternateContent xmlns:mc="http://schemas.openxmlformats.org/markup-compatibility/2006">
+        <mc:Choice xmlns:a14="http://schemas.microsoft.com/office/drawing/2010/main" Requires="a14">
+          <p:sp>
+            <p:nvSpPr>
+              <p:cNvPr id="4" name="TextBox 3">
+                <a:extLst>
+                  <a:ext uri="{FF2B5EF4-FFF2-40B4-BE49-F238E27FC236}">
+                    <a16:creationId xmlns:a16="http://schemas.microsoft.com/office/drawing/2014/main" id="{4BDBF219-28F1-B48B-33BA-921ECC0E5E40}"/>
+                  </a:ext>
+                </a:extLst>
+              </p:cNvPr>
+              <p:cNvSpPr txBox="1"/>
+              <p:nvPr/>
+            </p:nvSpPr>
+            <p:spPr>
+              <a:xfrm>
+                <a:off x="3141617" y="4290535"/>
+                <a:ext cx="2550506" cy="1477328"/>
+              </a:xfrm>
+              <a:prstGeom prst="rect">
+                <a:avLst/>
+              </a:prstGeom>
+              <a:noFill/>
+            </p:spPr>
+            <p:txBody>
+              <a:bodyPr wrap="none" rtlCol="0">
+                <a:spAutoFit/>
+              </a:bodyPr>
+              <a:lstStyle/>
+              <a:p>
+                <a:r>
+                  <a:rPr lang="en-US" u="sng" dirty="0"/>
+                  <a:t>Fair Coin</a:t>
+                </a:r>
+                <a:r>
+                  <a:rPr lang="en-US" dirty="0"/>
+                  <a:t>: </a:t>
+                </a:r>
+                <a14:m>
+                  <m:oMath xmlns:m="http://schemas.openxmlformats.org/officeDocument/2006/math">
+                    <m:r>
+                      <a:rPr lang="en-US" i="1" dirty="0" smtClean="0">
+                        <a:latin typeface="Cambria Math" panose="02040503050406030204" pitchFamily="18" charset="0"/>
+                      </a:rPr>
+                      <m:t>𝑃</m:t>
+                    </m:r>
+                    <m:r>
+                      <a:rPr lang="en-US" i="1" dirty="0" smtClean="0">
+                        <a:latin typeface="Cambria Math" panose="02040503050406030204" pitchFamily="18" charset="0"/>
+                      </a:rPr>
+                      <m:t>(</m:t>
+                    </m:r>
+                    <m:r>
+                      <m:rPr>
+                        <m:sty m:val="p"/>
+                      </m:rPr>
+                      <a:rPr lang="en-US" i="0" dirty="0" smtClean="0">
+                        <a:latin typeface="Cambria Math" panose="02040503050406030204" pitchFamily="18" charset="0"/>
+                      </a:rPr>
+                      <m:t>heads</m:t>
+                    </m:r>
+                    <m:r>
+                      <a:rPr lang="en-US" i="1" dirty="0" smtClean="0">
+                        <a:latin typeface="Cambria Math" panose="02040503050406030204" pitchFamily="18" charset="0"/>
+                      </a:rPr>
+                      <m:t>)=.5</m:t>
+                    </m:r>
+                  </m:oMath>
+                </a14:m>
+                <a:endParaRPr lang="en-US" dirty="0"/>
+              </a:p>
+              <a:p>
+                <a:endParaRPr lang="en-US" dirty="0"/>
+              </a:p>
+              <a:p>
+                <a:pPr marL="285750" indent="-285750">
+                  <a:buFont typeface="Arial" panose="020B0604020202020204" pitchFamily="34" charset="0"/>
+                  <a:buChar char="•"/>
+                </a:pPr>
+                <a:r>
+                  <a:rPr lang="en-US" dirty="0"/>
+                  <a:t>Sensitivity = ?</a:t>
+                </a:r>
+              </a:p>
+              <a:p>
+                <a:pPr marL="285750" indent="-285750">
+                  <a:buFont typeface="Arial" panose="020B0604020202020204" pitchFamily="34" charset="0"/>
+                  <a:buChar char="•"/>
+                </a:pPr>
+                <a:r>
+                  <a:rPr lang="en-US" dirty="0"/>
+                  <a:t>False positive rate = ?</a:t>
+                </a:r>
+              </a:p>
+              <a:p>
+                <a:pPr marL="285750" indent="-285750">
+                  <a:buFont typeface="Arial" panose="020B0604020202020204" pitchFamily="34" charset="0"/>
+                  <a:buChar char="•"/>
+                </a:pPr>
+                <a:r>
+                  <a:rPr lang="en-US" dirty="0"/>
+                  <a:t>Specificity = ?</a:t>
+                </a:r>
+              </a:p>
+            </p:txBody>
+          </p:sp>
+        </mc:Choice>
+        <mc:Fallback>
+          <p:sp>
+            <p:nvSpPr>
+              <p:cNvPr id="4" name="TextBox 3">
+                <a:extLst>
+                  <a:ext uri="{FF2B5EF4-FFF2-40B4-BE49-F238E27FC236}">
+                    <a16:creationId xmlns:a16="http://schemas.microsoft.com/office/drawing/2014/main" id="{4BDBF219-28F1-B48B-33BA-921ECC0E5E40}"/>
+                  </a:ext>
+                </a:extLst>
+              </p:cNvPr>
+              <p:cNvSpPr txBox="1">
+                <a:spLocks noRot="1" noChangeAspect="1" noMove="1" noResize="1" noEditPoints="1" noAdjustHandles="1" noChangeArrowheads="1" noChangeShapeType="1" noTextEdit="1"/>
+              </p:cNvSpPr>
+              <p:nvPr/>
+            </p:nvSpPr>
+            <p:spPr>
+              <a:xfrm>
+                <a:off x="3141617" y="4290535"/>
+                <a:ext cx="2550506" cy="1477328"/>
+              </a:xfrm>
+              <a:prstGeom prst="rect">
+                <a:avLst/>
+              </a:prstGeom>
+              <a:blipFill>
+                <a:blip r:embed="rId3"/>
+                <a:stretch>
+                  <a:fillRect l="-1980" t="-1695" b="-5085"/>
+                </a:stretch>
+              </a:blipFill>
+            </p:spPr>
+            <p:txBody>
+              <a:bodyPr/>
+              <a:lstStyle/>
+              <a:p>
+                <a:r>
+                  <a:rPr lang="en-US">
+                    <a:noFill/>
+                  </a:rPr>
+                  <a:t> </a:t>
+                </a:r>
+              </a:p>
+            </p:txBody>
+          </p:sp>
+        </mc:Fallback>
+      </mc:AlternateContent>
+    </p:spTree>
+    <p:extLst>
+      <p:ext uri="{BB962C8B-B14F-4D97-AF65-F5344CB8AC3E}">
+        <p14:creationId xmlns:p14="http://schemas.microsoft.com/office/powerpoint/2010/main" val="4181092354"/>
+      </p:ext>
+    </p:extLst>
+  </p:cSld>
+  <p:clrMapOvr>
+    <a:masterClrMapping/>
+  </p:clrMapOvr>
+</p:sld>
+</file>
+
+<file path=ppt/slides/slide16.xml><?xml version="1.0" encoding="utf-8"?>
+<p:sld xmlns:a="http://schemas.openxmlformats.org/drawingml/2006/main" xmlns:r="http://schemas.openxmlformats.org/officeDocument/2006/relationships" xmlns:p="http://schemas.openxmlformats.org/presentationml/2006/main">
+  <p:cSld>
+    <p:spTree>
+      <p:nvGrpSpPr>
+        <p:cNvPr id="1" name=""/>
+        <p:cNvGrpSpPr/>
+        <p:nvPr/>
+      </p:nvGrpSpPr>
+      <p:grpSpPr>
+        <a:xfrm>
+          <a:off x="0" y="0"/>
+          <a:ext cx="0" cy="0"/>
+          <a:chOff x="0" y="0"/>
+          <a:chExt cx="0" cy="0"/>
+        </a:xfrm>
+      </p:grpSpPr>
+      <p:sp>
+        <p:nvSpPr>
+          <p:cNvPr id="2" name="Title 1">
+            <a:extLst>
+              <a:ext uri="{FF2B5EF4-FFF2-40B4-BE49-F238E27FC236}">
+                <a16:creationId xmlns:a16="http://schemas.microsoft.com/office/drawing/2014/main" id="{90F833F2-3373-3314-6328-E89764C469DA}"/>
+              </a:ext>
+            </a:extLst>
+          </p:cNvPr>
+          <p:cNvSpPr>
+            <a:spLocks noGrp="1"/>
+          </p:cNvSpPr>
+          <p:nvPr>
+            <p:ph type="title"/>
+          </p:nvPr>
+        </p:nvSpPr>
+        <p:spPr/>
+        <p:txBody>
+          <a:bodyPr/>
+          <a:lstStyle/>
+          <a:p>
+            <a:r>
+              <a:rPr lang="en-US" dirty="0"/>
+              <a:t>Let’s think about it a different way.</a:t>
+            </a:r>
+          </a:p>
+        </p:txBody>
+      </p:sp>
+      <p:sp>
+        <p:nvSpPr>
+          <p:cNvPr id="3" name="Content Placeholder 2">
+            <a:extLst>
+              <a:ext uri="{FF2B5EF4-FFF2-40B4-BE49-F238E27FC236}">
+                <a16:creationId xmlns:a16="http://schemas.microsoft.com/office/drawing/2014/main" id="{C404056D-D37E-64A6-D4F7-822790525A82}"/>
+              </a:ext>
+            </a:extLst>
+          </p:cNvPr>
+          <p:cNvSpPr>
+            <a:spLocks noGrp="1"/>
+          </p:cNvSpPr>
+          <p:nvPr>
+            <p:ph idx="1"/>
+          </p:nvPr>
+        </p:nvSpPr>
+        <p:spPr>
+          <a:xfrm>
+            <a:off x="838200" y="1472927"/>
+            <a:ext cx="10515600" cy="4351338"/>
+          </a:xfrm>
+        </p:spPr>
+        <p:txBody>
+          <a:bodyPr/>
+          <a:lstStyle/>
+          <a:p>
+            <a:r>
+              <a:rPr lang="en-US" dirty="0"/>
+              <a:t>Suppose we have no predictors – again, no information – so we decide we’ll just flip a coin instead of building a model. </a:t>
+            </a:r>
+          </a:p>
+          <a:p>
+            <a:pPr lvl="1"/>
+            <a:r>
+              <a:rPr lang="en-US" dirty="0"/>
+              <a:t>If the coin comes up </a:t>
+            </a:r>
+            <a:r>
+              <a:rPr lang="en-US" i="1" dirty="0"/>
+              <a:t>heads</a:t>
+            </a:r>
+            <a:r>
+              <a:rPr lang="en-US" dirty="0"/>
+              <a:t>, we’ll predict </a:t>
+            </a:r>
+            <a:r>
+              <a:rPr lang="en-US" i="1" dirty="0"/>
+              <a:t>positive</a:t>
+            </a:r>
+            <a:r>
+              <a:rPr lang="en-US" dirty="0"/>
+              <a:t>.</a:t>
+            </a:r>
+          </a:p>
+          <a:p>
+            <a:pPr lvl="1"/>
+            <a:r>
+              <a:rPr lang="en-US" dirty="0"/>
+              <a:t>If the coin comes up </a:t>
+            </a:r>
+            <a:r>
+              <a:rPr lang="en-US" i="1" dirty="0"/>
+              <a:t>tails</a:t>
+            </a:r>
+            <a:r>
+              <a:rPr lang="en-US" dirty="0"/>
+              <a:t>, we’ll predict </a:t>
+            </a:r>
+            <a:r>
+              <a:rPr lang="en-US" i="1" dirty="0"/>
+              <a:t>negative</a:t>
+            </a:r>
+            <a:r>
+              <a:rPr lang="en-US" dirty="0"/>
+              <a:t>.</a:t>
+            </a:r>
+          </a:p>
+        </p:txBody>
+      </p:sp>
+      <p:pic>
+        <p:nvPicPr>
+          <p:cNvPr id="1026" name="Picture 2" descr="Quarter (United States coin) - Wikipedia">
+            <a:extLst>
+              <a:ext uri="{FF2B5EF4-FFF2-40B4-BE49-F238E27FC236}">
+                <a16:creationId xmlns:a16="http://schemas.microsoft.com/office/drawing/2014/main" id="{226A0C1D-450D-FCB6-068E-89E9EEEDF1BF}"/>
+              </a:ext>
+            </a:extLst>
+          </p:cNvPr>
+          <p:cNvPicPr>
+            <a:picLocks noChangeAspect="1" noChangeArrowheads="1"/>
+          </p:cNvPicPr>
+          <p:nvPr/>
+        </p:nvPicPr>
+        <p:blipFill>
+          <a:blip r:embed="rId2">
+            <a:extLst>
+              <a:ext uri="{28A0092B-C50C-407E-A947-70E740481C1C}">
+                <a14:useLocalDpi xmlns:a14="http://schemas.microsoft.com/office/drawing/2010/main" val="0"/>
+              </a:ext>
+            </a:extLst>
+          </a:blip>
+          <a:srcRect/>
+          <a:stretch>
+            <a:fillRect/>
+          </a:stretch>
+        </p:blipFill>
+        <p:spPr bwMode="auto">
+          <a:xfrm>
+            <a:off x="446314" y="3866605"/>
+            <a:ext cx="2325189" cy="2325189"/>
+          </a:xfrm>
+          <a:prstGeom prst="rect">
+            <a:avLst/>
+          </a:prstGeom>
+          <a:noFill/>
+          <a:extLst>
+            <a:ext uri="{909E8E84-426E-40DD-AFC4-6F175D3DCCD1}">
+              <a14:hiddenFill xmlns:a14="http://schemas.microsoft.com/office/drawing/2010/main">
+                <a:solidFill>
+                  <a:srgbClr val="FFFFFF"/>
+                </a:solidFill>
+              </a14:hiddenFill>
+            </a:ext>
+          </a:extLst>
+        </p:spPr>
+      </p:pic>
+      <mc:AlternateContent xmlns:mc="http://schemas.openxmlformats.org/markup-compatibility/2006">
+        <mc:Choice xmlns:a14="http://schemas.microsoft.com/office/drawing/2010/main" Requires="a14">
+          <p:sp>
+            <p:nvSpPr>
+              <p:cNvPr id="4" name="TextBox 3">
+                <a:extLst>
+                  <a:ext uri="{FF2B5EF4-FFF2-40B4-BE49-F238E27FC236}">
+                    <a16:creationId xmlns:a16="http://schemas.microsoft.com/office/drawing/2014/main" id="{4BDBF219-28F1-B48B-33BA-921ECC0E5E40}"/>
+                  </a:ext>
+                </a:extLst>
+              </p:cNvPr>
+              <p:cNvSpPr txBox="1"/>
+              <p:nvPr/>
+            </p:nvSpPr>
+            <p:spPr>
+              <a:xfrm>
+                <a:off x="3141617" y="4290535"/>
+                <a:ext cx="2550506" cy="1477328"/>
+              </a:xfrm>
+              <a:prstGeom prst="rect">
+                <a:avLst/>
+              </a:prstGeom>
+              <a:noFill/>
+            </p:spPr>
+            <p:txBody>
+              <a:bodyPr wrap="none" rtlCol="0">
+                <a:spAutoFit/>
+              </a:bodyPr>
+              <a:lstStyle/>
+              <a:p>
+                <a:r>
+                  <a:rPr lang="en-US" u="sng" dirty="0"/>
+                  <a:t>Fair Coin</a:t>
+                </a:r>
+                <a:r>
+                  <a:rPr lang="en-US" dirty="0"/>
+                  <a:t>: </a:t>
+                </a:r>
+                <a14:m>
+                  <m:oMath xmlns:m="http://schemas.openxmlformats.org/officeDocument/2006/math">
+                    <m:r>
+                      <a:rPr lang="en-US" i="1" dirty="0" smtClean="0">
+                        <a:latin typeface="Cambria Math" panose="02040503050406030204" pitchFamily="18" charset="0"/>
+                      </a:rPr>
+                      <m:t>𝑃</m:t>
+                    </m:r>
+                    <m:r>
+                      <a:rPr lang="en-US" i="1" dirty="0" smtClean="0">
+                        <a:latin typeface="Cambria Math" panose="02040503050406030204" pitchFamily="18" charset="0"/>
+                      </a:rPr>
+                      <m:t>(</m:t>
+                    </m:r>
+                    <m:r>
+                      <m:rPr>
+                        <m:sty m:val="p"/>
+                      </m:rPr>
+                      <a:rPr lang="en-US" i="0" dirty="0" smtClean="0">
+                        <a:latin typeface="Cambria Math" panose="02040503050406030204" pitchFamily="18" charset="0"/>
+                      </a:rPr>
+                      <m:t>heads</m:t>
+                    </m:r>
+                    <m:r>
+                      <a:rPr lang="en-US" i="1" dirty="0" smtClean="0">
+                        <a:latin typeface="Cambria Math" panose="02040503050406030204" pitchFamily="18" charset="0"/>
+                      </a:rPr>
+                      <m:t>)=.5</m:t>
+                    </m:r>
+                  </m:oMath>
+                </a14:m>
+                <a:endParaRPr lang="en-US" dirty="0"/>
+              </a:p>
+              <a:p>
+                <a:endParaRPr lang="en-US" dirty="0"/>
+              </a:p>
+              <a:p>
+                <a:pPr marL="285750" indent="-285750">
+                  <a:buFont typeface="Arial" panose="020B0604020202020204" pitchFamily="34" charset="0"/>
+                  <a:buChar char="•"/>
+                </a:pPr>
+                <a:r>
+                  <a:rPr lang="en-US" dirty="0"/>
+                  <a:t>Sensitivity = .5</a:t>
+                </a:r>
+              </a:p>
+              <a:p>
+                <a:pPr marL="285750" indent="-285750">
+                  <a:buFont typeface="Arial" panose="020B0604020202020204" pitchFamily="34" charset="0"/>
+                  <a:buChar char="•"/>
+                </a:pPr>
+                <a:r>
+                  <a:rPr lang="en-US" dirty="0"/>
+                  <a:t>False positive rate = .5</a:t>
+                </a:r>
+              </a:p>
+              <a:p>
+                <a:pPr marL="285750" indent="-285750">
+                  <a:buFont typeface="Arial" panose="020B0604020202020204" pitchFamily="34" charset="0"/>
+                  <a:buChar char="•"/>
+                </a:pPr>
+                <a:r>
+                  <a:rPr lang="en-US" dirty="0"/>
+                  <a:t>Specificity = .5</a:t>
+                </a:r>
+              </a:p>
+            </p:txBody>
+          </p:sp>
+        </mc:Choice>
+        <mc:Fallback>
+          <p:sp>
+            <p:nvSpPr>
+              <p:cNvPr id="4" name="TextBox 3">
+                <a:extLst>
+                  <a:ext uri="{FF2B5EF4-FFF2-40B4-BE49-F238E27FC236}">
+                    <a16:creationId xmlns:a16="http://schemas.microsoft.com/office/drawing/2014/main" id="{4BDBF219-28F1-B48B-33BA-921ECC0E5E40}"/>
+                  </a:ext>
+                </a:extLst>
+              </p:cNvPr>
+              <p:cNvSpPr txBox="1">
+                <a:spLocks noRot="1" noChangeAspect="1" noMove="1" noResize="1" noEditPoints="1" noAdjustHandles="1" noChangeArrowheads="1" noChangeShapeType="1" noTextEdit="1"/>
+              </p:cNvSpPr>
+              <p:nvPr/>
+            </p:nvSpPr>
+            <p:spPr>
+              <a:xfrm>
+                <a:off x="3141617" y="4290535"/>
+                <a:ext cx="2550506" cy="1477328"/>
+              </a:xfrm>
+              <a:prstGeom prst="rect">
+                <a:avLst/>
+              </a:prstGeom>
+              <a:blipFill>
+                <a:blip r:embed="rId3"/>
+                <a:stretch>
+                  <a:fillRect l="-1980" t="-1695" r="-990" b="-5085"/>
+                </a:stretch>
+              </a:blipFill>
+            </p:spPr>
+            <p:txBody>
+              <a:bodyPr/>
+              <a:lstStyle/>
+              <a:p>
+                <a:r>
+                  <a:rPr lang="en-US">
+                    <a:noFill/>
+                  </a:rPr>
+                  <a:t> </a:t>
+                </a:r>
+              </a:p>
+            </p:txBody>
+          </p:sp>
+        </mc:Fallback>
+      </mc:AlternateContent>
+    </p:spTree>
+    <p:extLst>
+      <p:ext uri="{BB962C8B-B14F-4D97-AF65-F5344CB8AC3E}">
+        <p14:creationId xmlns:p14="http://schemas.microsoft.com/office/powerpoint/2010/main" val="620412204"/>
+      </p:ext>
+    </p:extLst>
+  </p:cSld>
+  <p:clrMapOvr>
+    <a:masterClrMapping/>
+  </p:clrMapOvr>
+</p:sld>
+</file>
+
+<file path=ppt/slides/slide17.xml><?xml version="1.0" encoding="utf-8"?>
+<p:sld xmlns:a="http://schemas.openxmlformats.org/drawingml/2006/main" xmlns:r="http://schemas.openxmlformats.org/officeDocument/2006/relationships" xmlns:p="http://schemas.openxmlformats.org/presentationml/2006/main">
+  <p:cSld>
+    <p:spTree>
+      <p:nvGrpSpPr>
+        <p:cNvPr id="1" name=""/>
+        <p:cNvGrpSpPr/>
+        <p:nvPr/>
+      </p:nvGrpSpPr>
+      <p:grpSpPr>
+        <a:xfrm>
+          <a:off x="0" y="0"/>
+          <a:ext cx="0" cy="0"/>
+          <a:chOff x="0" y="0"/>
+          <a:chExt cx="0" cy="0"/>
+        </a:xfrm>
+      </p:grpSpPr>
+      <p:sp>
+        <p:nvSpPr>
+          <p:cNvPr id="2" name="Title 1">
+            <a:extLst>
+              <a:ext uri="{FF2B5EF4-FFF2-40B4-BE49-F238E27FC236}">
+                <a16:creationId xmlns:a16="http://schemas.microsoft.com/office/drawing/2014/main" id="{90F833F2-3373-3314-6328-E89764C469DA}"/>
+              </a:ext>
+            </a:extLst>
+          </p:cNvPr>
+          <p:cNvSpPr>
+            <a:spLocks noGrp="1"/>
+          </p:cNvSpPr>
+          <p:nvPr>
+            <p:ph type="title"/>
+          </p:nvPr>
+        </p:nvSpPr>
+        <p:spPr/>
+        <p:txBody>
+          <a:bodyPr/>
+          <a:lstStyle/>
+          <a:p>
+            <a:r>
+              <a:rPr lang="en-US" dirty="0"/>
+              <a:t>Let’s think about it a different way.</a:t>
+            </a:r>
+          </a:p>
+        </p:txBody>
+      </p:sp>
+      <p:sp>
+        <p:nvSpPr>
+          <p:cNvPr id="3" name="Content Placeholder 2">
+            <a:extLst>
+              <a:ext uri="{FF2B5EF4-FFF2-40B4-BE49-F238E27FC236}">
+                <a16:creationId xmlns:a16="http://schemas.microsoft.com/office/drawing/2014/main" id="{C404056D-D37E-64A6-D4F7-822790525A82}"/>
+              </a:ext>
+            </a:extLst>
+          </p:cNvPr>
+          <p:cNvSpPr>
+            <a:spLocks noGrp="1"/>
+          </p:cNvSpPr>
+          <p:nvPr>
+            <p:ph idx="1"/>
+          </p:nvPr>
+        </p:nvSpPr>
+        <p:spPr>
+          <a:xfrm>
+            <a:off x="838200" y="1472927"/>
+            <a:ext cx="10515600" cy="4351338"/>
+          </a:xfrm>
+        </p:spPr>
+        <p:txBody>
+          <a:bodyPr/>
+          <a:lstStyle/>
+          <a:p>
+            <a:r>
+              <a:rPr lang="en-US" dirty="0"/>
+              <a:t>Suppose we have no predictors – again, no information – so we decide we’ll just flip a coin instead of building a model. </a:t>
+            </a:r>
+          </a:p>
+          <a:p>
+            <a:pPr lvl="1"/>
+            <a:r>
+              <a:rPr lang="en-US" dirty="0"/>
+              <a:t>If the coin comes up </a:t>
+            </a:r>
+            <a:r>
+              <a:rPr lang="en-US" i="1" dirty="0"/>
+              <a:t>heads</a:t>
+            </a:r>
+            <a:r>
+              <a:rPr lang="en-US" dirty="0"/>
+              <a:t>, we’ll predict </a:t>
+            </a:r>
+            <a:r>
+              <a:rPr lang="en-US" i="1" dirty="0"/>
+              <a:t>positive</a:t>
+            </a:r>
+            <a:r>
+              <a:rPr lang="en-US" dirty="0"/>
+              <a:t>.</a:t>
+            </a:r>
+          </a:p>
+          <a:p>
+            <a:pPr lvl="1"/>
+            <a:r>
+              <a:rPr lang="en-US" dirty="0"/>
+              <a:t>If the coin comes up </a:t>
+            </a:r>
+            <a:r>
+              <a:rPr lang="en-US" i="1" dirty="0"/>
+              <a:t>tails</a:t>
+            </a:r>
+            <a:r>
+              <a:rPr lang="en-US" dirty="0"/>
+              <a:t>, we’ll predict </a:t>
+            </a:r>
+            <a:r>
+              <a:rPr lang="en-US" i="1" dirty="0"/>
+              <a:t>negative</a:t>
+            </a:r>
+            <a:r>
+              <a:rPr lang="en-US" dirty="0"/>
+              <a:t>.</a:t>
+            </a:r>
+          </a:p>
+        </p:txBody>
+      </p:sp>
+      <p:pic>
+        <p:nvPicPr>
+          <p:cNvPr id="1026" name="Picture 2" descr="Quarter (United States coin) - Wikipedia">
+            <a:extLst>
+              <a:ext uri="{FF2B5EF4-FFF2-40B4-BE49-F238E27FC236}">
+                <a16:creationId xmlns:a16="http://schemas.microsoft.com/office/drawing/2014/main" id="{226A0C1D-450D-FCB6-068E-89E9EEEDF1BF}"/>
+              </a:ext>
+            </a:extLst>
+          </p:cNvPr>
+          <p:cNvPicPr>
+            <a:picLocks noChangeAspect="1" noChangeArrowheads="1"/>
+          </p:cNvPicPr>
+          <p:nvPr/>
+        </p:nvPicPr>
+        <p:blipFill>
+          <a:blip r:embed="rId2">
+            <a:extLst>
+              <a:ext uri="{28A0092B-C50C-407E-A947-70E740481C1C}">
+                <a14:useLocalDpi xmlns:a14="http://schemas.microsoft.com/office/drawing/2010/main" val="0"/>
+              </a:ext>
+            </a:extLst>
+          </a:blip>
+          <a:srcRect/>
+          <a:stretch>
+            <a:fillRect/>
+          </a:stretch>
+        </p:blipFill>
+        <p:spPr bwMode="auto">
+          <a:xfrm>
+            <a:off x="446314" y="3866605"/>
+            <a:ext cx="2325189" cy="2325189"/>
+          </a:xfrm>
+          <a:prstGeom prst="rect">
+            <a:avLst/>
+          </a:prstGeom>
+          <a:noFill/>
+          <a:extLst>
+            <a:ext uri="{909E8E84-426E-40DD-AFC4-6F175D3DCCD1}">
+              <a14:hiddenFill xmlns:a14="http://schemas.microsoft.com/office/drawing/2010/main">
+                <a:solidFill>
+                  <a:srgbClr val="FFFFFF"/>
+                </a:solidFill>
+              </a14:hiddenFill>
+            </a:ext>
+          </a:extLst>
+        </p:spPr>
+      </p:pic>
+      <mc:AlternateContent xmlns:mc="http://schemas.openxmlformats.org/markup-compatibility/2006">
+        <mc:Choice xmlns:a14="http://schemas.microsoft.com/office/drawing/2010/main" Requires="a14">
+          <p:sp>
+            <p:nvSpPr>
+              <p:cNvPr id="4" name="TextBox 3">
+                <a:extLst>
+                  <a:ext uri="{FF2B5EF4-FFF2-40B4-BE49-F238E27FC236}">
+                    <a16:creationId xmlns:a16="http://schemas.microsoft.com/office/drawing/2014/main" id="{4BDBF219-28F1-B48B-33BA-921ECC0E5E40}"/>
+                  </a:ext>
+                </a:extLst>
+              </p:cNvPr>
+              <p:cNvSpPr txBox="1"/>
+              <p:nvPr/>
+            </p:nvSpPr>
+            <p:spPr>
+              <a:xfrm>
+                <a:off x="3141617" y="4290535"/>
+                <a:ext cx="2550506" cy="1477328"/>
+              </a:xfrm>
+              <a:prstGeom prst="rect">
+                <a:avLst/>
+              </a:prstGeom>
+              <a:noFill/>
+            </p:spPr>
+            <p:txBody>
+              <a:bodyPr wrap="none" rtlCol="0">
+                <a:spAutoFit/>
+              </a:bodyPr>
+              <a:lstStyle/>
+              <a:p>
+                <a:r>
+                  <a:rPr lang="en-US" u="sng" dirty="0"/>
+                  <a:t>Fair Coin</a:t>
+                </a:r>
+                <a:r>
+                  <a:rPr lang="en-US" dirty="0"/>
+                  <a:t>: </a:t>
+                </a:r>
+                <a14:m>
+                  <m:oMath xmlns:m="http://schemas.openxmlformats.org/officeDocument/2006/math">
+                    <m:r>
+                      <a:rPr lang="en-US" i="1" dirty="0" smtClean="0">
+                        <a:latin typeface="Cambria Math" panose="02040503050406030204" pitchFamily="18" charset="0"/>
+                      </a:rPr>
+                      <m:t>𝑃</m:t>
+                    </m:r>
+                    <m:r>
+                      <a:rPr lang="en-US" i="1" dirty="0" smtClean="0">
+                        <a:latin typeface="Cambria Math" panose="02040503050406030204" pitchFamily="18" charset="0"/>
+                      </a:rPr>
+                      <m:t>(</m:t>
+                    </m:r>
+                    <m:r>
+                      <m:rPr>
+                        <m:sty m:val="p"/>
+                      </m:rPr>
+                      <a:rPr lang="en-US" i="0" dirty="0" smtClean="0">
+                        <a:latin typeface="Cambria Math" panose="02040503050406030204" pitchFamily="18" charset="0"/>
+                      </a:rPr>
+                      <m:t>heads</m:t>
+                    </m:r>
+                    <m:r>
+                      <a:rPr lang="en-US" i="1" dirty="0" smtClean="0">
+                        <a:latin typeface="Cambria Math" panose="02040503050406030204" pitchFamily="18" charset="0"/>
+                      </a:rPr>
+                      <m:t>)=.5</m:t>
+                    </m:r>
+                  </m:oMath>
+                </a14:m>
+                <a:endParaRPr lang="en-US" dirty="0"/>
+              </a:p>
+              <a:p>
+                <a:endParaRPr lang="en-US" dirty="0"/>
+              </a:p>
+              <a:p>
+                <a:pPr marL="285750" indent="-285750">
+                  <a:buFont typeface="Arial" panose="020B0604020202020204" pitchFamily="34" charset="0"/>
+                  <a:buChar char="•"/>
+                </a:pPr>
+                <a:r>
+                  <a:rPr lang="en-US" dirty="0"/>
+                  <a:t>Sensitivity = .5</a:t>
+                </a:r>
+              </a:p>
+              <a:p>
+                <a:pPr marL="285750" indent="-285750">
+                  <a:buFont typeface="Arial" panose="020B0604020202020204" pitchFamily="34" charset="0"/>
+                  <a:buChar char="•"/>
+                </a:pPr>
+                <a:r>
+                  <a:rPr lang="en-US" dirty="0"/>
+                  <a:t>False positive rate = .5</a:t>
+                </a:r>
+              </a:p>
+              <a:p>
+                <a:pPr marL="285750" indent="-285750">
+                  <a:buFont typeface="Arial" panose="020B0604020202020204" pitchFamily="34" charset="0"/>
+                  <a:buChar char="•"/>
+                </a:pPr>
+                <a:r>
+                  <a:rPr lang="en-US" dirty="0"/>
+                  <a:t>Specificity = .5</a:t>
+                </a:r>
+              </a:p>
+            </p:txBody>
+          </p:sp>
+        </mc:Choice>
+        <mc:Fallback>
+          <p:sp>
+            <p:nvSpPr>
+              <p:cNvPr id="4" name="TextBox 3">
+                <a:extLst>
+                  <a:ext uri="{FF2B5EF4-FFF2-40B4-BE49-F238E27FC236}">
+                    <a16:creationId xmlns:a16="http://schemas.microsoft.com/office/drawing/2014/main" id="{4BDBF219-28F1-B48B-33BA-921ECC0E5E40}"/>
+                  </a:ext>
+                </a:extLst>
+              </p:cNvPr>
+              <p:cNvSpPr txBox="1">
+                <a:spLocks noRot="1" noChangeAspect="1" noMove="1" noResize="1" noEditPoints="1" noAdjustHandles="1" noChangeArrowheads="1" noChangeShapeType="1" noTextEdit="1"/>
+              </p:cNvSpPr>
+              <p:nvPr/>
+            </p:nvSpPr>
+            <p:spPr>
+              <a:xfrm>
+                <a:off x="3141617" y="4290535"/>
+                <a:ext cx="2550506" cy="1477328"/>
+              </a:xfrm>
+              <a:prstGeom prst="rect">
+                <a:avLst/>
+              </a:prstGeom>
+              <a:blipFill>
+                <a:blip r:embed="rId3"/>
+                <a:stretch>
+                  <a:fillRect l="-1980" t="-1695" r="-990" b="-5085"/>
+                </a:stretch>
+              </a:blipFill>
+            </p:spPr>
+            <p:txBody>
+              <a:bodyPr/>
+              <a:lstStyle/>
+              <a:p>
+                <a:r>
+                  <a:rPr lang="en-US">
+                    <a:noFill/>
+                  </a:rPr>
+                  <a:t> </a:t>
+                </a:r>
+              </a:p>
+            </p:txBody>
+          </p:sp>
+        </mc:Fallback>
+      </mc:AlternateContent>
+      <p:pic>
+        <p:nvPicPr>
+          <p:cNvPr id="1028" name="Picture 4" descr="Julius Caesar Roman Gold Coin Fridge Magnet 5cm Diameter image 1">
+            <a:extLst>
+              <a:ext uri="{FF2B5EF4-FFF2-40B4-BE49-F238E27FC236}">
+                <a16:creationId xmlns:a16="http://schemas.microsoft.com/office/drawing/2014/main" id="{579716FD-7A1A-E0E9-66EF-AA7761E53043}"/>
+              </a:ext>
+            </a:extLst>
+          </p:cNvPr>
+          <p:cNvPicPr>
+            <a:picLocks noChangeAspect="1" noChangeArrowheads="1"/>
+          </p:cNvPicPr>
+          <p:nvPr/>
+        </p:nvPicPr>
+        <p:blipFill rotWithShape="1">
+          <a:blip r:embed="rId4">
+            <a:extLst>
+              <a:ext uri="{28A0092B-C50C-407E-A947-70E740481C1C}">
+                <a14:useLocalDpi xmlns:a14="http://schemas.microsoft.com/office/drawing/2010/main" val="0"/>
+              </a:ext>
+            </a:extLst>
+          </a:blip>
+          <a:srcRect l="6201" t="27493" r="9562" b="8630"/>
+          <a:stretch/>
+        </p:blipFill>
+        <p:spPr bwMode="auto">
+          <a:xfrm>
+            <a:off x="6084009" y="3866605"/>
+            <a:ext cx="2429691" cy="2325189"/>
+          </a:xfrm>
+          <a:prstGeom prst="rect">
+            <a:avLst/>
+          </a:prstGeom>
+          <a:noFill/>
+          <a:extLst>
+            <a:ext uri="{909E8E84-426E-40DD-AFC4-6F175D3DCCD1}">
+              <a14:hiddenFill xmlns:a14="http://schemas.microsoft.com/office/drawing/2010/main">
+                <a:solidFill>
+                  <a:srgbClr val="FFFFFF"/>
+                </a:solidFill>
+              </a14:hiddenFill>
+            </a:ext>
+          </a:extLst>
+        </p:spPr>
+      </p:pic>
+      <mc:AlternateContent xmlns:mc="http://schemas.openxmlformats.org/markup-compatibility/2006">
+        <mc:Choice xmlns:a14="http://schemas.microsoft.com/office/drawing/2010/main" Requires="a14">
+          <p:sp>
+            <p:nvSpPr>
+              <p:cNvPr id="7" name="TextBox 6">
+                <a:extLst>
+                  <a:ext uri="{FF2B5EF4-FFF2-40B4-BE49-F238E27FC236}">
+                    <a16:creationId xmlns:a16="http://schemas.microsoft.com/office/drawing/2014/main" id="{09CD8A68-166B-8EDC-6CCB-A2CEA52B3E26}"/>
+                  </a:ext>
+                </a:extLst>
+              </p:cNvPr>
+              <p:cNvSpPr txBox="1"/>
+              <p:nvPr/>
+            </p:nvSpPr>
+            <p:spPr>
+              <a:xfrm>
+                <a:off x="8905586" y="4290535"/>
+                <a:ext cx="2740302" cy="1477328"/>
+              </a:xfrm>
+              <a:prstGeom prst="rect">
+                <a:avLst/>
+              </a:prstGeom>
+              <a:noFill/>
+            </p:spPr>
+            <p:txBody>
+              <a:bodyPr wrap="none" rtlCol="0">
+                <a:spAutoFit/>
+              </a:bodyPr>
+              <a:lstStyle/>
+              <a:p>
+                <a:r>
+                  <a:rPr lang="en-US" u="sng" dirty="0"/>
+                  <a:t>Biased Coin</a:t>
+                </a:r>
+                <a:r>
+                  <a:rPr lang="en-US" dirty="0"/>
+                  <a:t>: </a:t>
+                </a:r>
+                <a14:m>
+                  <m:oMath xmlns:m="http://schemas.openxmlformats.org/officeDocument/2006/math">
+                    <m:r>
+                      <a:rPr lang="en-US" i="1" dirty="0" smtClean="0">
+                        <a:latin typeface="Cambria Math" panose="02040503050406030204" pitchFamily="18" charset="0"/>
+                      </a:rPr>
+                      <m:t>𝑃</m:t>
+                    </m:r>
+                    <m:r>
+                      <a:rPr lang="en-US" i="1" dirty="0" smtClean="0">
+                        <a:latin typeface="Cambria Math" panose="02040503050406030204" pitchFamily="18" charset="0"/>
+                      </a:rPr>
+                      <m:t>(</m:t>
+                    </m:r>
+                    <m:r>
+                      <m:rPr>
+                        <m:sty m:val="p"/>
+                      </m:rPr>
+                      <a:rPr lang="en-US" i="0" dirty="0" smtClean="0">
+                        <a:latin typeface="Cambria Math" panose="02040503050406030204" pitchFamily="18" charset="0"/>
+                      </a:rPr>
+                      <m:t>heads</m:t>
+                    </m:r>
+                    <m:r>
+                      <a:rPr lang="en-US" i="1" dirty="0" smtClean="0">
+                        <a:latin typeface="Cambria Math" panose="02040503050406030204" pitchFamily="18" charset="0"/>
+                      </a:rPr>
+                      <m:t>)=</m:t>
+                    </m:r>
+                    <m:r>
+                      <a:rPr lang="en-US" b="0" i="1" dirty="0" smtClean="0">
+                        <a:latin typeface="Cambria Math" panose="02040503050406030204" pitchFamily="18" charset="0"/>
+                      </a:rPr>
+                      <m:t>𝑝</m:t>
+                    </m:r>
+                  </m:oMath>
+                </a14:m>
+                <a:endParaRPr lang="en-US" dirty="0"/>
+              </a:p>
+              <a:p>
+                <a:endParaRPr lang="en-US" dirty="0"/>
+              </a:p>
+              <a:p>
+                <a:pPr marL="285750" indent="-285750">
+                  <a:buFont typeface="Arial" panose="020B0604020202020204" pitchFamily="34" charset="0"/>
+                  <a:buChar char="•"/>
+                </a:pPr>
+                <a:r>
+                  <a:rPr lang="en-US" dirty="0"/>
+                  <a:t>Sensitivity = ?</a:t>
+                </a:r>
+              </a:p>
+              <a:p>
+                <a:pPr marL="285750" indent="-285750">
+                  <a:buFont typeface="Arial" panose="020B0604020202020204" pitchFamily="34" charset="0"/>
+                  <a:buChar char="•"/>
+                </a:pPr>
+                <a:r>
+                  <a:rPr lang="en-US" dirty="0"/>
+                  <a:t>False positive rate = ?</a:t>
+                </a:r>
+              </a:p>
+              <a:p>
+                <a:pPr marL="285750" indent="-285750">
+                  <a:buFont typeface="Arial" panose="020B0604020202020204" pitchFamily="34" charset="0"/>
+                  <a:buChar char="•"/>
+                </a:pPr>
+                <a:r>
+                  <a:rPr lang="en-US" dirty="0"/>
+                  <a:t>Specificity = ?</a:t>
+                </a:r>
+                <a:endParaRPr lang="en-US" i="1" dirty="0"/>
+              </a:p>
+            </p:txBody>
+          </p:sp>
+        </mc:Choice>
+        <mc:Fallback>
+          <p:sp>
+            <p:nvSpPr>
+              <p:cNvPr id="7" name="TextBox 6">
+                <a:extLst>
+                  <a:ext uri="{FF2B5EF4-FFF2-40B4-BE49-F238E27FC236}">
+                    <a16:creationId xmlns:a16="http://schemas.microsoft.com/office/drawing/2014/main" id="{09CD8A68-166B-8EDC-6CCB-A2CEA52B3E26}"/>
+                  </a:ext>
+                </a:extLst>
+              </p:cNvPr>
+              <p:cNvSpPr txBox="1">
+                <a:spLocks noRot="1" noChangeAspect="1" noMove="1" noResize="1" noEditPoints="1" noAdjustHandles="1" noChangeArrowheads="1" noChangeShapeType="1" noTextEdit="1"/>
+              </p:cNvSpPr>
+              <p:nvPr/>
+            </p:nvSpPr>
+            <p:spPr>
+              <a:xfrm>
+                <a:off x="8905586" y="4290535"/>
+                <a:ext cx="2740302" cy="1477328"/>
+              </a:xfrm>
+              <a:prstGeom prst="rect">
+                <a:avLst/>
+              </a:prstGeom>
+              <a:blipFill>
+                <a:blip r:embed="rId5"/>
+                <a:stretch>
+                  <a:fillRect l="-2315" t="-1695" b="-5085"/>
+                </a:stretch>
+              </a:blipFill>
+            </p:spPr>
+            <p:txBody>
+              <a:bodyPr/>
+              <a:lstStyle/>
+              <a:p>
+                <a:r>
+                  <a:rPr lang="en-US">
+                    <a:noFill/>
+                  </a:rPr>
+                  <a:t> </a:t>
+                </a:r>
+              </a:p>
+            </p:txBody>
+          </p:sp>
+        </mc:Fallback>
+      </mc:AlternateContent>
+    </p:spTree>
+    <p:extLst>
+      <p:ext uri="{BB962C8B-B14F-4D97-AF65-F5344CB8AC3E}">
+        <p14:creationId xmlns:p14="http://schemas.microsoft.com/office/powerpoint/2010/main" val="2280934695"/>
+      </p:ext>
+    </p:extLst>
+  </p:cSld>
+  <p:clrMapOvr>
+    <a:masterClrMapping/>
+  </p:clrMapOvr>
+</p:sld>
+</file>
+
+<file path=ppt/slides/slide18.xml><?xml version="1.0" encoding="utf-8"?>
+<p:sld xmlns:a="http://schemas.openxmlformats.org/drawingml/2006/main" xmlns:r="http://schemas.openxmlformats.org/officeDocument/2006/relationships" xmlns:p="http://schemas.openxmlformats.org/presentationml/2006/main">
+  <p:cSld>
+    <p:spTree>
+      <p:nvGrpSpPr>
+        <p:cNvPr id="1" name=""/>
+        <p:cNvGrpSpPr/>
+        <p:nvPr/>
+      </p:nvGrpSpPr>
+      <p:grpSpPr>
+        <a:xfrm>
+          <a:off x="0" y="0"/>
+          <a:ext cx="0" cy="0"/>
+          <a:chOff x="0" y="0"/>
+          <a:chExt cx="0" cy="0"/>
+        </a:xfrm>
+      </p:grpSpPr>
+      <p:sp>
+        <p:nvSpPr>
+          <p:cNvPr id="2" name="Title 1">
+            <a:extLst>
+              <a:ext uri="{FF2B5EF4-FFF2-40B4-BE49-F238E27FC236}">
+                <a16:creationId xmlns:a16="http://schemas.microsoft.com/office/drawing/2014/main" id="{90F833F2-3373-3314-6328-E89764C469DA}"/>
+              </a:ext>
+            </a:extLst>
+          </p:cNvPr>
+          <p:cNvSpPr>
+            <a:spLocks noGrp="1"/>
+          </p:cNvSpPr>
+          <p:nvPr>
+            <p:ph type="title"/>
+          </p:nvPr>
+        </p:nvSpPr>
+        <p:spPr/>
+        <p:txBody>
+          <a:bodyPr/>
+          <a:lstStyle/>
+          <a:p>
+            <a:r>
+              <a:rPr lang="en-US" dirty="0"/>
+              <a:t>Let’s think about it a different way.</a:t>
+            </a:r>
+          </a:p>
+        </p:txBody>
+      </p:sp>
+      <p:sp>
+        <p:nvSpPr>
+          <p:cNvPr id="3" name="Content Placeholder 2">
+            <a:extLst>
+              <a:ext uri="{FF2B5EF4-FFF2-40B4-BE49-F238E27FC236}">
+                <a16:creationId xmlns:a16="http://schemas.microsoft.com/office/drawing/2014/main" id="{C404056D-D37E-64A6-D4F7-822790525A82}"/>
+              </a:ext>
+            </a:extLst>
+          </p:cNvPr>
+          <p:cNvSpPr>
+            <a:spLocks noGrp="1"/>
+          </p:cNvSpPr>
+          <p:nvPr>
+            <p:ph idx="1"/>
+          </p:nvPr>
+        </p:nvSpPr>
+        <p:spPr>
+          <a:xfrm>
+            <a:off x="838200" y="1472927"/>
+            <a:ext cx="10515600" cy="4351338"/>
+          </a:xfrm>
+        </p:spPr>
+        <p:txBody>
+          <a:bodyPr/>
+          <a:lstStyle/>
+          <a:p>
+            <a:r>
+              <a:rPr lang="en-US" dirty="0"/>
+              <a:t>Suppose we have no predictors – again, no information – so we decide we’ll just flip a coin instead of building a model. </a:t>
+            </a:r>
+          </a:p>
+          <a:p>
+            <a:pPr lvl="1"/>
+            <a:r>
+              <a:rPr lang="en-US" dirty="0"/>
+              <a:t>If the coin comes up </a:t>
+            </a:r>
+            <a:r>
+              <a:rPr lang="en-US" i="1" dirty="0"/>
+              <a:t>heads</a:t>
+            </a:r>
+            <a:r>
+              <a:rPr lang="en-US" dirty="0"/>
+              <a:t>, we’ll predict </a:t>
+            </a:r>
+            <a:r>
+              <a:rPr lang="en-US" i="1" dirty="0"/>
+              <a:t>positive</a:t>
+            </a:r>
+            <a:r>
+              <a:rPr lang="en-US" dirty="0"/>
+              <a:t>.</a:t>
+            </a:r>
+          </a:p>
+          <a:p>
+            <a:pPr lvl="1"/>
+            <a:r>
+              <a:rPr lang="en-US" dirty="0"/>
+              <a:t>If the coin comes up </a:t>
+            </a:r>
+            <a:r>
+              <a:rPr lang="en-US" i="1" dirty="0"/>
+              <a:t>tails</a:t>
+            </a:r>
+            <a:r>
+              <a:rPr lang="en-US" dirty="0"/>
+              <a:t>, we’ll predict </a:t>
+            </a:r>
+            <a:r>
+              <a:rPr lang="en-US" i="1" dirty="0"/>
+              <a:t>negative</a:t>
+            </a:r>
+            <a:r>
+              <a:rPr lang="en-US" dirty="0"/>
+              <a:t>.</a:t>
+            </a:r>
+          </a:p>
+        </p:txBody>
+      </p:sp>
+      <p:pic>
+        <p:nvPicPr>
+          <p:cNvPr id="1026" name="Picture 2" descr="Quarter (United States coin) - Wikipedia">
+            <a:extLst>
+              <a:ext uri="{FF2B5EF4-FFF2-40B4-BE49-F238E27FC236}">
+                <a16:creationId xmlns:a16="http://schemas.microsoft.com/office/drawing/2014/main" id="{226A0C1D-450D-FCB6-068E-89E9EEEDF1BF}"/>
+              </a:ext>
+            </a:extLst>
+          </p:cNvPr>
+          <p:cNvPicPr>
+            <a:picLocks noChangeAspect="1" noChangeArrowheads="1"/>
+          </p:cNvPicPr>
+          <p:nvPr/>
+        </p:nvPicPr>
+        <p:blipFill>
+          <a:blip r:embed="rId2">
+            <a:extLst>
+              <a:ext uri="{28A0092B-C50C-407E-A947-70E740481C1C}">
+                <a14:useLocalDpi xmlns:a14="http://schemas.microsoft.com/office/drawing/2010/main" val="0"/>
+              </a:ext>
+            </a:extLst>
+          </a:blip>
+          <a:srcRect/>
+          <a:stretch>
+            <a:fillRect/>
+          </a:stretch>
+        </p:blipFill>
+        <p:spPr bwMode="auto">
+          <a:xfrm>
+            <a:off x="446314" y="3866605"/>
+            <a:ext cx="2325189" cy="2325189"/>
+          </a:xfrm>
+          <a:prstGeom prst="rect">
+            <a:avLst/>
+          </a:prstGeom>
+          <a:noFill/>
+          <a:extLst>
+            <a:ext uri="{909E8E84-426E-40DD-AFC4-6F175D3DCCD1}">
+              <a14:hiddenFill xmlns:a14="http://schemas.microsoft.com/office/drawing/2010/main">
+                <a:solidFill>
+                  <a:srgbClr val="FFFFFF"/>
+                </a:solidFill>
+              </a14:hiddenFill>
+            </a:ext>
+          </a:extLst>
+        </p:spPr>
+      </p:pic>
+      <mc:AlternateContent xmlns:mc="http://schemas.openxmlformats.org/markup-compatibility/2006">
+        <mc:Choice xmlns:a14="http://schemas.microsoft.com/office/drawing/2010/main" Requires="a14">
+          <p:sp>
+            <p:nvSpPr>
+              <p:cNvPr id="4" name="TextBox 3">
+                <a:extLst>
+                  <a:ext uri="{FF2B5EF4-FFF2-40B4-BE49-F238E27FC236}">
+                    <a16:creationId xmlns:a16="http://schemas.microsoft.com/office/drawing/2014/main" id="{4BDBF219-28F1-B48B-33BA-921ECC0E5E40}"/>
+                  </a:ext>
+                </a:extLst>
+              </p:cNvPr>
+              <p:cNvSpPr txBox="1"/>
+              <p:nvPr/>
+            </p:nvSpPr>
+            <p:spPr>
+              <a:xfrm>
+                <a:off x="3141617" y="4290535"/>
+                <a:ext cx="2550506" cy="1477328"/>
+              </a:xfrm>
+              <a:prstGeom prst="rect">
+                <a:avLst/>
+              </a:prstGeom>
+              <a:noFill/>
+            </p:spPr>
+            <p:txBody>
+              <a:bodyPr wrap="none" rtlCol="0">
+                <a:spAutoFit/>
+              </a:bodyPr>
+              <a:lstStyle/>
+              <a:p>
+                <a:r>
+                  <a:rPr lang="en-US" u="sng" dirty="0"/>
+                  <a:t>Fair Coin</a:t>
+                </a:r>
+                <a:r>
+                  <a:rPr lang="en-US" dirty="0"/>
+                  <a:t>: </a:t>
+                </a:r>
+                <a14:m>
+                  <m:oMath xmlns:m="http://schemas.openxmlformats.org/officeDocument/2006/math">
+                    <m:r>
+                      <a:rPr lang="en-US" i="1" dirty="0" smtClean="0">
+                        <a:latin typeface="Cambria Math" panose="02040503050406030204" pitchFamily="18" charset="0"/>
+                      </a:rPr>
+                      <m:t>𝑃</m:t>
+                    </m:r>
+                    <m:r>
+                      <a:rPr lang="en-US" i="1" dirty="0" smtClean="0">
+                        <a:latin typeface="Cambria Math" panose="02040503050406030204" pitchFamily="18" charset="0"/>
+                      </a:rPr>
+                      <m:t>(</m:t>
+                    </m:r>
+                    <m:r>
+                      <m:rPr>
+                        <m:sty m:val="p"/>
+                      </m:rPr>
+                      <a:rPr lang="en-US" i="0" dirty="0" smtClean="0">
+                        <a:latin typeface="Cambria Math" panose="02040503050406030204" pitchFamily="18" charset="0"/>
+                      </a:rPr>
+                      <m:t>heads</m:t>
+                    </m:r>
+                    <m:r>
+                      <a:rPr lang="en-US" i="1" dirty="0" smtClean="0">
+                        <a:latin typeface="Cambria Math" panose="02040503050406030204" pitchFamily="18" charset="0"/>
+                      </a:rPr>
+                      <m:t>)=.5</m:t>
+                    </m:r>
+                  </m:oMath>
+                </a14:m>
+                <a:endParaRPr lang="en-US" dirty="0"/>
+              </a:p>
+              <a:p>
+                <a:endParaRPr lang="en-US" dirty="0"/>
+              </a:p>
+              <a:p>
+                <a:pPr marL="285750" indent="-285750">
+                  <a:buFont typeface="Arial" panose="020B0604020202020204" pitchFamily="34" charset="0"/>
+                  <a:buChar char="•"/>
+                </a:pPr>
+                <a:r>
+                  <a:rPr lang="en-US" dirty="0"/>
+                  <a:t>Sensitivity = .5</a:t>
+                </a:r>
+              </a:p>
+              <a:p>
+                <a:pPr marL="285750" indent="-285750">
+                  <a:buFont typeface="Arial" panose="020B0604020202020204" pitchFamily="34" charset="0"/>
+                  <a:buChar char="•"/>
+                </a:pPr>
+                <a:r>
+                  <a:rPr lang="en-US" dirty="0"/>
+                  <a:t>False positive rate = .5</a:t>
+                </a:r>
+              </a:p>
+              <a:p>
+                <a:pPr marL="285750" indent="-285750">
+                  <a:buFont typeface="Arial" panose="020B0604020202020204" pitchFamily="34" charset="0"/>
+                  <a:buChar char="•"/>
+                </a:pPr>
+                <a:r>
+                  <a:rPr lang="en-US" dirty="0"/>
+                  <a:t>Specificity = .5</a:t>
+                </a:r>
+              </a:p>
+            </p:txBody>
+          </p:sp>
+        </mc:Choice>
+        <mc:Fallback>
+          <p:sp>
+            <p:nvSpPr>
+              <p:cNvPr id="4" name="TextBox 3">
+                <a:extLst>
+                  <a:ext uri="{FF2B5EF4-FFF2-40B4-BE49-F238E27FC236}">
+                    <a16:creationId xmlns:a16="http://schemas.microsoft.com/office/drawing/2014/main" id="{4BDBF219-28F1-B48B-33BA-921ECC0E5E40}"/>
+                  </a:ext>
+                </a:extLst>
+              </p:cNvPr>
+              <p:cNvSpPr txBox="1">
+                <a:spLocks noRot="1" noChangeAspect="1" noMove="1" noResize="1" noEditPoints="1" noAdjustHandles="1" noChangeArrowheads="1" noChangeShapeType="1" noTextEdit="1"/>
+              </p:cNvSpPr>
+              <p:nvPr/>
+            </p:nvSpPr>
+            <p:spPr>
+              <a:xfrm>
+                <a:off x="3141617" y="4290535"/>
+                <a:ext cx="2550506" cy="1477328"/>
+              </a:xfrm>
+              <a:prstGeom prst="rect">
+                <a:avLst/>
+              </a:prstGeom>
+              <a:blipFill>
+                <a:blip r:embed="rId3"/>
+                <a:stretch>
+                  <a:fillRect l="-1980" t="-1695" r="-990" b="-5085"/>
+                </a:stretch>
+              </a:blipFill>
+            </p:spPr>
+            <p:txBody>
+              <a:bodyPr/>
+              <a:lstStyle/>
+              <a:p>
+                <a:r>
+                  <a:rPr lang="en-US">
+                    <a:noFill/>
+                  </a:rPr>
+                  <a:t> </a:t>
+                </a:r>
+              </a:p>
+            </p:txBody>
+          </p:sp>
+        </mc:Fallback>
+      </mc:AlternateContent>
+      <p:pic>
+        <p:nvPicPr>
+          <p:cNvPr id="1028" name="Picture 4" descr="Julius Caesar Roman Gold Coin Fridge Magnet 5cm Diameter image 1">
+            <a:extLst>
+              <a:ext uri="{FF2B5EF4-FFF2-40B4-BE49-F238E27FC236}">
+                <a16:creationId xmlns:a16="http://schemas.microsoft.com/office/drawing/2014/main" id="{579716FD-7A1A-E0E9-66EF-AA7761E53043}"/>
+              </a:ext>
+            </a:extLst>
+          </p:cNvPr>
+          <p:cNvPicPr>
+            <a:picLocks noChangeAspect="1" noChangeArrowheads="1"/>
+          </p:cNvPicPr>
+          <p:nvPr/>
+        </p:nvPicPr>
+        <p:blipFill rotWithShape="1">
+          <a:blip r:embed="rId4">
+            <a:extLst>
+              <a:ext uri="{28A0092B-C50C-407E-A947-70E740481C1C}">
+                <a14:useLocalDpi xmlns:a14="http://schemas.microsoft.com/office/drawing/2010/main" val="0"/>
+              </a:ext>
+            </a:extLst>
+          </a:blip>
+          <a:srcRect l="6201" t="27493" r="9562" b="8630"/>
+          <a:stretch/>
+        </p:blipFill>
+        <p:spPr bwMode="auto">
+          <a:xfrm>
+            <a:off x="6084009" y="3866605"/>
+            <a:ext cx="2429691" cy="2325189"/>
+          </a:xfrm>
+          <a:prstGeom prst="rect">
+            <a:avLst/>
+          </a:prstGeom>
+          <a:noFill/>
+          <a:extLst>
+            <a:ext uri="{909E8E84-426E-40DD-AFC4-6F175D3DCCD1}">
+              <a14:hiddenFill xmlns:a14="http://schemas.microsoft.com/office/drawing/2010/main">
+                <a:solidFill>
+                  <a:srgbClr val="FFFFFF"/>
+                </a:solidFill>
+              </a14:hiddenFill>
+            </a:ext>
+          </a:extLst>
+        </p:spPr>
+      </p:pic>
+      <mc:AlternateContent xmlns:mc="http://schemas.openxmlformats.org/markup-compatibility/2006">
+        <mc:Choice xmlns:a14="http://schemas.microsoft.com/office/drawing/2010/main" Requires="a14">
+          <p:sp>
+            <p:nvSpPr>
+              <p:cNvPr id="7" name="TextBox 6">
+                <a:extLst>
+                  <a:ext uri="{FF2B5EF4-FFF2-40B4-BE49-F238E27FC236}">
+                    <a16:creationId xmlns:a16="http://schemas.microsoft.com/office/drawing/2014/main" id="{09CD8A68-166B-8EDC-6CCB-A2CEA52B3E26}"/>
+                  </a:ext>
+                </a:extLst>
+              </p:cNvPr>
+              <p:cNvSpPr txBox="1"/>
+              <p:nvPr/>
+            </p:nvSpPr>
+            <p:spPr>
+              <a:xfrm>
+                <a:off x="8905586" y="4290535"/>
+                <a:ext cx="2740302" cy="1477328"/>
+              </a:xfrm>
+              <a:prstGeom prst="rect">
+                <a:avLst/>
+              </a:prstGeom>
+              <a:noFill/>
+            </p:spPr>
+            <p:txBody>
+              <a:bodyPr wrap="none" rtlCol="0">
+                <a:spAutoFit/>
+              </a:bodyPr>
+              <a:lstStyle/>
+              <a:p>
+                <a:r>
+                  <a:rPr lang="en-US" u="sng" dirty="0"/>
+                  <a:t>Biased Coin</a:t>
+                </a:r>
+                <a:r>
+                  <a:rPr lang="en-US" dirty="0"/>
+                  <a:t>: </a:t>
+                </a:r>
+                <a14:m>
+                  <m:oMath xmlns:m="http://schemas.openxmlformats.org/officeDocument/2006/math">
+                    <m:r>
+                      <a:rPr lang="en-US" i="1" dirty="0" smtClean="0">
+                        <a:latin typeface="Cambria Math" panose="02040503050406030204" pitchFamily="18" charset="0"/>
+                      </a:rPr>
+                      <m:t>𝑃</m:t>
+                    </m:r>
+                    <m:r>
+                      <a:rPr lang="en-US" i="1" dirty="0" smtClean="0">
+                        <a:latin typeface="Cambria Math" panose="02040503050406030204" pitchFamily="18" charset="0"/>
+                      </a:rPr>
+                      <m:t>(</m:t>
+                    </m:r>
+                    <m:r>
+                      <m:rPr>
+                        <m:sty m:val="p"/>
+                      </m:rPr>
+                      <a:rPr lang="en-US" i="0" dirty="0" smtClean="0">
+                        <a:latin typeface="Cambria Math" panose="02040503050406030204" pitchFamily="18" charset="0"/>
+                      </a:rPr>
+                      <m:t>heads</m:t>
+                    </m:r>
+                    <m:r>
+                      <a:rPr lang="en-US" i="1" dirty="0" smtClean="0">
+                        <a:latin typeface="Cambria Math" panose="02040503050406030204" pitchFamily="18" charset="0"/>
+                      </a:rPr>
+                      <m:t>)=</m:t>
+                    </m:r>
+                    <m:r>
+                      <a:rPr lang="en-US" b="0" i="1" dirty="0" smtClean="0">
+                        <a:latin typeface="Cambria Math" panose="02040503050406030204" pitchFamily="18" charset="0"/>
+                      </a:rPr>
+                      <m:t>𝑝</m:t>
+                    </m:r>
+                  </m:oMath>
+                </a14:m>
+                <a:endParaRPr lang="en-US" dirty="0"/>
+              </a:p>
+              <a:p>
+                <a:endParaRPr lang="en-US" dirty="0"/>
+              </a:p>
+              <a:p>
+                <a:pPr marL="285750" indent="-285750">
+                  <a:buFont typeface="Arial" panose="020B0604020202020204" pitchFamily="34" charset="0"/>
+                  <a:buChar char="•"/>
+                </a:pPr>
+                <a:r>
+                  <a:rPr lang="en-US" dirty="0"/>
+                  <a:t>Sensitivity = </a:t>
+                </a:r>
+                <a:r>
+                  <a:rPr lang="en-US" i="1" dirty="0"/>
+                  <a:t>p</a:t>
+                </a:r>
+              </a:p>
+              <a:p>
+                <a:pPr marL="285750" indent="-285750">
+                  <a:buFont typeface="Arial" panose="020B0604020202020204" pitchFamily="34" charset="0"/>
+                  <a:buChar char="•"/>
+                </a:pPr>
+                <a:r>
+                  <a:rPr lang="en-US" dirty="0"/>
+                  <a:t>False positive rate = </a:t>
+                </a:r>
+                <a:r>
+                  <a:rPr lang="en-US" i="1" dirty="0"/>
+                  <a:t>p</a:t>
+                </a:r>
+              </a:p>
+              <a:p>
+                <a:pPr marL="285750" indent="-285750">
+                  <a:buFont typeface="Arial" panose="020B0604020202020204" pitchFamily="34" charset="0"/>
+                  <a:buChar char="•"/>
+                </a:pPr>
+                <a:r>
+                  <a:rPr lang="en-US" dirty="0"/>
+                  <a:t>Specificity = 1-</a:t>
+                </a:r>
+                <a:r>
+                  <a:rPr lang="en-US" i="1" dirty="0"/>
+                  <a:t>p</a:t>
+                </a:r>
+              </a:p>
+            </p:txBody>
+          </p:sp>
+        </mc:Choice>
+        <mc:Fallback>
+          <p:sp>
+            <p:nvSpPr>
+              <p:cNvPr id="7" name="TextBox 6">
+                <a:extLst>
+                  <a:ext uri="{FF2B5EF4-FFF2-40B4-BE49-F238E27FC236}">
+                    <a16:creationId xmlns:a16="http://schemas.microsoft.com/office/drawing/2014/main" id="{09CD8A68-166B-8EDC-6CCB-A2CEA52B3E26}"/>
+                  </a:ext>
+                </a:extLst>
+              </p:cNvPr>
+              <p:cNvSpPr txBox="1">
+                <a:spLocks noRot="1" noChangeAspect="1" noMove="1" noResize="1" noEditPoints="1" noAdjustHandles="1" noChangeArrowheads="1" noChangeShapeType="1" noTextEdit="1"/>
+              </p:cNvSpPr>
+              <p:nvPr/>
+            </p:nvSpPr>
+            <p:spPr>
+              <a:xfrm>
+                <a:off x="8905586" y="4290535"/>
+                <a:ext cx="2740302" cy="1477328"/>
+              </a:xfrm>
+              <a:prstGeom prst="rect">
+                <a:avLst/>
+              </a:prstGeom>
+              <a:blipFill>
+                <a:blip r:embed="rId5"/>
+                <a:stretch>
+                  <a:fillRect l="-2315" t="-1695" b="-5085"/>
+                </a:stretch>
+              </a:blipFill>
+            </p:spPr>
+            <p:txBody>
+              <a:bodyPr/>
+              <a:lstStyle/>
+              <a:p>
+                <a:r>
+                  <a:rPr lang="en-US">
+                    <a:noFill/>
+                  </a:rPr>
+                  <a:t> </a:t>
+                </a:r>
+              </a:p>
+            </p:txBody>
+          </p:sp>
+        </mc:Fallback>
+      </mc:AlternateContent>
+    </p:spTree>
+    <p:extLst>
+      <p:ext uri="{BB962C8B-B14F-4D97-AF65-F5344CB8AC3E}">
+        <p14:creationId xmlns:p14="http://schemas.microsoft.com/office/powerpoint/2010/main" val="2790973806"/>
+      </p:ext>
+    </p:extLst>
+  </p:cSld>
+  <p:clrMapOvr>
+    <a:masterClrMapping/>
+  </p:clrMapOvr>
+</p:sld>
+</file>
+
+<file path=ppt/slides/slide19.xml><?xml version="1.0" encoding="utf-8"?>
+<p:sld xmlns:a="http://schemas.openxmlformats.org/drawingml/2006/main" xmlns:r="http://schemas.openxmlformats.org/officeDocument/2006/relationships" xmlns:p="http://schemas.openxmlformats.org/presentationml/2006/main">
+  <p:cSld>
+    <p:spTree>
+      <p:nvGrpSpPr>
+        <p:cNvPr id="1" name=""/>
+        <p:cNvGrpSpPr/>
+        <p:nvPr/>
+      </p:nvGrpSpPr>
+      <p:grpSpPr>
+        <a:xfrm>
+          <a:off x="0" y="0"/>
+          <a:ext cx="0" cy="0"/>
+          <a:chOff x="0" y="0"/>
+          <a:chExt cx="0" cy="0"/>
+        </a:xfrm>
+      </p:grpSpPr>
+      <p:sp>
+        <p:nvSpPr>
+          <p:cNvPr id="2" name="Title 1">
+            <a:extLst>
+              <a:ext uri="{FF2B5EF4-FFF2-40B4-BE49-F238E27FC236}">
+                <a16:creationId xmlns:a16="http://schemas.microsoft.com/office/drawing/2014/main" id="{149E40B5-4A65-E95A-089B-060816A7298A}"/>
+              </a:ext>
+            </a:extLst>
+          </p:cNvPr>
+          <p:cNvSpPr>
+            <a:spLocks noGrp="1"/>
+          </p:cNvSpPr>
+          <p:nvPr>
+            <p:ph type="title"/>
+          </p:nvPr>
+        </p:nvSpPr>
+        <p:spPr/>
+        <p:txBody>
+          <a:bodyPr/>
+          <a:lstStyle/>
+          <a:p>
+            <a:r>
+              <a:rPr lang="en-US" dirty="0"/>
+              <a:t>Again, we arrive at the following </a:t>
+            </a:r>
+            <a:r>
+              <a:rPr lang="en-US" i="1" dirty="0"/>
+              <a:t>no information</a:t>
+            </a:r>
+            <a:r>
+              <a:rPr lang="en-US" dirty="0"/>
+              <a:t> curve</a:t>
+            </a:r>
+          </a:p>
+        </p:txBody>
+      </p:sp>
+      <p:sp>
+        <p:nvSpPr>
+          <p:cNvPr id="3" name="Content Placeholder 2">
+            <a:extLst>
+              <a:ext uri="{FF2B5EF4-FFF2-40B4-BE49-F238E27FC236}">
+                <a16:creationId xmlns:a16="http://schemas.microsoft.com/office/drawing/2014/main" id="{FFD9183F-3DF8-76AD-8725-282881EFBB6B}"/>
+              </a:ext>
+            </a:extLst>
+          </p:cNvPr>
+          <p:cNvSpPr>
+            <a:spLocks noGrp="1"/>
+          </p:cNvSpPr>
+          <p:nvPr>
+            <p:ph idx="1"/>
+          </p:nvPr>
+        </p:nvSpPr>
+        <p:spPr>
+          <a:xfrm>
+            <a:off x="838200" y="2280810"/>
+            <a:ext cx="4643846" cy="3934320"/>
+          </a:xfrm>
+        </p:spPr>
+        <p:txBody>
+          <a:bodyPr/>
+          <a:lstStyle/>
+          <a:p>
+            <a:r>
+              <a:rPr lang="en-US" dirty="0"/>
+              <a:t>We may choose any </a:t>
+            </a:r>
+            <a:r>
+              <a:rPr lang="en-US" i="1" dirty="0"/>
+              <a:t>p </a:t>
+            </a:r>
+            <a:r>
+              <a:rPr lang="en-US" dirty="0"/>
+              <a:t>between 0 and 1 to get:</a:t>
+            </a:r>
+          </a:p>
+          <a:p>
+            <a:endParaRPr lang="en-US" dirty="0"/>
+          </a:p>
+          <a:p>
+            <a:pPr lvl="1"/>
+            <a:r>
+              <a:rPr lang="en-US" dirty="0"/>
+              <a:t>Sensitivity =</a:t>
+            </a:r>
+            <a:r>
+              <a:rPr lang="en-US" i="1" dirty="0"/>
+              <a:t> p</a:t>
+            </a:r>
+          </a:p>
+          <a:p>
+            <a:pPr lvl="1"/>
+            <a:r>
+              <a:rPr lang="en-US" dirty="0"/>
+              <a:t>False positive rate = </a:t>
+            </a:r>
+            <a:r>
+              <a:rPr lang="en-US" i="1" dirty="0"/>
+              <a:t>p</a:t>
+            </a:r>
+          </a:p>
+          <a:p>
+            <a:pPr lvl="1"/>
+            <a:r>
+              <a:rPr lang="en-US" dirty="0"/>
+              <a:t>Specificity =</a:t>
+            </a:r>
+            <a:r>
+              <a:rPr lang="en-US" i="1" dirty="0"/>
+              <a:t> 1-p</a:t>
+            </a:r>
+          </a:p>
+          <a:p>
+            <a:pPr lvl="1"/>
+            <a:endParaRPr lang="en-US" i="1" dirty="0"/>
+          </a:p>
+          <a:p>
+            <a:r>
+              <a:rPr lang="en-US" dirty="0"/>
+              <a:t>What’s the area under this curve (AUC)? --&gt; 0.5</a:t>
+            </a:r>
+          </a:p>
+        </p:txBody>
+      </p:sp>
+      <p:pic>
+        <p:nvPicPr>
+          <p:cNvPr id="6" name="Picture 5" descr="Chart, line chart, scatter chart&#10;&#10;Description automatically generated">
+            <a:extLst>
+              <a:ext uri="{FF2B5EF4-FFF2-40B4-BE49-F238E27FC236}">
+                <a16:creationId xmlns:a16="http://schemas.microsoft.com/office/drawing/2014/main" id="{7429A8F6-BE74-75C2-0D36-8B220E8500CF}"/>
+              </a:ext>
+            </a:extLst>
+          </p:cNvPr>
+          <p:cNvPicPr>
+            <a:picLocks noChangeAspect="1"/>
+          </p:cNvPicPr>
+          <p:nvPr/>
+        </p:nvPicPr>
+        <p:blipFill>
+          <a:blip r:embed="rId2"/>
+          <a:stretch>
+            <a:fillRect/>
+          </a:stretch>
+        </p:blipFill>
+        <p:spPr>
+          <a:xfrm>
+            <a:off x="5808618" y="1533934"/>
+            <a:ext cx="5307874" cy="5065310"/>
+          </a:xfrm>
+          <a:prstGeom prst="rect">
+            <a:avLst/>
+          </a:prstGeom>
+        </p:spPr>
+      </p:pic>
+    </p:spTree>
+    <p:extLst>
+      <p:ext uri="{BB962C8B-B14F-4D97-AF65-F5344CB8AC3E}">
+        <p14:creationId xmlns:p14="http://schemas.microsoft.com/office/powerpoint/2010/main" val="1553316068"/>
+      </p:ext>
+    </p:extLst>
+  </p:cSld>
+  <p:clrMapOvr>
+    <a:masterClrMapping/>
+  </p:clrMapOvr>
+</p:sld>
+</file>
+
+<file path=ppt/slides/slide2.xml><?xml version="1.0" encoding="utf-8"?>
+<p:sld xmlns:a="http://schemas.openxmlformats.org/drawingml/2006/main" xmlns:r="http://schemas.openxmlformats.org/officeDocument/2006/relationships" xmlns:p="http://schemas.openxmlformats.org/presentationml/2006/main">
+  <p:cSld>
+    <p:spTree>
+      <p:nvGrpSpPr>
+        <p:cNvPr id="1" name=""/>
+        <p:cNvGrpSpPr/>
+        <p:nvPr/>
+      </p:nvGrpSpPr>
+      <p:grpSpPr>
+        <a:xfrm>
+          <a:off x="0" y="0"/>
+          <a:ext cx="0" cy="0"/>
+          <a:chOff x="0" y="0"/>
+          <a:chExt cx="0" cy="0"/>
+        </a:xfrm>
+      </p:grpSpPr>
+      <p:sp>
+        <p:nvSpPr>
+          <p:cNvPr id="2" name="Title 1">
+            <a:extLst>
+              <a:ext uri="{FF2B5EF4-FFF2-40B4-BE49-F238E27FC236}">
+                <a16:creationId xmlns:a16="http://schemas.microsoft.com/office/drawing/2014/main" id="{2A3613A8-35E9-0A4B-BD2D-5C0540EB8F36}"/>
+              </a:ext>
+            </a:extLst>
+          </p:cNvPr>
+          <p:cNvSpPr>
+            <a:spLocks noGrp="1"/>
+          </p:cNvSpPr>
+          <p:nvPr>
+            <p:ph type="title"/>
+          </p:nvPr>
+        </p:nvSpPr>
+        <p:spPr/>
+        <p:txBody>
+          <a:bodyPr/>
+          <a:lstStyle/>
+          <a:p>
+            <a:r>
+              <a:rPr lang="en-US" dirty="0"/>
+              <a:t>Goals</a:t>
+            </a:r>
+          </a:p>
+        </p:txBody>
+      </p:sp>
+      <p:sp>
+        <p:nvSpPr>
+          <p:cNvPr id="3" name="Content Placeholder 2">
+            <a:extLst>
+              <a:ext uri="{FF2B5EF4-FFF2-40B4-BE49-F238E27FC236}">
+                <a16:creationId xmlns:a16="http://schemas.microsoft.com/office/drawing/2014/main" id="{68A7F77C-D784-8549-9139-5EA7547C2C8B}"/>
+              </a:ext>
+            </a:extLst>
+          </p:cNvPr>
+          <p:cNvSpPr>
+            <a:spLocks noGrp="1"/>
+          </p:cNvSpPr>
+          <p:nvPr>
+            <p:ph idx="1"/>
+          </p:nvPr>
+        </p:nvSpPr>
+        <p:spPr/>
+        <p:txBody>
+          <a:bodyPr/>
+          <a:lstStyle/>
+          <a:p>
+            <a:r>
+              <a:rPr lang="en-US" dirty="0"/>
+              <a:t>Understand and calculate common performance measures </a:t>
+            </a:r>
+            <a:r>
+              <a:rPr lang="en-US" u="sng" dirty="0"/>
+              <a:t>for binary classification</a:t>
+            </a:r>
+            <a:endParaRPr lang="en-US" dirty="0"/>
+          </a:p>
+          <a:p>
+            <a:endParaRPr lang="en-US" dirty="0"/>
+          </a:p>
+          <a:p>
+            <a:r>
+              <a:rPr lang="en-US" dirty="0"/>
+              <a:t>Contextualize performance against that of a </a:t>
+            </a:r>
+            <a:r>
+              <a:rPr lang="en-US" i="1" dirty="0"/>
+              <a:t>no information</a:t>
+            </a:r>
+            <a:r>
+              <a:rPr lang="en-US" dirty="0"/>
+              <a:t> classifier</a:t>
+            </a:r>
+          </a:p>
+          <a:p>
+            <a:endParaRPr lang="en-US" dirty="0"/>
+          </a:p>
+          <a:p>
+            <a:r>
+              <a:rPr lang="en-US" dirty="0"/>
+              <a:t>Recognize that </a:t>
+            </a:r>
+            <a:r>
+              <a:rPr lang="en-US" i="1" dirty="0"/>
+              <a:t>good</a:t>
+            </a:r>
+            <a:r>
+              <a:rPr lang="en-US" dirty="0"/>
+              <a:t> performance depends on existing alternatives</a:t>
+            </a:r>
+          </a:p>
+          <a:p>
+            <a:endParaRPr lang="en-US" dirty="0"/>
+          </a:p>
+          <a:p>
+            <a:r>
+              <a:rPr lang="en-US" dirty="0"/>
+              <a:t>Match clinical scenarios to performance measures important in that scenario</a:t>
+            </a:r>
+          </a:p>
+        </p:txBody>
+      </p:sp>
+    </p:spTree>
+    <p:extLst>
+      <p:ext uri="{BB962C8B-B14F-4D97-AF65-F5344CB8AC3E}">
+        <p14:creationId xmlns:p14="http://schemas.microsoft.com/office/powerpoint/2010/main" val="3691798506"/>
+      </p:ext>
+    </p:extLst>
+  </p:cSld>
+  <p:clrMapOvr>
+    <a:masterClrMapping/>
+  </p:clrMapOvr>
+</p:sld>
+</file>
+
+<file path=ppt/slides/slide20.xml><?xml version="1.0" encoding="utf-8"?>
+<p:sld xmlns:a="http://schemas.openxmlformats.org/drawingml/2006/main" xmlns:r="http://schemas.openxmlformats.org/officeDocument/2006/relationships" xmlns:p="http://schemas.openxmlformats.org/presentationml/2006/main">
+  <p:cSld>
+    <p:spTree>
+      <p:nvGrpSpPr>
+        <p:cNvPr id="1" name=""/>
+        <p:cNvGrpSpPr/>
+        <p:nvPr/>
+      </p:nvGrpSpPr>
+      <p:grpSpPr>
+        <a:xfrm>
+          <a:off x="0" y="0"/>
+          <a:ext cx="0" cy="0"/>
+          <a:chOff x="0" y="0"/>
+          <a:chExt cx="0" cy="0"/>
+        </a:xfrm>
+      </p:grpSpPr>
+      <p:sp>
+        <p:nvSpPr>
+          <p:cNvPr id="2" name="Title 1">
+            <a:extLst>
+              <a:ext uri="{FF2B5EF4-FFF2-40B4-BE49-F238E27FC236}">
+                <a16:creationId xmlns:a16="http://schemas.microsoft.com/office/drawing/2014/main" id="{1DC09AEF-C5E6-CA2C-A9D1-D8BAE97A7A07}"/>
+              </a:ext>
+            </a:extLst>
+          </p:cNvPr>
+          <p:cNvSpPr>
+            <a:spLocks noGrp="1"/>
+          </p:cNvSpPr>
+          <p:nvPr>
+            <p:ph type="title"/>
+          </p:nvPr>
+        </p:nvSpPr>
+        <p:spPr/>
+        <p:txBody>
+          <a:bodyPr/>
+          <a:lstStyle/>
+          <a:p>
+            <a:r>
+              <a:rPr lang="en-US" dirty="0"/>
+              <a:t>So, what’s a </a:t>
+            </a:r>
+            <a:r>
+              <a:rPr lang="en-US" i="1" dirty="0"/>
+              <a:t>good</a:t>
+            </a:r>
+            <a:r>
+              <a:rPr lang="en-US" dirty="0"/>
+              <a:t> AUC value?</a:t>
+            </a:r>
+            <a:br>
+              <a:rPr lang="en-US" dirty="0"/>
+            </a:br>
+            <a:r>
+              <a:rPr lang="en-US" sz="3200" dirty="0"/>
+              <a:t>(i.e., </a:t>
+            </a:r>
+            <a:r>
+              <a:rPr lang="en-US" sz="3200" i="1" dirty="0"/>
+              <a:t>good</a:t>
+            </a:r>
+            <a:r>
+              <a:rPr lang="en-US" sz="3200" dirty="0"/>
+              <a:t> performance)?</a:t>
+            </a:r>
+            <a:endParaRPr lang="en-US" dirty="0"/>
+          </a:p>
+        </p:txBody>
+      </p:sp>
+      <p:sp>
+        <p:nvSpPr>
+          <p:cNvPr id="3" name="Content Placeholder 2">
+            <a:extLst>
+              <a:ext uri="{FF2B5EF4-FFF2-40B4-BE49-F238E27FC236}">
+                <a16:creationId xmlns:a16="http://schemas.microsoft.com/office/drawing/2014/main" id="{9CD7A9CD-6B0E-233F-23CC-053E02137135}"/>
+              </a:ext>
+            </a:extLst>
+          </p:cNvPr>
+          <p:cNvSpPr>
+            <a:spLocks noGrp="1"/>
+          </p:cNvSpPr>
+          <p:nvPr>
+            <p:ph idx="1"/>
+          </p:nvPr>
+        </p:nvSpPr>
+        <p:spPr>
+          <a:xfrm>
+            <a:off x="838200" y="1472927"/>
+            <a:ext cx="10515600" cy="4849495"/>
+          </a:xfrm>
+        </p:spPr>
+        <p:txBody>
+          <a:bodyPr/>
+          <a:lstStyle/>
+          <a:p>
+            <a:pPr marL="0" indent="0">
+              <a:buNone/>
+            </a:pPr>
+            <a:endParaRPr lang="en-US" dirty="0"/>
+          </a:p>
+          <a:p>
+            <a:pPr marL="0" indent="0">
+              <a:buNone/>
+            </a:pPr>
+            <a:r>
+              <a:rPr lang="en-US" dirty="0"/>
+              <a:t>It depends.</a:t>
+            </a:r>
+          </a:p>
+          <a:p>
+            <a:pPr marL="0" indent="0">
+              <a:buNone/>
+            </a:pPr>
+            <a:endParaRPr lang="en-US" dirty="0"/>
+          </a:p>
+          <a:p>
+            <a:r>
+              <a:rPr lang="en-US" dirty="0"/>
+              <a:t>Are predictions better than random?</a:t>
+            </a:r>
+          </a:p>
+          <a:p>
+            <a:r>
+              <a:rPr lang="en-US" dirty="0"/>
+              <a:t>Are predictions than the previous best performing model?</a:t>
+            </a:r>
+          </a:p>
+          <a:p>
+            <a:r>
+              <a:rPr lang="en-US" dirty="0"/>
+              <a:t>Are predictions better than expert performance?</a:t>
+            </a:r>
+          </a:p>
+          <a:p>
+            <a:r>
+              <a:rPr lang="en-US" dirty="0"/>
+              <a:t>Does performance exceed our (informed) expectations?</a:t>
+            </a:r>
+          </a:p>
+          <a:p>
+            <a:endParaRPr lang="en-US" dirty="0"/>
+          </a:p>
+          <a:p>
+            <a:r>
+              <a:rPr lang="en-US" b="1" u="sng" dirty="0"/>
+              <a:t>Is the model clinically useful?</a:t>
+            </a:r>
+          </a:p>
+        </p:txBody>
+      </p:sp>
+    </p:spTree>
+    <p:extLst>
+      <p:ext uri="{BB962C8B-B14F-4D97-AF65-F5344CB8AC3E}">
+        <p14:creationId xmlns:p14="http://schemas.microsoft.com/office/powerpoint/2010/main" val="916074515"/>
+      </p:ext>
+    </p:extLst>
+  </p:cSld>
+  <p:clrMapOvr>
+    <a:masterClrMapping/>
+  </p:clrMapOvr>
+</p:sld>
+</file>
+
+<file path=ppt/slides/slide21.xml><?xml version="1.0" encoding="utf-8"?>
+<p:sld xmlns:a="http://schemas.openxmlformats.org/drawingml/2006/main" xmlns:r="http://schemas.openxmlformats.org/officeDocument/2006/relationships" xmlns:p="http://schemas.openxmlformats.org/presentationml/2006/main">
+  <p:cSld>
+    <p:spTree>
+      <p:nvGrpSpPr>
+        <p:cNvPr id="1" name=""/>
+        <p:cNvGrpSpPr/>
+        <p:nvPr/>
+      </p:nvGrpSpPr>
+      <p:grpSpPr>
+        <a:xfrm>
+          <a:off x="0" y="0"/>
+          <a:ext cx="0" cy="0"/>
+          <a:chOff x="0" y="0"/>
+          <a:chExt cx="0" cy="0"/>
+        </a:xfrm>
+      </p:grpSpPr>
+      <p:sp>
+        <p:nvSpPr>
+          <p:cNvPr id="2" name="Title 1">
+            <a:extLst>
+              <a:ext uri="{FF2B5EF4-FFF2-40B4-BE49-F238E27FC236}">
+                <a16:creationId xmlns:a16="http://schemas.microsoft.com/office/drawing/2014/main" id="{D6149E06-6EE7-2044-9326-D9806054AD74}"/>
+              </a:ext>
+            </a:extLst>
+          </p:cNvPr>
+          <p:cNvSpPr>
+            <a:spLocks noGrp="1"/>
+          </p:cNvSpPr>
+          <p:nvPr>
+            <p:ph type="title"/>
+          </p:nvPr>
+        </p:nvSpPr>
+        <p:spPr/>
+        <p:txBody>
+          <a:bodyPr/>
+          <a:lstStyle/>
+          <a:p>
+            <a:pPr algn="ctr"/>
+            <a:r>
+              <a:rPr lang="en-US" dirty="0"/>
+              <a:t>OK, we’ve quantified performance across all thresholds. But how do we use the model?</a:t>
+            </a:r>
+          </a:p>
+        </p:txBody>
+      </p:sp>
+      <p:pic>
+        <p:nvPicPr>
+          <p:cNvPr id="6" name="Picture 5">
+            <a:extLst>
+              <a:ext uri="{FF2B5EF4-FFF2-40B4-BE49-F238E27FC236}">
+                <a16:creationId xmlns:a16="http://schemas.microsoft.com/office/drawing/2014/main" id="{A65D34D2-540F-0447-B227-F95E5D773A3F}"/>
+              </a:ext>
+            </a:extLst>
+          </p:cNvPr>
+          <p:cNvPicPr>
+            <a:picLocks noChangeAspect="1"/>
+          </p:cNvPicPr>
+          <p:nvPr/>
+        </p:nvPicPr>
+        <p:blipFill rotWithShape="1">
+          <a:blip r:embed="rId3"/>
+          <a:srcRect r="50000"/>
+          <a:stretch/>
+        </p:blipFill>
+        <p:spPr>
+          <a:xfrm>
+            <a:off x="6483534" y="1822268"/>
+            <a:ext cx="4670607" cy="4670607"/>
+          </a:xfrm>
+          <a:prstGeom prst="rect">
+            <a:avLst/>
+          </a:prstGeom>
+        </p:spPr>
+      </p:pic>
+      <p:sp>
+        <p:nvSpPr>
+          <p:cNvPr id="3" name="TextBox 2">
+            <a:extLst>
+              <a:ext uri="{FF2B5EF4-FFF2-40B4-BE49-F238E27FC236}">
+                <a16:creationId xmlns:a16="http://schemas.microsoft.com/office/drawing/2014/main" id="{66658CFB-0C09-253E-AA29-6E1CCF62AF5D}"/>
+              </a:ext>
+            </a:extLst>
+          </p:cNvPr>
+          <p:cNvSpPr txBox="1"/>
+          <p:nvPr/>
+        </p:nvSpPr>
+        <p:spPr>
+          <a:xfrm>
+            <a:off x="1037859" y="1822268"/>
+            <a:ext cx="4282441" cy="4708981"/>
+          </a:xfrm>
+          <a:prstGeom prst="rect">
+            <a:avLst/>
+          </a:prstGeom>
+          <a:noFill/>
+        </p:spPr>
+        <p:txBody>
+          <a:bodyPr wrap="square" rtlCol="0">
+            <a:spAutoFit/>
+          </a:bodyPr>
+          <a:lstStyle/>
+          <a:p>
+            <a:r>
+              <a:rPr lang="en-US" sz="2000" dirty="0"/>
+              <a:t>Sometimes the predicted probability really is what we care about.</a:t>
+            </a:r>
+          </a:p>
+          <a:p>
+            <a:pPr marL="285750" indent="-285750">
+              <a:buFont typeface="Arial" panose="020B0604020202020204" pitchFamily="34" charset="0"/>
+              <a:buChar char="•"/>
+            </a:pPr>
+            <a:r>
+              <a:rPr lang="en-US" sz="2000" i="1" dirty="0"/>
+              <a:t>Example</a:t>
+            </a:r>
+            <a:r>
+              <a:rPr lang="en-US" sz="2000" dirty="0"/>
+              <a:t>: probability of heart attack</a:t>
+            </a:r>
+          </a:p>
+          <a:p>
+            <a:pPr marL="285750" indent="-285750">
+              <a:buFont typeface="Arial" panose="020B0604020202020204" pitchFamily="34" charset="0"/>
+              <a:buChar char="•"/>
+            </a:pPr>
+            <a:r>
+              <a:rPr lang="en-US" sz="2000" dirty="0"/>
+              <a:t>If so, we need to make sure our model is </a:t>
+            </a:r>
+            <a:r>
+              <a:rPr lang="en-US" sz="2000" i="1" dirty="0"/>
+              <a:t>calibrated</a:t>
+            </a:r>
+          </a:p>
+          <a:p>
+            <a:pPr marL="285750" indent="-285750">
+              <a:buFont typeface="Arial" panose="020B0604020202020204" pitchFamily="34" charset="0"/>
+              <a:buChar char="•"/>
+            </a:pPr>
+            <a:endParaRPr lang="en-US" sz="2000" i="1" dirty="0"/>
+          </a:p>
+          <a:p>
+            <a:r>
+              <a:rPr lang="en-US" sz="2000" dirty="0"/>
+              <a:t>More often, we need to pick a threshold so we can decide whether to:</a:t>
+            </a:r>
+          </a:p>
+          <a:p>
+            <a:pPr marL="285750" indent="-285750">
+              <a:buFont typeface="Arial" panose="020B0604020202020204" pitchFamily="34" charset="0"/>
+              <a:buChar char="•"/>
+            </a:pPr>
+            <a:r>
+              <a:rPr lang="en-US" sz="2000" dirty="0"/>
+              <a:t>Alert a provider</a:t>
+            </a:r>
+          </a:p>
+          <a:p>
+            <a:pPr marL="285750" indent="-285750">
+              <a:buFont typeface="Arial" panose="020B0604020202020204" pitchFamily="34" charset="0"/>
+              <a:buChar char="•"/>
+            </a:pPr>
+            <a:r>
+              <a:rPr lang="en-US" sz="2000" dirty="0"/>
+              <a:t>Get a biopsy</a:t>
+            </a:r>
+          </a:p>
+          <a:p>
+            <a:pPr marL="285750" indent="-285750">
+              <a:buFont typeface="Arial" panose="020B0604020202020204" pitchFamily="34" charset="0"/>
+              <a:buChar char="•"/>
+            </a:pPr>
+            <a:r>
+              <a:rPr lang="en-US" sz="2000" dirty="0"/>
+              <a:t>Refer the patient</a:t>
+            </a:r>
+          </a:p>
+          <a:p>
+            <a:pPr marL="285750" indent="-285750">
+              <a:buFont typeface="Arial" panose="020B0604020202020204" pitchFamily="34" charset="0"/>
+              <a:buChar char="•"/>
+            </a:pPr>
+            <a:r>
+              <a:rPr lang="en-US" sz="2000" dirty="0" err="1"/>
+              <a:t>etc</a:t>
+            </a:r>
+            <a:endParaRPr lang="en-US" sz="2000" dirty="0"/>
+          </a:p>
+          <a:p>
+            <a:pPr marL="285750" indent="-285750">
+              <a:buFont typeface="Arial" panose="020B0604020202020204" pitchFamily="34" charset="0"/>
+              <a:buChar char="•"/>
+            </a:pPr>
+            <a:endParaRPr lang="en-US" sz="2000" dirty="0"/>
+          </a:p>
+          <a:p>
+            <a:r>
+              <a:rPr lang="en-US" sz="2000" dirty="0"/>
+              <a:t>What threshold should we pick? What’s the right tradeoff?</a:t>
+            </a:r>
+          </a:p>
+        </p:txBody>
+      </p:sp>
+    </p:spTree>
+    <p:extLst>
+      <p:ext uri="{BB962C8B-B14F-4D97-AF65-F5344CB8AC3E}">
+        <p14:creationId xmlns:p14="http://schemas.microsoft.com/office/powerpoint/2010/main" val="1774557230"/>
+      </p:ext>
+    </p:extLst>
+  </p:cSld>
+  <p:clrMapOvr>
+    <a:masterClrMapping/>
+  </p:clrMapOvr>
+</p:sld>
+</file>
+
+<file path=ppt/slides/slide22.xml><?xml version="1.0" encoding="utf-8"?>
+<p:sld xmlns:a="http://schemas.openxmlformats.org/drawingml/2006/main" xmlns:r="http://schemas.openxmlformats.org/officeDocument/2006/relationships" xmlns:p="http://schemas.openxmlformats.org/presentationml/2006/main">
+  <p:cSld>
+    <p:spTree>
+      <p:nvGrpSpPr>
+        <p:cNvPr id="1" name=""/>
+        <p:cNvGrpSpPr/>
+        <p:nvPr/>
+      </p:nvGrpSpPr>
+      <p:grpSpPr>
+        <a:xfrm>
+          <a:off x="0" y="0"/>
+          <a:ext cx="0" cy="0"/>
+          <a:chOff x="0" y="0"/>
+          <a:chExt cx="0" cy="0"/>
+        </a:xfrm>
+      </p:grpSpPr>
+      <p:sp>
+        <p:nvSpPr>
+          <p:cNvPr id="2" name="Title 1">
+            <a:extLst>
+              <a:ext uri="{FF2B5EF4-FFF2-40B4-BE49-F238E27FC236}">
+                <a16:creationId xmlns:a16="http://schemas.microsoft.com/office/drawing/2014/main" id="{95DA13A3-7A9E-0C45-9780-C41A9E763217}"/>
+              </a:ext>
+            </a:extLst>
+          </p:cNvPr>
+          <p:cNvSpPr>
+            <a:spLocks noGrp="1"/>
+          </p:cNvSpPr>
+          <p:nvPr>
+            <p:ph type="title"/>
+          </p:nvPr>
+        </p:nvSpPr>
+        <p:spPr/>
+        <p:txBody>
+          <a:bodyPr/>
+          <a:lstStyle/>
+          <a:p>
+            <a:r>
+              <a:rPr lang="en-US" dirty="0"/>
+              <a:t>Healthcare Scenarios</a:t>
+            </a:r>
+            <a:br>
+              <a:rPr lang="en-US" dirty="0"/>
+            </a:br>
+            <a:r>
+              <a:rPr lang="en-US" sz="3600" i="1" dirty="0"/>
+              <a:t>Which performance measure is most important?</a:t>
+            </a:r>
+            <a:endParaRPr lang="en-US" i="1" dirty="0"/>
+          </a:p>
+        </p:txBody>
+      </p:sp>
+      <p:sp>
+        <p:nvSpPr>
+          <p:cNvPr id="6" name="Content Placeholder 2">
+            <a:extLst>
+              <a:ext uri="{FF2B5EF4-FFF2-40B4-BE49-F238E27FC236}">
+                <a16:creationId xmlns:a16="http://schemas.microsoft.com/office/drawing/2014/main" id="{764CE05D-B083-6933-46FB-097FF7CD928B}"/>
+              </a:ext>
+            </a:extLst>
+          </p:cNvPr>
+          <p:cNvSpPr txBox="1">
+            <a:spLocks/>
+          </p:cNvSpPr>
+          <p:nvPr/>
+        </p:nvSpPr>
+        <p:spPr>
+          <a:xfrm>
+            <a:off x="990600" y="1978025"/>
+            <a:ext cx="10515600" cy="4351338"/>
+          </a:xfrm>
+          <a:prstGeom prst="rect">
+            <a:avLst/>
+          </a:prstGeom>
+        </p:spPr>
+        <p:txBody>
+          <a:bodyPr/>
+          <a:lstStyle>
+            <a:lvl1pPr marL="228600" indent="-228600" algn="l" defTabSz="914400" rtl="0" eaLnBrk="1" latinLnBrk="0" hangingPunct="1">
+              <a:lnSpc>
+                <a:spcPct val="90000"/>
+              </a:lnSpc>
+              <a:spcBef>
+                <a:spcPts val="1000"/>
+              </a:spcBef>
+              <a:buFont typeface="Arial" panose="020B0604020202020204" pitchFamily="34" charset="0"/>
+              <a:buChar char="•"/>
+              <a:defRPr sz="2800" kern="1200">
+                <a:solidFill>
+                  <a:schemeClr val="tx1"/>
+                </a:solidFill>
+                <a:latin typeface="+mn-lt"/>
+                <a:ea typeface="+mn-ea"/>
+                <a:cs typeface="+mn-cs"/>
+              </a:defRPr>
+            </a:lvl1pPr>
+            <a:lvl2pPr marL="685800" indent="-228600" algn="l" defTabSz="914400" rtl="0" eaLnBrk="1" latinLnBrk="0" hangingPunct="1">
+              <a:lnSpc>
+                <a:spcPct val="90000"/>
+              </a:lnSpc>
+              <a:spcBef>
+                <a:spcPts val="500"/>
+              </a:spcBef>
+              <a:buFont typeface="Arial" panose="020B0604020202020204" pitchFamily="34" charset="0"/>
+              <a:buChar char="•"/>
+              <a:defRPr sz="2400" kern="1200">
+                <a:solidFill>
+                  <a:schemeClr val="tx1"/>
+                </a:solidFill>
+                <a:latin typeface="+mn-lt"/>
+                <a:ea typeface="+mn-ea"/>
+                <a:cs typeface="+mn-cs"/>
+              </a:defRPr>
+            </a:lvl2pPr>
+            <a:lvl3pPr marL="1143000" indent="-228600" algn="l" defTabSz="914400" rtl="0" eaLnBrk="1" latinLnBrk="0" hangingPunct="1">
+              <a:lnSpc>
+                <a:spcPct val="90000"/>
+              </a:lnSpc>
+              <a:spcBef>
+                <a:spcPts val="500"/>
+              </a:spcBef>
+              <a:buFont typeface="Arial" panose="020B0604020202020204" pitchFamily="34" charset="0"/>
+              <a:buChar char="•"/>
+              <a:defRPr sz="2000" kern="1200">
+                <a:solidFill>
+                  <a:schemeClr val="tx1"/>
+                </a:solidFill>
+                <a:latin typeface="+mn-lt"/>
+                <a:ea typeface="+mn-ea"/>
+                <a:cs typeface="+mn-cs"/>
+              </a:defRPr>
+            </a:lvl3pPr>
+            <a:lvl4pPr marL="1600200" indent="-228600" algn="l" defTabSz="914400" rtl="0" eaLnBrk="1" latinLnBrk="0" hangingPunct="1">
+              <a:lnSpc>
+                <a:spcPct val="90000"/>
+              </a:lnSpc>
+              <a:spcBef>
+                <a:spcPts val="500"/>
+              </a:spcBef>
+              <a:buFont typeface="Arial" panose="020B0604020202020204" pitchFamily="34" charset="0"/>
+              <a:buChar char="•"/>
+              <a:defRPr sz="1800" kern="1200">
+                <a:solidFill>
+                  <a:schemeClr val="tx1"/>
+                </a:solidFill>
+                <a:latin typeface="+mn-lt"/>
+                <a:ea typeface="+mn-ea"/>
+                <a:cs typeface="+mn-cs"/>
+              </a:defRPr>
+            </a:lvl4pPr>
+            <a:lvl5pPr marL="2057400" indent="-228600" algn="l" defTabSz="914400" rtl="0" eaLnBrk="1" latinLnBrk="0" hangingPunct="1">
+              <a:lnSpc>
+                <a:spcPct val="90000"/>
+              </a:lnSpc>
+              <a:spcBef>
+                <a:spcPts val="500"/>
+              </a:spcBef>
+              <a:buFont typeface="Arial" panose="020B0604020202020204" pitchFamily="34" charset="0"/>
+              <a:buChar char="•"/>
+              <a:defRPr sz="1800" kern="1200">
+                <a:solidFill>
+                  <a:schemeClr val="tx1"/>
+                </a:solidFill>
+                <a:latin typeface="+mn-lt"/>
+                <a:ea typeface="+mn-ea"/>
+                <a:cs typeface="+mn-cs"/>
+              </a:defRPr>
+            </a:lvl5pPr>
+            <a:lvl6pPr marL="2514600" indent="-228600" algn="l" defTabSz="914400" rtl="0" eaLnBrk="1" latinLnBrk="0" hangingPunct="1">
+              <a:lnSpc>
+                <a:spcPct val="90000"/>
+              </a:lnSpc>
+              <a:spcBef>
+                <a:spcPts val="500"/>
+              </a:spcBef>
+              <a:buFont typeface="Arial" panose="020B0604020202020204" pitchFamily="34" charset="0"/>
+              <a:buChar char="•"/>
+              <a:defRPr sz="1800" kern="1200">
+                <a:solidFill>
+                  <a:schemeClr val="tx1"/>
+                </a:solidFill>
+                <a:latin typeface="+mn-lt"/>
+                <a:ea typeface="+mn-ea"/>
+                <a:cs typeface="+mn-cs"/>
+              </a:defRPr>
+            </a:lvl6pPr>
+            <a:lvl7pPr marL="2971800" indent="-228600" algn="l" defTabSz="914400" rtl="0" eaLnBrk="1" latinLnBrk="0" hangingPunct="1">
+              <a:lnSpc>
+                <a:spcPct val="90000"/>
+              </a:lnSpc>
+              <a:spcBef>
+                <a:spcPts val="500"/>
+              </a:spcBef>
+              <a:buFont typeface="Arial" panose="020B0604020202020204" pitchFamily="34" charset="0"/>
+              <a:buChar char="•"/>
+              <a:defRPr sz="1800" kern="1200">
+                <a:solidFill>
+                  <a:schemeClr val="tx1"/>
+                </a:solidFill>
+                <a:latin typeface="+mn-lt"/>
+                <a:ea typeface="+mn-ea"/>
+                <a:cs typeface="+mn-cs"/>
+              </a:defRPr>
+            </a:lvl7pPr>
+            <a:lvl8pPr marL="3429000" indent="-228600" algn="l" defTabSz="914400" rtl="0" eaLnBrk="1" latinLnBrk="0" hangingPunct="1">
+              <a:lnSpc>
+                <a:spcPct val="90000"/>
+              </a:lnSpc>
+              <a:spcBef>
+                <a:spcPts val="500"/>
+              </a:spcBef>
+              <a:buFont typeface="Arial" panose="020B0604020202020204" pitchFamily="34" charset="0"/>
+              <a:buChar char="•"/>
+              <a:defRPr sz="1800" kern="1200">
+                <a:solidFill>
+                  <a:schemeClr val="tx1"/>
+                </a:solidFill>
+                <a:latin typeface="+mn-lt"/>
+                <a:ea typeface="+mn-ea"/>
+                <a:cs typeface="+mn-cs"/>
+              </a:defRPr>
+            </a:lvl8pPr>
+            <a:lvl9pPr marL="3886200" indent="-228600" algn="l" defTabSz="914400" rtl="0" eaLnBrk="1" latinLnBrk="0" hangingPunct="1">
+              <a:lnSpc>
+                <a:spcPct val="90000"/>
+              </a:lnSpc>
+              <a:spcBef>
+                <a:spcPts val="500"/>
+              </a:spcBef>
+              <a:buFont typeface="Arial" panose="020B0604020202020204" pitchFamily="34" charset="0"/>
+              <a:buChar char="•"/>
+              <a:defRPr sz="1800" kern="1200">
+                <a:solidFill>
+                  <a:schemeClr val="tx1"/>
+                </a:solidFill>
+                <a:latin typeface="+mn-lt"/>
+                <a:ea typeface="+mn-ea"/>
+                <a:cs typeface="+mn-cs"/>
+              </a:defRPr>
+            </a:lvl9pPr>
+          </a:lstStyle>
+          <a:p>
+            <a:pPr marL="514350" indent="-514350">
+              <a:buFont typeface="+mj-lt"/>
+              <a:buAutoNum type="arabicPeriod"/>
+            </a:pPr>
+            <a:r>
+              <a:rPr lang="en-US" dirty="0">
+                <a:solidFill>
+                  <a:schemeClr val="accent2"/>
+                </a:solidFill>
+              </a:rPr>
+              <a:t>A computer vision model that detects carcinoma</a:t>
+            </a:r>
+          </a:p>
+        </p:txBody>
+      </p:sp>
+    </p:spTree>
+    <p:extLst>
+      <p:ext uri="{BB962C8B-B14F-4D97-AF65-F5344CB8AC3E}">
+        <p14:creationId xmlns:p14="http://schemas.microsoft.com/office/powerpoint/2010/main" val="4093246464"/>
+      </p:ext>
+    </p:extLst>
+  </p:cSld>
+  <p:clrMapOvr>
+    <a:masterClrMapping/>
+  </p:clrMapOvr>
+</p:sld>
+</file>
+
+<file path=ppt/slides/slide23.xml><?xml version="1.0" encoding="utf-8"?>
+<p:sld xmlns:a="http://schemas.openxmlformats.org/drawingml/2006/main" xmlns:r="http://schemas.openxmlformats.org/officeDocument/2006/relationships" xmlns:p="http://schemas.openxmlformats.org/presentationml/2006/main">
+  <p:cSld>
+    <p:spTree>
+      <p:nvGrpSpPr>
+        <p:cNvPr id="1" name=""/>
+        <p:cNvGrpSpPr/>
+        <p:nvPr/>
+      </p:nvGrpSpPr>
+      <p:grpSpPr>
+        <a:xfrm>
+          <a:off x="0" y="0"/>
+          <a:ext cx="0" cy="0"/>
+          <a:chOff x="0" y="0"/>
+          <a:chExt cx="0" cy="0"/>
+        </a:xfrm>
+      </p:grpSpPr>
       <p:pic>
         <p:nvPicPr>
           <p:cNvPr id="4" name="Picture 3">
@@ -6858,16 +11231,354 @@
           </p:cNvPicPr>
           <p:nvPr/>
         </p:nvPicPr>
+        <p:blipFill rotWithShape="1">
+          <a:blip r:embed="rId3"/>
+          <a:srcRect r="49947"/>
+          <a:stretch/>
+        </p:blipFill>
+        <p:spPr>
+          <a:xfrm>
+            <a:off x="3894267" y="2666577"/>
+            <a:ext cx="4061013" cy="4056689"/>
+          </a:xfrm>
+          <a:prstGeom prst="rect">
+            <a:avLst/>
+          </a:prstGeom>
+        </p:spPr>
+      </p:pic>
+      <p:sp>
+        <p:nvSpPr>
+          <p:cNvPr id="8" name="Title 1">
+            <a:extLst>
+              <a:ext uri="{FF2B5EF4-FFF2-40B4-BE49-F238E27FC236}">
+                <a16:creationId xmlns:a16="http://schemas.microsoft.com/office/drawing/2014/main" id="{4A84A116-85E5-FE46-8077-FE63250F7AFB}"/>
+              </a:ext>
+            </a:extLst>
+          </p:cNvPr>
+          <p:cNvSpPr>
+            <a:spLocks noGrp="1"/>
+          </p:cNvSpPr>
+          <p:nvPr>
+            <p:ph type="title"/>
+          </p:nvPr>
+        </p:nvSpPr>
+        <p:spPr>
+          <a:xfrm>
+            <a:off x="461682" y="354367"/>
+            <a:ext cx="10515600" cy="1325563"/>
+          </a:xfrm>
+        </p:spPr>
+        <p:txBody>
+          <a:bodyPr/>
+          <a:lstStyle/>
+          <a:p>
+            <a:r>
+              <a:rPr lang="en-US" dirty="0"/>
+              <a:t>Operating Point:</a:t>
+            </a:r>
+            <a:br>
+              <a:rPr lang="en-US" dirty="0"/>
+            </a:br>
+            <a:br>
+              <a:rPr lang="en-US" dirty="0"/>
+            </a:br>
+            <a:r>
+              <a:rPr lang="en-US" i="1" dirty="0"/>
+              <a:t>high sensitivity</a:t>
+            </a:r>
+          </a:p>
+        </p:txBody>
+      </p:sp>
+      <p:cxnSp>
+        <p:nvCxnSpPr>
+          <p:cNvPr id="9" name="Straight Connector 8">
+            <a:extLst>
+              <a:ext uri="{FF2B5EF4-FFF2-40B4-BE49-F238E27FC236}">
+                <a16:creationId xmlns:a16="http://schemas.microsoft.com/office/drawing/2014/main" id="{E84BCA38-7221-DD4E-8DBD-BDBD7BD3E988}"/>
+              </a:ext>
+            </a:extLst>
+          </p:cNvPr>
+          <p:cNvCxnSpPr>
+            <a:cxnSpLocks/>
+          </p:cNvCxnSpPr>
+          <p:nvPr/>
+        </p:nvCxnSpPr>
+        <p:spPr>
+          <a:xfrm>
+            <a:off x="6427037" y="157459"/>
+            <a:ext cx="0" cy="2312210"/>
+          </a:xfrm>
+          <a:prstGeom prst="line">
+            <a:avLst/>
+          </a:prstGeom>
+          <a:ln w="57150">
+            <a:solidFill>
+              <a:srgbClr val="BE0060"/>
+            </a:solidFill>
+            <a:prstDash val="lgDash"/>
+          </a:ln>
+        </p:spPr>
+        <p:style>
+          <a:lnRef idx="1">
+            <a:schemeClr val="accent1"/>
+          </a:lnRef>
+          <a:fillRef idx="0">
+            <a:schemeClr val="accent1"/>
+          </a:fillRef>
+          <a:effectRef idx="0">
+            <a:schemeClr val="accent1"/>
+          </a:effectRef>
+          <a:fontRef idx="minor">
+            <a:schemeClr val="tx1"/>
+          </a:fontRef>
+        </p:style>
+      </p:cxnSp>
+      <p:sp>
+        <p:nvSpPr>
+          <p:cNvPr id="12" name="Oval 11">
+            <a:extLst>
+              <a:ext uri="{FF2B5EF4-FFF2-40B4-BE49-F238E27FC236}">
+                <a16:creationId xmlns:a16="http://schemas.microsoft.com/office/drawing/2014/main" id="{7AC8512F-01D0-2A46-A9EF-F69CB284452C}"/>
+              </a:ext>
+            </a:extLst>
+          </p:cNvPr>
+          <p:cNvSpPr/>
+          <p:nvPr/>
+        </p:nvSpPr>
+        <p:spPr>
+          <a:xfrm>
+            <a:off x="5658864" y="2864697"/>
+            <a:ext cx="182880" cy="182880"/>
+          </a:xfrm>
+          <a:prstGeom prst="ellipse">
+            <a:avLst/>
+          </a:prstGeom>
+          <a:noFill/>
+          <a:ln w="38100">
+            <a:solidFill>
+              <a:srgbClr val="BE0060"/>
+            </a:solidFill>
+          </a:ln>
+        </p:spPr>
+        <p:style>
+          <a:lnRef idx="2">
+            <a:schemeClr val="accent1">
+              <a:shade val="50000"/>
+            </a:schemeClr>
+          </a:lnRef>
+          <a:fillRef idx="1">
+            <a:schemeClr val="accent1"/>
+          </a:fillRef>
+          <a:effectRef idx="0">
+            <a:schemeClr val="accent1"/>
+          </a:effectRef>
+          <a:fontRef idx="minor">
+            <a:schemeClr val="lt1"/>
+          </a:fontRef>
+        </p:style>
+        <p:txBody>
+          <a:bodyPr rtlCol="0" anchor="ctr"/>
+          <a:lstStyle/>
+          <a:p>
+            <a:pPr algn="ctr"/>
+            <a:endParaRPr lang="en-US"/>
+          </a:p>
+        </p:txBody>
+      </p:sp>
+    </p:spTree>
+    <p:extLst>
+      <p:ext uri="{BB962C8B-B14F-4D97-AF65-F5344CB8AC3E}">
+        <p14:creationId xmlns:p14="http://schemas.microsoft.com/office/powerpoint/2010/main" val="2477888211"/>
+      </p:ext>
+    </p:extLst>
+  </p:cSld>
+  <p:clrMapOvr>
+    <a:masterClrMapping/>
+  </p:clrMapOvr>
+</p:sld>
+</file>
+
+<file path=ppt/slides/slide24.xml><?xml version="1.0" encoding="utf-8"?>
+<p:sld xmlns:a="http://schemas.openxmlformats.org/drawingml/2006/main" xmlns:r="http://schemas.openxmlformats.org/officeDocument/2006/relationships" xmlns:p="http://schemas.openxmlformats.org/presentationml/2006/main">
+  <p:cSld>
+    <p:spTree>
+      <p:nvGrpSpPr>
+        <p:cNvPr id="1" name=""/>
+        <p:cNvGrpSpPr/>
+        <p:nvPr/>
+      </p:nvGrpSpPr>
+      <p:grpSpPr>
+        <a:xfrm>
+          <a:off x="0" y="0"/>
+          <a:ext cx="0" cy="0"/>
+          <a:chOff x="0" y="0"/>
+          <a:chExt cx="0" cy="0"/>
+        </a:xfrm>
+      </p:grpSpPr>
+      <p:sp>
+        <p:nvSpPr>
+          <p:cNvPr id="2" name="Title 1">
+            <a:extLst>
+              <a:ext uri="{FF2B5EF4-FFF2-40B4-BE49-F238E27FC236}">
+                <a16:creationId xmlns:a16="http://schemas.microsoft.com/office/drawing/2014/main" id="{95DA13A3-7A9E-0C45-9780-C41A9E763217}"/>
+              </a:ext>
+            </a:extLst>
+          </p:cNvPr>
+          <p:cNvSpPr>
+            <a:spLocks noGrp="1"/>
+          </p:cNvSpPr>
+          <p:nvPr>
+            <p:ph type="title"/>
+          </p:nvPr>
+        </p:nvSpPr>
+        <p:spPr/>
+        <p:txBody>
+          <a:bodyPr/>
+          <a:lstStyle/>
+          <a:p>
+            <a:r>
+              <a:rPr lang="en-US" dirty="0"/>
+              <a:t>Healthcare Scenarios</a:t>
+            </a:r>
+          </a:p>
+        </p:txBody>
+      </p:sp>
+      <p:sp>
+        <p:nvSpPr>
+          <p:cNvPr id="3" name="Content Placeholder 2">
+            <a:extLst>
+              <a:ext uri="{FF2B5EF4-FFF2-40B4-BE49-F238E27FC236}">
+                <a16:creationId xmlns:a16="http://schemas.microsoft.com/office/drawing/2014/main" id="{1A5973A7-560F-214F-84CC-6DA04B1FB907}"/>
+              </a:ext>
+            </a:extLst>
+          </p:cNvPr>
+          <p:cNvSpPr>
+            <a:spLocks noGrp="1"/>
+          </p:cNvSpPr>
+          <p:nvPr>
+            <p:ph idx="1"/>
+          </p:nvPr>
+        </p:nvSpPr>
+        <p:spPr/>
+        <p:txBody>
+          <a:bodyPr/>
+          <a:lstStyle/>
+          <a:p>
+            <a:pPr marL="514350" indent="-514350">
+              <a:buFont typeface="+mj-lt"/>
+              <a:buAutoNum type="arabicPeriod"/>
+            </a:pPr>
+            <a:r>
+              <a:rPr lang="en-US" dirty="0"/>
+              <a:t>A computer vision model that detects carcinoma</a:t>
+            </a:r>
+          </a:p>
+          <a:p>
+            <a:pPr marL="514350" indent="-514350">
+              <a:buFont typeface="+mj-lt"/>
+              <a:buAutoNum type="arabicPeriod"/>
+            </a:pPr>
+            <a:endParaRPr lang="en-US" dirty="0"/>
+          </a:p>
+          <a:p>
+            <a:pPr marL="514350" indent="-514350">
+              <a:buFont typeface="+mj-lt"/>
+              <a:buAutoNum type="arabicPeriod"/>
+            </a:pPr>
+            <a:r>
+              <a:rPr lang="en-US" dirty="0">
+                <a:solidFill>
+                  <a:schemeClr val="accent2"/>
+                </a:solidFill>
+              </a:rPr>
+              <a:t>An algorithm that detects atrial fibrillation in Apple Watch users</a:t>
+            </a:r>
+          </a:p>
+        </p:txBody>
+      </p:sp>
+    </p:spTree>
+    <p:extLst>
+      <p:ext uri="{BB962C8B-B14F-4D97-AF65-F5344CB8AC3E}">
+        <p14:creationId xmlns:p14="http://schemas.microsoft.com/office/powerpoint/2010/main" val="34421020"/>
+      </p:ext>
+    </p:extLst>
+  </p:cSld>
+  <p:clrMapOvr>
+    <a:masterClrMapping/>
+  </p:clrMapOvr>
+</p:sld>
+</file>
+
+<file path=ppt/slides/slide25.xml><?xml version="1.0" encoding="utf-8"?>
+<p:sld xmlns:a="http://schemas.openxmlformats.org/drawingml/2006/main" xmlns:r="http://schemas.openxmlformats.org/officeDocument/2006/relationships" xmlns:p="http://schemas.openxmlformats.org/presentationml/2006/main">
+  <p:cSld>
+    <p:spTree>
+      <p:nvGrpSpPr>
+        <p:cNvPr id="1" name=""/>
+        <p:cNvGrpSpPr/>
+        <p:nvPr/>
+      </p:nvGrpSpPr>
+      <p:grpSpPr>
+        <a:xfrm>
+          <a:off x="0" y="0"/>
+          <a:ext cx="0" cy="0"/>
+          <a:chOff x="0" y="0"/>
+          <a:chExt cx="0" cy="0"/>
+        </a:xfrm>
+      </p:grpSpPr>
+      <p:pic>
+        <p:nvPicPr>
+          <p:cNvPr id="4" name="Picture 3">
+            <a:extLst>
+              <a:ext uri="{FF2B5EF4-FFF2-40B4-BE49-F238E27FC236}">
+                <a16:creationId xmlns:a16="http://schemas.microsoft.com/office/drawing/2014/main" id="{7ADB5A59-BB16-1843-985C-20C7DF2E47CB}"/>
+              </a:ext>
+            </a:extLst>
+          </p:cNvPr>
+          <p:cNvPicPr>
+            <a:picLocks noChangeAspect="1"/>
+          </p:cNvPicPr>
+          <p:nvPr/>
+        </p:nvPicPr>
         <p:blipFill>
-          <a:blip r:embed="rId3"/>
+          <a:blip r:embed="rId2"/>
           <a:stretch>
             <a:fillRect/>
           </a:stretch>
         </p:blipFill>
         <p:spPr>
           <a:xfrm>
-            <a:off x="3894267" y="2666577"/>
-            <a:ext cx="8113377" cy="4056689"/>
+            <a:off x="5619235" y="243523"/>
+            <a:ext cx="4663440" cy="2331720"/>
+          </a:xfrm>
+          <a:prstGeom prst="rect">
+            <a:avLst/>
+          </a:prstGeom>
+        </p:spPr>
+      </p:pic>
+      <p:pic>
+        <p:nvPicPr>
+          <p:cNvPr id="7" name="Picture 6">
+            <a:extLst>
+              <a:ext uri="{FF2B5EF4-FFF2-40B4-BE49-F238E27FC236}">
+                <a16:creationId xmlns:a16="http://schemas.microsoft.com/office/drawing/2014/main" id="{A6B8B223-676B-534D-AF6E-6CD2B74871C5}"/>
+              </a:ext>
+            </a:extLst>
+          </p:cNvPr>
+          <p:cNvPicPr>
+            <a:picLocks noChangeAspect="1"/>
+          </p:cNvPicPr>
+          <p:nvPr/>
+        </p:nvPicPr>
+        <p:blipFill rotWithShape="1">
+          <a:blip r:embed="rId3"/>
+          <a:srcRect r="49786"/>
+          <a:stretch/>
+        </p:blipFill>
+        <p:spPr>
+          <a:xfrm>
+            <a:off x="3894268" y="2666577"/>
+            <a:ext cx="4074076" cy="4056689"/>
           </a:xfrm>
           <a:prstGeom prst="rect">
             <a:avLst/>
@@ -7013,6 +11724,1363 @@
           </a:p>
         </p:txBody>
       </p:sp>
+    </p:spTree>
+    <p:extLst>
+      <p:ext uri="{BB962C8B-B14F-4D97-AF65-F5344CB8AC3E}">
+        <p14:creationId xmlns:p14="http://schemas.microsoft.com/office/powerpoint/2010/main" val="437556483"/>
+      </p:ext>
+    </p:extLst>
+  </p:cSld>
+  <p:clrMapOvr>
+    <a:masterClrMapping/>
+  </p:clrMapOvr>
+</p:sld>
+</file>
+
+<file path=ppt/slides/slide26.xml><?xml version="1.0" encoding="utf-8"?>
+<p:sld xmlns:a="http://schemas.openxmlformats.org/drawingml/2006/main" xmlns:r="http://schemas.openxmlformats.org/officeDocument/2006/relationships" xmlns:p="http://schemas.openxmlformats.org/presentationml/2006/main">
+  <p:cSld>
+    <p:spTree>
+      <p:nvGrpSpPr>
+        <p:cNvPr id="1" name=""/>
+        <p:cNvGrpSpPr/>
+        <p:nvPr/>
+      </p:nvGrpSpPr>
+      <p:grpSpPr>
+        <a:xfrm>
+          <a:off x="0" y="0"/>
+          <a:ext cx="0" cy="0"/>
+          <a:chOff x="0" y="0"/>
+          <a:chExt cx="0" cy="0"/>
+        </a:xfrm>
+      </p:grpSpPr>
+      <p:sp>
+        <p:nvSpPr>
+          <p:cNvPr id="2" name="Title 1">
+            <a:extLst>
+              <a:ext uri="{FF2B5EF4-FFF2-40B4-BE49-F238E27FC236}">
+                <a16:creationId xmlns:a16="http://schemas.microsoft.com/office/drawing/2014/main" id="{95DA13A3-7A9E-0C45-9780-C41A9E763217}"/>
+              </a:ext>
+            </a:extLst>
+          </p:cNvPr>
+          <p:cNvSpPr>
+            <a:spLocks noGrp="1"/>
+          </p:cNvSpPr>
+          <p:nvPr>
+            <p:ph type="title"/>
+          </p:nvPr>
+        </p:nvSpPr>
+        <p:spPr/>
+        <p:txBody>
+          <a:bodyPr/>
+          <a:lstStyle/>
+          <a:p>
+            <a:r>
+              <a:rPr lang="en-US" dirty="0"/>
+              <a:t>Healthcare Scenarios</a:t>
+            </a:r>
+          </a:p>
+        </p:txBody>
+      </p:sp>
+      <p:sp>
+        <p:nvSpPr>
+          <p:cNvPr id="3" name="Content Placeholder 2">
+            <a:extLst>
+              <a:ext uri="{FF2B5EF4-FFF2-40B4-BE49-F238E27FC236}">
+                <a16:creationId xmlns:a16="http://schemas.microsoft.com/office/drawing/2014/main" id="{1A5973A7-560F-214F-84CC-6DA04B1FB907}"/>
+              </a:ext>
+            </a:extLst>
+          </p:cNvPr>
+          <p:cNvSpPr>
+            <a:spLocks noGrp="1"/>
+          </p:cNvSpPr>
+          <p:nvPr>
+            <p:ph idx="1"/>
+          </p:nvPr>
+        </p:nvSpPr>
+        <p:spPr/>
+        <p:txBody>
+          <a:bodyPr/>
+          <a:lstStyle/>
+          <a:p>
+            <a:pPr marL="514350" indent="-514350">
+              <a:buFont typeface="+mj-lt"/>
+              <a:buAutoNum type="arabicPeriod"/>
+            </a:pPr>
+            <a:r>
+              <a:rPr lang="en-US" dirty="0"/>
+              <a:t>A computer vision model that detects carcinoma</a:t>
+            </a:r>
+          </a:p>
+          <a:p>
+            <a:pPr marL="514350" indent="-514350">
+              <a:buFont typeface="+mj-lt"/>
+              <a:buAutoNum type="arabicPeriod"/>
+            </a:pPr>
+            <a:endParaRPr lang="en-US" dirty="0"/>
+          </a:p>
+          <a:p>
+            <a:pPr marL="514350" indent="-514350">
+              <a:buFont typeface="+mj-lt"/>
+              <a:buAutoNum type="arabicPeriod"/>
+            </a:pPr>
+            <a:r>
+              <a:rPr lang="en-US" dirty="0"/>
+              <a:t>An algorithm that detects atrial fibrillation in Apple Watch users</a:t>
+            </a:r>
+          </a:p>
+          <a:p>
+            <a:pPr marL="514350" indent="-514350">
+              <a:buFont typeface="+mj-lt"/>
+              <a:buAutoNum type="arabicPeriod"/>
+            </a:pPr>
+            <a:endParaRPr lang="en-US" dirty="0"/>
+          </a:p>
+          <a:p>
+            <a:pPr marL="514350" indent="-514350">
+              <a:buFont typeface="+mj-lt"/>
+              <a:buAutoNum type="arabicPeriod"/>
+            </a:pPr>
+            <a:r>
+              <a:rPr lang="en-US" dirty="0">
+                <a:solidFill>
+                  <a:schemeClr val="accent2"/>
+                </a:solidFill>
+              </a:rPr>
+              <a:t>An EHR-based model that monitors autism risk</a:t>
+            </a:r>
+          </a:p>
+        </p:txBody>
+      </p:sp>
+    </p:spTree>
+    <p:extLst>
+      <p:ext uri="{BB962C8B-B14F-4D97-AF65-F5344CB8AC3E}">
+        <p14:creationId xmlns:p14="http://schemas.microsoft.com/office/powerpoint/2010/main" val="1358883087"/>
+      </p:ext>
+    </p:extLst>
+  </p:cSld>
+  <p:clrMapOvr>
+    <a:masterClrMapping/>
+  </p:clrMapOvr>
+</p:sld>
+</file>
+
+<file path=ppt/slides/slide27.xml><?xml version="1.0" encoding="utf-8"?>
+<p:sld xmlns:a="http://schemas.openxmlformats.org/drawingml/2006/main" xmlns:r="http://schemas.openxmlformats.org/officeDocument/2006/relationships" xmlns:p="http://schemas.openxmlformats.org/presentationml/2006/main">
+  <p:cSld>
+    <p:spTree>
+      <p:nvGrpSpPr>
+        <p:cNvPr id="1" name=""/>
+        <p:cNvGrpSpPr/>
+        <p:nvPr/>
+      </p:nvGrpSpPr>
+      <p:grpSpPr>
+        <a:xfrm>
+          <a:off x="0" y="0"/>
+          <a:ext cx="0" cy="0"/>
+          <a:chOff x="0" y="0"/>
+          <a:chExt cx="0" cy="0"/>
+        </a:xfrm>
+      </p:grpSpPr>
+      <p:pic>
+        <p:nvPicPr>
+          <p:cNvPr id="4" name="Picture 3">
+            <a:extLst>
+              <a:ext uri="{FF2B5EF4-FFF2-40B4-BE49-F238E27FC236}">
+                <a16:creationId xmlns:a16="http://schemas.microsoft.com/office/drawing/2014/main" id="{7ADB5A59-BB16-1843-985C-20C7DF2E47CB}"/>
+              </a:ext>
+            </a:extLst>
+          </p:cNvPr>
+          <p:cNvPicPr>
+            <a:picLocks noChangeAspect="1"/>
+          </p:cNvPicPr>
+          <p:nvPr/>
+        </p:nvPicPr>
+        <p:blipFill>
+          <a:blip r:embed="rId2"/>
+          <a:stretch>
+            <a:fillRect/>
+          </a:stretch>
+        </p:blipFill>
+        <p:spPr>
+          <a:xfrm>
+            <a:off x="5619235" y="243523"/>
+            <a:ext cx="4663440" cy="2331720"/>
+          </a:xfrm>
+          <a:prstGeom prst="rect">
+            <a:avLst/>
+          </a:prstGeom>
+        </p:spPr>
+      </p:pic>
+      <p:pic>
+        <p:nvPicPr>
+          <p:cNvPr id="7" name="Picture 6">
+            <a:extLst>
+              <a:ext uri="{FF2B5EF4-FFF2-40B4-BE49-F238E27FC236}">
+                <a16:creationId xmlns:a16="http://schemas.microsoft.com/office/drawing/2014/main" id="{A6B8B223-676B-534D-AF6E-6CD2B74871C5}"/>
+              </a:ext>
+            </a:extLst>
+          </p:cNvPr>
+          <p:cNvPicPr>
+            <a:picLocks noChangeAspect="1"/>
+          </p:cNvPicPr>
+          <p:nvPr/>
+        </p:nvPicPr>
+        <p:blipFill rotWithShape="1">
+          <a:blip r:embed="rId3"/>
+          <a:srcRect r="49947"/>
+          <a:stretch/>
+        </p:blipFill>
+        <p:spPr>
+          <a:xfrm>
+            <a:off x="3894267" y="2666577"/>
+            <a:ext cx="4061013" cy="4056689"/>
+          </a:xfrm>
+          <a:prstGeom prst="rect">
+            <a:avLst/>
+          </a:prstGeom>
+        </p:spPr>
+      </p:pic>
+      <p:sp>
+        <p:nvSpPr>
+          <p:cNvPr id="8" name="Title 1">
+            <a:extLst>
+              <a:ext uri="{FF2B5EF4-FFF2-40B4-BE49-F238E27FC236}">
+                <a16:creationId xmlns:a16="http://schemas.microsoft.com/office/drawing/2014/main" id="{4A84A116-85E5-FE46-8077-FE63250F7AFB}"/>
+              </a:ext>
+            </a:extLst>
+          </p:cNvPr>
+          <p:cNvSpPr>
+            <a:spLocks noGrp="1"/>
+          </p:cNvSpPr>
+          <p:nvPr>
+            <p:ph type="title"/>
+          </p:nvPr>
+        </p:nvSpPr>
+        <p:spPr>
+          <a:xfrm>
+            <a:off x="461682" y="354367"/>
+            <a:ext cx="10515600" cy="1325563"/>
+          </a:xfrm>
+        </p:spPr>
+        <p:txBody>
+          <a:bodyPr/>
+          <a:lstStyle/>
+          <a:p>
+            <a:r>
+              <a:rPr lang="en-US" dirty="0"/>
+              <a:t>Operating Point:</a:t>
+            </a:r>
+            <a:br>
+              <a:rPr lang="en-US" dirty="0"/>
+            </a:br>
+            <a:br>
+              <a:rPr lang="en-US" dirty="0"/>
+            </a:br>
+            <a:r>
+              <a:rPr lang="en-US" i="1" dirty="0"/>
+              <a:t>balanced</a:t>
+            </a:r>
+          </a:p>
+        </p:txBody>
+      </p:sp>
+      <p:cxnSp>
+        <p:nvCxnSpPr>
+          <p:cNvPr id="9" name="Straight Connector 8">
+            <a:extLst>
+              <a:ext uri="{FF2B5EF4-FFF2-40B4-BE49-F238E27FC236}">
+                <a16:creationId xmlns:a16="http://schemas.microsoft.com/office/drawing/2014/main" id="{E84BCA38-7221-DD4E-8DBD-BDBD7BD3E988}"/>
+              </a:ext>
+            </a:extLst>
+          </p:cNvPr>
+          <p:cNvCxnSpPr>
+            <a:cxnSpLocks/>
+          </p:cNvCxnSpPr>
+          <p:nvPr/>
+        </p:nvCxnSpPr>
+        <p:spPr>
+          <a:xfrm>
+            <a:off x="8183266" y="157459"/>
+            <a:ext cx="0" cy="2312210"/>
+          </a:xfrm>
+          <a:prstGeom prst="line">
+            <a:avLst/>
+          </a:prstGeom>
+          <a:ln w="57150">
+            <a:solidFill>
+              <a:srgbClr val="BE0060"/>
+            </a:solidFill>
+            <a:prstDash val="lgDash"/>
+          </a:ln>
+        </p:spPr>
+        <p:style>
+          <a:lnRef idx="1">
+            <a:schemeClr val="accent1"/>
+          </a:lnRef>
+          <a:fillRef idx="0">
+            <a:schemeClr val="accent1"/>
+          </a:fillRef>
+          <a:effectRef idx="0">
+            <a:schemeClr val="accent1"/>
+          </a:effectRef>
+          <a:fontRef idx="minor">
+            <a:schemeClr val="tx1"/>
+          </a:fontRef>
+        </p:style>
+      </p:cxnSp>
+      <p:sp>
+        <p:nvSpPr>
+          <p:cNvPr id="12" name="Oval 11">
+            <a:extLst>
+              <a:ext uri="{FF2B5EF4-FFF2-40B4-BE49-F238E27FC236}">
+                <a16:creationId xmlns:a16="http://schemas.microsoft.com/office/drawing/2014/main" id="{7AC8512F-01D0-2A46-A9EF-F69CB284452C}"/>
+              </a:ext>
+            </a:extLst>
+          </p:cNvPr>
+          <p:cNvSpPr/>
+          <p:nvPr/>
+        </p:nvSpPr>
+        <p:spPr>
+          <a:xfrm>
+            <a:off x="4889606" y="3217092"/>
+            <a:ext cx="182880" cy="182880"/>
+          </a:xfrm>
+          <a:prstGeom prst="ellipse">
+            <a:avLst/>
+          </a:prstGeom>
+          <a:noFill/>
+          <a:ln w="38100">
+            <a:solidFill>
+              <a:srgbClr val="BE0060"/>
+            </a:solidFill>
+          </a:ln>
+        </p:spPr>
+        <p:style>
+          <a:lnRef idx="2">
+            <a:schemeClr val="accent1">
+              <a:shade val="50000"/>
+            </a:schemeClr>
+          </a:lnRef>
+          <a:fillRef idx="1">
+            <a:schemeClr val="accent1"/>
+          </a:fillRef>
+          <a:effectRef idx="0">
+            <a:schemeClr val="accent1"/>
+          </a:effectRef>
+          <a:fontRef idx="minor">
+            <a:schemeClr val="lt1"/>
+          </a:fontRef>
+        </p:style>
+        <p:txBody>
+          <a:bodyPr rtlCol="0" anchor="ctr"/>
+          <a:lstStyle/>
+          <a:p>
+            <a:pPr algn="ctr"/>
+            <a:endParaRPr lang="en-US"/>
+          </a:p>
+        </p:txBody>
+      </p:sp>
+    </p:spTree>
+    <p:extLst>
+      <p:ext uri="{BB962C8B-B14F-4D97-AF65-F5344CB8AC3E}">
+        <p14:creationId xmlns:p14="http://schemas.microsoft.com/office/powerpoint/2010/main" val="1022324333"/>
+      </p:ext>
+    </p:extLst>
+  </p:cSld>
+  <p:clrMapOvr>
+    <a:masterClrMapping/>
+  </p:clrMapOvr>
+</p:sld>
+</file>
+
+<file path=ppt/slides/slide28.xml><?xml version="1.0" encoding="utf-8"?>
+<p:sld xmlns:a="http://schemas.openxmlformats.org/drawingml/2006/main" xmlns:r="http://schemas.openxmlformats.org/officeDocument/2006/relationships" xmlns:p="http://schemas.openxmlformats.org/presentationml/2006/main">
+  <p:cSld>
+    <p:spTree>
+      <p:nvGrpSpPr>
+        <p:cNvPr id="1" name=""/>
+        <p:cNvGrpSpPr/>
+        <p:nvPr/>
+      </p:nvGrpSpPr>
+      <p:grpSpPr>
+        <a:xfrm>
+          <a:off x="0" y="0"/>
+          <a:ext cx="0" cy="0"/>
+          <a:chOff x="0" y="0"/>
+          <a:chExt cx="0" cy="0"/>
+        </a:xfrm>
+      </p:grpSpPr>
+      <p:sp>
+        <p:nvSpPr>
+          <p:cNvPr id="2" name="Title 1">
+            <a:extLst>
+              <a:ext uri="{FF2B5EF4-FFF2-40B4-BE49-F238E27FC236}">
+                <a16:creationId xmlns:a16="http://schemas.microsoft.com/office/drawing/2014/main" id="{95DA13A3-7A9E-0C45-9780-C41A9E763217}"/>
+              </a:ext>
+            </a:extLst>
+          </p:cNvPr>
+          <p:cNvSpPr>
+            <a:spLocks noGrp="1"/>
+          </p:cNvSpPr>
+          <p:nvPr>
+            <p:ph type="title"/>
+          </p:nvPr>
+        </p:nvSpPr>
+        <p:spPr/>
+        <p:txBody>
+          <a:bodyPr/>
+          <a:lstStyle/>
+          <a:p>
+            <a:r>
+              <a:rPr lang="en-US" dirty="0"/>
+              <a:t>Healthcare Scenarios</a:t>
+            </a:r>
+          </a:p>
+        </p:txBody>
+      </p:sp>
+      <p:sp>
+        <p:nvSpPr>
+          <p:cNvPr id="3" name="Content Placeholder 2">
+            <a:extLst>
+              <a:ext uri="{FF2B5EF4-FFF2-40B4-BE49-F238E27FC236}">
+                <a16:creationId xmlns:a16="http://schemas.microsoft.com/office/drawing/2014/main" id="{1A5973A7-560F-214F-84CC-6DA04B1FB907}"/>
+              </a:ext>
+            </a:extLst>
+          </p:cNvPr>
+          <p:cNvSpPr>
+            <a:spLocks noGrp="1"/>
+          </p:cNvSpPr>
+          <p:nvPr>
+            <p:ph idx="1"/>
+          </p:nvPr>
+        </p:nvSpPr>
+        <p:spPr/>
+        <p:txBody>
+          <a:bodyPr/>
+          <a:lstStyle/>
+          <a:p>
+            <a:pPr marL="514350" indent="-514350">
+              <a:buFont typeface="+mj-lt"/>
+              <a:buAutoNum type="arabicPeriod"/>
+            </a:pPr>
+            <a:r>
+              <a:rPr lang="en-US" dirty="0"/>
+              <a:t>A computer vision model that detects carcinoma</a:t>
+            </a:r>
+          </a:p>
+          <a:p>
+            <a:pPr marL="514350" indent="-514350">
+              <a:buFont typeface="+mj-lt"/>
+              <a:buAutoNum type="arabicPeriod"/>
+            </a:pPr>
+            <a:r>
+              <a:rPr lang="en-US" dirty="0"/>
+              <a:t>An algorithm that detects atrial fibrillation in Apple Watch users</a:t>
+            </a:r>
+          </a:p>
+          <a:p>
+            <a:pPr marL="514350" indent="-514350">
+              <a:buFont typeface="+mj-lt"/>
+              <a:buAutoNum type="arabicPeriod"/>
+            </a:pPr>
+            <a:r>
+              <a:rPr lang="en-US" dirty="0"/>
+              <a:t>An EHR-based model that monitors autism risk</a:t>
+            </a:r>
+          </a:p>
+          <a:p>
+            <a:pPr marL="514350" indent="-514350">
+              <a:buFont typeface="+mj-lt"/>
+              <a:buAutoNum type="arabicPeriod"/>
+            </a:pPr>
+            <a:endParaRPr lang="en-US" dirty="0">
+              <a:solidFill>
+                <a:schemeClr val="accent2"/>
+              </a:solidFill>
+            </a:endParaRPr>
+          </a:p>
+          <a:p>
+            <a:r>
+              <a:rPr lang="en-US" dirty="0">
+                <a:solidFill>
+                  <a:schemeClr val="tx2"/>
+                </a:solidFill>
+              </a:rPr>
+              <a:t>Sometimes specificity and sensitivity are difficult to interpret, particularly for </a:t>
+            </a:r>
+            <a:r>
+              <a:rPr lang="en-US" u="sng" dirty="0">
+                <a:solidFill>
+                  <a:schemeClr val="tx2"/>
+                </a:solidFill>
+              </a:rPr>
+              <a:t>rare conditions or events</a:t>
+            </a:r>
+            <a:r>
+              <a:rPr lang="en-US" dirty="0">
+                <a:solidFill>
+                  <a:schemeClr val="tx2"/>
+                </a:solidFill>
+              </a:rPr>
+              <a:t>.</a:t>
+            </a:r>
+          </a:p>
+          <a:p>
+            <a:r>
+              <a:rPr lang="en-US" dirty="0">
+                <a:solidFill>
+                  <a:schemeClr val="tx2"/>
+                </a:solidFill>
+              </a:rPr>
+              <a:t>The most clinically relevant measure is often the </a:t>
+            </a:r>
+            <a:r>
+              <a:rPr lang="en-US" u="sng" dirty="0">
+                <a:solidFill>
+                  <a:schemeClr val="tx2"/>
+                </a:solidFill>
+              </a:rPr>
+              <a:t>positive predictive value</a:t>
+            </a:r>
+            <a:r>
+              <a:rPr lang="en-US" dirty="0">
+                <a:solidFill>
+                  <a:schemeClr val="tx2"/>
+                </a:solidFill>
+              </a:rPr>
+              <a:t> (or negative predictive value).</a:t>
+            </a:r>
+          </a:p>
+        </p:txBody>
+      </p:sp>
+    </p:spTree>
+    <p:extLst>
+      <p:ext uri="{BB962C8B-B14F-4D97-AF65-F5344CB8AC3E}">
+        <p14:creationId xmlns:p14="http://schemas.microsoft.com/office/powerpoint/2010/main" val="1260681869"/>
+      </p:ext>
+    </p:extLst>
+  </p:cSld>
+  <p:clrMapOvr>
+    <a:masterClrMapping/>
+  </p:clrMapOvr>
+</p:sld>
+</file>
+
+<file path=ppt/slides/slide29.xml><?xml version="1.0" encoding="utf-8"?>
+<p:sld xmlns:a="http://schemas.openxmlformats.org/drawingml/2006/main" xmlns:r="http://schemas.openxmlformats.org/officeDocument/2006/relationships" xmlns:p="http://schemas.openxmlformats.org/presentationml/2006/main">
+  <p:cSld>
+    <p:spTree>
+      <p:nvGrpSpPr>
+        <p:cNvPr id="1" name=""/>
+        <p:cNvGrpSpPr/>
+        <p:nvPr/>
+      </p:nvGrpSpPr>
+      <p:grpSpPr>
+        <a:xfrm>
+          <a:off x="0" y="0"/>
+          <a:ext cx="0" cy="0"/>
+          <a:chOff x="0" y="0"/>
+          <a:chExt cx="0" cy="0"/>
+        </a:xfrm>
+      </p:grpSpPr>
+      <p:sp>
+        <p:nvSpPr>
+          <p:cNvPr id="2" name="Title 1">
+            <a:extLst>
+              <a:ext uri="{FF2B5EF4-FFF2-40B4-BE49-F238E27FC236}">
+                <a16:creationId xmlns:a16="http://schemas.microsoft.com/office/drawing/2014/main" id="{93C3C668-9497-86E2-A1A6-C91697AB07A7}"/>
+              </a:ext>
+            </a:extLst>
+          </p:cNvPr>
+          <p:cNvSpPr>
+            <a:spLocks noGrp="1"/>
+          </p:cNvSpPr>
+          <p:nvPr>
+            <p:ph type="title"/>
+          </p:nvPr>
+        </p:nvSpPr>
+        <p:spPr/>
+        <p:txBody>
+          <a:bodyPr/>
+          <a:lstStyle/>
+          <a:p>
+            <a:r>
+              <a:rPr lang="en-US" dirty="0"/>
+              <a:t>The Precision-Recall Curve</a:t>
+            </a:r>
+            <a:br>
+              <a:rPr lang="en-US" dirty="0"/>
+            </a:br>
+            <a:r>
+              <a:rPr lang="en-US" sz="3200" dirty="0"/>
+              <a:t>(i.e., PPV-Sensitivity Curve)</a:t>
+            </a:r>
+            <a:endParaRPr lang="en-US" dirty="0"/>
+          </a:p>
+        </p:txBody>
+      </p:sp>
+      <p:sp>
+        <p:nvSpPr>
+          <p:cNvPr id="3" name="Content Placeholder 2">
+            <a:extLst>
+              <a:ext uri="{FF2B5EF4-FFF2-40B4-BE49-F238E27FC236}">
+                <a16:creationId xmlns:a16="http://schemas.microsoft.com/office/drawing/2014/main" id="{14C9CAC0-E156-9EFB-42F0-090E9D686EA0}"/>
+              </a:ext>
+            </a:extLst>
+          </p:cNvPr>
+          <p:cNvSpPr>
+            <a:spLocks noGrp="1"/>
+          </p:cNvSpPr>
+          <p:nvPr>
+            <p:ph idx="1"/>
+          </p:nvPr>
+        </p:nvSpPr>
+        <p:spPr>
+          <a:xfrm>
+            <a:off x="838201" y="1921825"/>
+            <a:ext cx="4739640" cy="4351338"/>
+          </a:xfrm>
+        </p:spPr>
+        <p:txBody>
+          <a:bodyPr/>
+          <a:lstStyle/>
+          <a:p>
+            <a:r>
+              <a:rPr lang="en-US" sz="2400" dirty="0"/>
+              <a:t>Often has greater direct clinical relevance than the ROC curve</a:t>
+            </a:r>
+          </a:p>
+          <a:p>
+            <a:endParaRPr lang="en-US" sz="2400" dirty="0"/>
+          </a:p>
+          <a:p>
+            <a:r>
+              <a:rPr lang="en-US" sz="2400" dirty="0"/>
+              <a:t>The </a:t>
+            </a:r>
+            <a:r>
+              <a:rPr lang="en-US" sz="2400" i="1" dirty="0"/>
+              <a:t>no information </a:t>
+            </a:r>
+            <a:r>
+              <a:rPr lang="en-US" sz="2400" dirty="0"/>
+              <a:t>classifier always achieves PPV equal to the </a:t>
+            </a:r>
+            <a:r>
+              <a:rPr lang="en-US" sz="2400" i="1" dirty="0"/>
+              <a:t>base rate</a:t>
+            </a:r>
+            <a:r>
+              <a:rPr lang="en-US" sz="2400" dirty="0"/>
+              <a:t>, or </a:t>
+            </a:r>
+            <a:r>
+              <a:rPr lang="en-US" sz="2400" i="1" dirty="0"/>
+              <a:t>prevalence </a:t>
+            </a:r>
+            <a:r>
+              <a:rPr lang="en-US" sz="2400" dirty="0"/>
+              <a:t>(why?)</a:t>
+            </a:r>
+          </a:p>
+          <a:p>
+            <a:endParaRPr lang="en-US" sz="2400" dirty="0"/>
+          </a:p>
+          <a:p>
+            <a:r>
+              <a:rPr lang="en-US" sz="2400" dirty="0"/>
+              <a:t>PPV as well as the area under this curve (average precision) must be interpreted relative to prevalence</a:t>
+            </a:r>
+          </a:p>
+        </p:txBody>
+      </p:sp>
+      <p:pic>
+        <p:nvPicPr>
+          <p:cNvPr id="4" name="Picture 3">
+            <a:extLst>
+              <a:ext uri="{FF2B5EF4-FFF2-40B4-BE49-F238E27FC236}">
+                <a16:creationId xmlns:a16="http://schemas.microsoft.com/office/drawing/2014/main" id="{AC451E2A-5A3A-6218-E39D-802C767BB3AA}"/>
+              </a:ext>
+            </a:extLst>
+          </p:cNvPr>
+          <p:cNvPicPr>
+            <a:picLocks noChangeAspect="1"/>
+          </p:cNvPicPr>
+          <p:nvPr/>
+        </p:nvPicPr>
+        <p:blipFill rotWithShape="1">
+          <a:blip r:embed="rId2"/>
+          <a:srcRect l="49087"/>
+          <a:stretch/>
+        </p:blipFill>
+        <p:spPr>
+          <a:xfrm>
+            <a:off x="6256407" y="1498288"/>
+            <a:ext cx="5097393" cy="5006012"/>
+          </a:xfrm>
+          <a:prstGeom prst="rect">
+            <a:avLst/>
+          </a:prstGeom>
+        </p:spPr>
+      </p:pic>
+    </p:spTree>
+    <p:extLst>
+      <p:ext uri="{BB962C8B-B14F-4D97-AF65-F5344CB8AC3E}">
+        <p14:creationId xmlns:p14="http://schemas.microsoft.com/office/powerpoint/2010/main" val="417623702"/>
+      </p:ext>
+    </p:extLst>
+  </p:cSld>
+  <p:clrMapOvr>
+    <a:masterClrMapping/>
+  </p:clrMapOvr>
+</p:sld>
+</file>
+
+<file path=ppt/slides/slide3.xml><?xml version="1.0" encoding="utf-8"?>
+<p:sld xmlns:a="http://schemas.openxmlformats.org/drawingml/2006/main" xmlns:r="http://schemas.openxmlformats.org/officeDocument/2006/relationships" xmlns:p="http://schemas.openxmlformats.org/presentationml/2006/main">
+  <p:cSld>
+    <p:spTree>
+      <p:nvGrpSpPr>
+        <p:cNvPr id="1" name=""/>
+        <p:cNvGrpSpPr/>
+        <p:nvPr/>
+      </p:nvGrpSpPr>
+      <p:grpSpPr>
+        <a:xfrm>
+          <a:off x="0" y="0"/>
+          <a:ext cx="0" cy="0"/>
+          <a:chOff x="0" y="0"/>
+          <a:chExt cx="0" cy="0"/>
+        </a:xfrm>
+      </p:grpSpPr>
+      <p:sp>
+        <p:nvSpPr>
+          <p:cNvPr id="2" name="Title 1">
+            <a:extLst>
+              <a:ext uri="{FF2B5EF4-FFF2-40B4-BE49-F238E27FC236}">
+                <a16:creationId xmlns:a16="http://schemas.microsoft.com/office/drawing/2014/main" id="{47403CEA-C913-1D48-BDC5-FE38B2536DC8}"/>
+              </a:ext>
+            </a:extLst>
+          </p:cNvPr>
+          <p:cNvSpPr>
+            <a:spLocks noGrp="1"/>
+          </p:cNvSpPr>
+          <p:nvPr>
+            <p:ph type="title"/>
+          </p:nvPr>
+        </p:nvSpPr>
+        <p:spPr>
+          <a:xfrm>
+            <a:off x="0" y="34982"/>
+            <a:ext cx="12192000" cy="1325563"/>
+          </a:xfrm>
+        </p:spPr>
+        <p:txBody>
+          <a:bodyPr/>
+          <a:lstStyle/>
+          <a:p>
+            <a:pPr algn="ctr"/>
+            <a:r>
+              <a:rPr lang="en-US" sz="3600" u="sng" dirty="0"/>
+              <a:t>Back to cancer prediction</a:t>
+            </a:r>
+            <a:r>
+              <a:rPr lang="en-US" sz="3600" dirty="0"/>
+              <a:t>. Suppose our features are highly informative. What might our model’s predictions look like?</a:t>
+            </a:r>
+          </a:p>
+        </p:txBody>
+      </p:sp>
+      <p:pic>
+        <p:nvPicPr>
+          <p:cNvPr id="5" name="Picture 4">
+            <a:extLst>
+              <a:ext uri="{FF2B5EF4-FFF2-40B4-BE49-F238E27FC236}">
+                <a16:creationId xmlns:a16="http://schemas.microsoft.com/office/drawing/2014/main" id="{F9D792F2-EC6C-A6E1-D456-1BE3218C34E2}"/>
+              </a:ext>
+            </a:extLst>
+          </p:cNvPr>
+          <p:cNvPicPr>
+            <a:picLocks noChangeAspect="1"/>
+          </p:cNvPicPr>
+          <p:nvPr/>
+        </p:nvPicPr>
+        <p:blipFill>
+          <a:blip r:embed="rId3"/>
+          <a:stretch>
+            <a:fillRect/>
+          </a:stretch>
+        </p:blipFill>
+        <p:spPr>
+          <a:xfrm>
+            <a:off x="609600" y="1202168"/>
+            <a:ext cx="10972800" cy="5486400"/>
+          </a:xfrm>
+          <a:prstGeom prst="rect">
+            <a:avLst/>
+          </a:prstGeom>
+        </p:spPr>
+      </p:pic>
+      <p:sp>
+        <p:nvSpPr>
+          <p:cNvPr id="6" name="Rectangle 5">
+            <a:extLst>
+              <a:ext uri="{FF2B5EF4-FFF2-40B4-BE49-F238E27FC236}">
+                <a16:creationId xmlns:a16="http://schemas.microsoft.com/office/drawing/2014/main" id="{2E5A1D9A-0F90-1B20-A1DD-867DFA1BD3E5}"/>
+              </a:ext>
+            </a:extLst>
+          </p:cNvPr>
+          <p:cNvSpPr/>
+          <p:nvPr/>
+        </p:nvSpPr>
+        <p:spPr>
+          <a:xfrm>
+            <a:off x="1867990" y="1360545"/>
+            <a:ext cx="9548948" cy="4700621"/>
+          </a:xfrm>
+          <a:prstGeom prst="rect">
+            <a:avLst/>
+          </a:prstGeom>
+          <a:ln>
+            <a:noFill/>
+          </a:ln>
+        </p:spPr>
+        <p:style>
+          <a:lnRef idx="2">
+            <a:schemeClr val="dk1"/>
+          </a:lnRef>
+          <a:fillRef idx="1">
+            <a:schemeClr val="lt1"/>
+          </a:fillRef>
+          <a:effectRef idx="0">
+            <a:schemeClr val="dk1"/>
+          </a:effectRef>
+          <a:fontRef idx="minor">
+            <a:schemeClr val="dk1"/>
+          </a:fontRef>
+        </p:style>
+        <p:txBody>
+          <a:bodyPr rtlCol="0" anchor="ctr"/>
+          <a:lstStyle/>
+          <a:p>
+            <a:pPr algn="ctr"/>
+            <a:r>
+              <a:rPr lang="en-US" sz="8000" dirty="0"/>
+              <a:t>?</a:t>
+            </a:r>
+          </a:p>
+        </p:txBody>
+      </p:sp>
+    </p:spTree>
+    <p:extLst>
+      <p:ext uri="{BB962C8B-B14F-4D97-AF65-F5344CB8AC3E}">
+        <p14:creationId xmlns:p14="http://schemas.microsoft.com/office/powerpoint/2010/main" val="1394389017"/>
+      </p:ext>
+    </p:extLst>
+  </p:cSld>
+  <p:clrMapOvr>
+    <a:masterClrMapping/>
+  </p:clrMapOvr>
+</p:sld>
+</file>
+
+<file path=ppt/slides/slide30.xml><?xml version="1.0" encoding="utf-8"?>
+<p:sld xmlns:a="http://schemas.openxmlformats.org/drawingml/2006/main" xmlns:r="http://schemas.openxmlformats.org/officeDocument/2006/relationships" xmlns:p="http://schemas.openxmlformats.org/presentationml/2006/main">
+  <p:cSld>
+    <p:spTree>
+      <p:nvGrpSpPr>
+        <p:cNvPr id="1" name=""/>
+        <p:cNvGrpSpPr/>
+        <p:nvPr/>
+      </p:nvGrpSpPr>
+      <p:grpSpPr>
+        <a:xfrm>
+          <a:off x="0" y="0"/>
+          <a:ext cx="0" cy="0"/>
+          <a:chOff x="0" y="0"/>
+          <a:chExt cx="0" cy="0"/>
+        </a:xfrm>
+      </p:grpSpPr>
+      <p:pic>
+        <p:nvPicPr>
+          <p:cNvPr id="4" name="Picture 3">
+            <a:extLst>
+              <a:ext uri="{FF2B5EF4-FFF2-40B4-BE49-F238E27FC236}">
+                <a16:creationId xmlns:a16="http://schemas.microsoft.com/office/drawing/2014/main" id="{7ADB5A59-BB16-1843-985C-20C7DF2E47CB}"/>
+              </a:ext>
+            </a:extLst>
+          </p:cNvPr>
+          <p:cNvPicPr>
+            <a:picLocks noChangeAspect="1"/>
+          </p:cNvPicPr>
+          <p:nvPr/>
+        </p:nvPicPr>
+        <p:blipFill>
+          <a:blip r:embed="rId2"/>
+          <a:stretch>
+            <a:fillRect/>
+          </a:stretch>
+        </p:blipFill>
+        <p:spPr>
+          <a:xfrm>
+            <a:off x="5619235" y="243523"/>
+            <a:ext cx="4663440" cy="2331720"/>
+          </a:xfrm>
+          <a:prstGeom prst="rect">
+            <a:avLst/>
+          </a:prstGeom>
+        </p:spPr>
+      </p:pic>
+      <p:pic>
+        <p:nvPicPr>
+          <p:cNvPr id="7" name="Picture 6">
+            <a:extLst>
+              <a:ext uri="{FF2B5EF4-FFF2-40B4-BE49-F238E27FC236}">
+                <a16:creationId xmlns:a16="http://schemas.microsoft.com/office/drawing/2014/main" id="{A6B8B223-676B-534D-AF6E-6CD2B74871C5}"/>
+              </a:ext>
+            </a:extLst>
+          </p:cNvPr>
+          <p:cNvPicPr>
+            <a:picLocks noChangeAspect="1"/>
+          </p:cNvPicPr>
+          <p:nvPr/>
+        </p:nvPicPr>
+        <p:blipFill>
+          <a:blip r:embed="rId3"/>
+          <a:stretch>
+            <a:fillRect/>
+          </a:stretch>
+        </p:blipFill>
+        <p:spPr>
+          <a:xfrm>
+            <a:off x="3894267" y="2666577"/>
+            <a:ext cx="8113377" cy="4056689"/>
+          </a:xfrm>
+          <a:prstGeom prst="rect">
+            <a:avLst/>
+          </a:prstGeom>
+        </p:spPr>
+      </p:pic>
+      <p:sp>
+        <p:nvSpPr>
+          <p:cNvPr id="8" name="Title 1">
+            <a:extLst>
+              <a:ext uri="{FF2B5EF4-FFF2-40B4-BE49-F238E27FC236}">
+                <a16:creationId xmlns:a16="http://schemas.microsoft.com/office/drawing/2014/main" id="{4A84A116-85E5-FE46-8077-FE63250F7AFB}"/>
+              </a:ext>
+            </a:extLst>
+          </p:cNvPr>
+          <p:cNvSpPr>
+            <a:spLocks noGrp="1"/>
+          </p:cNvSpPr>
+          <p:nvPr>
+            <p:ph type="title"/>
+          </p:nvPr>
+        </p:nvSpPr>
+        <p:spPr>
+          <a:xfrm>
+            <a:off x="461682" y="354367"/>
+            <a:ext cx="10515600" cy="1325563"/>
+          </a:xfrm>
+        </p:spPr>
+        <p:txBody>
+          <a:bodyPr/>
+          <a:lstStyle/>
+          <a:p>
+            <a:r>
+              <a:rPr lang="en-US" dirty="0"/>
+              <a:t>Operating Point:</a:t>
+            </a:r>
+            <a:br>
+              <a:rPr lang="en-US" dirty="0"/>
+            </a:br>
+            <a:br>
+              <a:rPr lang="en-US" dirty="0"/>
+            </a:br>
+            <a:r>
+              <a:rPr lang="en-US" i="1" dirty="0"/>
+              <a:t>high sensitivity</a:t>
+            </a:r>
+          </a:p>
+        </p:txBody>
+      </p:sp>
+      <p:cxnSp>
+        <p:nvCxnSpPr>
+          <p:cNvPr id="9" name="Straight Connector 8">
+            <a:extLst>
+              <a:ext uri="{FF2B5EF4-FFF2-40B4-BE49-F238E27FC236}">
+                <a16:creationId xmlns:a16="http://schemas.microsoft.com/office/drawing/2014/main" id="{E84BCA38-7221-DD4E-8DBD-BDBD7BD3E988}"/>
+              </a:ext>
+            </a:extLst>
+          </p:cNvPr>
+          <p:cNvCxnSpPr>
+            <a:cxnSpLocks/>
+          </p:cNvCxnSpPr>
+          <p:nvPr/>
+        </p:nvCxnSpPr>
+        <p:spPr>
+          <a:xfrm>
+            <a:off x="6427037" y="157459"/>
+            <a:ext cx="0" cy="2312210"/>
+          </a:xfrm>
+          <a:prstGeom prst="line">
+            <a:avLst/>
+          </a:prstGeom>
+          <a:ln w="57150">
+            <a:solidFill>
+              <a:srgbClr val="BE0060"/>
+            </a:solidFill>
+            <a:prstDash val="lgDash"/>
+          </a:ln>
+        </p:spPr>
+        <p:style>
+          <a:lnRef idx="1">
+            <a:schemeClr val="accent1"/>
+          </a:lnRef>
+          <a:fillRef idx="0">
+            <a:schemeClr val="accent1"/>
+          </a:fillRef>
+          <a:effectRef idx="0">
+            <a:schemeClr val="accent1"/>
+          </a:effectRef>
+          <a:fontRef idx="minor">
+            <a:schemeClr val="tx1"/>
+          </a:fontRef>
+        </p:style>
+      </p:cxnSp>
+      <p:sp>
+        <p:nvSpPr>
+          <p:cNvPr id="12" name="Oval 11">
+            <a:extLst>
+              <a:ext uri="{FF2B5EF4-FFF2-40B4-BE49-F238E27FC236}">
+                <a16:creationId xmlns:a16="http://schemas.microsoft.com/office/drawing/2014/main" id="{7AC8512F-01D0-2A46-A9EF-F69CB284452C}"/>
+              </a:ext>
+            </a:extLst>
+          </p:cNvPr>
+          <p:cNvSpPr/>
+          <p:nvPr/>
+        </p:nvSpPr>
+        <p:spPr>
+          <a:xfrm>
+            <a:off x="5658864" y="2864697"/>
+            <a:ext cx="182880" cy="182880"/>
+          </a:xfrm>
+          <a:prstGeom prst="ellipse">
+            <a:avLst/>
+          </a:prstGeom>
+          <a:noFill/>
+          <a:ln w="38100">
+            <a:solidFill>
+              <a:srgbClr val="BE0060"/>
+            </a:solidFill>
+          </a:ln>
+        </p:spPr>
+        <p:style>
+          <a:lnRef idx="2">
+            <a:schemeClr val="accent1">
+              <a:shade val="50000"/>
+            </a:schemeClr>
+          </a:lnRef>
+          <a:fillRef idx="1">
+            <a:schemeClr val="accent1"/>
+          </a:fillRef>
+          <a:effectRef idx="0">
+            <a:schemeClr val="accent1"/>
+          </a:effectRef>
+          <a:fontRef idx="minor">
+            <a:schemeClr val="lt1"/>
+          </a:fontRef>
+        </p:style>
+        <p:txBody>
+          <a:bodyPr rtlCol="0" anchor="ctr"/>
+          <a:lstStyle/>
+          <a:p>
+            <a:pPr algn="ctr"/>
+            <a:endParaRPr lang="en-US"/>
+          </a:p>
+        </p:txBody>
+      </p:sp>
+      <p:sp>
+        <p:nvSpPr>
+          <p:cNvPr id="13" name="Oval 12">
+            <a:extLst>
+              <a:ext uri="{FF2B5EF4-FFF2-40B4-BE49-F238E27FC236}">
+                <a16:creationId xmlns:a16="http://schemas.microsoft.com/office/drawing/2014/main" id="{1D00B6C1-790E-214F-B195-1B9CEE53D153}"/>
+              </a:ext>
+            </a:extLst>
+          </p:cNvPr>
+          <p:cNvSpPr/>
+          <p:nvPr/>
+        </p:nvSpPr>
+        <p:spPr>
+          <a:xfrm>
+            <a:off x="11643082" y="3916978"/>
+            <a:ext cx="182880" cy="182880"/>
+          </a:xfrm>
+          <a:prstGeom prst="ellipse">
+            <a:avLst/>
+          </a:prstGeom>
+          <a:noFill/>
+          <a:ln w="38100">
+            <a:solidFill>
+              <a:srgbClr val="BE0060"/>
+            </a:solidFill>
+          </a:ln>
+        </p:spPr>
+        <p:style>
+          <a:lnRef idx="2">
+            <a:schemeClr val="accent1">
+              <a:shade val="50000"/>
+            </a:schemeClr>
+          </a:lnRef>
+          <a:fillRef idx="1">
+            <a:schemeClr val="accent1"/>
+          </a:fillRef>
+          <a:effectRef idx="0">
+            <a:schemeClr val="accent1"/>
+          </a:effectRef>
+          <a:fontRef idx="minor">
+            <a:schemeClr val="lt1"/>
+          </a:fontRef>
+        </p:style>
+        <p:txBody>
+          <a:bodyPr rtlCol="0" anchor="ctr"/>
+          <a:lstStyle/>
+          <a:p>
+            <a:pPr algn="ctr"/>
+            <a:endParaRPr lang="en-US"/>
+          </a:p>
+        </p:txBody>
+      </p:sp>
+    </p:spTree>
+    <p:extLst>
+      <p:ext uri="{BB962C8B-B14F-4D97-AF65-F5344CB8AC3E}">
+        <p14:creationId xmlns:p14="http://schemas.microsoft.com/office/powerpoint/2010/main" val="2007443108"/>
+      </p:ext>
+    </p:extLst>
+  </p:cSld>
+  <p:clrMapOvr>
+    <a:masterClrMapping/>
+  </p:clrMapOvr>
+</p:sld>
+</file>
+
+<file path=ppt/slides/slide31.xml><?xml version="1.0" encoding="utf-8"?>
+<p:sld xmlns:a="http://schemas.openxmlformats.org/drawingml/2006/main" xmlns:r="http://schemas.openxmlformats.org/officeDocument/2006/relationships" xmlns:p="http://schemas.openxmlformats.org/presentationml/2006/main">
+  <p:cSld>
+    <p:spTree>
+      <p:nvGrpSpPr>
+        <p:cNvPr id="1" name=""/>
+        <p:cNvGrpSpPr/>
+        <p:nvPr/>
+      </p:nvGrpSpPr>
+      <p:grpSpPr>
+        <a:xfrm>
+          <a:off x="0" y="0"/>
+          <a:ext cx="0" cy="0"/>
+          <a:chOff x="0" y="0"/>
+          <a:chExt cx="0" cy="0"/>
+        </a:xfrm>
+      </p:grpSpPr>
+      <p:pic>
+        <p:nvPicPr>
+          <p:cNvPr id="4" name="Picture 3">
+            <a:extLst>
+              <a:ext uri="{FF2B5EF4-FFF2-40B4-BE49-F238E27FC236}">
+                <a16:creationId xmlns:a16="http://schemas.microsoft.com/office/drawing/2014/main" id="{7ADB5A59-BB16-1843-985C-20C7DF2E47CB}"/>
+              </a:ext>
+            </a:extLst>
+          </p:cNvPr>
+          <p:cNvPicPr>
+            <a:picLocks noChangeAspect="1"/>
+          </p:cNvPicPr>
+          <p:nvPr/>
+        </p:nvPicPr>
+        <p:blipFill>
+          <a:blip r:embed="rId2"/>
+          <a:stretch>
+            <a:fillRect/>
+          </a:stretch>
+        </p:blipFill>
+        <p:spPr>
+          <a:xfrm>
+            <a:off x="5619235" y="243523"/>
+            <a:ext cx="4663440" cy="2331720"/>
+          </a:xfrm>
+          <a:prstGeom prst="rect">
+            <a:avLst/>
+          </a:prstGeom>
+        </p:spPr>
+      </p:pic>
+      <p:pic>
+        <p:nvPicPr>
+          <p:cNvPr id="7" name="Picture 6">
+            <a:extLst>
+              <a:ext uri="{FF2B5EF4-FFF2-40B4-BE49-F238E27FC236}">
+                <a16:creationId xmlns:a16="http://schemas.microsoft.com/office/drawing/2014/main" id="{A6B8B223-676B-534D-AF6E-6CD2B74871C5}"/>
+              </a:ext>
+            </a:extLst>
+          </p:cNvPr>
+          <p:cNvPicPr>
+            <a:picLocks noChangeAspect="1"/>
+          </p:cNvPicPr>
+          <p:nvPr/>
+        </p:nvPicPr>
+        <p:blipFill>
+          <a:blip r:embed="rId3"/>
+          <a:stretch>
+            <a:fillRect/>
+          </a:stretch>
+        </p:blipFill>
+        <p:spPr>
+          <a:xfrm>
+            <a:off x="3894267" y="2666577"/>
+            <a:ext cx="8113377" cy="4056689"/>
+          </a:xfrm>
+          <a:prstGeom prst="rect">
+            <a:avLst/>
+          </a:prstGeom>
+        </p:spPr>
+      </p:pic>
+      <p:sp>
+        <p:nvSpPr>
+          <p:cNvPr id="8" name="Title 1">
+            <a:extLst>
+              <a:ext uri="{FF2B5EF4-FFF2-40B4-BE49-F238E27FC236}">
+                <a16:creationId xmlns:a16="http://schemas.microsoft.com/office/drawing/2014/main" id="{4A84A116-85E5-FE46-8077-FE63250F7AFB}"/>
+              </a:ext>
+            </a:extLst>
+          </p:cNvPr>
+          <p:cNvSpPr>
+            <a:spLocks noGrp="1"/>
+          </p:cNvSpPr>
+          <p:nvPr>
+            <p:ph type="title"/>
+          </p:nvPr>
+        </p:nvSpPr>
+        <p:spPr>
+          <a:xfrm>
+            <a:off x="461682" y="354367"/>
+            <a:ext cx="10515600" cy="1325563"/>
+          </a:xfrm>
+        </p:spPr>
+        <p:txBody>
+          <a:bodyPr/>
+          <a:lstStyle/>
+          <a:p>
+            <a:r>
+              <a:rPr lang="en-US" dirty="0"/>
+              <a:t>Operating Point:</a:t>
+            </a:r>
+            <a:br>
+              <a:rPr lang="en-US" dirty="0"/>
+            </a:br>
+            <a:br>
+              <a:rPr lang="en-US" dirty="0"/>
+            </a:br>
+            <a:r>
+              <a:rPr lang="en-US" i="1" dirty="0"/>
+              <a:t>high specificity</a:t>
+            </a:r>
+          </a:p>
+        </p:txBody>
+      </p:sp>
+      <p:cxnSp>
+        <p:nvCxnSpPr>
+          <p:cNvPr id="9" name="Straight Connector 8">
+            <a:extLst>
+              <a:ext uri="{FF2B5EF4-FFF2-40B4-BE49-F238E27FC236}">
+                <a16:creationId xmlns:a16="http://schemas.microsoft.com/office/drawing/2014/main" id="{E84BCA38-7221-DD4E-8DBD-BDBD7BD3E988}"/>
+              </a:ext>
+            </a:extLst>
+          </p:cNvPr>
+          <p:cNvCxnSpPr>
+            <a:cxnSpLocks/>
+          </p:cNvCxnSpPr>
+          <p:nvPr/>
+        </p:nvCxnSpPr>
+        <p:spPr>
+          <a:xfrm>
+            <a:off x="9954007" y="157459"/>
+            <a:ext cx="0" cy="2312210"/>
+          </a:xfrm>
+          <a:prstGeom prst="line">
+            <a:avLst/>
+          </a:prstGeom>
+          <a:ln w="57150">
+            <a:solidFill>
+              <a:srgbClr val="BE0060"/>
+            </a:solidFill>
+            <a:prstDash val="lgDash"/>
+          </a:ln>
+        </p:spPr>
+        <p:style>
+          <a:lnRef idx="1">
+            <a:schemeClr val="accent1"/>
+          </a:lnRef>
+          <a:fillRef idx="0">
+            <a:schemeClr val="accent1"/>
+          </a:fillRef>
+          <a:effectRef idx="0">
+            <a:schemeClr val="accent1"/>
+          </a:effectRef>
+          <a:fontRef idx="minor">
+            <a:schemeClr val="tx1"/>
+          </a:fontRef>
+        </p:style>
+      </p:cxnSp>
+      <p:sp>
+        <p:nvSpPr>
+          <p:cNvPr id="12" name="Oval 11">
+            <a:extLst>
+              <a:ext uri="{FF2B5EF4-FFF2-40B4-BE49-F238E27FC236}">
+                <a16:creationId xmlns:a16="http://schemas.microsoft.com/office/drawing/2014/main" id="{7AC8512F-01D0-2A46-A9EF-F69CB284452C}"/>
+              </a:ext>
+            </a:extLst>
+          </p:cNvPr>
+          <p:cNvSpPr/>
+          <p:nvPr/>
+        </p:nvSpPr>
+        <p:spPr>
+          <a:xfrm>
+            <a:off x="4570292" y="3880694"/>
+            <a:ext cx="182880" cy="182880"/>
+          </a:xfrm>
+          <a:prstGeom prst="ellipse">
+            <a:avLst/>
+          </a:prstGeom>
+          <a:noFill/>
+          <a:ln w="38100">
+            <a:solidFill>
+              <a:srgbClr val="BE0060"/>
+            </a:solidFill>
+          </a:ln>
+        </p:spPr>
+        <p:style>
+          <a:lnRef idx="2">
+            <a:schemeClr val="accent1">
+              <a:shade val="50000"/>
+            </a:schemeClr>
+          </a:lnRef>
+          <a:fillRef idx="1">
+            <a:schemeClr val="accent1"/>
+          </a:fillRef>
+          <a:effectRef idx="0">
+            <a:schemeClr val="accent1"/>
+          </a:effectRef>
+          <a:fontRef idx="minor">
+            <a:schemeClr val="lt1"/>
+          </a:fontRef>
+        </p:style>
+        <p:txBody>
+          <a:bodyPr rtlCol="0" anchor="ctr"/>
+          <a:lstStyle/>
+          <a:p>
+            <a:pPr algn="ctr"/>
+            <a:endParaRPr lang="en-US"/>
+          </a:p>
+        </p:txBody>
+      </p:sp>
       <p:sp>
         <p:nvSpPr>
           <p:cNvPr id="13" name="Oval 12">
@@ -7068,7 +13136,7 @@
     </p:spTree>
     <p:extLst>
       <p:ext uri="{BB962C8B-B14F-4D97-AF65-F5344CB8AC3E}">
-        <p14:creationId xmlns:p14="http://schemas.microsoft.com/office/powerpoint/2010/main" val="437556483"/>
+        <p14:creationId xmlns:p14="http://schemas.microsoft.com/office/powerpoint/2010/main" val="3312114658"/>
       </p:ext>
     </p:extLst>
   </p:cSld>
@@ -7078,7 +13146,7 @@
 </p:sld>
 </file>
 
-<file path=ppt/slides/slide11.xml><?xml version="1.0" encoding="utf-8"?>
+<file path=ppt/slides/slide32.xml><?xml version="1.0" encoding="utf-8"?>
 <p:sld xmlns:a="http://schemas.openxmlformats.org/drawingml/2006/main" xmlns:r="http://schemas.openxmlformats.org/officeDocument/2006/relationships" xmlns:p="http://schemas.openxmlformats.org/presentationml/2006/main">
   <p:cSld>
     <p:spTree>
@@ -7095,12 +13163,72 @@
           <a:chExt cx="0" cy="0"/>
         </a:xfrm>
       </p:grpSpPr>
-      <p:sp>
-        <p:nvSpPr>
-          <p:cNvPr id="2" name="Title 1">
-            <a:extLst>
-              <a:ext uri="{FF2B5EF4-FFF2-40B4-BE49-F238E27FC236}">
-                <a16:creationId xmlns:a16="http://schemas.microsoft.com/office/drawing/2014/main" id="{95DA13A3-7A9E-0C45-9780-C41A9E763217}"/>
+      <p:pic>
+        <p:nvPicPr>
+          <p:cNvPr id="4" name="Picture 3">
+            <a:extLst>
+              <a:ext uri="{FF2B5EF4-FFF2-40B4-BE49-F238E27FC236}">
+                <a16:creationId xmlns:a16="http://schemas.microsoft.com/office/drawing/2014/main" id="{7ADB5A59-BB16-1843-985C-20C7DF2E47CB}"/>
+              </a:ext>
+            </a:extLst>
+          </p:cNvPr>
+          <p:cNvPicPr>
+            <a:picLocks noChangeAspect="1"/>
+          </p:cNvPicPr>
+          <p:nvPr/>
+        </p:nvPicPr>
+        <p:blipFill>
+          <a:blip r:embed="rId2"/>
+          <a:stretch>
+            <a:fillRect/>
+          </a:stretch>
+        </p:blipFill>
+        <p:spPr>
+          <a:xfrm>
+            <a:off x="5619235" y="243523"/>
+            <a:ext cx="4663440" cy="2331720"/>
+          </a:xfrm>
+          <a:prstGeom prst="rect">
+            <a:avLst/>
+          </a:prstGeom>
+        </p:spPr>
+      </p:pic>
+      <p:pic>
+        <p:nvPicPr>
+          <p:cNvPr id="7" name="Picture 6">
+            <a:extLst>
+              <a:ext uri="{FF2B5EF4-FFF2-40B4-BE49-F238E27FC236}">
+                <a16:creationId xmlns:a16="http://schemas.microsoft.com/office/drawing/2014/main" id="{A6B8B223-676B-534D-AF6E-6CD2B74871C5}"/>
+              </a:ext>
+            </a:extLst>
+          </p:cNvPr>
+          <p:cNvPicPr>
+            <a:picLocks noChangeAspect="1"/>
+          </p:cNvPicPr>
+          <p:nvPr/>
+        </p:nvPicPr>
+        <p:blipFill>
+          <a:blip r:embed="rId3"/>
+          <a:stretch>
+            <a:fillRect/>
+          </a:stretch>
+        </p:blipFill>
+        <p:spPr>
+          <a:xfrm>
+            <a:off x="3894267" y="2666577"/>
+            <a:ext cx="8113377" cy="4056689"/>
+          </a:xfrm>
+          <a:prstGeom prst="rect">
+            <a:avLst/>
+          </a:prstGeom>
+        </p:spPr>
+      </p:pic>
+      <p:sp>
+        <p:nvSpPr>
+          <p:cNvPr id="8" name="Title 1">
+            <a:extLst>
+              <a:ext uri="{FF2B5EF4-FFF2-40B4-BE49-F238E27FC236}">
+                <a16:creationId xmlns:a16="http://schemas.microsoft.com/office/drawing/2014/main" id="{4A84A116-85E5-FE46-8077-FE63250F7AFB}"/>
               </a:ext>
             </a:extLst>
           </p:cNvPr>
@@ -7111,58 +13239,185 @@
             <p:ph type="title"/>
           </p:nvPr>
         </p:nvSpPr>
-        <p:spPr/>
+        <p:spPr>
+          <a:xfrm>
+            <a:off x="461682" y="354367"/>
+            <a:ext cx="10515600" cy="1325563"/>
+          </a:xfrm>
+        </p:spPr>
         <p:txBody>
           <a:bodyPr/>
           <a:lstStyle/>
           <a:p>
             <a:r>
               <a:rPr lang="en-US" dirty="0"/>
-              <a:t>Healthcare Scenarios</a:t>
-            </a:r>
-          </a:p>
-        </p:txBody>
-      </p:sp>
-      <p:sp>
-        <p:nvSpPr>
-          <p:cNvPr id="3" name="Content Placeholder 2">
-            <a:extLst>
-              <a:ext uri="{FF2B5EF4-FFF2-40B4-BE49-F238E27FC236}">
-                <a16:creationId xmlns:a16="http://schemas.microsoft.com/office/drawing/2014/main" id="{1A5973A7-560F-214F-84CC-6DA04B1FB907}"/>
-              </a:ext>
-            </a:extLst>
-          </p:cNvPr>
-          <p:cNvSpPr>
-            <a:spLocks noGrp="1"/>
-          </p:cNvSpPr>
-          <p:nvPr>
-            <p:ph idx="1"/>
-          </p:nvPr>
-        </p:nvSpPr>
-        <p:spPr/>
-        <p:txBody>
-          <a:bodyPr/>
+              <a:t>Operating Point:</a:t>
+            </a:r>
+            <a:br>
+              <a:rPr lang="en-US" dirty="0"/>
+            </a:br>
+            <a:br>
+              <a:rPr lang="en-US" dirty="0"/>
+            </a:br>
+            <a:r>
+              <a:rPr lang="en-US" i="1" dirty="0"/>
+              <a:t>balanced</a:t>
+            </a:r>
+          </a:p>
+        </p:txBody>
+      </p:sp>
+      <p:cxnSp>
+        <p:nvCxnSpPr>
+          <p:cNvPr id="9" name="Straight Connector 8">
+            <a:extLst>
+              <a:ext uri="{FF2B5EF4-FFF2-40B4-BE49-F238E27FC236}">
+                <a16:creationId xmlns:a16="http://schemas.microsoft.com/office/drawing/2014/main" id="{E84BCA38-7221-DD4E-8DBD-BDBD7BD3E988}"/>
+              </a:ext>
+            </a:extLst>
+          </p:cNvPr>
+          <p:cNvCxnSpPr>
+            <a:cxnSpLocks/>
+          </p:cNvCxnSpPr>
+          <p:nvPr/>
+        </p:nvCxnSpPr>
+        <p:spPr>
+          <a:xfrm>
+            <a:off x="8183266" y="157459"/>
+            <a:ext cx="0" cy="2312210"/>
+          </a:xfrm>
+          <a:prstGeom prst="line">
+            <a:avLst/>
+          </a:prstGeom>
+          <a:ln w="57150">
+            <a:solidFill>
+              <a:srgbClr val="BE0060"/>
+            </a:solidFill>
+            <a:prstDash val="lgDash"/>
+          </a:ln>
+        </p:spPr>
+        <p:style>
+          <a:lnRef idx="1">
+            <a:schemeClr val="accent1"/>
+          </a:lnRef>
+          <a:fillRef idx="0">
+            <a:schemeClr val="accent1"/>
+          </a:fillRef>
+          <a:effectRef idx="0">
+            <a:schemeClr val="accent1"/>
+          </a:effectRef>
+          <a:fontRef idx="minor">
+            <a:schemeClr val="tx1"/>
+          </a:fontRef>
+        </p:style>
+      </p:cxnSp>
+      <p:sp>
+        <p:nvSpPr>
+          <p:cNvPr id="12" name="Oval 11">
+            <a:extLst>
+              <a:ext uri="{FF2B5EF4-FFF2-40B4-BE49-F238E27FC236}">
+                <a16:creationId xmlns:a16="http://schemas.microsoft.com/office/drawing/2014/main" id="{7AC8512F-01D0-2A46-A9EF-F69CB284452C}"/>
+              </a:ext>
+            </a:extLst>
+          </p:cNvPr>
+          <p:cNvSpPr/>
+          <p:nvPr/>
+        </p:nvSpPr>
+        <p:spPr>
+          <a:xfrm>
+            <a:off x="4889606" y="3217092"/>
+            <a:ext cx="182880" cy="182880"/>
+          </a:xfrm>
+          <a:prstGeom prst="ellipse">
+            <a:avLst/>
+          </a:prstGeom>
+          <a:noFill/>
+          <a:ln w="38100">
+            <a:solidFill>
+              <a:srgbClr val="BE0060"/>
+            </a:solidFill>
+          </a:ln>
+        </p:spPr>
+        <p:style>
+          <a:lnRef idx="2">
+            <a:schemeClr val="accent1">
+              <a:shade val="50000"/>
+            </a:schemeClr>
+          </a:lnRef>
+          <a:fillRef idx="1">
+            <a:schemeClr val="accent1"/>
+          </a:fillRef>
+          <a:effectRef idx="0">
+            <a:schemeClr val="accent1"/>
+          </a:effectRef>
+          <a:fontRef idx="minor">
+            <a:schemeClr val="lt1"/>
+          </a:fontRef>
+        </p:style>
+        <p:txBody>
+          <a:bodyPr rtlCol="0" anchor="ctr"/>
           <a:lstStyle/>
           <a:p>
-            <a:pPr marL="514350" indent="-514350">
-              <a:buFont typeface="+mj-lt"/>
-              <a:buAutoNum type="arabicPeriod"/>
-            </a:pPr>
-            <a:r>
-              <a:rPr lang="en-US" dirty="0">
-                <a:solidFill>
-                  <a:schemeClr val="accent2"/>
-                </a:solidFill>
-              </a:rPr>
-              <a:t>A computer vision model that detects carcinoma</a:t>
-            </a:r>
+            <a:pPr algn="ctr"/>
+            <a:endParaRPr lang="en-US"/>
+          </a:p>
+        </p:txBody>
+      </p:sp>
+      <p:sp>
+        <p:nvSpPr>
+          <p:cNvPr id="13" name="Oval 12">
+            <a:extLst>
+              <a:ext uri="{FF2B5EF4-FFF2-40B4-BE49-F238E27FC236}">
+                <a16:creationId xmlns:a16="http://schemas.microsoft.com/office/drawing/2014/main" id="{1D00B6C1-790E-214F-B195-1B9CEE53D153}"/>
+              </a:ext>
+            </a:extLst>
+          </p:cNvPr>
+          <p:cNvSpPr/>
+          <p:nvPr/>
+        </p:nvSpPr>
+        <p:spPr>
+          <a:xfrm>
+            <a:off x="11265712" y="3278347"/>
+            <a:ext cx="182880" cy="182880"/>
+          </a:xfrm>
+          <a:prstGeom prst="ellipse">
+            <a:avLst/>
+          </a:prstGeom>
+          <a:noFill/>
+          <a:ln w="38100">
+            <a:solidFill>
+              <a:srgbClr val="BE0060"/>
+            </a:solidFill>
+          </a:ln>
+        </p:spPr>
+        <p:style>
+          <a:lnRef idx="2">
+            <a:schemeClr val="accent1">
+              <a:shade val="50000"/>
+            </a:schemeClr>
+          </a:lnRef>
+          <a:fillRef idx="1">
+            <a:schemeClr val="accent1"/>
+          </a:fillRef>
+          <a:effectRef idx="0">
+            <a:schemeClr val="accent1"/>
+          </a:effectRef>
+          <a:fontRef idx="minor">
+            <a:schemeClr val="lt1"/>
+          </a:fontRef>
+        </p:style>
+        <p:txBody>
+          <a:bodyPr rtlCol="0" anchor="ctr"/>
+          <a:lstStyle/>
+          <a:p>
+            <a:pPr algn="ctr"/>
+            <a:endParaRPr lang="en-US"/>
           </a:p>
         </p:txBody>
       </p:sp>
     </p:spTree>
     <p:extLst>
       <p:ext uri="{BB962C8B-B14F-4D97-AF65-F5344CB8AC3E}">
-        <p14:creationId xmlns:p14="http://schemas.microsoft.com/office/powerpoint/2010/main" val="4093246464"/>
+        <p14:creationId xmlns:p14="http://schemas.microsoft.com/office/powerpoint/2010/main" val="3883021969"/>
       </p:ext>
     </p:extLst>
   </p:cSld>
@@ -7172,7 +13427,7 @@
 </p:sld>
 </file>
 
-<file path=ppt/slides/slide12.xml><?xml version="1.0" encoding="utf-8"?>
+<file path=ppt/slides/slide33.xml><?xml version="1.0" encoding="utf-8"?>
 <p:sld xmlns:a="http://schemas.openxmlformats.org/drawingml/2006/main" xmlns:r="http://schemas.openxmlformats.org/officeDocument/2006/relationships" xmlns:p="http://schemas.openxmlformats.org/presentationml/2006/main">
   <p:cSld>
     <p:spTree>
@@ -7194,7 +13449,7 @@
           <p:cNvPr id="2" name="Title 1">
             <a:extLst>
               <a:ext uri="{FF2B5EF4-FFF2-40B4-BE49-F238E27FC236}">
-                <a16:creationId xmlns:a16="http://schemas.microsoft.com/office/drawing/2014/main" id="{95DA13A3-7A9E-0C45-9780-C41A9E763217}"/>
+                <a16:creationId xmlns:a16="http://schemas.microsoft.com/office/drawing/2014/main" id="{06B4C450-3A45-A033-538E-F51C5D653D06}"/>
               </a:ext>
             </a:extLst>
           </p:cNvPr>
@@ -7212,7 +13467,7 @@
           <a:p>
             <a:r>
               <a:rPr lang="en-US" dirty="0"/>
-              <a:t>Healthcare Scenarios</a:t>
+              <a:t>Summary</a:t>
             </a:r>
           </a:p>
         </p:txBody>
@@ -7222,7 +13477,7 @@
           <p:cNvPr id="3" name="Content Placeholder 2">
             <a:extLst>
               <a:ext uri="{FF2B5EF4-FFF2-40B4-BE49-F238E27FC236}">
-                <a16:creationId xmlns:a16="http://schemas.microsoft.com/office/drawing/2014/main" id="{1A5973A7-560F-214F-84CC-6DA04B1FB907}"/>
+                <a16:creationId xmlns:a16="http://schemas.microsoft.com/office/drawing/2014/main" id="{C257A09E-34B6-ABB5-3BE5-E2ABFBA4896B}"/>
               </a:ext>
             </a:extLst>
           </p:cNvPr>
@@ -7233,39 +13488,62 @@
             <p:ph idx="1"/>
           </p:nvPr>
         </p:nvSpPr>
-        <p:spPr/>
+        <p:spPr>
+          <a:xfrm>
+            <a:off x="838200" y="1433740"/>
+            <a:ext cx="10515600" cy="4351338"/>
+          </a:xfrm>
+        </p:spPr>
         <p:txBody>
           <a:bodyPr/>
           <a:lstStyle/>
           <a:p>
-            <a:pPr marL="514350" indent="-514350">
-              <a:buFont typeface="+mj-lt"/>
-              <a:buAutoNum type="arabicPeriod"/>
-            </a:pPr>
             <a:r>
               <a:rPr lang="en-US" dirty="0"/>
-              <a:t>A computer vision model that detects carcinoma</a:t>
-            </a:r>
-          </a:p>
-          <a:p>
-            <a:pPr marL="514350" indent="-514350">
-              <a:buFont typeface="+mj-lt"/>
-              <a:buAutoNum type="arabicPeriod"/>
-            </a:pPr>
+              <a:t>It is critical to understand performance measures in order to critically evaluate models and put them to clinical/healthcare use.</a:t>
+            </a:r>
+          </a:p>
+          <a:p>
             <a:endParaRPr lang="en-US" dirty="0"/>
           </a:p>
           <a:p>
-            <a:pPr marL="514350" indent="-514350">
-              <a:buFont typeface="+mj-lt"/>
-              <a:buAutoNum type="arabicPeriod"/>
-            </a:pPr>
-            <a:r>
-              <a:rPr lang="en-US" dirty="0">
-                <a:solidFill>
-                  <a:schemeClr val="accent2"/>
-                </a:solidFill>
-              </a:rPr>
-              <a:t>An EHR-based model that surveils autism risk</a:t>
+            <a:r>
+              <a:rPr lang="en-US" dirty="0"/>
+              <a:t>To contextualize performance, we often compare models to a </a:t>
+            </a:r>
+            <a:r>
+              <a:rPr lang="en-US" i="1" dirty="0"/>
+              <a:t>no information </a:t>
+            </a:r>
+            <a:r>
+              <a:rPr lang="en-US" dirty="0"/>
+              <a:t>model whose predictions are random.</a:t>
+            </a:r>
+          </a:p>
+          <a:p>
+            <a:endParaRPr lang="en-US" dirty="0"/>
+          </a:p>
+          <a:p>
+            <a:r>
+              <a:rPr lang="en-US" dirty="0"/>
+              <a:t>However, </a:t>
+            </a:r>
+            <a:r>
+              <a:rPr lang="en-US" i="1" dirty="0"/>
+              <a:t>good</a:t>
+            </a:r>
+            <a:r>
+              <a:rPr lang="en-US" dirty="0"/>
+              <a:t> performance depends on existing alternative approaches, both tech- and non-tech-based, and the clinical scenario.</a:t>
+            </a:r>
+          </a:p>
+          <a:p>
+            <a:endParaRPr lang="en-US" dirty="0"/>
+          </a:p>
+          <a:p>
+            <a:r>
+              <a:rPr lang="en-US" dirty="0"/>
+              <a:t>Which measure is most important also depends on the clinical scenario.</a:t>
             </a:r>
           </a:p>
         </p:txBody>
@@ -7273,7 +13551,7 @@
     </p:spTree>
     <p:extLst>
       <p:ext uri="{BB962C8B-B14F-4D97-AF65-F5344CB8AC3E}">
-        <p14:creationId xmlns:p14="http://schemas.microsoft.com/office/powerpoint/2010/main" val="34421020"/>
+        <p14:creationId xmlns:p14="http://schemas.microsoft.com/office/powerpoint/2010/main" val="671421214"/>
       </p:ext>
     </p:extLst>
   </p:cSld>
@@ -7283,7 +13561,7 @@
 </p:sld>
 </file>
 
-<file path=ppt/slides/slide13.xml><?xml version="1.0" encoding="utf-8"?>
+<file path=ppt/slides/slide34.xml><?xml version="1.0" encoding="utf-8"?>
 <p:sld xmlns:a="http://schemas.openxmlformats.org/drawingml/2006/main" xmlns:r="http://schemas.openxmlformats.org/officeDocument/2006/relationships" xmlns:p="http://schemas.openxmlformats.org/presentationml/2006/main">
   <p:cSld>
     <p:spTree>
@@ -7305,7 +13583,7 @@
           <p:cNvPr id="2" name="Title 1">
             <a:extLst>
               <a:ext uri="{FF2B5EF4-FFF2-40B4-BE49-F238E27FC236}">
-                <a16:creationId xmlns:a16="http://schemas.microsoft.com/office/drawing/2014/main" id="{95DA13A3-7A9E-0C45-9780-C41A9E763217}"/>
+                <a16:creationId xmlns:a16="http://schemas.microsoft.com/office/drawing/2014/main" id="{7BF1D052-40A6-0077-B306-7AD68C4DA81F}"/>
               </a:ext>
             </a:extLst>
           </p:cNvPr>
@@ -7323,280 +13601,7 @@
           <a:p>
             <a:r>
               <a:rPr lang="en-US" dirty="0"/>
-              <a:t>Healthcare Scenarios</a:t>
-            </a:r>
-          </a:p>
-        </p:txBody>
-      </p:sp>
-      <p:sp>
-        <p:nvSpPr>
-          <p:cNvPr id="3" name="Content Placeholder 2">
-            <a:extLst>
-              <a:ext uri="{FF2B5EF4-FFF2-40B4-BE49-F238E27FC236}">
-                <a16:creationId xmlns:a16="http://schemas.microsoft.com/office/drawing/2014/main" id="{1A5973A7-560F-214F-84CC-6DA04B1FB907}"/>
-              </a:ext>
-            </a:extLst>
-          </p:cNvPr>
-          <p:cNvSpPr>
-            <a:spLocks noGrp="1"/>
-          </p:cNvSpPr>
-          <p:nvPr>
-            <p:ph idx="1"/>
-          </p:nvPr>
-        </p:nvSpPr>
-        <p:spPr/>
-        <p:txBody>
-          <a:bodyPr/>
-          <a:lstStyle/>
-          <a:p>
-            <a:pPr marL="514350" indent="-514350">
-              <a:buFont typeface="+mj-lt"/>
-              <a:buAutoNum type="arabicPeriod"/>
-            </a:pPr>
-            <a:r>
-              <a:rPr lang="en-US" dirty="0"/>
-              <a:t>A computer vision model that detects carcinoma</a:t>
-            </a:r>
-          </a:p>
-          <a:p>
-            <a:pPr marL="514350" indent="-514350">
-              <a:buFont typeface="+mj-lt"/>
-              <a:buAutoNum type="arabicPeriod"/>
-            </a:pPr>
-            <a:endParaRPr lang="en-US" dirty="0"/>
-          </a:p>
-          <a:p>
-            <a:pPr marL="514350" indent="-514350">
-              <a:buFont typeface="+mj-lt"/>
-              <a:buAutoNum type="arabicPeriod"/>
-            </a:pPr>
-            <a:r>
-              <a:rPr lang="en-US" dirty="0"/>
-              <a:t>An EHR-based model that surveils autism risk</a:t>
-            </a:r>
-          </a:p>
-          <a:p>
-            <a:pPr marL="514350" indent="-514350">
-              <a:buFont typeface="+mj-lt"/>
-              <a:buAutoNum type="arabicPeriod"/>
-            </a:pPr>
-            <a:endParaRPr lang="en-US" dirty="0"/>
-          </a:p>
-          <a:p>
-            <a:pPr marL="514350" indent="-514350">
-              <a:buFont typeface="+mj-lt"/>
-              <a:buAutoNum type="arabicPeriod"/>
-            </a:pPr>
-            <a:r>
-              <a:rPr lang="en-US" dirty="0">
-                <a:solidFill>
-                  <a:schemeClr val="accent2"/>
-                </a:solidFill>
-              </a:rPr>
-              <a:t>An algorithm that detects COVID in Apple watch users</a:t>
-            </a:r>
-          </a:p>
-        </p:txBody>
-      </p:sp>
-    </p:spTree>
-    <p:extLst>
-      <p:ext uri="{BB962C8B-B14F-4D97-AF65-F5344CB8AC3E}">
-        <p14:creationId xmlns:p14="http://schemas.microsoft.com/office/powerpoint/2010/main" val="1358883087"/>
-      </p:ext>
-    </p:extLst>
-  </p:cSld>
-  <p:clrMapOvr>
-    <a:masterClrMapping/>
-  </p:clrMapOvr>
-</p:sld>
-</file>
-
-<file path=ppt/slides/slide14.xml><?xml version="1.0" encoding="utf-8"?>
-<p:sld xmlns:a="http://schemas.openxmlformats.org/drawingml/2006/main" xmlns:r="http://schemas.openxmlformats.org/officeDocument/2006/relationships" xmlns:p="http://schemas.openxmlformats.org/presentationml/2006/main">
-  <p:cSld>
-    <p:spTree>
-      <p:nvGrpSpPr>
-        <p:cNvPr id="1" name=""/>
-        <p:cNvGrpSpPr/>
-        <p:nvPr/>
-      </p:nvGrpSpPr>
-      <p:grpSpPr>
-        <a:xfrm>
-          <a:off x="0" y="0"/>
-          <a:ext cx="0" cy="0"/>
-          <a:chOff x="0" y="0"/>
-          <a:chExt cx="0" cy="0"/>
-        </a:xfrm>
-      </p:grpSpPr>
-      <p:sp>
-        <p:nvSpPr>
-          <p:cNvPr id="2" name="Title 1">
-            <a:extLst>
-              <a:ext uri="{FF2B5EF4-FFF2-40B4-BE49-F238E27FC236}">
-                <a16:creationId xmlns:a16="http://schemas.microsoft.com/office/drawing/2014/main" id="{95DA13A3-7A9E-0C45-9780-C41A9E763217}"/>
-              </a:ext>
-            </a:extLst>
-          </p:cNvPr>
-          <p:cNvSpPr>
-            <a:spLocks noGrp="1"/>
-          </p:cNvSpPr>
-          <p:nvPr>
-            <p:ph type="title"/>
-          </p:nvPr>
-        </p:nvSpPr>
-        <p:spPr/>
-        <p:txBody>
-          <a:bodyPr/>
-          <a:lstStyle/>
-          <a:p>
-            <a:r>
-              <a:rPr lang="en-US" dirty="0"/>
-              <a:t>Healthcare Scenarios</a:t>
-            </a:r>
-          </a:p>
-        </p:txBody>
-      </p:sp>
-      <p:sp>
-        <p:nvSpPr>
-          <p:cNvPr id="3" name="Content Placeholder 2">
-            <a:extLst>
-              <a:ext uri="{FF2B5EF4-FFF2-40B4-BE49-F238E27FC236}">
-                <a16:creationId xmlns:a16="http://schemas.microsoft.com/office/drawing/2014/main" id="{1A5973A7-560F-214F-84CC-6DA04B1FB907}"/>
-              </a:ext>
-            </a:extLst>
-          </p:cNvPr>
-          <p:cNvSpPr>
-            <a:spLocks noGrp="1"/>
-          </p:cNvSpPr>
-          <p:nvPr>
-            <p:ph idx="1"/>
-          </p:nvPr>
-        </p:nvSpPr>
-        <p:spPr/>
-        <p:txBody>
-          <a:bodyPr/>
-          <a:lstStyle/>
-          <a:p>
-            <a:pPr marL="514350" indent="-514350">
-              <a:buFont typeface="+mj-lt"/>
-              <a:buAutoNum type="arabicPeriod"/>
-            </a:pPr>
-            <a:r>
-              <a:rPr lang="en-US" dirty="0"/>
-              <a:t>A computer vision model that detects carcinoma</a:t>
-            </a:r>
-          </a:p>
-          <a:p>
-            <a:pPr marL="514350" indent="-514350">
-              <a:buFont typeface="+mj-lt"/>
-              <a:buAutoNum type="arabicPeriod"/>
-            </a:pPr>
-            <a:endParaRPr lang="en-US" dirty="0"/>
-          </a:p>
-          <a:p>
-            <a:pPr marL="514350" indent="-514350">
-              <a:buFont typeface="+mj-lt"/>
-              <a:buAutoNum type="arabicPeriod"/>
-            </a:pPr>
-            <a:r>
-              <a:rPr lang="en-US" dirty="0"/>
-              <a:t>An EHR-based model that surveils autism risk</a:t>
-            </a:r>
-          </a:p>
-          <a:p>
-            <a:pPr marL="514350" indent="-514350">
-              <a:buFont typeface="+mj-lt"/>
-              <a:buAutoNum type="arabicPeriod"/>
-            </a:pPr>
-            <a:endParaRPr lang="en-US" dirty="0"/>
-          </a:p>
-          <a:p>
-            <a:pPr marL="514350" indent="-514350">
-              <a:buFont typeface="+mj-lt"/>
-              <a:buAutoNum type="arabicPeriod"/>
-            </a:pPr>
-            <a:r>
-              <a:rPr lang="en-US" dirty="0"/>
-              <a:t>An algorithm that detects COVID in Apple watch users</a:t>
-            </a:r>
-          </a:p>
-          <a:p>
-            <a:pPr marL="514350" indent="-514350">
-              <a:buFont typeface="+mj-lt"/>
-              <a:buAutoNum type="arabicPeriod"/>
-            </a:pPr>
-            <a:endParaRPr lang="en-US" dirty="0"/>
-          </a:p>
-          <a:p>
-            <a:pPr marL="514350" indent="-514350">
-              <a:buFont typeface="+mj-lt"/>
-              <a:buAutoNum type="arabicPeriod"/>
-            </a:pPr>
-            <a:r>
-              <a:rPr lang="en-US" dirty="0">
-                <a:solidFill>
-                  <a:schemeClr val="accent2"/>
-                </a:solidFill>
-              </a:rPr>
-              <a:t>An NLP model that identifies urgent text messages received through a maternal health platform with 2 million users</a:t>
-            </a:r>
-          </a:p>
-        </p:txBody>
-      </p:sp>
-    </p:spTree>
-    <p:extLst>
-      <p:ext uri="{BB962C8B-B14F-4D97-AF65-F5344CB8AC3E}">
-        <p14:creationId xmlns:p14="http://schemas.microsoft.com/office/powerpoint/2010/main" val="1186965028"/>
-      </p:ext>
-    </p:extLst>
-  </p:cSld>
-  <p:clrMapOvr>
-    <a:masterClrMapping/>
-  </p:clrMapOvr>
-</p:sld>
-</file>
-
-<file path=ppt/slides/slide15.xml><?xml version="1.0" encoding="utf-8"?>
-<p:sld xmlns:a="http://schemas.openxmlformats.org/drawingml/2006/main" xmlns:r="http://schemas.openxmlformats.org/officeDocument/2006/relationships" xmlns:p="http://schemas.openxmlformats.org/presentationml/2006/main">
-  <p:cSld>
-    <p:spTree>
-      <p:nvGrpSpPr>
-        <p:cNvPr id="1" name=""/>
-        <p:cNvGrpSpPr/>
-        <p:nvPr/>
-      </p:nvGrpSpPr>
-      <p:grpSpPr>
-        <a:xfrm>
-          <a:off x="0" y="0"/>
-          <a:ext cx="0" cy="0"/>
-          <a:chOff x="0" y="0"/>
-          <a:chExt cx="0" cy="0"/>
-        </a:xfrm>
-      </p:grpSpPr>
-      <p:sp>
-        <p:nvSpPr>
-          <p:cNvPr id="2" name="Title 1">
-            <a:extLst>
-              <a:ext uri="{FF2B5EF4-FFF2-40B4-BE49-F238E27FC236}">
-                <a16:creationId xmlns:a16="http://schemas.microsoft.com/office/drawing/2014/main" id="{7BF1D052-40A6-0077-B306-7AD68C4DA81F}"/>
-              </a:ext>
-            </a:extLst>
-          </p:cNvPr>
-          <p:cNvSpPr>
-            <a:spLocks noGrp="1"/>
-          </p:cNvSpPr>
-          <p:nvPr>
-            <p:ph type="title"/>
-          </p:nvPr>
-        </p:nvSpPr>
-        <p:spPr/>
-        <p:txBody>
-          <a:bodyPr/>
-          <a:lstStyle/>
-          <a:p>
-            <a:r>
-              <a:rPr lang="en-US" dirty="0"/>
-              <a:t>Backup Slides</a:t>
+              <a:t>Confusion Matrix for Multi-Class Problems</a:t>
             </a:r>
           </a:p>
         </p:txBody>
@@ -7622,7 +13627,10 @@
           <a:bodyPr/>
           <a:lstStyle/>
           <a:p>
-            <a:endParaRPr lang="en-US"/>
+            <a:r>
+              <a:rPr lang="en-US" dirty="0"/>
+              <a:t>If time allows.</a:t>
+            </a:r>
           </a:p>
         </p:txBody>
       </p:sp>
@@ -7639,7 +13647,7 @@
 </p:sld>
 </file>
 
-<file path=ppt/slides/slide16.xml><?xml version="1.0" encoding="utf-8"?>
+<file path=ppt/slides/slide35.xml><?xml version="1.0" encoding="utf-8"?>
 <p:sld xmlns:a="http://schemas.openxmlformats.org/drawingml/2006/main" xmlns:r="http://schemas.openxmlformats.org/officeDocument/2006/relationships" xmlns:p="http://schemas.openxmlformats.org/presentationml/2006/main">
   <p:cSld>
     <p:spTree>
@@ -9206,7 +15214,7 @@
 </p:sld>
 </file>
 
-<file path=ppt/slides/slide17.xml><?xml version="1.0" encoding="utf-8"?>
+<file path=ppt/slides/slide36.xml><?xml version="1.0" encoding="utf-8"?>
 <p:sld xmlns:a="http://schemas.openxmlformats.org/drawingml/2006/main" xmlns:r="http://schemas.openxmlformats.org/officeDocument/2006/relationships" xmlns:p="http://schemas.openxmlformats.org/presentationml/2006/main">
   <p:cSld>
     <p:spTree>
@@ -10778,7 +16786,7 @@
 </p:sld>
 </file>
 
-<file path=ppt/slides/slide18.xml><?xml version="1.0" encoding="utf-8"?>
+<file path=ppt/slides/slide37.xml><?xml version="1.0" encoding="utf-8"?>
 <p:sld xmlns:a="http://schemas.openxmlformats.org/drawingml/2006/main" xmlns:r="http://schemas.openxmlformats.org/officeDocument/2006/relationships" xmlns:p="http://schemas.openxmlformats.org/presentationml/2006/main">
   <p:cSld>
     <p:spTree>
@@ -12345,7 +18353,7 @@
 </p:sld>
 </file>
 
-<file path=ppt/slides/slide19.xml><?xml version="1.0" encoding="utf-8"?>
+<file path=ppt/slides/slide38.xml><?xml version="1.0" encoding="utf-8"?>
 <p:sld xmlns:a="http://schemas.openxmlformats.org/drawingml/2006/main" xmlns:r="http://schemas.openxmlformats.org/officeDocument/2006/relationships" xmlns:p="http://schemas.openxmlformats.org/presentationml/2006/main">
   <p:cSld>
     <p:spTree>
@@ -12500,262 +18508,6 @@
     <p:extLst>
       <p:ext uri="{BB962C8B-B14F-4D97-AF65-F5344CB8AC3E}">
         <p14:creationId xmlns:p14="http://schemas.microsoft.com/office/powerpoint/2010/main" val="1875800316"/>
-      </p:ext>
-    </p:extLst>
-  </p:cSld>
-  <p:clrMapOvr>
-    <a:masterClrMapping/>
-  </p:clrMapOvr>
-</p:sld>
-</file>
-
-<file path=ppt/slides/slide2.xml><?xml version="1.0" encoding="utf-8"?>
-<p:sld xmlns:a="http://schemas.openxmlformats.org/drawingml/2006/main" xmlns:r="http://schemas.openxmlformats.org/officeDocument/2006/relationships" xmlns:p="http://schemas.openxmlformats.org/presentationml/2006/main">
-  <p:cSld>
-    <p:spTree>
-      <p:nvGrpSpPr>
-        <p:cNvPr id="1" name=""/>
-        <p:cNvGrpSpPr/>
-        <p:nvPr/>
-      </p:nvGrpSpPr>
-      <p:grpSpPr>
-        <a:xfrm>
-          <a:off x="0" y="0"/>
-          <a:ext cx="0" cy="0"/>
-          <a:chOff x="0" y="0"/>
-          <a:chExt cx="0" cy="0"/>
-        </a:xfrm>
-      </p:grpSpPr>
-      <p:sp>
-        <p:nvSpPr>
-          <p:cNvPr id="2" name="Title 1">
-            <a:extLst>
-              <a:ext uri="{FF2B5EF4-FFF2-40B4-BE49-F238E27FC236}">
-                <a16:creationId xmlns:a16="http://schemas.microsoft.com/office/drawing/2014/main" id="{2A3613A8-35E9-0A4B-BD2D-5C0540EB8F36}"/>
-              </a:ext>
-            </a:extLst>
-          </p:cNvPr>
-          <p:cNvSpPr>
-            <a:spLocks noGrp="1"/>
-          </p:cNvSpPr>
-          <p:nvPr>
-            <p:ph type="title"/>
-          </p:nvPr>
-        </p:nvSpPr>
-        <p:spPr/>
-        <p:txBody>
-          <a:bodyPr/>
-          <a:lstStyle/>
-          <a:p>
-            <a:r>
-              <a:rPr lang="en-US" dirty="0"/>
-              <a:t>Goals</a:t>
-            </a:r>
-          </a:p>
-        </p:txBody>
-      </p:sp>
-      <p:sp>
-        <p:nvSpPr>
-          <p:cNvPr id="3" name="Content Placeholder 2">
-            <a:extLst>
-              <a:ext uri="{FF2B5EF4-FFF2-40B4-BE49-F238E27FC236}">
-                <a16:creationId xmlns:a16="http://schemas.microsoft.com/office/drawing/2014/main" id="{68A7F77C-D784-8549-9139-5EA7547C2C8B}"/>
-              </a:ext>
-            </a:extLst>
-          </p:cNvPr>
-          <p:cNvSpPr>
-            <a:spLocks noGrp="1"/>
-          </p:cNvSpPr>
-          <p:nvPr>
-            <p:ph idx="1"/>
-          </p:nvPr>
-        </p:nvSpPr>
-        <p:spPr/>
-        <p:txBody>
-          <a:bodyPr/>
-          <a:lstStyle/>
-          <a:p>
-            <a:r>
-              <a:rPr lang="en-US" dirty="0"/>
-              <a:t>Understand common performance measures </a:t>
-            </a:r>
-            <a:r>
-              <a:rPr lang="en-US" u="sng" dirty="0"/>
-              <a:t>for binary classification</a:t>
-            </a:r>
-          </a:p>
-          <a:p>
-            <a:endParaRPr lang="en-US" dirty="0"/>
-          </a:p>
-          <a:p>
-            <a:r>
-              <a:rPr lang="en-US" dirty="0"/>
-              <a:t>Recognize that which measure(s) are most appropriate depends on the application</a:t>
-            </a:r>
-          </a:p>
-          <a:p>
-            <a:endParaRPr lang="en-US" dirty="0"/>
-          </a:p>
-          <a:p>
-            <a:r>
-              <a:rPr lang="en-US" dirty="0"/>
-              <a:t>Run through a few different clinical scenarios</a:t>
-            </a:r>
-          </a:p>
-          <a:p>
-            <a:endParaRPr lang="en-US" dirty="0"/>
-          </a:p>
-          <a:p>
-            <a:r>
-              <a:rPr lang="en-US" dirty="0"/>
-              <a:t>Touch on metrics for problems other than binary classification</a:t>
-            </a:r>
-          </a:p>
-        </p:txBody>
-      </p:sp>
-    </p:spTree>
-    <p:extLst>
-      <p:ext uri="{BB962C8B-B14F-4D97-AF65-F5344CB8AC3E}">
-        <p14:creationId xmlns:p14="http://schemas.microsoft.com/office/powerpoint/2010/main" val="3691798506"/>
-      </p:ext>
-    </p:extLst>
-  </p:cSld>
-  <p:clrMapOvr>
-    <a:masterClrMapping/>
-  </p:clrMapOvr>
-</p:sld>
-</file>
-
-<file path=ppt/slides/slide3.xml><?xml version="1.0" encoding="utf-8"?>
-<p:sld xmlns:a="http://schemas.openxmlformats.org/drawingml/2006/main" xmlns:r="http://schemas.openxmlformats.org/officeDocument/2006/relationships" xmlns:p="http://schemas.openxmlformats.org/presentationml/2006/main">
-  <p:cSld>
-    <p:spTree>
-      <p:nvGrpSpPr>
-        <p:cNvPr id="1" name=""/>
-        <p:cNvGrpSpPr/>
-        <p:nvPr/>
-      </p:nvGrpSpPr>
-      <p:grpSpPr>
-        <a:xfrm>
-          <a:off x="0" y="0"/>
-          <a:ext cx="0" cy="0"/>
-          <a:chOff x="0" y="0"/>
-          <a:chExt cx="0" cy="0"/>
-        </a:xfrm>
-      </p:grpSpPr>
-      <p:sp>
-        <p:nvSpPr>
-          <p:cNvPr id="2" name="Title 1">
-            <a:extLst>
-              <a:ext uri="{FF2B5EF4-FFF2-40B4-BE49-F238E27FC236}">
-                <a16:creationId xmlns:a16="http://schemas.microsoft.com/office/drawing/2014/main" id="{04CB8260-0268-5F16-A508-CACA4BA4BEB7}"/>
-              </a:ext>
-            </a:extLst>
-          </p:cNvPr>
-          <p:cNvSpPr>
-            <a:spLocks noGrp="1"/>
-          </p:cNvSpPr>
-          <p:nvPr>
-            <p:ph type="title"/>
-          </p:nvPr>
-        </p:nvSpPr>
-        <p:spPr/>
-        <p:txBody>
-          <a:bodyPr/>
-          <a:lstStyle/>
-          <a:p>
-            <a:r>
-              <a:rPr lang="en-US" dirty="0"/>
-              <a:t>Things to add</a:t>
-            </a:r>
-          </a:p>
-        </p:txBody>
-      </p:sp>
-      <p:sp>
-        <p:nvSpPr>
-          <p:cNvPr id="3" name="Content Placeholder 2">
-            <a:extLst>
-              <a:ext uri="{FF2B5EF4-FFF2-40B4-BE49-F238E27FC236}">
-                <a16:creationId xmlns:a16="http://schemas.microsoft.com/office/drawing/2014/main" id="{4CE704AB-26A3-9407-848C-D8EF1BEFFF3B}"/>
-              </a:ext>
-            </a:extLst>
-          </p:cNvPr>
-          <p:cNvSpPr>
-            <a:spLocks noGrp="1"/>
-          </p:cNvSpPr>
-          <p:nvPr>
-            <p:ph idx="1"/>
-          </p:nvPr>
-        </p:nvSpPr>
-        <p:spPr>
-          <a:xfrm>
-            <a:off x="838200" y="1384950"/>
-            <a:ext cx="10515600" cy="4351338"/>
-          </a:xfrm>
-        </p:spPr>
-        <p:txBody>
-          <a:bodyPr/>
-          <a:lstStyle/>
-          <a:p>
-            <a:r>
-              <a:rPr lang="en-US" dirty="0"/>
-              <a:t>Think about a classifier making predictions.</a:t>
-            </a:r>
-          </a:p>
-          <a:p>
-            <a:r>
-              <a:rPr lang="en-US" dirty="0"/>
-              <a:t>What is it trying to do? Individuals without cancer – low prob, with cancer, high prob</a:t>
-            </a:r>
-          </a:p>
-          <a:p>
-            <a:r>
-              <a:rPr lang="en-US" dirty="0"/>
-              <a:t>Go through this – look at ROC and AUC. OK, but what value is good?</a:t>
-            </a:r>
-          </a:p>
-          <a:p>
-            <a:r>
-              <a:rPr lang="en-US" dirty="0"/>
-              <a:t>Well, let’s think about a shit classifier. </a:t>
-            </a:r>
-          </a:p>
-          <a:p>
-            <a:r>
-              <a:rPr lang="en-US" dirty="0"/>
-              <a:t>What about a model that’s shit at doing this – just places them at random points</a:t>
-            </a:r>
-          </a:p>
-          <a:p>
-            <a:r>
-              <a:rPr lang="en-US" dirty="0"/>
-              <a:t>“no info idea”</a:t>
-            </a:r>
-          </a:p>
-          <a:p>
-            <a:r>
-              <a:rPr lang="en-US" dirty="0"/>
-              <a:t>More on AUC – what’s a “good” value? It depends!</a:t>
-            </a:r>
-          </a:p>
-          <a:p>
-            <a:r>
-              <a:rPr lang="en-US" dirty="0"/>
-              <a:t>We can say whether it’s better than random. We can say whether it’s better than another classifier – or whether it’s better than experts.</a:t>
-            </a:r>
-          </a:p>
-          <a:p>
-            <a:r>
-              <a:rPr lang="en-US" dirty="0"/>
-              <a:t>Then, go through some scenarios. What matters – sometimes it’s PPV! We have a curve for that.</a:t>
-            </a:r>
-          </a:p>
-        </p:txBody>
-      </p:sp>
-    </p:spTree>
-    <p:extLst>
-      <p:ext uri="{BB962C8B-B14F-4D97-AF65-F5344CB8AC3E}">
-        <p14:creationId xmlns:p14="http://schemas.microsoft.com/office/powerpoint/2010/main" val="813484687"/>
       </p:ext>
     </p:extLst>
   </p:cSld>
@@ -12782,12 +18534,50 @@
           <a:chExt cx="0" cy="0"/>
         </a:xfrm>
       </p:grpSpPr>
+      <p:sp>
+        <p:nvSpPr>
+          <p:cNvPr id="2" name="Title 1">
+            <a:extLst>
+              <a:ext uri="{FF2B5EF4-FFF2-40B4-BE49-F238E27FC236}">
+                <a16:creationId xmlns:a16="http://schemas.microsoft.com/office/drawing/2014/main" id="{47403CEA-C913-1D48-BDC5-FE38B2536DC8}"/>
+              </a:ext>
+            </a:extLst>
+          </p:cNvPr>
+          <p:cNvSpPr>
+            <a:spLocks noGrp="1"/>
+          </p:cNvSpPr>
+          <p:nvPr>
+            <p:ph type="title"/>
+          </p:nvPr>
+        </p:nvSpPr>
+        <p:spPr>
+          <a:xfrm>
+            <a:off x="0" y="34982"/>
+            <a:ext cx="12192000" cy="1325563"/>
+          </a:xfrm>
+        </p:spPr>
+        <p:txBody>
+          <a:bodyPr/>
+          <a:lstStyle/>
+          <a:p>
+            <a:pPr algn="ctr"/>
+            <a:r>
+              <a:rPr lang="en-US" sz="3600" u="sng" dirty="0"/>
+              <a:t>Back to cancer prediction</a:t>
+            </a:r>
+            <a:r>
+              <a:rPr lang="en-US" sz="3600" dirty="0"/>
+              <a:t>. Suppose our features are highly informative. What might our model’s predictions look like?</a:t>
+            </a:r>
+          </a:p>
+        </p:txBody>
+      </p:sp>
       <p:pic>
         <p:nvPicPr>
-          <p:cNvPr id="4" name="Picture 3">
-            <a:extLst>
-              <a:ext uri="{FF2B5EF4-FFF2-40B4-BE49-F238E27FC236}">
-                <a16:creationId xmlns:a16="http://schemas.microsoft.com/office/drawing/2014/main" id="{9B751073-2C38-CC4F-BEE8-FD5B2116E463}"/>
+          <p:cNvPr id="5" name="Picture 4">
+            <a:extLst>
+              <a:ext uri="{FF2B5EF4-FFF2-40B4-BE49-F238E27FC236}">
+                <a16:creationId xmlns:a16="http://schemas.microsoft.com/office/drawing/2014/main" id="{F9D792F2-EC6C-A6E1-D456-1BE3218C34E2}"/>
               </a:ext>
             </a:extLst>
           </p:cNvPr>
@@ -12814,104 +18604,50 @@
       </p:pic>
       <p:sp>
         <p:nvSpPr>
-          <p:cNvPr id="19" name="TextBox 18">
-            <a:extLst>
-              <a:ext uri="{FF2B5EF4-FFF2-40B4-BE49-F238E27FC236}">
-                <a16:creationId xmlns:a16="http://schemas.microsoft.com/office/drawing/2014/main" id="{87CD8BEC-5813-1E49-B5AF-1FE8E1837411}"/>
-              </a:ext>
-            </a:extLst>
-          </p:cNvPr>
-          <p:cNvSpPr txBox="1"/>
+          <p:cNvPr id="6" name="Rectangle 5">
+            <a:extLst>
+              <a:ext uri="{FF2B5EF4-FFF2-40B4-BE49-F238E27FC236}">
+                <a16:creationId xmlns:a16="http://schemas.microsoft.com/office/drawing/2014/main" id="{2E5A1D9A-0F90-1B20-A1DD-867DFA1BD3E5}"/>
+              </a:ext>
+            </a:extLst>
+          </p:cNvPr>
+          <p:cNvSpPr/>
           <p:nvPr/>
         </p:nvSpPr>
         <p:spPr>
           <a:xfrm>
-            <a:off x="549059" y="2947595"/>
-            <a:ext cx="1362361" cy="369332"/>
+            <a:off x="1867990" y="3827417"/>
+            <a:ext cx="9548948" cy="2233749"/>
           </a:xfrm>
           <a:prstGeom prst="rect">
             <a:avLst/>
           </a:prstGeom>
-          <a:noFill/>
+          <a:ln>
+            <a:noFill/>
+          </a:ln>
         </p:spPr>
-        <p:txBody>
-          <a:bodyPr wrap="none" rtlCol="0">
-            <a:spAutoFit/>
-          </a:bodyPr>
+        <p:style>
+          <a:lnRef idx="2">
+            <a:schemeClr val="dk1"/>
+          </a:lnRef>
+          <a:fillRef idx="1">
+            <a:schemeClr val="lt1"/>
+          </a:fillRef>
+          <a:effectRef idx="0">
+            <a:schemeClr val="dk1"/>
+          </a:effectRef>
+          <a:fontRef idx="minor">
+            <a:schemeClr val="dk1"/>
+          </a:fontRef>
+        </p:style>
+        <p:txBody>
+          <a:bodyPr rtlCol="0" anchor="ctr"/>
           <a:lstStyle/>
           <a:p>
-            <a:r>
-              <a:rPr lang="en-US" dirty="0"/>
-              <a:t>(NEGATIVES)</a:t>
-            </a:r>
-          </a:p>
-        </p:txBody>
-      </p:sp>
-      <p:sp>
-        <p:nvSpPr>
-          <p:cNvPr id="20" name="TextBox 19">
-            <a:extLst>
-              <a:ext uri="{FF2B5EF4-FFF2-40B4-BE49-F238E27FC236}">
-                <a16:creationId xmlns:a16="http://schemas.microsoft.com/office/drawing/2014/main" id="{D2E2FE3F-E4A4-954F-8A4F-199C707C9501}"/>
-              </a:ext>
-            </a:extLst>
-          </p:cNvPr>
-          <p:cNvSpPr txBox="1"/>
-          <p:nvPr/>
-        </p:nvSpPr>
-        <p:spPr>
-          <a:xfrm>
-            <a:off x="634147" y="5117025"/>
-            <a:ext cx="1277273" cy="369332"/>
-          </a:xfrm>
-          <a:prstGeom prst="rect">
-            <a:avLst/>
-          </a:prstGeom>
-          <a:noFill/>
-        </p:spPr>
-        <p:txBody>
-          <a:bodyPr wrap="none" rtlCol="0">
-            <a:spAutoFit/>
-          </a:bodyPr>
-          <a:lstStyle/>
-          <a:p>
-            <a:r>
-              <a:rPr lang="en-US" dirty="0"/>
-              <a:t>(POSITIVES)</a:t>
-            </a:r>
-          </a:p>
-        </p:txBody>
-      </p:sp>
-      <p:sp>
-        <p:nvSpPr>
-          <p:cNvPr id="13" name="Title 1">
-            <a:extLst>
-              <a:ext uri="{FF2B5EF4-FFF2-40B4-BE49-F238E27FC236}">
-                <a16:creationId xmlns:a16="http://schemas.microsoft.com/office/drawing/2014/main" id="{5F384E46-4B73-D04A-9146-0DE418B15869}"/>
-              </a:ext>
-            </a:extLst>
-          </p:cNvPr>
-          <p:cNvSpPr>
-            <a:spLocks noGrp="1"/>
-          </p:cNvSpPr>
-          <p:nvPr>
-            <p:ph type="title"/>
-          </p:nvPr>
-        </p:nvSpPr>
-        <p:spPr>
-          <a:xfrm>
-            <a:off x="838200" y="365125"/>
-            <a:ext cx="10515600" cy="1325563"/>
-          </a:xfrm>
-        </p:spPr>
-        <p:txBody>
-          <a:bodyPr/>
-          <a:lstStyle/>
-          <a:p>
             <a:pPr algn="ctr"/>
             <a:r>
-              <a:rPr lang="en-US" dirty="0"/>
-              <a:t>Back to cancer prediction. Suppose we have a model that predicts the probability of malignancy.</a:t>
+              <a:rPr lang="en-US" sz="8000" dirty="0"/>
+              <a:t>?</a:t>
             </a:r>
           </a:p>
         </p:txBody>
@@ -12919,7 +18655,7 @@
     </p:spTree>
     <p:extLst>
       <p:ext uri="{BB962C8B-B14F-4D97-AF65-F5344CB8AC3E}">
-        <p14:creationId xmlns:p14="http://schemas.microsoft.com/office/powerpoint/2010/main" val="3809353039"/>
+        <p14:creationId xmlns:p14="http://schemas.microsoft.com/office/powerpoint/2010/main" val="1808548591"/>
       </p:ext>
     </p:extLst>
   </p:cSld>
@@ -12930,6 +18666,104 @@
 </file>
 
 <file path=ppt/slides/slide5.xml><?xml version="1.0" encoding="utf-8"?>
+<p:sld xmlns:a="http://schemas.openxmlformats.org/drawingml/2006/main" xmlns:r="http://schemas.openxmlformats.org/officeDocument/2006/relationships" xmlns:p="http://schemas.openxmlformats.org/presentationml/2006/main">
+  <p:cSld>
+    <p:spTree>
+      <p:nvGrpSpPr>
+        <p:cNvPr id="1" name=""/>
+        <p:cNvGrpSpPr/>
+        <p:nvPr/>
+      </p:nvGrpSpPr>
+      <p:grpSpPr>
+        <a:xfrm>
+          <a:off x="0" y="0"/>
+          <a:ext cx="0" cy="0"/>
+          <a:chOff x="0" y="0"/>
+          <a:chExt cx="0" cy="0"/>
+        </a:xfrm>
+      </p:grpSpPr>
+      <p:sp>
+        <p:nvSpPr>
+          <p:cNvPr id="2" name="Title 1">
+            <a:extLst>
+              <a:ext uri="{FF2B5EF4-FFF2-40B4-BE49-F238E27FC236}">
+                <a16:creationId xmlns:a16="http://schemas.microsoft.com/office/drawing/2014/main" id="{47403CEA-C913-1D48-BDC5-FE38B2536DC8}"/>
+              </a:ext>
+            </a:extLst>
+          </p:cNvPr>
+          <p:cNvSpPr>
+            <a:spLocks noGrp="1"/>
+          </p:cNvSpPr>
+          <p:nvPr>
+            <p:ph type="title"/>
+          </p:nvPr>
+        </p:nvSpPr>
+        <p:spPr>
+          <a:xfrm>
+            <a:off x="0" y="34982"/>
+            <a:ext cx="12192000" cy="1325563"/>
+          </a:xfrm>
+        </p:spPr>
+        <p:txBody>
+          <a:bodyPr/>
+          <a:lstStyle/>
+          <a:p>
+            <a:pPr algn="ctr"/>
+            <a:r>
+              <a:rPr lang="en-US" sz="3600" u="sng" dirty="0"/>
+              <a:t>Back to cancer prediction</a:t>
+            </a:r>
+            <a:r>
+              <a:rPr lang="en-US" sz="3600" dirty="0"/>
+              <a:t>. Suppose our features are highly informative. What might our model’s predictions look like?</a:t>
+            </a:r>
+          </a:p>
+        </p:txBody>
+      </p:sp>
+      <p:pic>
+        <p:nvPicPr>
+          <p:cNvPr id="5" name="Picture 4">
+            <a:extLst>
+              <a:ext uri="{FF2B5EF4-FFF2-40B4-BE49-F238E27FC236}">
+                <a16:creationId xmlns:a16="http://schemas.microsoft.com/office/drawing/2014/main" id="{F9D792F2-EC6C-A6E1-D456-1BE3218C34E2}"/>
+              </a:ext>
+            </a:extLst>
+          </p:cNvPr>
+          <p:cNvPicPr>
+            <a:picLocks noChangeAspect="1"/>
+          </p:cNvPicPr>
+          <p:nvPr/>
+        </p:nvPicPr>
+        <p:blipFill>
+          <a:blip r:embed="rId3"/>
+          <a:stretch>
+            <a:fillRect/>
+          </a:stretch>
+        </p:blipFill>
+        <p:spPr>
+          <a:xfrm>
+            <a:off x="609600" y="1202168"/>
+            <a:ext cx="10972800" cy="5486400"/>
+          </a:xfrm>
+          <a:prstGeom prst="rect">
+            <a:avLst/>
+          </a:prstGeom>
+        </p:spPr>
+      </p:pic>
+    </p:spTree>
+    <p:extLst>
+      <p:ext uri="{BB962C8B-B14F-4D97-AF65-F5344CB8AC3E}">
+        <p14:creationId xmlns:p14="http://schemas.microsoft.com/office/powerpoint/2010/main" val="3530406028"/>
+      </p:ext>
+    </p:extLst>
+  </p:cSld>
+  <p:clrMapOvr>
+    <a:masterClrMapping/>
+  </p:clrMapOvr>
+</p:sld>
+</file>
+
+<file path=ppt/slides/slide6.xml><?xml version="1.0" encoding="utf-8"?>
 <p:sld xmlns:a="http://schemas.openxmlformats.org/drawingml/2006/main" xmlns:r="http://schemas.openxmlformats.org/officeDocument/2006/relationships" xmlns:p="http://schemas.openxmlformats.org/presentationml/2006/main">
   <p:cSld>
     <p:spTree>
@@ -13179,7 +19013,7 @@
 </p:sld>
 </file>
 
-<file path=ppt/slides/slide6.xml><?xml version="1.0" encoding="utf-8"?>
+<file path=ppt/slides/slide7.xml><?xml version="1.0" encoding="utf-8"?>
 <p:sld xmlns:a="http://schemas.openxmlformats.org/drawingml/2006/main" xmlns:r="http://schemas.openxmlformats.org/officeDocument/2006/relationships" xmlns:p="http://schemas.openxmlformats.org/presentationml/2006/main">
   <p:cSld>
     <p:spTree>
@@ -13853,95 +19687,6 @@
 </p:sld>
 </file>
 
-<file path=ppt/slides/slide7.xml><?xml version="1.0" encoding="utf-8"?>
-<p:sld xmlns:a="http://schemas.openxmlformats.org/drawingml/2006/main" xmlns:r="http://schemas.openxmlformats.org/officeDocument/2006/relationships" xmlns:p="http://schemas.openxmlformats.org/presentationml/2006/main">
-  <p:cSld>
-    <p:spTree>
-      <p:nvGrpSpPr>
-        <p:cNvPr id="1" name=""/>
-        <p:cNvGrpSpPr/>
-        <p:nvPr/>
-      </p:nvGrpSpPr>
-      <p:grpSpPr>
-        <a:xfrm>
-          <a:off x="0" y="0"/>
-          <a:ext cx="0" cy="0"/>
-          <a:chOff x="0" y="0"/>
-          <a:chExt cx="0" cy="0"/>
-        </a:xfrm>
-      </p:grpSpPr>
-      <p:sp>
-        <p:nvSpPr>
-          <p:cNvPr id="2" name="Title 1">
-            <a:extLst>
-              <a:ext uri="{FF2B5EF4-FFF2-40B4-BE49-F238E27FC236}">
-                <a16:creationId xmlns:a16="http://schemas.microsoft.com/office/drawing/2014/main" id="{D6149E06-6EE7-2044-9326-D9806054AD74}"/>
-              </a:ext>
-            </a:extLst>
-          </p:cNvPr>
-          <p:cNvSpPr>
-            <a:spLocks noGrp="1"/>
-          </p:cNvSpPr>
-          <p:nvPr>
-            <p:ph type="title"/>
-          </p:nvPr>
-        </p:nvSpPr>
-        <p:spPr/>
-        <p:txBody>
-          <a:bodyPr/>
-          <a:lstStyle/>
-          <a:p>
-            <a:pPr algn="ctr"/>
-            <a:r>
-              <a:rPr lang="en-US" dirty="0"/>
-              <a:t>ROC versus PR curve: two different tradeoffs</a:t>
-            </a:r>
-          </a:p>
-        </p:txBody>
-      </p:sp>
-      <p:pic>
-        <p:nvPicPr>
-          <p:cNvPr id="6" name="Picture 5">
-            <a:extLst>
-              <a:ext uri="{FF2B5EF4-FFF2-40B4-BE49-F238E27FC236}">
-                <a16:creationId xmlns:a16="http://schemas.microsoft.com/office/drawing/2014/main" id="{A65D34D2-540F-0447-B227-F95E5D773A3F}"/>
-              </a:ext>
-            </a:extLst>
-          </p:cNvPr>
-          <p:cNvPicPr>
-            <a:picLocks noChangeAspect="1"/>
-          </p:cNvPicPr>
-          <p:nvPr/>
-        </p:nvPicPr>
-        <p:blipFill>
-          <a:blip r:embed="rId3"/>
-          <a:stretch>
-            <a:fillRect/>
-          </a:stretch>
-        </p:blipFill>
-        <p:spPr>
-          <a:xfrm>
-            <a:off x="742277" y="1293606"/>
-            <a:ext cx="10707445" cy="5353723"/>
-          </a:xfrm>
-          <a:prstGeom prst="rect">
-            <a:avLst/>
-          </a:prstGeom>
-        </p:spPr>
-      </p:pic>
-    </p:spTree>
-    <p:extLst>
-      <p:ext uri="{BB962C8B-B14F-4D97-AF65-F5344CB8AC3E}">
-        <p14:creationId xmlns:p14="http://schemas.microsoft.com/office/powerpoint/2010/main" val="1739432173"/>
-      </p:ext>
-    </p:extLst>
-  </p:cSld>
-  <p:clrMapOvr>
-    <a:masterClrMapping/>
-  </p:clrMapOvr>
-</p:sld>
-</file>
-
 <file path=ppt/slides/slide8.xml><?xml version="1.0" encoding="utf-8"?>
 <p:sld xmlns:a="http://schemas.openxmlformats.org/drawingml/2006/main" xmlns:r="http://schemas.openxmlformats.org/officeDocument/2006/relationships" xmlns:p="http://schemas.openxmlformats.org/presentationml/2006/main">
   <p:cSld>
@@ -13959,12 +19704,41 @@
           <a:chExt cx="0" cy="0"/>
         </a:xfrm>
       </p:grpSpPr>
+      <p:sp>
+        <p:nvSpPr>
+          <p:cNvPr id="2" name="Title 1">
+            <a:extLst>
+              <a:ext uri="{FF2B5EF4-FFF2-40B4-BE49-F238E27FC236}">
+                <a16:creationId xmlns:a16="http://schemas.microsoft.com/office/drawing/2014/main" id="{D6149E06-6EE7-2044-9326-D9806054AD74}"/>
+              </a:ext>
+            </a:extLst>
+          </p:cNvPr>
+          <p:cNvSpPr>
+            <a:spLocks noGrp="1"/>
+          </p:cNvSpPr>
+          <p:nvPr>
+            <p:ph type="title"/>
+          </p:nvPr>
+        </p:nvSpPr>
+        <p:spPr/>
+        <p:txBody>
+          <a:bodyPr/>
+          <a:lstStyle/>
+          <a:p>
+            <a:pPr algn="ctr"/>
+            <a:r>
+              <a:rPr lang="en-US" dirty="0"/>
+              <a:t>Receiver Operating Characteristic Curve</a:t>
+            </a:r>
+          </a:p>
+        </p:txBody>
+      </p:sp>
       <p:pic>
         <p:nvPicPr>
-          <p:cNvPr id="4" name="Picture 3">
-            <a:extLst>
-              <a:ext uri="{FF2B5EF4-FFF2-40B4-BE49-F238E27FC236}">
-                <a16:creationId xmlns:a16="http://schemas.microsoft.com/office/drawing/2014/main" id="{7ADB5A59-BB16-1843-985C-20C7DF2E47CB}"/>
+          <p:cNvPr id="6" name="Picture 5">
+            <a:extLst>
+              <a:ext uri="{FF2B5EF4-FFF2-40B4-BE49-F238E27FC236}">
+                <a16:creationId xmlns:a16="http://schemas.microsoft.com/office/drawing/2014/main" id="{A65D34D2-540F-0447-B227-F95E5D773A3F}"/>
               </a:ext>
             </a:extLst>
           </p:cNvPr>
@@ -13973,247 +19747,98 @@
           </p:cNvPicPr>
           <p:nvPr/>
         </p:nvPicPr>
-        <p:blipFill>
-          <a:blip r:embed="rId2"/>
-          <a:stretch>
-            <a:fillRect/>
-          </a:stretch>
+        <p:blipFill rotWithShape="1">
+          <a:blip r:embed="rId3"/>
+          <a:srcRect r="50000"/>
+          <a:stretch/>
         </p:blipFill>
         <p:spPr>
           <a:xfrm>
-            <a:off x="5619235" y="243523"/>
-            <a:ext cx="4663440" cy="2331720"/>
+            <a:off x="5417756" y="1234440"/>
+            <a:ext cx="5343344" cy="5343344"/>
           </a:xfrm>
           <a:prstGeom prst="rect">
             <a:avLst/>
           </a:prstGeom>
         </p:spPr>
       </p:pic>
-      <p:pic>
-        <p:nvPicPr>
-          <p:cNvPr id="7" name="Picture 6">
-            <a:extLst>
-              <a:ext uri="{FF2B5EF4-FFF2-40B4-BE49-F238E27FC236}">
-                <a16:creationId xmlns:a16="http://schemas.microsoft.com/office/drawing/2014/main" id="{A6B8B223-676B-534D-AF6E-6CD2B74871C5}"/>
-              </a:ext>
-            </a:extLst>
-          </p:cNvPr>
-          <p:cNvPicPr>
-            <a:picLocks noChangeAspect="1"/>
-          </p:cNvPicPr>
+      <p:sp>
+        <p:nvSpPr>
+          <p:cNvPr id="3" name="TextBox 2">
+            <a:extLst>
+              <a:ext uri="{FF2B5EF4-FFF2-40B4-BE49-F238E27FC236}">
+                <a16:creationId xmlns:a16="http://schemas.microsoft.com/office/drawing/2014/main" id="{66658CFB-0C09-253E-AA29-6E1CCF62AF5D}"/>
+              </a:ext>
+            </a:extLst>
+          </p:cNvPr>
+          <p:cNvSpPr txBox="1"/>
           <p:nvPr/>
-        </p:nvPicPr>
-        <p:blipFill>
-          <a:blip r:embed="rId3"/>
-          <a:stretch>
-            <a:fillRect/>
-          </a:stretch>
-        </p:blipFill>
+        </p:nvSpPr>
         <p:spPr>
           <a:xfrm>
-            <a:off x="3894267" y="2666577"/>
-            <a:ext cx="8113377" cy="4056689"/>
+            <a:off x="838200" y="1690688"/>
+            <a:ext cx="3746863" cy="4247317"/>
           </a:xfrm>
           <a:prstGeom prst="rect">
             <a:avLst/>
           </a:prstGeom>
+          <a:noFill/>
         </p:spPr>
-      </p:pic>
-      <p:sp>
-        <p:nvSpPr>
-          <p:cNvPr id="8" name="Title 1">
-            <a:extLst>
-              <a:ext uri="{FF2B5EF4-FFF2-40B4-BE49-F238E27FC236}">
-                <a16:creationId xmlns:a16="http://schemas.microsoft.com/office/drawing/2014/main" id="{4A84A116-85E5-FE46-8077-FE63250F7AFB}"/>
-              </a:ext>
-            </a:extLst>
-          </p:cNvPr>
-          <p:cNvSpPr>
-            <a:spLocks noGrp="1"/>
-          </p:cNvSpPr>
-          <p:nvPr>
-            <p:ph type="title"/>
-          </p:nvPr>
-        </p:nvSpPr>
-        <p:spPr>
-          <a:xfrm>
-            <a:off x="461682" y="354367"/>
-            <a:ext cx="10515600" cy="1325563"/>
-          </a:xfrm>
-        </p:spPr>
-        <p:txBody>
-          <a:bodyPr/>
+        <p:txBody>
+          <a:bodyPr wrap="square" rtlCol="0">
+            <a:spAutoFit/>
+          </a:bodyPr>
           <a:lstStyle/>
           <a:p>
+            <a:pPr marL="285750" indent="-285750">
+              <a:buFont typeface="Arial" panose="020B0604020202020204" pitchFamily="34" charset="0"/>
+              <a:buChar char="•"/>
+            </a:pPr>
             <a:r>
               <a:rPr lang="en-US" dirty="0"/>
-              <a:t>Operating Point:</a:t>
-            </a:r>
-            <a:br>
+              <a:t>Illustrates the tradeoff between the true positive rate (i.e., sensitivity) and the false positive rate (i.e., 1– specificity) as we vary the threshold.</a:t>
+            </a:r>
+          </a:p>
+          <a:p>
+            <a:pPr marL="285750" indent="-285750">
+              <a:buFont typeface="Arial" panose="020B0604020202020204" pitchFamily="34" charset="0"/>
+              <a:buChar char="•"/>
+            </a:pPr>
+            <a:endParaRPr lang="en-US" dirty="0"/>
+          </a:p>
+          <a:p>
+            <a:pPr marL="285750" indent="-285750">
+              <a:buFont typeface="Arial" panose="020B0604020202020204" pitchFamily="34" charset="0"/>
+              <a:buChar char="•"/>
+            </a:pPr>
+            <a:r>
               <a:rPr lang="en-US" dirty="0"/>
-            </a:br>
-            <a:br>
+              <a:t>The area under this curve (AUC) provides a single summarizing this tradeoff.</a:t>
+            </a:r>
+          </a:p>
+          <a:p>
+            <a:pPr marL="285750" indent="-285750">
+              <a:buFont typeface="Arial" panose="020B0604020202020204" pitchFamily="34" charset="0"/>
+              <a:buChar char="•"/>
+            </a:pPr>
+            <a:endParaRPr lang="en-US" dirty="0"/>
+          </a:p>
+          <a:p>
+            <a:pPr marL="285750" indent="-285750">
+              <a:buFont typeface="Arial" panose="020B0604020202020204" pitchFamily="34" charset="0"/>
+              <a:buChar char="•"/>
+            </a:pPr>
+            <a:r>
               <a:rPr lang="en-US" dirty="0"/>
-            </a:br>
-            <a:r>
-              <a:rPr lang="en-US" i="1" dirty="0"/>
-              <a:t>high sensitivity</a:t>
-            </a:r>
-          </a:p>
-        </p:txBody>
-      </p:sp>
-      <p:cxnSp>
-        <p:nvCxnSpPr>
-          <p:cNvPr id="9" name="Straight Connector 8">
-            <a:extLst>
-              <a:ext uri="{FF2B5EF4-FFF2-40B4-BE49-F238E27FC236}">
-                <a16:creationId xmlns:a16="http://schemas.microsoft.com/office/drawing/2014/main" id="{E84BCA38-7221-DD4E-8DBD-BDBD7BD3E988}"/>
-              </a:ext>
-            </a:extLst>
-          </p:cNvPr>
-          <p:cNvCxnSpPr>
-            <a:cxnSpLocks/>
-          </p:cNvCxnSpPr>
-          <p:nvPr/>
-        </p:nvCxnSpPr>
-        <p:spPr>
-          <a:xfrm>
-            <a:off x="6427037" y="157459"/>
-            <a:ext cx="0" cy="2312210"/>
-          </a:xfrm>
-          <a:prstGeom prst="line">
-            <a:avLst/>
-          </a:prstGeom>
-          <a:ln w="57150">
-            <a:solidFill>
-              <a:srgbClr val="BE0060"/>
-            </a:solidFill>
-            <a:prstDash val="lgDash"/>
-          </a:ln>
-        </p:spPr>
-        <p:style>
-          <a:lnRef idx="1">
-            <a:schemeClr val="accent1"/>
-          </a:lnRef>
-          <a:fillRef idx="0">
-            <a:schemeClr val="accent1"/>
-          </a:fillRef>
-          <a:effectRef idx="0">
-            <a:schemeClr val="accent1"/>
-          </a:effectRef>
-          <a:fontRef idx="minor">
-            <a:schemeClr val="tx1"/>
-          </a:fontRef>
-        </p:style>
-      </p:cxnSp>
-      <p:sp>
-        <p:nvSpPr>
-          <p:cNvPr id="12" name="Oval 11">
-            <a:extLst>
-              <a:ext uri="{FF2B5EF4-FFF2-40B4-BE49-F238E27FC236}">
-                <a16:creationId xmlns:a16="http://schemas.microsoft.com/office/drawing/2014/main" id="{7AC8512F-01D0-2A46-A9EF-F69CB284452C}"/>
-              </a:ext>
-            </a:extLst>
-          </p:cNvPr>
-          <p:cNvSpPr/>
-          <p:nvPr/>
-        </p:nvSpPr>
-        <p:spPr>
-          <a:xfrm>
-            <a:off x="5658864" y="2864697"/>
-            <a:ext cx="182880" cy="182880"/>
-          </a:xfrm>
-          <a:prstGeom prst="ellipse">
-            <a:avLst/>
-          </a:prstGeom>
-          <a:noFill/>
-          <a:ln w="38100">
-            <a:solidFill>
-              <a:srgbClr val="BE0060"/>
-            </a:solidFill>
-          </a:ln>
-        </p:spPr>
-        <p:style>
-          <a:lnRef idx="2">
-            <a:schemeClr val="accent1">
-              <a:shade val="50000"/>
-            </a:schemeClr>
-          </a:lnRef>
-          <a:fillRef idx="1">
-            <a:schemeClr val="accent1"/>
-          </a:fillRef>
-          <a:effectRef idx="0">
-            <a:schemeClr val="accent1"/>
-          </a:effectRef>
-          <a:fontRef idx="minor">
-            <a:schemeClr val="lt1"/>
-          </a:fontRef>
-        </p:style>
-        <p:txBody>
-          <a:bodyPr rtlCol="0" anchor="ctr"/>
-          <a:lstStyle/>
-          <a:p>
-            <a:pPr algn="ctr"/>
-            <a:endParaRPr lang="en-US"/>
-          </a:p>
-        </p:txBody>
-      </p:sp>
-      <p:sp>
-        <p:nvSpPr>
-          <p:cNvPr id="13" name="Oval 12">
-            <a:extLst>
-              <a:ext uri="{FF2B5EF4-FFF2-40B4-BE49-F238E27FC236}">
-                <a16:creationId xmlns:a16="http://schemas.microsoft.com/office/drawing/2014/main" id="{1D00B6C1-790E-214F-B195-1B9CEE53D153}"/>
-              </a:ext>
-            </a:extLst>
-          </p:cNvPr>
-          <p:cNvSpPr/>
-          <p:nvPr/>
-        </p:nvSpPr>
-        <p:spPr>
-          <a:xfrm>
-            <a:off x="11643082" y="3916978"/>
-            <a:ext cx="182880" cy="182880"/>
-          </a:xfrm>
-          <a:prstGeom prst="ellipse">
-            <a:avLst/>
-          </a:prstGeom>
-          <a:noFill/>
-          <a:ln w="38100">
-            <a:solidFill>
-              <a:srgbClr val="BE0060"/>
-            </a:solidFill>
-          </a:ln>
-        </p:spPr>
-        <p:style>
-          <a:lnRef idx="2">
-            <a:schemeClr val="accent1">
-              <a:shade val="50000"/>
-            </a:schemeClr>
-          </a:lnRef>
-          <a:fillRef idx="1">
-            <a:schemeClr val="accent1"/>
-          </a:fillRef>
-          <a:effectRef idx="0">
-            <a:schemeClr val="accent1"/>
-          </a:effectRef>
-          <a:fontRef idx="minor">
-            <a:schemeClr val="lt1"/>
-          </a:fontRef>
-        </p:style>
-        <p:txBody>
-          <a:bodyPr rtlCol="0" anchor="ctr"/>
-          <a:lstStyle/>
-          <a:p>
-            <a:pPr algn="ctr"/>
-            <a:endParaRPr lang="en-US"/>
+              <a:t>Note that to get the sensitivity versus specificity curve, we simply rotate the ROC curve clockwise by 90 degrees. The areas under the two curves are the same.</a:t>
+            </a:r>
           </a:p>
         </p:txBody>
       </p:sp>
     </p:spTree>
     <p:extLst>
       <p:ext uri="{BB962C8B-B14F-4D97-AF65-F5344CB8AC3E}">
-        <p14:creationId xmlns:p14="http://schemas.microsoft.com/office/powerpoint/2010/main" val="2477888211"/>
+        <p14:creationId xmlns:p14="http://schemas.microsoft.com/office/powerpoint/2010/main" val="1739432173"/>
       </p:ext>
     </p:extLst>
   </p:cSld>
@@ -14240,72 +19865,12 @@
           <a:chExt cx="0" cy="0"/>
         </a:xfrm>
       </p:grpSpPr>
-      <p:pic>
-        <p:nvPicPr>
-          <p:cNvPr id="4" name="Picture 3">
-            <a:extLst>
-              <a:ext uri="{FF2B5EF4-FFF2-40B4-BE49-F238E27FC236}">
-                <a16:creationId xmlns:a16="http://schemas.microsoft.com/office/drawing/2014/main" id="{7ADB5A59-BB16-1843-985C-20C7DF2E47CB}"/>
-              </a:ext>
-            </a:extLst>
-          </p:cNvPr>
-          <p:cNvPicPr>
-            <a:picLocks noChangeAspect="1"/>
-          </p:cNvPicPr>
-          <p:nvPr/>
-        </p:nvPicPr>
-        <p:blipFill>
-          <a:blip r:embed="rId2"/>
-          <a:stretch>
-            <a:fillRect/>
-          </a:stretch>
-        </p:blipFill>
-        <p:spPr>
-          <a:xfrm>
-            <a:off x="5619235" y="243523"/>
-            <a:ext cx="4663440" cy="2331720"/>
-          </a:xfrm>
-          <a:prstGeom prst="rect">
-            <a:avLst/>
-          </a:prstGeom>
-        </p:spPr>
-      </p:pic>
-      <p:pic>
-        <p:nvPicPr>
-          <p:cNvPr id="7" name="Picture 6">
-            <a:extLst>
-              <a:ext uri="{FF2B5EF4-FFF2-40B4-BE49-F238E27FC236}">
-                <a16:creationId xmlns:a16="http://schemas.microsoft.com/office/drawing/2014/main" id="{A6B8B223-676B-534D-AF6E-6CD2B74871C5}"/>
-              </a:ext>
-            </a:extLst>
-          </p:cNvPr>
-          <p:cNvPicPr>
-            <a:picLocks noChangeAspect="1"/>
-          </p:cNvPicPr>
-          <p:nvPr/>
-        </p:nvPicPr>
-        <p:blipFill>
-          <a:blip r:embed="rId3"/>
-          <a:stretch>
-            <a:fillRect/>
-          </a:stretch>
-        </p:blipFill>
-        <p:spPr>
-          <a:xfrm>
-            <a:off x="3894267" y="2666577"/>
-            <a:ext cx="8113377" cy="4056689"/>
-          </a:xfrm>
-          <a:prstGeom prst="rect">
-            <a:avLst/>
-          </a:prstGeom>
-        </p:spPr>
-      </p:pic>
-      <p:sp>
-        <p:nvSpPr>
-          <p:cNvPr id="8" name="Title 1">
-            <a:extLst>
-              <a:ext uri="{FF2B5EF4-FFF2-40B4-BE49-F238E27FC236}">
-                <a16:creationId xmlns:a16="http://schemas.microsoft.com/office/drawing/2014/main" id="{4A84A116-85E5-FE46-8077-FE63250F7AFB}"/>
+      <p:sp>
+        <p:nvSpPr>
+          <p:cNvPr id="2" name="Title 1">
+            <a:extLst>
+              <a:ext uri="{FF2B5EF4-FFF2-40B4-BE49-F238E27FC236}">
+                <a16:creationId xmlns:a16="http://schemas.microsoft.com/office/drawing/2014/main" id="{1DC09AEF-C5E6-CA2C-A9D1-D8BAE97A7A07}"/>
               </a:ext>
             </a:extLst>
           </p:cNvPr>
@@ -14316,185 +19881,96 @@
             <p:ph type="title"/>
           </p:nvPr>
         </p:nvSpPr>
-        <p:spPr>
-          <a:xfrm>
-            <a:off x="461682" y="354367"/>
-            <a:ext cx="10515600" cy="1325563"/>
-          </a:xfrm>
-        </p:spPr>
+        <p:spPr/>
         <p:txBody>
           <a:bodyPr/>
           <a:lstStyle/>
           <a:p>
             <a:r>
               <a:rPr lang="en-US" dirty="0"/>
-              <a:t>Operating Point:</a:t>
+              <a:t>So, what’s a </a:t>
+            </a:r>
+            <a:r>
+              <a:rPr lang="en-US" i="1" dirty="0"/>
+              <a:t>good</a:t>
+            </a:r>
+            <a:r>
+              <a:rPr lang="en-US" dirty="0"/>
+              <a:t> AUC value?</a:t>
             </a:r>
             <a:br>
               <a:rPr lang="en-US" dirty="0"/>
             </a:br>
-            <a:br>
-              <a:rPr lang="en-US" dirty="0"/>
-            </a:br>
-            <a:r>
-              <a:rPr lang="en-US" i="1" dirty="0"/>
-              <a:t>balanced</a:t>
-            </a:r>
-          </a:p>
-        </p:txBody>
-      </p:sp>
-      <p:cxnSp>
-        <p:nvCxnSpPr>
-          <p:cNvPr id="9" name="Straight Connector 8">
-            <a:extLst>
-              <a:ext uri="{FF2B5EF4-FFF2-40B4-BE49-F238E27FC236}">
-                <a16:creationId xmlns:a16="http://schemas.microsoft.com/office/drawing/2014/main" id="{E84BCA38-7221-DD4E-8DBD-BDBD7BD3E988}"/>
-              </a:ext>
-            </a:extLst>
-          </p:cNvPr>
-          <p:cNvCxnSpPr>
-            <a:cxnSpLocks/>
-          </p:cNvCxnSpPr>
-          <p:nvPr/>
-        </p:nvCxnSpPr>
+            <a:r>
+              <a:rPr lang="en-US" sz="3200" dirty="0"/>
+              <a:t>(i.e., </a:t>
+            </a:r>
+            <a:r>
+              <a:rPr lang="en-US" sz="3200" i="1" dirty="0"/>
+              <a:t>good</a:t>
+            </a:r>
+            <a:r>
+              <a:rPr lang="en-US" sz="3200" dirty="0"/>
+              <a:t> performance)?</a:t>
+            </a:r>
+            <a:endParaRPr lang="en-US" dirty="0"/>
+          </a:p>
+        </p:txBody>
+      </p:sp>
+      <p:sp>
+        <p:nvSpPr>
+          <p:cNvPr id="3" name="Content Placeholder 2">
+            <a:extLst>
+              <a:ext uri="{FF2B5EF4-FFF2-40B4-BE49-F238E27FC236}">
+                <a16:creationId xmlns:a16="http://schemas.microsoft.com/office/drawing/2014/main" id="{9CD7A9CD-6B0E-233F-23CC-053E02137135}"/>
+              </a:ext>
+            </a:extLst>
+          </p:cNvPr>
+          <p:cNvSpPr>
+            <a:spLocks noGrp="1"/>
+          </p:cNvSpPr>
+          <p:nvPr>
+            <p:ph idx="1"/>
+          </p:nvPr>
+        </p:nvSpPr>
         <p:spPr>
           <a:xfrm>
-            <a:off x="8183266" y="157459"/>
-            <a:ext cx="0" cy="2312210"/>
+            <a:off x="838200" y="1472927"/>
+            <a:ext cx="10515600" cy="4849495"/>
           </a:xfrm>
-          <a:prstGeom prst="line">
-            <a:avLst/>
-          </a:prstGeom>
-          <a:ln w="57150">
-            <a:solidFill>
-              <a:srgbClr val="BE0060"/>
-            </a:solidFill>
-            <a:prstDash val="lgDash"/>
-          </a:ln>
         </p:spPr>
-        <p:style>
-          <a:lnRef idx="1">
-            <a:schemeClr val="accent1"/>
-          </a:lnRef>
-          <a:fillRef idx="0">
-            <a:schemeClr val="accent1"/>
-          </a:fillRef>
-          <a:effectRef idx="0">
-            <a:schemeClr val="accent1"/>
-          </a:effectRef>
-          <a:fontRef idx="minor">
-            <a:schemeClr val="tx1"/>
-          </a:fontRef>
-        </p:style>
-      </p:cxnSp>
-      <p:sp>
-        <p:nvSpPr>
-          <p:cNvPr id="12" name="Oval 11">
-            <a:extLst>
-              <a:ext uri="{FF2B5EF4-FFF2-40B4-BE49-F238E27FC236}">
-                <a16:creationId xmlns:a16="http://schemas.microsoft.com/office/drawing/2014/main" id="{7AC8512F-01D0-2A46-A9EF-F69CB284452C}"/>
-              </a:ext>
-            </a:extLst>
-          </p:cNvPr>
-          <p:cNvSpPr/>
-          <p:nvPr/>
-        </p:nvSpPr>
-        <p:spPr>
-          <a:xfrm>
-            <a:off x="4889606" y="3217092"/>
-            <a:ext cx="182880" cy="182880"/>
-          </a:xfrm>
-          <a:prstGeom prst="ellipse">
-            <a:avLst/>
-          </a:prstGeom>
-          <a:noFill/>
-          <a:ln w="38100">
-            <a:solidFill>
-              <a:srgbClr val="BE0060"/>
-            </a:solidFill>
-          </a:ln>
-        </p:spPr>
-        <p:style>
-          <a:lnRef idx="2">
-            <a:schemeClr val="accent1">
-              <a:shade val="50000"/>
-            </a:schemeClr>
-          </a:lnRef>
-          <a:fillRef idx="1">
-            <a:schemeClr val="accent1"/>
-          </a:fillRef>
-          <a:effectRef idx="0">
-            <a:schemeClr val="accent1"/>
-          </a:effectRef>
-          <a:fontRef idx="minor">
-            <a:schemeClr val="lt1"/>
-          </a:fontRef>
-        </p:style>
-        <p:txBody>
-          <a:bodyPr rtlCol="0" anchor="ctr"/>
+        <p:txBody>
+          <a:bodyPr/>
           <a:lstStyle/>
           <a:p>
-            <a:pPr algn="ctr"/>
-            <a:endParaRPr lang="en-US"/>
-          </a:p>
-        </p:txBody>
-      </p:sp>
-      <p:sp>
-        <p:nvSpPr>
-          <p:cNvPr id="13" name="Oval 12">
-            <a:extLst>
-              <a:ext uri="{FF2B5EF4-FFF2-40B4-BE49-F238E27FC236}">
-                <a16:creationId xmlns:a16="http://schemas.microsoft.com/office/drawing/2014/main" id="{1D00B6C1-790E-214F-B195-1B9CEE53D153}"/>
-              </a:ext>
-            </a:extLst>
-          </p:cNvPr>
-          <p:cNvSpPr/>
-          <p:nvPr/>
-        </p:nvSpPr>
-        <p:spPr>
-          <a:xfrm>
-            <a:off x="11265712" y="3278347"/>
-            <a:ext cx="182880" cy="182880"/>
-          </a:xfrm>
-          <a:prstGeom prst="ellipse">
-            <a:avLst/>
-          </a:prstGeom>
-          <a:noFill/>
-          <a:ln w="38100">
-            <a:solidFill>
-              <a:srgbClr val="BE0060"/>
-            </a:solidFill>
-          </a:ln>
-        </p:spPr>
-        <p:style>
-          <a:lnRef idx="2">
-            <a:schemeClr val="accent1">
-              <a:shade val="50000"/>
-            </a:schemeClr>
-          </a:lnRef>
-          <a:fillRef idx="1">
-            <a:schemeClr val="accent1"/>
-          </a:fillRef>
-          <a:effectRef idx="0">
-            <a:schemeClr val="accent1"/>
-          </a:effectRef>
-          <a:fontRef idx="minor">
-            <a:schemeClr val="lt1"/>
-          </a:fontRef>
-        </p:style>
-        <p:txBody>
-          <a:bodyPr rtlCol="0" anchor="ctr"/>
-          <a:lstStyle/>
-          <a:p>
-            <a:pPr algn="ctr"/>
-            <a:endParaRPr lang="en-US"/>
+            <a:pPr marL="0" indent="0">
+              <a:buNone/>
+            </a:pPr>
+            <a:endParaRPr lang="en-US" dirty="0"/>
+          </a:p>
+          <a:p>
+            <a:pPr marL="0" indent="0">
+              <a:buNone/>
+            </a:pPr>
+            <a:r>
+              <a:rPr lang="en-US" dirty="0"/>
+              <a:t>We’ll start to answer this question by taking a look at </a:t>
+            </a:r>
+            <a:r>
+              <a:rPr lang="en-US" i="1" dirty="0"/>
+              <a:t>bad</a:t>
+            </a:r>
+            <a:r>
+              <a:rPr lang="en-US" dirty="0"/>
+              <a:t> performance.</a:t>
+            </a:r>
           </a:p>
         </p:txBody>
       </p:sp>
     </p:spTree>
     <p:extLst>
       <p:ext uri="{BB962C8B-B14F-4D97-AF65-F5344CB8AC3E}">
-        <p14:creationId xmlns:p14="http://schemas.microsoft.com/office/powerpoint/2010/main" val="1022324333"/>
+        <p14:creationId xmlns:p14="http://schemas.microsoft.com/office/powerpoint/2010/main" val="386549474"/>
       </p:ext>
     </p:extLst>
   </p:cSld>

--- a/lectures/ll3.pptx
+++ b/lectures/ll3.pptx
@@ -235,7 +235,7 @@
           <a:p>
             <a:fld id="{07C78A03-F245-1B43-8CDE-3B0275888050}" type="datetimeFigureOut">
               <a:rPr lang="en-US" smtClean="0"/>
-              <a:t>5/6/22</a:t>
+              <a:t>5/7/22</a:t>
             </a:fld>
             <a:endParaRPr lang="en-US"/>
           </a:p>
@@ -2494,7 +2494,7 @@
           <a:p>
             <a:fld id="{43173F10-24B0-F241-BAFD-0430E6089C92}" type="datetimeFigureOut">
               <a:rPr lang="en-US" smtClean="0"/>
-              <a:t>5/6/22</a:t>
+              <a:t>5/7/22</a:t>
             </a:fld>
             <a:endParaRPr lang="en-US"/>
           </a:p>
@@ -2692,7 +2692,7 @@
           <a:p>
             <a:fld id="{43173F10-24B0-F241-BAFD-0430E6089C92}" type="datetimeFigureOut">
               <a:rPr lang="en-US" smtClean="0"/>
-              <a:t>5/6/22</a:t>
+              <a:t>5/7/22</a:t>
             </a:fld>
             <a:endParaRPr lang="en-US"/>
           </a:p>
@@ -2967,7 +2967,7 @@
           <a:p>
             <a:fld id="{43173F10-24B0-F241-BAFD-0430E6089C92}" type="datetimeFigureOut">
               <a:rPr lang="en-US" smtClean="0"/>
-              <a:t>5/6/22</a:t>
+              <a:t>5/7/22</a:t>
             </a:fld>
             <a:endParaRPr lang="en-US"/>
           </a:p>
@@ -3232,7 +3232,7 @@
           <a:p>
             <a:fld id="{43173F10-24B0-F241-BAFD-0430E6089C92}" type="datetimeFigureOut">
               <a:rPr lang="en-US" smtClean="0"/>
-              <a:t>5/6/22</a:t>
+              <a:t>5/7/22</a:t>
             </a:fld>
             <a:endParaRPr lang="en-US"/>
           </a:p>
@@ -3644,7 +3644,7 @@
           <a:p>
             <a:fld id="{43173F10-24B0-F241-BAFD-0430E6089C92}" type="datetimeFigureOut">
               <a:rPr lang="en-US" smtClean="0"/>
-              <a:t>5/6/22</a:t>
+              <a:t>5/7/22</a:t>
             </a:fld>
             <a:endParaRPr lang="en-US"/>
           </a:p>
@@ -3785,7 +3785,7 @@
           <a:p>
             <a:fld id="{43173F10-24B0-F241-BAFD-0430E6089C92}" type="datetimeFigureOut">
               <a:rPr lang="en-US" smtClean="0"/>
-              <a:t>5/6/22</a:t>
+              <a:t>5/7/22</a:t>
             </a:fld>
             <a:endParaRPr lang="en-US"/>
           </a:p>
@@ -3898,7 +3898,7 @@
           <a:p>
             <a:fld id="{43173F10-24B0-F241-BAFD-0430E6089C92}" type="datetimeFigureOut">
               <a:rPr lang="en-US" smtClean="0"/>
-              <a:t>5/6/22</a:t>
+              <a:t>5/7/22</a:t>
             </a:fld>
             <a:endParaRPr lang="en-US"/>
           </a:p>
@@ -4209,7 +4209,7 @@
           <a:p>
             <a:fld id="{43173F10-24B0-F241-BAFD-0430E6089C92}" type="datetimeFigureOut">
               <a:rPr lang="en-US" smtClean="0"/>
-              <a:t>5/6/22</a:t>
+              <a:t>5/7/22</a:t>
             </a:fld>
             <a:endParaRPr lang="en-US"/>
           </a:p>
@@ -4628,7 +4628,7 @@
           <a:p>
             <a:fld id="{43173F10-24B0-F241-BAFD-0430E6089C92}" type="datetimeFigureOut">
               <a:rPr lang="en-US" smtClean="0"/>
-              <a:t>5/6/22</a:t>
+              <a:t>5/7/22</a:t>
             </a:fld>
             <a:endParaRPr lang="en-US"/>
           </a:p>
@@ -4826,7 +4826,7 @@
           <a:p>
             <a:fld id="{43173F10-24B0-F241-BAFD-0430E6089C92}" type="datetimeFigureOut">
               <a:rPr lang="en-US" smtClean="0"/>
-              <a:t>5/6/22</a:t>
+              <a:t>5/7/22</a:t>
             </a:fld>
             <a:endParaRPr lang="en-US"/>
           </a:p>
@@ -5034,7 +5034,7 @@
           <a:p>
             <a:fld id="{43173F10-24B0-F241-BAFD-0430E6089C92}" type="datetimeFigureOut">
               <a:rPr lang="en-US" smtClean="0"/>
-              <a:t>5/6/22</a:t>
+              <a:t>5/7/22</a:t>
             </a:fld>
             <a:endParaRPr lang="en-US"/>
           </a:p>
@@ -6886,7 +6886,7 @@
           <a:p>
             <a:fld id="{43173F10-24B0-F241-BAFD-0430E6089C92}" type="datetimeFigureOut">
               <a:rPr lang="en-US" smtClean="0"/>
-              <a:t>5/6/22</a:t>
+              <a:t>5/7/22</a:t>
             </a:fld>
             <a:endParaRPr lang="en-US"/>
           </a:p>
@@ -8330,21 +8330,21 @@
             <a:pPr lvl="1"/>
             <a:r>
               <a:rPr lang="en-US" dirty="0"/>
-              <a:t>Sensitivity = .3</a:t>
+              <a:t>Sensitivity = .7</a:t>
             </a:r>
           </a:p>
           <a:p>
             <a:pPr lvl="1"/>
             <a:r>
               <a:rPr lang="en-US" dirty="0"/>
-              <a:t>False positive rate = .3</a:t>
+              <a:t>False positive rate = .7</a:t>
             </a:r>
           </a:p>
           <a:p>
             <a:pPr lvl="1"/>
             <a:r>
               <a:rPr lang="en-US" dirty="0"/>
-              <a:t>Specificity = 1-.3</a:t>
+              <a:t>Specificity = 1-.7</a:t>
             </a:r>
           </a:p>
           <a:p>
@@ -8368,14 +8368,14 @@
             </a:r>
             <a:r>
               <a:rPr lang="en-US" i="1" dirty="0"/>
-              <a:t> p</a:t>
+              <a:t> 1-p</a:t>
             </a:r>
           </a:p>
           <a:p>
             <a:pPr lvl="1"/>
             <a:r>
               <a:rPr lang="en-US" dirty="0"/>
-              <a:t>False positive rate = </a:t>
+              <a:t>False positive rate = 1-</a:t>
             </a:r>
             <a:r>
               <a:rPr lang="en-US" i="1" dirty="0"/>
@@ -8390,7 +8390,7 @@
             </a:r>
             <a:r>
               <a:rPr lang="en-US" i="1" dirty="0"/>
-              <a:t> 1-p</a:t>
+              <a:t> p</a:t>
             </a:r>
           </a:p>
         </p:txBody>
@@ -8609,8 +8609,8 @@
           </a:extLst>
         </p:spPr>
       </p:pic>
-      <mc:AlternateContent xmlns:mc="http://schemas.openxmlformats.org/markup-compatibility/2006">
-        <mc:Choice xmlns:a14="http://schemas.microsoft.com/office/drawing/2010/main" Requires="a14">
+      <mc:AlternateContent xmlns:mc="http://schemas.openxmlformats.org/markup-compatibility/2006" xmlns:a14="http://schemas.microsoft.com/office/drawing/2010/main">
+        <mc:Choice Requires="a14">
           <p:sp>
             <p:nvSpPr>
               <p:cNvPr id="4" name="TextBox 3">
@@ -8716,7 +8716,7 @@
             </p:txBody>
           </p:sp>
         </mc:Choice>
-        <mc:Fallback>
+        <mc:Fallback xmlns="">
           <p:sp>
             <p:nvSpPr>
               <p:cNvPr id="4" name="TextBox 3">
@@ -8945,8 +8945,8 @@
           </a:extLst>
         </p:spPr>
       </p:pic>
-      <mc:AlternateContent xmlns:mc="http://schemas.openxmlformats.org/markup-compatibility/2006">
-        <mc:Choice xmlns:a14="http://schemas.microsoft.com/office/drawing/2010/main" Requires="a14">
+      <mc:AlternateContent xmlns:mc="http://schemas.openxmlformats.org/markup-compatibility/2006" xmlns:a14="http://schemas.microsoft.com/office/drawing/2010/main">
+        <mc:Choice Requires="a14">
           <p:sp>
             <p:nvSpPr>
               <p:cNvPr id="4" name="TextBox 3">
@@ -9052,7 +9052,7 @@
             </p:txBody>
           </p:sp>
         </mc:Choice>
-        <mc:Fallback>
+        <mc:Fallback xmlns="">
           <p:sp>
             <p:nvSpPr>
               <p:cNvPr id="4" name="TextBox 3">
@@ -9281,8 +9281,8 @@
           </a:extLst>
         </p:spPr>
       </p:pic>
-      <mc:AlternateContent xmlns:mc="http://schemas.openxmlformats.org/markup-compatibility/2006">
-        <mc:Choice xmlns:a14="http://schemas.microsoft.com/office/drawing/2010/main" Requires="a14">
+      <mc:AlternateContent xmlns:mc="http://schemas.openxmlformats.org/markup-compatibility/2006" xmlns:a14="http://schemas.microsoft.com/office/drawing/2010/main">
+        <mc:Choice Requires="a14">
           <p:sp>
             <p:nvSpPr>
               <p:cNvPr id="4" name="TextBox 3">
@@ -9388,7 +9388,7 @@
             </p:txBody>
           </p:sp>
         </mc:Choice>
-        <mc:Fallback>
+        <mc:Fallback xmlns="">
           <p:sp>
             <p:nvSpPr>
               <p:cNvPr id="4" name="TextBox 3">
@@ -9478,8 +9478,8 @@
           </a:extLst>
         </p:spPr>
       </p:pic>
-      <mc:AlternateContent xmlns:mc="http://schemas.openxmlformats.org/markup-compatibility/2006">
-        <mc:Choice xmlns:a14="http://schemas.microsoft.com/office/drawing/2010/main" Requires="a14">
+      <mc:AlternateContent xmlns:mc="http://schemas.openxmlformats.org/markup-compatibility/2006" xmlns:a14="http://schemas.microsoft.com/office/drawing/2010/main">
+        <mc:Choice Requires="a14">
           <p:sp>
             <p:nvSpPr>
               <p:cNvPr id="7" name="TextBox 6">
@@ -9592,7 +9592,7 @@
             </p:txBody>
           </p:sp>
         </mc:Choice>
-        <mc:Fallback>
+        <mc:Fallback xmlns="">
           <p:sp>
             <p:nvSpPr>
               <p:cNvPr id="7" name="TextBox 6">
@@ -9821,8 +9821,8 @@
           </a:extLst>
         </p:spPr>
       </p:pic>
-      <mc:AlternateContent xmlns:mc="http://schemas.openxmlformats.org/markup-compatibility/2006">
-        <mc:Choice xmlns:a14="http://schemas.microsoft.com/office/drawing/2010/main" Requires="a14">
+      <mc:AlternateContent xmlns:mc="http://schemas.openxmlformats.org/markup-compatibility/2006" xmlns:a14="http://schemas.microsoft.com/office/drawing/2010/main">
+        <mc:Choice Requires="a14">
           <p:sp>
             <p:nvSpPr>
               <p:cNvPr id="4" name="TextBox 3">
@@ -9928,7 +9928,7 @@
             </p:txBody>
           </p:sp>
         </mc:Choice>
-        <mc:Fallback>
+        <mc:Fallback xmlns="">
           <p:sp>
             <p:nvSpPr>
               <p:cNvPr id="4" name="TextBox 3">
@@ -10105,7 +10105,7 @@
                 </a:pPr>
                 <a:r>
                   <a:rPr lang="en-US" dirty="0"/>
-                  <a:t>Sensitivity = </a:t>
+                  <a:t>Sensitivity = 1-</a:t>
                 </a:r>
                 <a:r>
                   <a:rPr lang="en-US" i="1" dirty="0"/>
@@ -10119,7 +10119,7 @@
                 </a:pPr>
                 <a:r>
                   <a:rPr lang="en-US" dirty="0"/>
-                  <a:t>False positive rate = </a:t>
+                  <a:t>False positive rate = 1-</a:t>
                 </a:r>
                 <a:r>
                   <a:rPr lang="en-US" i="1" dirty="0"/>
@@ -10133,7 +10133,7 @@
                 </a:pPr>
                 <a:r>
                   <a:rPr lang="en-US" dirty="0"/>
-                  <a:t>Specificity = 1-</a:t>
+                  <a:t>Specificity = </a:t>
                 </a:r>
                 <a:r>
                   <a:rPr lang="en-US" i="1" dirty="0"/>
